--- a/ppt/演示文稿1.pptx
+++ b/ppt/演示文稿1.pptx
@@ -114,6 +114,11 @@
       </a:defRPr>
     </a:lvl9pPr>
   </p:defaultTextStyle>
+  <p:extLst>
+    <p:ext uri="{EFAFB233-063F-42B5-8137-9DF3F51BA10A}">
+      <p15:sldGuideLst xmlns:p15="http://schemas.microsoft.com/office/powerpoint/2012/main"/>
+    </p:ext>
+  </p:extLst>
 </p:presentation>
 </file>
 

--- a/ppt/演示文稿1.pptx
+++ b/ppt/演示文稿1.pptx
@@ -5,7 +5,7 @@
     <p:sldMasterId id="2147483660" r:id="rId1"/>
   </p:sldMasterIdLst>
   <p:notesMasterIdLst>
-    <p:notesMasterId r:id="rId10"/>
+    <p:notesMasterId r:id="rId14"/>
   </p:notesMasterIdLst>
   <p:sldIdLst>
     <p:sldId id="256" r:id="rId2"/>
@@ -16,6 +16,10 @@
     <p:sldId id="261" r:id="rId7"/>
     <p:sldId id="262" r:id="rId8"/>
     <p:sldId id="263" r:id="rId9"/>
+    <p:sldId id="264" r:id="rId10"/>
+    <p:sldId id="265" r:id="rId11"/>
+    <p:sldId id="266" r:id="rId12"/>
+    <p:sldId id="267" r:id="rId13"/>
   </p:sldIdLst>
   <p:sldSz cx="12192000" cy="6858000"/>
   <p:notesSz cx="6858000" cy="9144000"/>
@@ -122,6 +126,10 @@
 </p:presentation>
 </file>
 
+<file path=ppt/revisionInfo.xml><?xml version="1.0" encoding="utf-8"?>
+<p1510:revInfo xmlns:a="http://schemas.openxmlformats.org/drawingml/2006/main" xmlns:r="http://schemas.openxmlformats.org/officeDocument/2006/relationships" xmlns:p1510="http://schemas.microsoft.com/office/powerpoint/2015/10/main"/>
+</file>
+
 <file path=ppt/notesMasters/notesMaster1.xml><?xml version="1.0" encoding="utf-8"?>
 <p:notesMaster xmlns:a="http://schemas.openxmlformats.org/drawingml/2006/main" xmlns:r="http://schemas.openxmlformats.org/officeDocument/2006/relationships" xmlns:p="http://schemas.openxmlformats.org/presentationml/2006/main">
   <p:cSld>
@@ -204,7 +212,7 @@
           <a:p>
             <a:fld id="{F0651508-66C8-A04C-9B52-C8E4F8B2F69E}" type="datetimeFigureOut">
               <a:rPr kumimoji="1" lang="zh-CN" altLang="en-US" smtClean="0"/>
-              <a:t>17/10/29</a:t>
+              <a:t>2017/10/29</a:t>
             </a:fld>
             <a:endParaRPr kumimoji="1" lang="zh-CN" altLang="en-US"/>
           </a:p>
@@ -268,38 +276,37 @@
           <a:p>
             <a:pPr lvl="0"/>
             <a:r>
-              <a:rPr kumimoji="1" lang="zh-CN" altLang="en-US" smtClean="0"/>
+              <a:rPr kumimoji="1" lang="zh-CN" altLang="en-US"/>
               <a:t>单击此处编辑母版文本样式</a:t>
             </a:r>
           </a:p>
           <a:p>
             <a:pPr lvl="1"/>
             <a:r>
-              <a:rPr kumimoji="1" lang="zh-CN" altLang="en-US" smtClean="0"/>
+              <a:rPr kumimoji="1" lang="zh-CN" altLang="en-US"/>
               <a:t>二级</a:t>
             </a:r>
           </a:p>
           <a:p>
             <a:pPr lvl="2"/>
             <a:r>
-              <a:rPr kumimoji="1" lang="zh-CN" altLang="en-US" smtClean="0"/>
+              <a:rPr kumimoji="1" lang="zh-CN" altLang="en-US"/>
               <a:t>三级</a:t>
             </a:r>
           </a:p>
           <a:p>
             <a:pPr lvl="3"/>
             <a:r>
-              <a:rPr kumimoji="1" lang="zh-CN" altLang="en-US" smtClean="0"/>
+              <a:rPr kumimoji="1" lang="zh-CN" altLang="en-US"/>
               <a:t>四级</a:t>
             </a:r>
           </a:p>
           <a:p>
             <a:pPr lvl="4"/>
             <a:r>
-              <a:rPr kumimoji="1" lang="zh-CN" altLang="en-US" smtClean="0"/>
+              <a:rPr kumimoji="1" lang="zh-CN" altLang="en-US"/>
               <a:t>五级</a:t>
             </a:r>
-            <a:endParaRPr kumimoji="1" lang="zh-CN" altLang="en-US"/>
           </a:p>
         </p:txBody>
       </p:sp>
@@ -601,10 +608,9 @@
           <a:lstStyle/>
           <a:p>
             <a:r>
-              <a:rPr kumimoji="1" lang="zh-CN" altLang="en-US" dirty="0" smtClean="0"/>
+              <a:rPr kumimoji="1" lang="zh-CN" altLang="en-US" dirty="0"/>
               <a:t>安装脚手架 建立项目 安装依赖</a:t>
             </a:r>
-            <a:endParaRPr kumimoji="1" lang="zh-CN" altLang="en-US" dirty="0"/>
           </a:p>
         </p:txBody>
       </p:sp>
@@ -689,55 +695,55 @@
           <a:lstStyle/>
           <a:p>
             <a:r>
-              <a:rPr kumimoji="1" lang="en-US" altLang="zh-CN" dirty="0" smtClean="0"/>
+              <a:rPr kumimoji="1" lang="en-US" altLang="zh-CN" dirty="0"/>
               <a:t>Playground </a:t>
             </a:r>
             <a:r>
-              <a:rPr kumimoji="1" lang="zh-CN" altLang="en-US" dirty="0" smtClean="0"/>
+              <a:rPr kumimoji="1" lang="zh-CN" altLang="en-US" dirty="0"/>
               <a:t>是一个效果浏览工具</a:t>
             </a:r>
             <a:r>
-              <a:rPr kumimoji="1" lang="en-US" altLang="zh-CN" dirty="0" smtClean="0"/>
+              <a:rPr kumimoji="1" lang="en-US" altLang="zh-CN" dirty="0"/>
               <a:t>,</a:t>
             </a:r>
             <a:r>
-              <a:rPr kumimoji="1" lang="zh-CN" altLang="en-US" dirty="0" smtClean="0"/>
+              <a:rPr kumimoji="1" lang="zh-CN" altLang="en-US" dirty="0"/>
               <a:t>它内置了一些 </a:t>
             </a:r>
             <a:r>
-              <a:rPr kumimoji="1" lang="en-US" altLang="zh-CN" dirty="0" smtClean="0"/>
+              <a:rPr kumimoji="1" lang="en-US" altLang="zh-CN" dirty="0"/>
               <a:t>WEEX</a:t>
             </a:r>
             <a:r>
-              <a:rPr kumimoji="1" lang="zh-CN" altLang="en-US" dirty="0" smtClean="0"/>
+              <a:rPr kumimoji="1" lang="zh-CN" altLang="en-US" dirty="0"/>
               <a:t> 可以实现的效果</a:t>
             </a:r>
             <a:r>
-              <a:rPr kumimoji="1" lang="en-US" altLang="zh-CN" dirty="0" smtClean="0"/>
+              <a:rPr kumimoji="1" lang="en-US" altLang="zh-CN" dirty="0"/>
               <a:t>,</a:t>
             </a:r>
             <a:r>
-              <a:rPr kumimoji="1" lang="zh-CN" altLang="en-US" dirty="0" smtClean="0"/>
+              <a:rPr kumimoji="1" lang="zh-CN" altLang="en-US" dirty="0"/>
               <a:t>同时也可以用它实时浏览我们自己写的页面</a:t>
             </a:r>
             <a:r>
-              <a:rPr kumimoji="1" lang="en-US" altLang="zh-CN" dirty="0" smtClean="0"/>
+              <a:rPr kumimoji="1" lang="en-US" altLang="zh-CN" dirty="0"/>
               <a:t>,</a:t>
             </a:r>
             <a:r>
-              <a:rPr kumimoji="1" lang="zh-CN" altLang="en-US" dirty="0" smtClean="0"/>
+              <a:rPr kumimoji="1" lang="zh-CN" altLang="en-US" dirty="0"/>
               <a:t>并且这些内容不是 </a:t>
             </a:r>
             <a:r>
-              <a:rPr kumimoji="1" lang="en-US" altLang="zh-CN" dirty="0" smtClean="0"/>
+              <a:rPr kumimoji="1" lang="en-US" altLang="zh-CN" dirty="0"/>
               <a:t>H5,</a:t>
             </a:r>
             <a:r>
-              <a:rPr kumimoji="1" lang="zh-CN" altLang="en-US" dirty="0" smtClean="0"/>
+              <a:rPr kumimoji="1" lang="zh-CN" altLang="en-US" dirty="0"/>
               <a:t>而是</a:t>
             </a:r>
             <a:r>
-              <a:rPr lang="en-US" altLang="zh-CN" sz="1200" b="0" i="0" kern="1200" dirty="0" smtClean="0">
+              <a:rPr lang="en-US" altLang="zh-CN" sz="1200" b="0" i="0" kern="1200" dirty="0">
                 <a:solidFill>
                   <a:schemeClr val="tx1"/>
                 </a:solidFill>
@@ -749,11 +755,11 @@
               <a:t>native</a:t>
             </a:r>
             <a:r>
-              <a:rPr kumimoji="1" lang="zh-CN" altLang="en-US" dirty="0" smtClean="0"/>
+              <a:rPr kumimoji="1" lang="zh-CN" altLang="en-US" dirty="0"/>
               <a:t>的</a:t>
             </a:r>
             <a:r>
-              <a:rPr kumimoji="1" lang="en-US" altLang="zh-CN" dirty="0" smtClean="0"/>
+              <a:rPr kumimoji="1" lang="en-US" altLang="zh-CN" dirty="0"/>
               <a:t>.</a:t>
             </a:r>
             <a:endParaRPr kumimoji="1" lang="zh-CN" altLang="en-US" dirty="0"/>
@@ -787,6 +793,209 @@
     <p:extLst>
       <p:ext uri="{BB962C8B-B14F-4D97-AF65-F5344CB8AC3E}">
         <p14:creationId xmlns:p14="http://schemas.microsoft.com/office/powerpoint/2010/main" val="1409627140"/>
+      </p:ext>
+    </p:extLst>
+  </p:cSld>
+  <p:clrMapOvr>
+    <a:masterClrMapping/>
+  </p:clrMapOvr>
+</p:notes>
+</file>
+
+<file path=ppt/notesSlides/notesSlide4.xml><?xml version="1.0" encoding="utf-8"?>
+<p:notes xmlns:a="http://schemas.openxmlformats.org/drawingml/2006/main" xmlns:r="http://schemas.openxmlformats.org/officeDocument/2006/relationships" xmlns:p="http://schemas.openxmlformats.org/presentationml/2006/main">
+  <p:cSld>
+    <p:spTree>
+      <p:nvGrpSpPr>
+        <p:cNvPr id="1" name=""/>
+        <p:cNvGrpSpPr/>
+        <p:nvPr/>
+      </p:nvGrpSpPr>
+      <p:grpSpPr>
+        <a:xfrm>
+          <a:off x="0" y="0"/>
+          <a:ext cx="0" cy="0"/>
+          <a:chOff x="0" y="0"/>
+          <a:chExt cx="0" cy="0"/>
+        </a:xfrm>
+      </p:grpSpPr>
+      <p:sp>
+        <p:nvSpPr>
+          <p:cNvPr id="2" name="幻灯片图像占位符 1"/>
+          <p:cNvSpPr>
+            <a:spLocks noGrp="1" noRot="1" noChangeAspect="1"/>
+          </p:cNvSpPr>
+          <p:nvPr>
+            <p:ph type="sldImg"/>
+          </p:nvPr>
+        </p:nvSpPr>
+        <p:spPr/>
+      </p:sp>
+      <p:sp>
+        <p:nvSpPr>
+          <p:cNvPr id="3" name="备注占位符 2"/>
+          <p:cNvSpPr>
+            <a:spLocks noGrp="1"/>
+          </p:cNvSpPr>
+          <p:nvPr>
+            <p:ph type="body" idx="1"/>
+          </p:nvPr>
+        </p:nvSpPr>
+        <p:spPr/>
+        <p:txBody>
+          <a:bodyPr/>
+          <a:lstStyle/>
+          <a:p>
+            <a:endParaRPr lang="zh-CN" altLang="en-US" dirty="0"/>
+          </a:p>
+        </p:txBody>
+      </p:sp>
+      <p:sp>
+        <p:nvSpPr>
+          <p:cNvPr id="4" name="灯片编号占位符 3"/>
+          <p:cNvSpPr>
+            <a:spLocks noGrp="1"/>
+          </p:cNvSpPr>
+          <p:nvPr>
+            <p:ph type="sldNum" sz="quarter" idx="10"/>
+          </p:nvPr>
+        </p:nvSpPr>
+        <p:spPr/>
+        <p:txBody>
+          <a:bodyPr/>
+          <a:lstStyle/>
+          <a:p>
+            <a:fld id="{52C27BEF-11A0-F544-A726-D4EA06DCF696}" type="slidenum">
+              <a:rPr kumimoji="1" lang="zh-CN" altLang="en-US" smtClean="0"/>
+              <a:t>4</a:t>
+            </a:fld>
+            <a:endParaRPr kumimoji="1" lang="zh-CN" altLang="en-US"/>
+          </a:p>
+        </p:txBody>
+      </p:sp>
+    </p:spTree>
+    <p:extLst>
+      <p:ext uri="{BB962C8B-B14F-4D97-AF65-F5344CB8AC3E}">
+        <p14:creationId xmlns:p14="http://schemas.microsoft.com/office/powerpoint/2010/main" val="1307641522"/>
+      </p:ext>
+    </p:extLst>
+  </p:cSld>
+  <p:clrMapOvr>
+    <a:masterClrMapping/>
+  </p:clrMapOvr>
+</p:notes>
+</file>
+
+<file path=ppt/notesSlides/notesSlide5.xml><?xml version="1.0" encoding="utf-8"?>
+<p:notes xmlns:a="http://schemas.openxmlformats.org/drawingml/2006/main" xmlns:r="http://schemas.openxmlformats.org/officeDocument/2006/relationships" xmlns:p="http://schemas.openxmlformats.org/presentationml/2006/main">
+  <p:cSld>
+    <p:spTree>
+      <p:nvGrpSpPr>
+        <p:cNvPr id="1" name=""/>
+        <p:cNvGrpSpPr/>
+        <p:nvPr/>
+      </p:nvGrpSpPr>
+      <p:grpSpPr>
+        <a:xfrm>
+          <a:off x="0" y="0"/>
+          <a:ext cx="0" cy="0"/>
+          <a:chOff x="0" y="0"/>
+          <a:chExt cx="0" cy="0"/>
+        </a:xfrm>
+      </p:grpSpPr>
+      <p:sp>
+        <p:nvSpPr>
+          <p:cNvPr id="2" name="幻灯片图像占位符 1"/>
+          <p:cNvSpPr>
+            <a:spLocks noGrp="1" noRot="1" noChangeAspect="1"/>
+          </p:cNvSpPr>
+          <p:nvPr>
+            <p:ph type="sldImg"/>
+          </p:nvPr>
+        </p:nvSpPr>
+        <p:spPr/>
+      </p:sp>
+      <p:sp>
+        <p:nvSpPr>
+          <p:cNvPr id="3" name="备注占位符 2"/>
+          <p:cNvSpPr>
+            <a:spLocks noGrp="1"/>
+          </p:cNvSpPr>
+          <p:nvPr>
+            <p:ph type="body" idx="1"/>
+          </p:nvPr>
+        </p:nvSpPr>
+        <p:spPr/>
+        <p:txBody>
+          <a:bodyPr/>
+          <a:lstStyle/>
+          <a:p>
+            <a:r>
+              <a:rPr lang="zh-CN" altLang="en-US" dirty="0"/>
+              <a:t>虽然都使用</a:t>
+            </a:r>
+            <a:r>
+              <a:rPr lang="en-US" altLang="zh-CN" dirty="0"/>
+              <a:t>html </a:t>
+            </a:r>
+            <a:r>
+              <a:rPr lang="en-US" altLang="zh-CN" dirty="0" err="1"/>
+              <a:t>css</a:t>
+            </a:r>
+            <a:r>
+              <a:rPr lang="en-US" altLang="zh-CN" dirty="0"/>
+              <a:t> </a:t>
+            </a:r>
+            <a:r>
+              <a:rPr lang="en-US" altLang="zh-CN" dirty="0" err="1"/>
+              <a:t>javascript</a:t>
+            </a:r>
+            <a:r>
+              <a:rPr lang="en-US" altLang="zh-CN" dirty="0"/>
+              <a:t> </a:t>
+            </a:r>
+            <a:r>
+              <a:rPr lang="zh-CN" altLang="en-US" dirty="0"/>
+              <a:t>但是有区别的 对</a:t>
+            </a:r>
+            <a:r>
+              <a:rPr lang="en-US" altLang="zh-CN" dirty="0"/>
+              <a:t>web</a:t>
+            </a:r>
+            <a:r>
+              <a:rPr lang="zh-CN" altLang="en-US" dirty="0"/>
+              <a:t>标准的支持</a:t>
+            </a:r>
+          </a:p>
+        </p:txBody>
+      </p:sp>
+      <p:sp>
+        <p:nvSpPr>
+          <p:cNvPr id="4" name="灯片编号占位符 3"/>
+          <p:cNvSpPr>
+            <a:spLocks noGrp="1"/>
+          </p:cNvSpPr>
+          <p:nvPr>
+            <p:ph type="sldNum" sz="quarter" idx="10"/>
+          </p:nvPr>
+        </p:nvSpPr>
+        <p:spPr/>
+        <p:txBody>
+          <a:bodyPr/>
+          <a:lstStyle/>
+          <a:p>
+            <a:fld id="{52C27BEF-11A0-F544-A726-D4EA06DCF696}" type="slidenum">
+              <a:rPr kumimoji="1" lang="zh-CN" altLang="en-US" smtClean="0"/>
+              <a:t>8</a:t>
+            </a:fld>
+            <a:endParaRPr kumimoji="1" lang="zh-CN" altLang="en-US"/>
+          </a:p>
+        </p:txBody>
+      </p:sp>
+    </p:spTree>
+    <p:extLst>
+      <p:ext uri="{BB962C8B-B14F-4D97-AF65-F5344CB8AC3E}">
+        <p14:creationId xmlns:p14="http://schemas.microsoft.com/office/powerpoint/2010/main" val="1056790888"/>
       </p:ext>
     </p:extLst>
   </p:cSld>
@@ -838,7 +1047,7 @@
           </a:lstStyle>
           <a:p>
             <a:r>
-              <a:rPr lang="zh-CN" altLang="en-US" smtClean="0"/>
+              <a:rPr lang="zh-CN" altLang="en-US"/>
               <a:t>单击此处编辑母版标题样式</a:t>
             </a:r>
             <a:endParaRPr lang="en-US" dirty="0"/>
@@ -903,7 +1112,7 @@
           </a:lstStyle>
           <a:p>
             <a:r>
-              <a:rPr lang="zh-CN" altLang="en-US" smtClean="0"/>
+              <a:rPr lang="zh-CN" altLang="en-US"/>
               <a:t>单击此处编辑母版副标题样式</a:t>
             </a:r>
             <a:endParaRPr lang="en-US" dirty="0"/>
@@ -927,7 +1136,7 @@
           <a:p>
             <a:fld id="{BC64B8EC-C3FF-4946-9F35-4C8DE8F76F34}" type="datetimeFigureOut">
               <a:rPr kumimoji="1" lang="zh-CN" altLang="en-US" smtClean="0"/>
-              <a:t>17/10/29</a:t>
+              <a:t>2017/10/29</a:t>
             </a:fld>
             <a:endParaRPr kumimoji="1" lang="zh-CN" altLang="en-US"/>
           </a:p>
@@ -1016,7 +1225,7 @@
           <a:lstStyle/>
           <a:p>
             <a:r>
-              <a:rPr lang="zh-CN" altLang="en-US" smtClean="0"/>
+              <a:rPr lang="zh-CN" altLang="en-US"/>
               <a:t>单击此处编辑母版标题样式</a:t>
             </a:r>
             <a:endParaRPr lang="en-US" dirty="0"/>
@@ -1040,35 +1249,35 @@
           <a:p>
             <a:pPr lvl="0"/>
             <a:r>
-              <a:rPr lang="zh-CN" altLang="en-US" smtClean="0"/>
+              <a:rPr lang="zh-CN" altLang="en-US"/>
               <a:t>单击此处编辑母版文本样式</a:t>
             </a:r>
           </a:p>
           <a:p>
             <a:pPr lvl="1"/>
             <a:r>
-              <a:rPr lang="zh-CN" altLang="en-US" smtClean="0"/>
+              <a:rPr lang="zh-CN" altLang="en-US"/>
               <a:t>二级</a:t>
             </a:r>
           </a:p>
           <a:p>
             <a:pPr lvl="2"/>
             <a:r>
-              <a:rPr lang="zh-CN" altLang="en-US" smtClean="0"/>
+              <a:rPr lang="zh-CN" altLang="en-US"/>
               <a:t>三级</a:t>
             </a:r>
           </a:p>
           <a:p>
             <a:pPr lvl="3"/>
             <a:r>
-              <a:rPr lang="zh-CN" altLang="en-US" smtClean="0"/>
+              <a:rPr lang="zh-CN" altLang="en-US"/>
               <a:t>四级</a:t>
             </a:r>
           </a:p>
           <a:p>
             <a:pPr lvl="4"/>
             <a:r>
-              <a:rPr lang="zh-CN" altLang="en-US" smtClean="0"/>
+              <a:rPr lang="zh-CN" altLang="en-US"/>
               <a:t>五级</a:t>
             </a:r>
             <a:endParaRPr lang="en-US" dirty="0"/>
@@ -1092,7 +1301,7 @@
           <a:p>
             <a:fld id="{BC64B8EC-C3FF-4946-9F35-4C8DE8F76F34}" type="datetimeFigureOut">
               <a:rPr kumimoji="1" lang="zh-CN" altLang="en-US" smtClean="0"/>
-              <a:t>17/10/29</a:t>
+              <a:t>2017/10/29</a:t>
             </a:fld>
             <a:endParaRPr kumimoji="1" lang="zh-CN" altLang="en-US"/>
           </a:p>
@@ -1186,7 +1395,7 @@
           <a:lstStyle/>
           <a:p>
             <a:r>
-              <a:rPr lang="zh-CN" altLang="en-US" smtClean="0"/>
+              <a:rPr lang="zh-CN" altLang="en-US"/>
               <a:t>单击此处编辑母版标题样式</a:t>
             </a:r>
             <a:endParaRPr lang="en-US" dirty="0"/>
@@ -1215,35 +1424,35 @@
           <a:p>
             <a:pPr lvl="0"/>
             <a:r>
-              <a:rPr lang="zh-CN" altLang="en-US" smtClean="0"/>
+              <a:rPr lang="zh-CN" altLang="en-US"/>
               <a:t>单击此处编辑母版文本样式</a:t>
             </a:r>
           </a:p>
           <a:p>
             <a:pPr lvl="1"/>
             <a:r>
-              <a:rPr lang="zh-CN" altLang="en-US" smtClean="0"/>
+              <a:rPr lang="zh-CN" altLang="en-US"/>
               <a:t>二级</a:t>
             </a:r>
           </a:p>
           <a:p>
             <a:pPr lvl="2"/>
             <a:r>
-              <a:rPr lang="zh-CN" altLang="en-US" smtClean="0"/>
+              <a:rPr lang="zh-CN" altLang="en-US"/>
               <a:t>三级</a:t>
             </a:r>
           </a:p>
           <a:p>
             <a:pPr lvl="3"/>
             <a:r>
-              <a:rPr lang="zh-CN" altLang="en-US" smtClean="0"/>
+              <a:rPr lang="zh-CN" altLang="en-US"/>
               <a:t>四级</a:t>
             </a:r>
           </a:p>
           <a:p>
             <a:pPr lvl="4"/>
             <a:r>
-              <a:rPr lang="zh-CN" altLang="en-US" smtClean="0"/>
+              <a:rPr lang="zh-CN" altLang="en-US"/>
               <a:t>五级</a:t>
             </a:r>
             <a:endParaRPr lang="en-US" dirty="0"/>
@@ -1267,7 +1476,7 @@
           <a:p>
             <a:fld id="{BC64B8EC-C3FF-4946-9F35-4C8DE8F76F34}" type="datetimeFigureOut">
               <a:rPr kumimoji="1" lang="zh-CN" altLang="en-US" smtClean="0"/>
-              <a:t>17/10/29</a:t>
+              <a:t>2017/10/29</a:t>
             </a:fld>
             <a:endParaRPr kumimoji="1" lang="zh-CN" altLang="en-US"/>
           </a:p>
@@ -1356,7 +1565,7 @@
           <a:lstStyle/>
           <a:p>
             <a:r>
-              <a:rPr lang="zh-CN" altLang="en-US" smtClean="0"/>
+              <a:rPr lang="zh-CN" altLang="en-US"/>
               <a:t>单击此处编辑母版标题样式</a:t>
             </a:r>
             <a:endParaRPr lang="en-US" dirty="0"/>
@@ -1380,35 +1589,35 @@
           <a:p>
             <a:pPr lvl="0"/>
             <a:r>
-              <a:rPr lang="zh-CN" altLang="en-US" smtClean="0"/>
+              <a:rPr lang="zh-CN" altLang="en-US"/>
               <a:t>单击此处编辑母版文本样式</a:t>
             </a:r>
           </a:p>
           <a:p>
             <a:pPr lvl="1"/>
             <a:r>
-              <a:rPr lang="zh-CN" altLang="en-US" smtClean="0"/>
+              <a:rPr lang="zh-CN" altLang="en-US"/>
               <a:t>二级</a:t>
             </a:r>
           </a:p>
           <a:p>
             <a:pPr lvl="2"/>
             <a:r>
-              <a:rPr lang="zh-CN" altLang="en-US" smtClean="0"/>
+              <a:rPr lang="zh-CN" altLang="en-US"/>
               <a:t>三级</a:t>
             </a:r>
           </a:p>
           <a:p>
             <a:pPr lvl="3"/>
             <a:r>
-              <a:rPr lang="zh-CN" altLang="en-US" smtClean="0"/>
+              <a:rPr lang="zh-CN" altLang="en-US"/>
               <a:t>四级</a:t>
             </a:r>
           </a:p>
           <a:p>
             <a:pPr lvl="4"/>
             <a:r>
-              <a:rPr lang="zh-CN" altLang="en-US" smtClean="0"/>
+              <a:rPr lang="zh-CN" altLang="en-US"/>
               <a:t>五级</a:t>
             </a:r>
             <a:endParaRPr lang="en-US" dirty="0"/>
@@ -1432,7 +1641,7 @@
           <a:p>
             <a:fld id="{BC64B8EC-C3FF-4946-9F35-4C8DE8F76F34}" type="datetimeFigureOut">
               <a:rPr kumimoji="1" lang="zh-CN" altLang="en-US" smtClean="0"/>
-              <a:t>17/10/29</a:t>
+              <a:t>2017/10/29</a:t>
             </a:fld>
             <a:endParaRPr kumimoji="1" lang="zh-CN" altLang="en-US"/>
           </a:p>
@@ -1530,7 +1739,7 @@
           </a:lstStyle>
           <a:p>
             <a:r>
-              <a:rPr lang="zh-CN" altLang="en-US" smtClean="0"/>
+              <a:rPr lang="zh-CN" altLang="en-US"/>
               <a:t>单击此处编辑母版标题样式</a:t>
             </a:r>
             <a:endParaRPr lang="en-US" dirty="0"/>
@@ -1650,7 +1859,7 @@
           <a:p>
             <a:pPr lvl="0"/>
             <a:r>
-              <a:rPr lang="zh-CN" altLang="en-US" smtClean="0"/>
+              <a:rPr lang="zh-CN" altLang="en-US"/>
               <a:t>单击此处编辑母版文本样式</a:t>
             </a:r>
           </a:p>
@@ -1673,7 +1882,7 @@
           <a:p>
             <a:fld id="{BC64B8EC-C3FF-4946-9F35-4C8DE8F76F34}" type="datetimeFigureOut">
               <a:rPr kumimoji="1" lang="zh-CN" altLang="en-US" smtClean="0"/>
-              <a:t>17/10/29</a:t>
+              <a:t>2017/10/29</a:t>
             </a:fld>
             <a:endParaRPr kumimoji="1" lang="zh-CN" altLang="en-US"/>
           </a:p>
@@ -1762,7 +1971,7 @@
           <a:lstStyle/>
           <a:p>
             <a:r>
-              <a:rPr lang="zh-CN" altLang="en-US" smtClean="0"/>
+              <a:rPr lang="zh-CN" altLang="en-US"/>
               <a:t>单击此处编辑母版标题样式</a:t>
             </a:r>
             <a:endParaRPr lang="en-US" dirty="0"/>
@@ -1791,35 +2000,35 @@
           <a:p>
             <a:pPr lvl="0"/>
             <a:r>
-              <a:rPr lang="zh-CN" altLang="en-US" smtClean="0"/>
+              <a:rPr lang="zh-CN" altLang="en-US"/>
               <a:t>单击此处编辑母版文本样式</a:t>
             </a:r>
           </a:p>
           <a:p>
             <a:pPr lvl="1"/>
             <a:r>
-              <a:rPr lang="zh-CN" altLang="en-US" smtClean="0"/>
+              <a:rPr lang="zh-CN" altLang="en-US"/>
               <a:t>二级</a:t>
             </a:r>
           </a:p>
           <a:p>
             <a:pPr lvl="2"/>
             <a:r>
-              <a:rPr lang="zh-CN" altLang="en-US" smtClean="0"/>
+              <a:rPr lang="zh-CN" altLang="en-US"/>
               <a:t>三级</a:t>
             </a:r>
           </a:p>
           <a:p>
             <a:pPr lvl="3"/>
             <a:r>
-              <a:rPr lang="zh-CN" altLang="en-US" smtClean="0"/>
+              <a:rPr lang="zh-CN" altLang="en-US"/>
               <a:t>四级</a:t>
             </a:r>
           </a:p>
           <a:p>
             <a:pPr lvl="4"/>
             <a:r>
-              <a:rPr lang="zh-CN" altLang="en-US" smtClean="0"/>
+              <a:rPr lang="zh-CN" altLang="en-US"/>
               <a:t>五级</a:t>
             </a:r>
             <a:endParaRPr lang="en-US" dirty="0"/>
@@ -1848,35 +2057,35 @@
           <a:p>
             <a:pPr lvl="0"/>
             <a:r>
-              <a:rPr lang="zh-CN" altLang="en-US" smtClean="0"/>
+              <a:rPr lang="zh-CN" altLang="en-US"/>
               <a:t>单击此处编辑母版文本样式</a:t>
             </a:r>
           </a:p>
           <a:p>
             <a:pPr lvl="1"/>
             <a:r>
-              <a:rPr lang="zh-CN" altLang="en-US" smtClean="0"/>
+              <a:rPr lang="zh-CN" altLang="en-US"/>
               <a:t>二级</a:t>
             </a:r>
           </a:p>
           <a:p>
             <a:pPr lvl="2"/>
             <a:r>
-              <a:rPr lang="zh-CN" altLang="en-US" smtClean="0"/>
+              <a:rPr lang="zh-CN" altLang="en-US"/>
               <a:t>三级</a:t>
             </a:r>
           </a:p>
           <a:p>
             <a:pPr lvl="3"/>
             <a:r>
-              <a:rPr lang="zh-CN" altLang="en-US" smtClean="0"/>
+              <a:rPr lang="zh-CN" altLang="en-US"/>
               <a:t>四级</a:t>
             </a:r>
           </a:p>
           <a:p>
             <a:pPr lvl="4"/>
             <a:r>
-              <a:rPr lang="zh-CN" altLang="en-US" smtClean="0"/>
+              <a:rPr lang="zh-CN" altLang="en-US"/>
               <a:t>五级</a:t>
             </a:r>
             <a:endParaRPr lang="en-US" dirty="0"/>
@@ -1900,7 +2109,7 @@
           <a:p>
             <a:fld id="{BC64B8EC-C3FF-4946-9F35-4C8DE8F76F34}" type="datetimeFigureOut">
               <a:rPr kumimoji="1" lang="zh-CN" altLang="en-US" smtClean="0"/>
-              <a:t>17/10/29</a:t>
+              <a:t>2017/10/29</a:t>
             </a:fld>
             <a:endParaRPr kumimoji="1" lang="zh-CN" altLang="en-US"/>
           </a:p>
@@ -1994,7 +2203,7 @@
           <a:lstStyle/>
           <a:p>
             <a:r>
-              <a:rPr lang="zh-CN" altLang="en-US" smtClean="0"/>
+              <a:rPr lang="zh-CN" altLang="en-US"/>
               <a:t>单击此处编辑母版标题样式</a:t>
             </a:r>
             <a:endParaRPr lang="en-US" dirty="0"/>
@@ -2060,7 +2269,7 @@
           <a:p>
             <a:pPr lvl="0"/>
             <a:r>
-              <a:rPr lang="zh-CN" altLang="en-US" smtClean="0"/>
+              <a:rPr lang="zh-CN" altLang="en-US"/>
               <a:t>单击此处编辑母版文本样式</a:t>
             </a:r>
           </a:p>
@@ -2088,35 +2297,35 @@
           <a:p>
             <a:pPr lvl="0"/>
             <a:r>
-              <a:rPr lang="zh-CN" altLang="en-US" smtClean="0"/>
+              <a:rPr lang="zh-CN" altLang="en-US"/>
               <a:t>单击此处编辑母版文本样式</a:t>
             </a:r>
           </a:p>
           <a:p>
             <a:pPr lvl="1"/>
             <a:r>
-              <a:rPr lang="zh-CN" altLang="en-US" smtClean="0"/>
+              <a:rPr lang="zh-CN" altLang="en-US"/>
               <a:t>二级</a:t>
             </a:r>
           </a:p>
           <a:p>
             <a:pPr lvl="2"/>
             <a:r>
-              <a:rPr lang="zh-CN" altLang="en-US" smtClean="0"/>
+              <a:rPr lang="zh-CN" altLang="en-US"/>
               <a:t>三级</a:t>
             </a:r>
           </a:p>
           <a:p>
             <a:pPr lvl="3"/>
             <a:r>
-              <a:rPr lang="zh-CN" altLang="en-US" smtClean="0"/>
+              <a:rPr lang="zh-CN" altLang="en-US"/>
               <a:t>四级</a:t>
             </a:r>
           </a:p>
           <a:p>
             <a:pPr lvl="4"/>
             <a:r>
-              <a:rPr lang="zh-CN" altLang="en-US" smtClean="0"/>
+              <a:rPr lang="zh-CN" altLang="en-US"/>
               <a:t>五级</a:t>
             </a:r>
             <a:endParaRPr lang="en-US" dirty="0"/>
@@ -2182,7 +2391,7 @@
           <a:p>
             <a:pPr lvl="0"/>
             <a:r>
-              <a:rPr lang="zh-CN" altLang="en-US" smtClean="0"/>
+              <a:rPr lang="zh-CN" altLang="en-US"/>
               <a:t>单击此处编辑母版文本样式</a:t>
             </a:r>
           </a:p>
@@ -2210,35 +2419,35 @@
           <a:p>
             <a:pPr lvl="0"/>
             <a:r>
-              <a:rPr lang="zh-CN" altLang="en-US" smtClean="0"/>
+              <a:rPr lang="zh-CN" altLang="en-US"/>
               <a:t>单击此处编辑母版文本样式</a:t>
             </a:r>
           </a:p>
           <a:p>
             <a:pPr lvl="1"/>
             <a:r>
-              <a:rPr lang="zh-CN" altLang="en-US" smtClean="0"/>
+              <a:rPr lang="zh-CN" altLang="en-US"/>
               <a:t>二级</a:t>
             </a:r>
           </a:p>
           <a:p>
             <a:pPr lvl="2"/>
             <a:r>
-              <a:rPr lang="zh-CN" altLang="en-US" smtClean="0"/>
+              <a:rPr lang="zh-CN" altLang="en-US"/>
               <a:t>三级</a:t>
             </a:r>
           </a:p>
           <a:p>
             <a:pPr lvl="3"/>
             <a:r>
-              <a:rPr lang="zh-CN" altLang="en-US" smtClean="0"/>
+              <a:rPr lang="zh-CN" altLang="en-US"/>
               <a:t>四级</a:t>
             </a:r>
           </a:p>
           <a:p>
             <a:pPr lvl="4"/>
             <a:r>
-              <a:rPr lang="zh-CN" altLang="en-US" smtClean="0"/>
+              <a:rPr lang="zh-CN" altLang="en-US"/>
               <a:t>五级</a:t>
             </a:r>
             <a:endParaRPr lang="en-US" dirty="0"/>
@@ -2262,7 +2471,7 @@
           <a:p>
             <a:fld id="{BC64B8EC-C3FF-4946-9F35-4C8DE8F76F34}" type="datetimeFigureOut">
               <a:rPr kumimoji="1" lang="zh-CN" altLang="en-US" smtClean="0"/>
-              <a:t>17/10/29</a:t>
+              <a:t>2017/10/29</a:t>
             </a:fld>
             <a:endParaRPr kumimoji="1" lang="zh-CN" altLang="en-US"/>
           </a:p>
@@ -2351,7 +2560,7 @@
           <a:lstStyle/>
           <a:p>
             <a:r>
-              <a:rPr lang="zh-CN" altLang="en-US" smtClean="0"/>
+              <a:rPr lang="zh-CN" altLang="en-US"/>
               <a:t>单击此处编辑母版标题样式</a:t>
             </a:r>
             <a:endParaRPr lang="en-US" dirty="0"/>
@@ -2375,7 +2584,7 @@
           <a:p>
             <a:fld id="{BC64B8EC-C3FF-4946-9F35-4C8DE8F76F34}" type="datetimeFigureOut">
               <a:rPr kumimoji="1" lang="zh-CN" altLang="en-US" smtClean="0"/>
-              <a:t>17/10/29</a:t>
+              <a:t>2017/10/29</a:t>
             </a:fld>
             <a:endParaRPr kumimoji="1" lang="zh-CN" altLang="en-US"/>
           </a:p>
@@ -2465,7 +2674,7 @@
           <a:p>
             <a:fld id="{BC64B8EC-C3FF-4946-9F35-4C8DE8F76F34}" type="datetimeFigureOut">
               <a:rPr kumimoji="1" lang="zh-CN" altLang="en-US" smtClean="0"/>
-              <a:t>17/10/29</a:t>
+              <a:t>2017/10/29</a:t>
             </a:fld>
             <a:endParaRPr kumimoji="1" lang="zh-CN" altLang="en-US"/>
           </a:p>
@@ -2563,7 +2772,7 @@
           </a:lstStyle>
           <a:p>
             <a:r>
-              <a:rPr lang="zh-CN" altLang="en-US" smtClean="0"/>
+              <a:rPr lang="zh-CN" altLang="en-US"/>
               <a:t>单击此处编辑母版标题样式</a:t>
             </a:r>
             <a:endParaRPr lang="en-US" dirty="0"/>
@@ -2620,35 +2829,35 @@
           <a:p>
             <a:pPr lvl="0"/>
             <a:r>
-              <a:rPr lang="zh-CN" altLang="en-US" smtClean="0"/>
+              <a:rPr lang="zh-CN" altLang="en-US"/>
               <a:t>单击此处编辑母版文本样式</a:t>
             </a:r>
           </a:p>
           <a:p>
             <a:pPr lvl="1"/>
             <a:r>
-              <a:rPr lang="zh-CN" altLang="en-US" smtClean="0"/>
+              <a:rPr lang="zh-CN" altLang="en-US"/>
               <a:t>二级</a:t>
             </a:r>
           </a:p>
           <a:p>
             <a:pPr lvl="2"/>
             <a:r>
-              <a:rPr lang="zh-CN" altLang="en-US" smtClean="0"/>
+              <a:rPr lang="zh-CN" altLang="en-US"/>
               <a:t>三级</a:t>
             </a:r>
           </a:p>
           <a:p>
             <a:pPr lvl="3"/>
             <a:r>
-              <a:rPr lang="zh-CN" altLang="en-US" smtClean="0"/>
+              <a:rPr lang="zh-CN" altLang="en-US"/>
               <a:t>四级</a:t>
             </a:r>
           </a:p>
           <a:p>
             <a:pPr lvl="4"/>
             <a:r>
-              <a:rPr lang="zh-CN" altLang="en-US" smtClean="0"/>
+              <a:rPr lang="zh-CN" altLang="en-US"/>
               <a:t>五级</a:t>
             </a:r>
             <a:endParaRPr lang="en-US" dirty="0"/>
@@ -2714,7 +2923,7 @@
           <a:p>
             <a:pPr lvl="0"/>
             <a:r>
-              <a:rPr lang="zh-CN" altLang="en-US" smtClean="0"/>
+              <a:rPr lang="zh-CN" altLang="en-US"/>
               <a:t>单击此处编辑母版文本样式</a:t>
             </a:r>
           </a:p>
@@ -2737,7 +2946,7 @@
           <a:p>
             <a:fld id="{BC64B8EC-C3FF-4946-9F35-4C8DE8F76F34}" type="datetimeFigureOut">
               <a:rPr kumimoji="1" lang="zh-CN" altLang="en-US" smtClean="0"/>
-              <a:t>17/10/29</a:t>
+              <a:t>2017/10/29</a:t>
             </a:fld>
             <a:endParaRPr kumimoji="1" lang="zh-CN" altLang="en-US"/>
           </a:p>
@@ -2835,7 +3044,7 @@
           </a:lstStyle>
           <a:p>
             <a:r>
-              <a:rPr lang="zh-CN" altLang="en-US" smtClean="0"/>
+              <a:rPr lang="zh-CN" altLang="en-US"/>
               <a:t>单击此处编辑母版标题样式</a:t>
             </a:r>
             <a:endParaRPr lang="en-US" dirty="0"/>
@@ -2900,7 +3109,7 @@
           </a:lstStyle>
           <a:p>
             <a:r>
-              <a:rPr lang="zh-CN" altLang="en-US" smtClean="0"/>
+              <a:rPr lang="zh-CN" altLang="en-US"/>
               <a:t>将图片拖动到占位符，或单击添加图标</a:t>
             </a:r>
             <a:endParaRPr lang="en-US" dirty="0"/>
@@ -2966,7 +3175,7 @@
           <a:p>
             <a:pPr lvl="0"/>
             <a:r>
-              <a:rPr lang="zh-CN" altLang="en-US" smtClean="0"/>
+              <a:rPr lang="zh-CN" altLang="en-US"/>
               <a:t>单击此处编辑母版文本样式</a:t>
             </a:r>
           </a:p>
@@ -2989,7 +3198,7 @@
           <a:p>
             <a:fld id="{BC64B8EC-C3FF-4946-9F35-4C8DE8F76F34}" type="datetimeFigureOut">
               <a:rPr kumimoji="1" lang="zh-CN" altLang="en-US" smtClean="0"/>
-              <a:t>17/10/29</a:t>
+              <a:t>2017/10/29</a:t>
             </a:fld>
             <a:endParaRPr kumimoji="1" lang="zh-CN" altLang="en-US"/>
           </a:p>
@@ -3093,7 +3302,7 @@
           <a:lstStyle/>
           <a:p>
             <a:r>
-              <a:rPr lang="zh-CN" altLang="en-US" smtClean="0"/>
+              <a:rPr lang="zh-CN" altLang="en-US"/>
               <a:t>单击此处编辑母版标题样式</a:t>
             </a:r>
             <a:endParaRPr lang="en-US" dirty="0"/>
@@ -3127,35 +3336,35 @@
           <a:p>
             <a:pPr lvl="0"/>
             <a:r>
-              <a:rPr lang="zh-CN" altLang="en-US" smtClean="0"/>
+              <a:rPr lang="zh-CN" altLang="en-US"/>
               <a:t>单击此处编辑母版文本样式</a:t>
             </a:r>
           </a:p>
           <a:p>
             <a:pPr lvl="1"/>
             <a:r>
-              <a:rPr lang="zh-CN" altLang="en-US" smtClean="0"/>
+              <a:rPr lang="zh-CN" altLang="en-US"/>
               <a:t>二级</a:t>
             </a:r>
           </a:p>
           <a:p>
             <a:pPr lvl="2"/>
             <a:r>
-              <a:rPr lang="zh-CN" altLang="en-US" smtClean="0"/>
+              <a:rPr lang="zh-CN" altLang="en-US"/>
               <a:t>三级</a:t>
             </a:r>
           </a:p>
           <a:p>
             <a:pPr lvl="3"/>
             <a:r>
-              <a:rPr lang="zh-CN" altLang="en-US" smtClean="0"/>
+              <a:rPr lang="zh-CN" altLang="en-US"/>
               <a:t>四级</a:t>
             </a:r>
           </a:p>
           <a:p>
             <a:pPr lvl="4"/>
             <a:r>
-              <a:rPr lang="zh-CN" altLang="en-US" smtClean="0"/>
+              <a:rPr lang="zh-CN" altLang="en-US"/>
               <a:t>五级</a:t>
             </a:r>
             <a:endParaRPr lang="en-US" dirty="0"/>
@@ -3197,7 +3406,7 @@
           <a:p>
             <a:fld id="{BC64B8EC-C3FF-4946-9F35-4C8DE8F76F34}" type="datetimeFigureOut">
               <a:rPr kumimoji="1" lang="zh-CN" altLang="en-US" smtClean="0"/>
-              <a:t>17/10/29</a:t>
+              <a:t>2017/10/29</a:t>
             </a:fld>
             <a:endParaRPr kumimoji="1" lang="zh-CN" altLang="en-US"/>
           </a:p>
@@ -3618,14 +3827,13 @@
           <a:lstStyle/>
           <a:p>
             <a:r>
-              <a:rPr kumimoji="1" lang="en-US" altLang="zh-CN" dirty="0" smtClean="0"/>
+              <a:rPr kumimoji="1" lang="en-US" altLang="zh-CN" dirty="0"/>
               <a:t>WEEX </a:t>
             </a:r>
             <a:r>
-              <a:rPr kumimoji="1" lang="zh-CN" altLang="en-US" dirty="0" smtClean="0"/>
+              <a:rPr kumimoji="1" lang="zh-CN" altLang="en-US" dirty="0"/>
               <a:t>  简单分享</a:t>
             </a:r>
-            <a:endParaRPr kumimoji="1" lang="zh-CN" altLang="en-US" dirty="0"/>
           </a:p>
         </p:txBody>
       </p:sp>
@@ -3658,13 +3866,432 @@
   <p:clrMapOvr>
     <a:masterClrMapping/>
   </p:clrMapOvr>
-  <p:timing>
-    <p:tnLst>
-      <p:par>
-        <p:cTn id="1" dur="indefinite" restart="never" nodeType="tmRoot"/>
-      </p:par>
-    </p:tnLst>
-  </p:timing>
+</p:sld>
+</file>
+
+<file path=ppt/slides/slide10.xml><?xml version="1.0" encoding="utf-8"?>
+<p:sld xmlns:a="http://schemas.openxmlformats.org/drawingml/2006/main" xmlns:r="http://schemas.openxmlformats.org/officeDocument/2006/relationships" xmlns:p="http://schemas.openxmlformats.org/presentationml/2006/main">
+  <p:cSld>
+    <p:spTree>
+      <p:nvGrpSpPr>
+        <p:cNvPr id="1" name=""/>
+        <p:cNvGrpSpPr/>
+        <p:nvPr/>
+      </p:nvGrpSpPr>
+      <p:grpSpPr>
+        <a:xfrm>
+          <a:off x="0" y="0"/>
+          <a:ext cx="0" cy="0"/>
+          <a:chOff x="0" y="0"/>
+          <a:chExt cx="0" cy="0"/>
+        </a:xfrm>
+      </p:grpSpPr>
+      <p:sp>
+        <p:nvSpPr>
+          <p:cNvPr id="2" name="标题 1">
+            <a:extLst>
+              <a:ext uri="{FF2B5EF4-FFF2-40B4-BE49-F238E27FC236}">
+                <a16:creationId xmlns:a16="http://schemas.microsoft.com/office/drawing/2014/main" id="{F9549C25-DA90-4541-83DA-5E67BF970F8F}"/>
+              </a:ext>
+            </a:extLst>
+          </p:cNvPr>
+          <p:cNvSpPr>
+            <a:spLocks noGrp="1"/>
+          </p:cNvSpPr>
+          <p:nvPr>
+            <p:ph type="title"/>
+          </p:nvPr>
+        </p:nvSpPr>
+        <p:spPr/>
+        <p:txBody>
+          <a:bodyPr/>
+          <a:lstStyle/>
+          <a:p>
+            <a:r>
+              <a:rPr lang="zh-CN" altLang="en-US" b="1" dirty="0"/>
+              <a:t>一次撰写，多端运行</a:t>
+            </a:r>
+            <a:endParaRPr lang="zh-CN" altLang="en-US" dirty="0"/>
+          </a:p>
+        </p:txBody>
+      </p:sp>
+      <p:sp>
+        <p:nvSpPr>
+          <p:cNvPr id="3" name="内容占位符 2">
+            <a:extLst>
+              <a:ext uri="{FF2B5EF4-FFF2-40B4-BE49-F238E27FC236}">
+                <a16:creationId xmlns:a16="http://schemas.microsoft.com/office/drawing/2014/main" id="{9D13C49D-066E-4527-94CB-98CBE95A2B9D}"/>
+              </a:ext>
+            </a:extLst>
+          </p:cNvPr>
+          <p:cNvSpPr>
+            <a:spLocks noGrp="1"/>
+          </p:cNvSpPr>
+          <p:nvPr>
+            <p:ph idx="1"/>
+          </p:nvPr>
+        </p:nvSpPr>
+        <p:spPr/>
+        <p:txBody>
+          <a:bodyPr/>
+          <a:lstStyle/>
+          <a:p>
+            <a:r>
+              <a:rPr lang="zh-CN" altLang="en-US" dirty="0"/>
+              <a:t> 首先 </a:t>
+            </a:r>
+            <a:r>
+              <a:rPr lang="en-US" altLang="zh-CN" dirty="0"/>
+              <a:t>web </a:t>
+            </a:r>
+            <a:r>
+              <a:rPr lang="zh-CN" altLang="en-US" dirty="0"/>
+              <a:t>开发体验在各端当中是相同的。包括语法设计和工程链路。</a:t>
+            </a:r>
+          </a:p>
+          <a:p>
+            <a:r>
+              <a:rPr lang="zh-CN" altLang="en-US" dirty="0"/>
+              <a:t>其次，</a:t>
+            </a:r>
+            <a:r>
+              <a:rPr lang="en-US" altLang="zh-CN" dirty="0" err="1"/>
+              <a:t>Weex</a:t>
+            </a:r>
+            <a:r>
+              <a:rPr lang="en-US" altLang="zh-CN" dirty="0"/>
+              <a:t> </a:t>
+            </a:r>
+            <a:r>
+              <a:rPr lang="zh-CN" altLang="en-US" dirty="0"/>
+              <a:t>的组件、模块设计都是 </a:t>
+            </a:r>
+            <a:r>
+              <a:rPr lang="en-US" altLang="zh-CN" dirty="0"/>
+              <a:t>iOS</a:t>
+            </a:r>
+            <a:r>
+              <a:rPr lang="zh-CN" altLang="en-US" dirty="0"/>
+              <a:t>、</a:t>
+            </a:r>
+            <a:r>
+              <a:rPr lang="en-US" altLang="zh-CN" dirty="0"/>
+              <a:t>Android</a:t>
+            </a:r>
+            <a:r>
+              <a:rPr lang="zh-CN" altLang="en-US" dirty="0"/>
+              <a:t>、</a:t>
+            </a:r>
+            <a:r>
+              <a:rPr lang="en-US" altLang="zh-CN" dirty="0"/>
+              <a:t>Web </a:t>
+            </a:r>
+            <a:r>
+              <a:rPr lang="zh-CN" altLang="en-US" dirty="0"/>
+              <a:t>的开发者共同讨论出来的，有一定的通用性和普遍性。</a:t>
+            </a:r>
+          </a:p>
+          <a:p>
+            <a:r>
+              <a:rPr lang="en-US" altLang="zh-CN" dirty="0" err="1"/>
+              <a:t>Weex</a:t>
+            </a:r>
+            <a:r>
+              <a:rPr lang="en-US" altLang="zh-CN" dirty="0"/>
+              <a:t> </a:t>
+            </a:r>
+            <a:r>
+              <a:rPr lang="zh-CN" altLang="en-US" dirty="0"/>
+              <a:t>开发同一份代码，可以在不同的端上分别执行，避免了多端的重复研发成本。</a:t>
+            </a:r>
+            <a:endParaRPr lang="en-US" altLang="zh-CN" dirty="0"/>
+          </a:p>
+          <a:p>
+            <a:r>
+              <a:rPr lang="en-US" altLang="zh-CN" dirty="0"/>
+              <a:t>Ps</a:t>
+            </a:r>
+            <a:r>
+              <a:rPr lang="zh-CN" altLang="en-US" dirty="0"/>
+              <a:t>：部分功能特性由于 </a:t>
+            </a:r>
+            <a:r>
+              <a:rPr lang="en-US" altLang="zh-CN" dirty="0"/>
+              <a:t>native </a:t>
+            </a:r>
+            <a:r>
+              <a:rPr lang="zh-CN" altLang="en-US" dirty="0"/>
+              <a:t>特性的关系，会略有不同，我们会在相应的组件、模块、</a:t>
+            </a:r>
+            <a:r>
+              <a:rPr lang="en-US" altLang="zh-CN" dirty="0"/>
+              <a:t>API </a:t>
+            </a:r>
+            <a:r>
+              <a:rPr lang="zh-CN" altLang="en-US" dirty="0"/>
+              <a:t>文档中做相应的描述和提示。</a:t>
+            </a:r>
+          </a:p>
+        </p:txBody>
+      </p:sp>
+    </p:spTree>
+    <p:extLst>
+      <p:ext uri="{BB962C8B-B14F-4D97-AF65-F5344CB8AC3E}">
+        <p14:creationId xmlns:p14="http://schemas.microsoft.com/office/powerpoint/2010/main" val="4230438320"/>
+      </p:ext>
+    </p:extLst>
+  </p:cSld>
+  <p:clrMapOvr>
+    <a:masterClrMapping/>
+  </p:clrMapOvr>
+</p:sld>
+</file>
+
+<file path=ppt/slides/slide11.xml><?xml version="1.0" encoding="utf-8"?>
+<p:sld xmlns:a="http://schemas.openxmlformats.org/drawingml/2006/main" xmlns:r="http://schemas.openxmlformats.org/officeDocument/2006/relationships" xmlns:p="http://schemas.openxmlformats.org/presentationml/2006/main">
+  <p:cSld>
+    <p:spTree>
+      <p:nvGrpSpPr>
+        <p:cNvPr id="1" name=""/>
+        <p:cNvGrpSpPr/>
+        <p:nvPr/>
+      </p:nvGrpSpPr>
+      <p:grpSpPr>
+        <a:xfrm>
+          <a:off x="0" y="0"/>
+          <a:ext cx="0" cy="0"/>
+          <a:chOff x="0" y="0"/>
+          <a:chExt cx="0" cy="0"/>
+        </a:xfrm>
+      </p:grpSpPr>
+      <p:sp>
+        <p:nvSpPr>
+          <p:cNvPr id="2" name="标题 1">
+            <a:extLst>
+              <a:ext uri="{FF2B5EF4-FFF2-40B4-BE49-F238E27FC236}">
+                <a16:creationId xmlns:a16="http://schemas.microsoft.com/office/drawing/2014/main" id="{E4698BC1-5AF6-4E8D-B3C1-4753308E1557}"/>
+              </a:ext>
+            </a:extLst>
+          </p:cNvPr>
+          <p:cNvSpPr>
+            <a:spLocks noGrp="1"/>
+          </p:cNvSpPr>
+          <p:nvPr>
+            <p:ph type="title"/>
+          </p:nvPr>
+        </p:nvSpPr>
+        <p:spPr/>
+        <p:txBody>
+          <a:bodyPr/>
+          <a:lstStyle/>
+          <a:p>
+            <a:r>
+              <a:rPr lang="zh-CN" altLang="en-US" dirty="0"/>
+              <a:t>内建组件</a:t>
+            </a:r>
+          </a:p>
+        </p:txBody>
+      </p:sp>
+      <p:sp>
+        <p:nvSpPr>
+          <p:cNvPr id="3" name="内容占位符 2">
+            <a:extLst>
+              <a:ext uri="{FF2B5EF4-FFF2-40B4-BE49-F238E27FC236}">
+                <a16:creationId xmlns:a16="http://schemas.microsoft.com/office/drawing/2014/main" id="{4C68CC83-89FD-482D-BFCA-48E3E48DA984}"/>
+              </a:ext>
+            </a:extLst>
+          </p:cNvPr>
+          <p:cNvSpPr>
+            <a:spLocks noGrp="1"/>
+          </p:cNvSpPr>
+          <p:nvPr>
+            <p:ph idx="1"/>
+          </p:nvPr>
+        </p:nvSpPr>
+        <p:spPr>
+          <a:xfrm>
+            <a:off x="838200" y="3391378"/>
+            <a:ext cx="10515600" cy="1443669"/>
+          </a:xfrm>
+        </p:spPr>
+        <p:txBody>
+          <a:bodyPr/>
+          <a:lstStyle/>
+          <a:p>
+            <a:r>
+              <a:rPr lang="en-US" altLang="zh-CN" dirty="0">
+                <a:hlinkClick r:id="rId2"/>
+              </a:rPr>
+              <a:t>try it</a:t>
+            </a:r>
+            <a:endParaRPr lang="zh-CN" altLang="en-US" dirty="0"/>
+          </a:p>
+        </p:txBody>
+      </p:sp>
+      <p:pic>
+        <p:nvPicPr>
+          <p:cNvPr id="8" name="图片 7">
+            <a:extLst>
+              <a:ext uri="{FF2B5EF4-FFF2-40B4-BE49-F238E27FC236}">
+                <a16:creationId xmlns:a16="http://schemas.microsoft.com/office/drawing/2014/main" id="{9DBA31ED-94E8-4019-98ED-11734F3156D0}"/>
+              </a:ext>
+            </a:extLst>
+          </p:cNvPr>
+          <p:cNvPicPr>
+            <a:picLocks noChangeAspect="1"/>
+          </p:cNvPicPr>
+          <p:nvPr/>
+        </p:nvPicPr>
+        <p:blipFill>
+          <a:blip r:embed="rId3"/>
+          <a:stretch>
+            <a:fillRect/>
+          </a:stretch>
+        </p:blipFill>
+        <p:spPr>
+          <a:xfrm>
+            <a:off x="838200" y="1690688"/>
+            <a:ext cx="7400000" cy="1504762"/>
+          </a:xfrm>
+          <a:prstGeom prst="rect">
+            <a:avLst/>
+          </a:prstGeom>
+        </p:spPr>
+      </p:pic>
+    </p:spTree>
+    <p:extLst>
+      <p:ext uri="{BB962C8B-B14F-4D97-AF65-F5344CB8AC3E}">
+        <p14:creationId xmlns:p14="http://schemas.microsoft.com/office/powerpoint/2010/main" val="420064333"/>
+      </p:ext>
+    </p:extLst>
+  </p:cSld>
+  <p:clrMapOvr>
+    <a:masterClrMapping/>
+  </p:clrMapOvr>
+</p:sld>
+</file>
+
+<file path=ppt/slides/slide12.xml><?xml version="1.0" encoding="utf-8"?>
+<p:sld xmlns:a="http://schemas.openxmlformats.org/drawingml/2006/main" xmlns:r="http://schemas.openxmlformats.org/officeDocument/2006/relationships" xmlns:p="http://schemas.openxmlformats.org/presentationml/2006/main">
+  <p:cSld>
+    <p:spTree>
+      <p:nvGrpSpPr>
+        <p:cNvPr id="1" name=""/>
+        <p:cNvGrpSpPr/>
+        <p:nvPr/>
+      </p:nvGrpSpPr>
+      <p:grpSpPr>
+        <a:xfrm>
+          <a:off x="0" y="0"/>
+          <a:ext cx="0" cy="0"/>
+          <a:chOff x="0" y="0"/>
+          <a:chExt cx="0" cy="0"/>
+        </a:xfrm>
+      </p:grpSpPr>
+      <p:sp>
+        <p:nvSpPr>
+          <p:cNvPr id="2" name="标题 1">
+            <a:extLst>
+              <a:ext uri="{FF2B5EF4-FFF2-40B4-BE49-F238E27FC236}">
+                <a16:creationId xmlns:a16="http://schemas.microsoft.com/office/drawing/2014/main" id="{25F268D3-1AE9-4B55-96FC-DCC692EA9ACC}"/>
+              </a:ext>
+            </a:extLst>
+          </p:cNvPr>
+          <p:cNvSpPr>
+            <a:spLocks noGrp="1"/>
+          </p:cNvSpPr>
+          <p:nvPr>
+            <p:ph type="title"/>
+          </p:nvPr>
+        </p:nvSpPr>
+        <p:spPr/>
+        <p:txBody>
+          <a:bodyPr/>
+          <a:lstStyle/>
+          <a:p>
+            <a:r>
+              <a:rPr lang="zh-CN" altLang="en-US" dirty="0"/>
+              <a:t>内建组件</a:t>
+            </a:r>
+          </a:p>
+        </p:txBody>
+      </p:sp>
+      <p:sp>
+        <p:nvSpPr>
+          <p:cNvPr id="3" name="内容占位符 2">
+            <a:extLst>
+              <a:ext uri="{FF2B5EF4-FFF2-40B4-BE49-F238E27FC236}">
+                <a16:creationId xmlns:a16="http://schemas.microsoft.com/office/drawing/2014/main" id="{A5404252-0D9A-415E-A384-81E5BE60ADFB}"/>
+              </a:ext>
+            </a:extLst>
+          </p:cNvPr>
+          <p:cNvSpPr>
+            <a:spLocks noGrp="1"/>
+          </p:cNvSpPr>
+          <p:nvPr>
+            <p:ph idx="1"/>
+          </p:nvPr>
+        </p:nvSpPr>
+        <p:spPr>
+          <a:xfrm>
+            <a:off x="838199" y="4001294"/>
+            <a:ext cx="10515600" cy="4351338"/>
+          </a:xfrm>
+        </p:spPr>
+        <p:txBody>
+          <a:bodyPr/>
+          <a:lstStyle/>
+          <a:p>
+            <a:r>
+              <a:rPr lang="en-US" altLang="zh-CN" dirty="0">
+                <a:hlinkClick r:id="rId2"/>
+              </a:rPr>
+              <a:t>try it</a:t>
+            </a:r>
+            <a:endParaRPr lang="zh-CN" altLang="en-US" dirty="0"/>
+          </a:p>
+        </p:txBody>
+      </p:sp>
+      <p:pic>
+        <p:nvPicPr>
+          <p:cNvPr id="4" name="图片 3">
+            <a:extLst>
+              <a:ext uri="{FF2B5EF4-FFF2-40B4-BE49-F238E27FC236}">
+                <a16:creationId xmlns:a16="http://schemas.microsoft.com/office/drawing/2014/main" id="{21B1A078-E20B-48E0-9EFA-00F419F142FA}"/>
+              </a:ext>
+            </a:extLst>
+          </p:cNvPr>
+          <p:cNvPicPr>
+            <a:picLocks noChangeAspect="1"/>
+          </p:cNvPicPr>
+          <p:nvPr/>
+        </p:nvPicPr>
+        <p:blipFill>
+          <a:blip r:embed="rId3"/>
+          <a:stretch>
+            <a:fillRect/>
+          </a:stretch>
+        </p:blipFill>
+        <p:spPr>
+          <a:xfrm>
+            <a:off x="838200" y="1845991"/>
+            <a:ext cx="8028571" cy="2000000"/>
+          </a:xfrm>
+          <a:prstGeom prst="rect">
+            <a:avLst/>
+          </a:prstGeom>
+        </p:spPr>
+      </p:pic>
+    </p:spTree>
+    <p:extLst>
+      <p:ext uri="{BB962C8B-B14F-4D97-AF65-F5344CB8AC3E}">
+        <p14:creationId xmlns:p14="http://schemas.microsoft.com/office/powerpoint/2010/main" val="202395541"/>
+      </p:ext>
+    </p:extLst>
+  </p:cSld>
+  <p:clrMapOvr>
+    <a:masterClrMapping/>
+  </p:clrMapOvr>
 </p:sld>
 </file>
 
@@ -3701,10 +4328,9 @@
           <a:lstStyle/>
           <a:p>
             <a:r>
-              <a:rPr kumimoji="1" lang="zh-CN" altLang="en-US" dirty="0" smtClean="0"/>
+              <a:rPr kumimoji="1" lang="zh-CN" altLang="en-US" dirty="0"/>
               <a:t>搭建开发环境</a:t>
             </a:r>
-            <a:endParaRPr kumimoji="1" lang="zh-CN" altLang="en-US" dirty="0"/>
           </a:p>
         </p:txBody>
       </p:sp>
@@ -3745,13 +4371,9 @@
             </a:r>
             <a:r>
               <a:rPr lang="zh-CN" altLang="en-US" dirty="0"/>
-              <a:t>的脚手架工具来辅助开发和调试</a:t>
-            </a:r>
-            <a:r>
-              <a:rPr lang="zh-CN" altLang="en-US" dirty="0" smtClean="0"/>
-              <a:t>。</a:t>
-            </a:r>
-            <a:endParaRPr lang="en-US" altLang="zh-CN" dirty="0" smtClean="0"/>
+              <a:t>的脚手架工具来辅助开发和调试。</a:t>
+            </a:r>
+            <a:endParaRPr lang="en-US" altLang="zh-CN" dirty="0"/>
           </a:p>
           <a:p>
             <a:r>
@@ -3767,36 +4389,13 @@
               <a:t> install -g </a:t>
             </a:r>
             <a:r>
-              <a:rPr lang="en-US" altLang="zh-CN" dirty="0" err="1" smtClean="0"/>
-              <a:t>weex</a:t>
-            </a:r>
-            <a:r>
-              <a:rPr lang="en-US" altLang="zh-CN" dirty="0" smtClean="0"/>
-              <a:t>-toolkit</a:t>
-            </a:r>
-          </a:p>
-          <a:p>
-            <a:r>
-              <a:rPr lang="en-US" altLang="zh-CN" dirty="0" smtClean="0"/>
-              <a:t>$ </a:t>
-            </a:r>
-            <a:r>
               <a:rPr lang="en-US" altLang="zh-CN" dirty="0" err="1"/>
               <a:t>weex</a:t>
             </a:r>
             <a:r>
               <a:rPr lang="en-US" altLang="zh-CN" dirty="0"/>
-              <a:t> create </a:t>
-            </a:r>
-            <a:r>
-              <a:rPr lang="en-US" altLang="zh-CN" dirty="0" smtClean="0"/>
-              <a:t>demo-</a:t>
-            </a:r>
-            <a:r>
-              <a:rPr lang="en-US" altLang="zh-CN" dirty="0" err="1" smtClean="0"/>
-              <a:t>weex</a:t>
-            </a:r>
-            <a:endParaRPr lang="en-US" altLang="zh-CN" dirty="0" smtClean="0"/>
+              <a:t>-toolkit</a:t>
+            </a:r>
           </a:p>
           <a:p>
             <a:r>
@@ -3804,16 +4403,31 @@
               <a:t>$ </a:t>
             </a:r>
             <a:r>
-              <a:rPr lang="en-US" altLang="zh-CN" dirty="0" err="1" smtClean="0"/>
+              <a:rPr lang="en-US" altLang="zh-CN" dirty="0" err="1"/>
+              <a:t>weex</a:t>
+            </a:r>
+            <a:r>
+              <a:rPr lang="en-US" altLang="zh-CN" dirty="0"/>
+              <a:t> create demo-</a:t>
+            </a:r>
+            <a:r>
+              <a:rPr lang="en-US" altLang="zh-CN" dirty="0" err="1"/>
+              <a:t>weex</a:t>
+            </a:r>
+            <a:endParaRPr lang="en-US" altLang="zh-CN" dirty="0"/>
+          </a:p>
+          <a:p>
+            <a:r>
+              <a:rPr lang="en-US" altLang="zh-CN" dirty="0"/>
+              <a:t>$ </a:t>
+            </a:r>
+            <a:r>
+              <a:rPr lang="en-US" altLang="zh-CN" dirty="0" err="1"/>
               <a:t>npm</a:t>
             </a:r>
             <a:r>
-              <a:rPr lang="en-US" altLang="zh-CN" dirty="0" smtClean="0"/>
-              <a:t> </a:t>
-            </a:r>
-            <a:r>
               <a:rPr lang="en-US" altLang="zh-CN" dirty="0"/>
-              <a:t>install</a:t>
+              <a:t> install</a:t>
             </a:r>
             <a:endParaRPr kumimoji="1" lang="zh-CN" altLang="en-US" dirty="0"/>
           </a:p>
@@ -3829,13 +4443,6 @@
   <p:clrMapOvr>
     <a:masterClrMapping/>
   </p:clrMapOvr>
-  <p:timing>
-    <p:tnLst>
-      <p:par>
-        <p:cTn id="1" dur="indefinite" restart="never" nodeType="tmRoot"/>
-      </p:par>
-    </p:tnLst>
-  </p:timing>
 </p:sld>
 </file>
 
@@ -3872,10 +4479,9 @@
           <a:lstStyle/>
           <a:p>
             <a:r>
-              <a:rPr kumimoji="1" lang="zh-CN" altLang="en-US" dirty="0" smtClean="0"/>
+              <a:rPr kumimoji="1" lang="zh-CN" altLang="en-US" dirty="0"/>
               <a:t>效果浏览工具</a:t>
             </a:r>
-            <a:endParaRPr kumimoji="1" lang="zh-CN" altLang="en-US" dirty="0"/>
           </a:p>
         </p:txBody>
       </p:sp>
@@ -3898,19 +4504,13 @@
               <a:rPr kumimoji="1" lang="en-US" altLang="zh-CN" dirty="0">
                 <a:hlinkClick r:id="rId3"/>
               </a:rPr>
-              <a:t>https://</a:t>
-            </a:r>
-            <a:r>
-              <a:rPr kumimoji="1" lang="en-US" altLang="zh-CN" dirty="0" smtClean="0">
-                <a:hlinkClick r:id="rId3"/>
-              </a:rPr>
-              <a:t>weex.apache.org/cn/playground.html</a:t>
-            </a:r>
-            <a:endParaRPr kumimoji="1" lang="en-US" altLang="zh-CN" dirty="0" smtClean="0"/>
-          </a:p>
-          <a:p>
-            <a:r>
-              <a:rPr kumimoji="1" lang="en-US" altLang="zh-CN" dirty="0" smtClean="0">
+              <a:t>https://weex.apache.org/cn/playground.html</a:t>
+            </a:r>
+            <a:endParaRPr kumimoji="1" lang="en-US" altLang="zh-CN" dirty="0"/>
+          </a:p>
+          <a:p>
+            <a:r>
+              <a:rPr kumimoji="1" lang="en-US" altLang="zh-CN" dirty="0">
                 <a:hlinkClick r:id="rId4"/>
               </a:rPr>
               <a:t>http://dotwe.org/vue</a:t>
@@ -3929,13 +4529,6 @@
   <p:clrMapOvr>
     <a:masterClrMapping/>
   </p:clrMapOvr>
-  <p:timing>
-    <p:tnLst>
-      <p:par>
-        <p:cTn id="1" dur="indefinite" restart="never" nodeType="tmRoot"/>
-      </p:par>
-    </p:tnLst>
-  </p:timing>
 </p:sld>
 </file>
 
@@ -3972,10 +4565,9 @@
           <a:lstStyle/>
           <a:p>
             <a:r>
-              <a:rPr kumimoji="1" lang="zh-CN" altLang="en-US" dirty="0" smtClean="0"/>
+              <a:rPr kumimoji="1" lang="zh-CN" altLang="en-US" dirty="0"/>
               <a:t>工作原理</a:t>
             </a:r>
-            <a:endParaRPr kumimoji="1" lang="zh-CN" altLang="en-US" dirty="0"/>
           </a:p>
         </p:txBody>
       </p:sp>
@@ -3995,99 +4587,139 @@
           <a:lstStyle/>
           <a:p>
             <a:r>
-              <a:rPr kumimoji="1" lang="en-US" altLang="zh-CN" dirty="0" err="1" smtClean="0"/>
+              <a:rPr kumimoji="1" lang="en-US" altLang="zh-CN" dirty="0" err="1"/>
               <a:t>Vue</a:t>
             </a:r>
             <a:r>
-              <a:rPr kumimoji="1" lang="en-US" altLang="zh-CN" dirty="0" smtClean="0"/>
+              <a:rPr kumimoji="1" lang="en-US" altLang="zh-CN" dirty="0"/>
               <a:t> File =&gt; JS Bundle</a:t>
             </a:r>
           </a:p>
           <a:p>
             <a:r>
-              <a:rPr kumimoji="1" lang="en-US" altLang="zh-CN" dirty="0" smtClean="0"/>
+              <a:rPr kumimoji="1" lang="en-US" altLang="zh-CN" dirty="0"/>
               <a:t>IOS &amp; </a:t>
             </a:r>
             <a:r>
-              <a:rPr kumimoji="1" lang="en-US" altLang="zh-CN" dirty="0" err="1" smtClean="0"/>
+              <a:rPr kumimoji="1" lang="en-US" altLang="zh-CN" dirty="0" err="1"/>
               <a:t>Andriod</a:t>
             </a:r>
             <a:r>
-              <a:rPr kumimoji="1" lang="en-US" altLang="zh-CN" dirty="0" smtClean="0"/>
+              <a:rPr kumimoji="1" lang="en-US" altLang="zh-CN" dirty="0"/>
               <a:t> app</a:t>
             </a:r>
             <a:r>
-              <a:rPr kumimoji="1" lang="zh-CN" altLang="en-US" dirty="0" smtClean="0"/>
+              <a:rPr kumimoji="1" lang="zh-CN" altLang="en-US" dirty="0"/>
               <a:t> </a:t>
             </a:r>
             <a:r>
-              <a:rPr kumimoji="1" lang="en-US" altLang="zh-CN" dirty="0" smtClean="0"/>
+              <a:rPr kumimoji="1" lang="en-US" altLang="zh-CN" dirty="0"/>
               <a:t>=&gt;</a:t>
             </a:r>
             <a:r>
-              <a:rPr kumimoji="1" lang="zh-CN" altLang="en-US" dirty="0" smtClean="0"/>
+              <a:rPr kumimoji="1" lang="zh-CN" altLang="en-US" dirty="0"/>
               <a:t> </a:t>
             </a:r>
             <a:r>
-              <a:rPr lang="en-US" altLang="zh-CN" dirty="0" err="1" smtClean="0"/>
+              <a:rPr lang="en-US" altLang="zh-CN" dirty="0" err="1"/>
               <a:t>WeexSDK</a:t>
             </a:r>
             <a:r>
-              <a:rPr lang="zh-CN" altLang="en-US" dirty="0" smtClean="0"/>
+              <a:rPr lang="zh-CN" altLang="en-US" dirty="0"/>
               <a:t> </a:t>
             </a:r>
             <a:r>
-              <a:rPr lang="en-US" altLang="zh-CN" dirty="0" smtClean="0"/>
+              <a:rPr lang="en-US" altLang="zh-CN" dirty="0"/>
               <a:t>=&gt;</a:t>
             </a:r>
             <a:r>
-              <a:rPr lang="zh-CN" altLang="en-US" dirty="0" smtClean="0"/>
+              <a:rPr lang="zh-CN" altLang="en-US" dirty="0"/>
               <a:t> </a:t>
             </a:r>
             <a:r>
-              <a:rPr lang="en-US" altLang="zh-CN" dirty="0" smtClean="0"/>
+              <a:rPr lang="en-US" altLang="zh-CN" dirty="0"/>
               <a:t>JavaScript</a:t>
             </a:r>
             <a:r>
-              <a:rPr lang="zh-CN" altLang="en-US" dirty="0" smtClean="0"/>
+              <a:rPr lang="zh-CN" altLang="en-US" dirty="0"/>
               <a:t> </a:t>
             </a:r>
             <a:r>
-              <a:rPr lang="en-US" altLang="zh-CN" dirty="0" smtClean="0"/>
+              <a:rPr lang="en-US" altLang="zh-CN" dirty="0"/>
               <a:t>=&gt;</a:t>
             </a:r>
             <a:r>
-              <a:rPr lang="zh-CN" altLang="en-US" dirty="0" smtClean="0"/>
+              <a:rPr lang="zh-CN" altLang="en-US" dirty="0"/>
               <a:t> </a:t>
             </a:r>
             <a:r>
               <a:rPr kumimoji="1" lang="en-US" altLang="zh-CN" dirty="0"/>
-              <a:t>JS </a:t>
-            </a:r>
-            <a:r>
-              <a:rPr kumimoji="1" lang="en-US" altLang="zh-CN" dirty="0" smtClean="0"/>
-              <a:t>Bundle</a:t>
-            </a:r>
-            <a:r>
-              <a:rPr kumimoji="1" lang="zh-CN" altLang="en-US" dirty="0" smtClean="0"/>
+              <a:t>JS Bundle</a:t>
+            </a:r>
+            <a:r>
+              <a:rPr kumimoji="1" lang="zh-CN" altLang="en-US" dirty="0"/>
               <a:t> </a:t>
             </a:r>
             <a:r>
-              <a:rPr kumimoji="1" lang="en-US" altLang="zh-CN" dirty="0" smtClean="0"/>
+              <a:rPr kumimoji="1" lang="en-US" altLang="zh-CN" dirty="0"/>
               <a:t>=&gt;</a:t>
             </a:r>
             <a:r>
-              <a:rPr kumimoji="1" lang="zh-CN" altLang="en-US" dirty="0" smtClean="0"/>
+              <a:rPr kumimoji="1" lang="zh-CN" altLang="en-US" dirty="0"/>
               <a:t> </a:t>
             </a:r>
             <a:r>
-              <a:rPr lang="en-US" altLang="zh-CN" dirty="0" smtClean="0"/>
+              <a:rPr lang="en-US" altLang="zh-CN" dirty="0"/>
               <a:t>native</a:t>
             </a:r>
-            <a:endParaRPr kumimoji="1" lang="en-US" altLang="zh-CN" dirty="0"/>
-          </a:p>
-          <a:p>
-            <a:endParaRPr kumimoji="1" lang="en-US" altLang="zh-CN" dirty="0"/>
+          </a:p>
+          <a:p>
+            <a:r>
+              <a:rPr kumimoji="1" lang="en-US" altLang="zh-CN" dirty="0"/>
+              <a:t>(</a:t>
+            </a:r>
+            <a:r>
+              <a:rPr kumimoji="1" lang="en-US" altLang="zh-CN" dirty="0" err="1"/>
+              <a:t>ios</a:t>
+            </a:r>
+            <a:r>
+              <a:rPr kumimoji="1" lang="en-US" altLang="zh-CN" dirty="0"/>
+              <a:t> </a:t>
+            </a:r>
+            <a:r>
+              <a:rPr lang="en-US" altLang="zh-CN" dirty="0" err="1"/>
+              <a:t>JavaScriptCore</a:t>
+            </a:r>
+            <a:r>
+              <a:rPr lang="zh-CN" altLang="en-US" dirty="0"/>
+              <a:t>内核 </a:t>
+            </a:r>
+            <a:r>
+              <a:rPr lang="en-US" altLang="zh-CN" dirty="0"/>
+              <a:t>Android UC v8</a:t>
+            </a:r>
+            <a:r>
+              <a:rPr lang="zh-CN" altLang="en-US" dirty="0"/>
+              <a:t>内核</a:t>
+            </a:r>
+            <a:r>
+              <a:rPr kumimoji="1" lang="en-US" altLang="zh-CN" dirty="0"/>
+              <a:t>)</a:t>
+            </a:r>
+          </a:p>
+          <a:p>
+            <a:r>
+              <a:rPr lang="zh-CN" altLang="en-US" dirty="0"/>
+              <a:t>预置了类似 </a:t>
+            </a:r>
+            <a:r>
+              <a:rPr lang="en-US" altLang="zh-CN" dirty="0"/>
+              <a:t>vue2.0 </a:t>
+            </a:r>
+            <a:r>
+              <a:rPr lang="zh-CN" altLang="en-US" dirty="0"/>
+              <a:t>之类的框架</a:t>
+            </a:r>
           </a:p>
         </p:txBody>
       </p:sp>
@@ -4101,13 +4733,6 @@
   <p:clrMapOvr>
     <a:masterClrMapping/>
   </p:clrMapOvr>
-  <p:timing>
-    <p:tnLst>
-      <p:par>
-        <p:cTn id="1" dur="indefinite" restart="never" nodeType="tmRoot"/>
-      </p:par>
-    </p:tnLst>
-  </p:timing>
 </p:sld>
 </file>
 
@@ -4144,10 +4769,9 @@
           <a:lstStyle/>
           <a:p>
             <a:r>
-              <a:rPr kumimoji="1" lang="zh-CN" altLang="en-US" dirty="0" smtClean="0"/>
+              <a:rPr kumimoji="1" lang="zh-CN" altLang="en-US" dirty="0"/>
               <a:t>开发环境</a:t>
             </a:r>
-            <a:endParaRPr kumimoji="1" lang="zh-CN" altLang="en-US" dirty="0"/>
           </a:p>
         </p:txBody>
       </p:sp>
@@ -4167,53 +4791,53 @@
           <a:lstStyle/>
           <a:p>
             <a:r>
-              <a:rPr kumimoji="1" lang="en-US" altLang="zh-CN" dirty="0" smtClean="0"/>
+              <a:rPr kumimoji="1" lang="en-US" altLang="zh-CN" dirty="0"/>
               <a:t>Web</a:t>
             </a:r>
             <a:r>
-              <a:rPr kumimoji="1" lang="zh-CN" altLang="en-US" dirty="0" smtClean="0"/>
+              <a:rPr kumimoji="1" lang="zh-CN" altLang="en-US" dirty="0"/>
               <a:t> 开发者可以直接使用 </a:t>
             </a:r>
             <a:r>
-              <a:rPr lang="en-US" altLang="zh-CN" dirty="0" smtClean="0"/>
+              <a:rPr lang="en-US" altLang="zh-CN" dirty="0"/>
               <a:t>HTML/CSS/</a:t>
             </a:r>
             <a:r>
-              <a:rPr lang="en-US" altLang="zh-CN" dirty="0" err="1" smtClean="0"/>
+              <a:rPr lang="en-US" altLang="zh-CN" dirty="0" err="1"/>
               <a:t>JavaScrip</a:t>
             </a:r>
             <a:r>
-              <a:rPr lang="zh-CN" altLang="en-US" dirty="0" smtClean="0"/>
+              <a:rPr lang="zh-CN" altLang="en-US" dirty="0"/>
               <a:t> 技术语言进行开发</a:t>
             </a:r>
             <a:r>
-              <a:rPr lang="en-US" altLang="zh-CN" dirty="0" smtClean="0"/>
+              <a:rPr lang="en-US" altLang="zh-CN" dirty="0"/>
               <a:t>,</a:t>
             </a:r>
             <a:r>
-              <a:rPr lang="zh-CN" altLang="en-US" dirty="0" smtClean="0"/>
+              <a:rPr lang="zh-CN" altLang="en-US" dirty="0"/>
               <a:t> </a:t>
             </a:r>
-            <a:endParaRPr lang="en-US" altLang="zh-CN" dirty="0" smtClean="0"/>
-          </a:p>
-          <a:p>
-            <a:r>
-              <a:rPr lang="zh-CN" altLang="en-US" dirty="0" smtClean="0"/>
+            <a:endParaRPr lang="en-US" altLang="zh-CN" dirty="0"/>
+          </a:p>
+          <a:p>
+            <a:r>
+              <a:rPr lang="zh-CN" altLang="en-US" dirty="0"/>
               <a:t>可以使用 </a:t>
             </a:r>
             <a:r>
-              <a:rPr lang="en-US" altLang="zh-CN" dirty="0" err="1" smtClean="0"/>
+              <a:rPr lang="en-US" altLang="zh-CN" dirty="0" err="1"/>
               <a:t>npm</a:t>
             </a:r>
             <a:r>
-              <a:rPr lang="zh-CN" altLang="en-US" dirty="0" smtClean="0"/>
+              <a:rPr lang="zh-CN" altLang="en-US" dirty="0"/>
               <a:t> 管理依赖</a:t>
             </a:r>
-            <a:endParaRPr lang="en-US" altLang="zh-CN" dirty="0" smtClean="0"/>
-          </a:p>
-          <a:p>
-            <a:r>
-              <a:rPr lang="zh-CN" altLang="en-US" dirty="0" smtClean="0"/>
+            <a:endParaRPr lang="en-US" altLang="zh-CN" dirty="0"/>
+          </a:p>
+          <a:p>
+            <a:r>
+              <a:rPr lang="zh-CN" altLang="en-US" dirty="0"/>
               <a:t>可以使用官方提供的脚手架方便迅捷的搭建一个简单应用</a:t>
             </a:r>
             <a:endParaRPr kumimoji="1" lang="zh-CN" altLang="en-US" dirty="0"/>
@@ -4230,13 +4854,6 @@
   <p:clrMapOvr>
     <a:masterClrMapping/>
   </p:clrMapOvr>
-  <p:timing>
-    <p:tnLst>
-      <p:par>
-        <p:cTn id="1" dur="indefinite" restart="never" nodeType="tmRoot"/>
-      </p:par>
-    </p:tnLst>
-  </p:timing>
 </p:sld>
 </file>
 
@@ -4273,10 +4890,9 @@
           <a:lstStyle/>
           <a:p>
             <a:r>
-              <a:rPr kumimoji="1" lang="zh-CN" altLang="en-US" dirty="0" smtClean="0"/>
-              <a:t>小李子</a:t>
-            </a:r>
-            <a:endParaRPr kumimoji="1" lang="zh-CN" altLang="en-US" dirty="0"/>
+              <a:rPr kumimoji="1" lang="zh-CN" altLang="en-US" dirty="0"/>
+              <a:t>例</a:t>
+            </a:r>
           </a:p>
         </p:txBody>
       </p:sp>
@@ -4340,13 +4956,6 @@
   <p:clrMapOvr>
     <a:masterClrMapping/>
   </p:clrMapOvr>
-  <p:timing>
-    <p:tnLst>
-      <p:par>
-        <p:cTn id="1" dur="indefinite" restart="never" nodeType="tmRoot"/>
-      </p:par>
-    </p:tnLst>
-  </p:timing>
 </p:sld>
 </file>
 
@@ -4439,13 +5048,6 @@
   <p:clrMapOvr>
     <a:masterClrMapping/>
   </p:clrMapOvr>
-  <p:timing>
-    <p:tnLst>
-      <p:par>
-        <p:cTn id="1" dur="indefinite" restart="never" nodeType="tmRoot"/>
-      </p:par>
-    </p:tnLst>
-  </p:timing>
 </p:sld>
 </file>
 
@@ -4481,7 +5083,11 @@
           <a:bodyPr/>
           <a:lstStyle/>
           <a:p>
-            <a:endParaRPr kumimoji="1" lang="zh-CN" altLang="en-US"/>
+            <a:r>
+              <a:rPr lang="zh-CN" altLang="en-US" b="1" dirty="0"/>
+              <a:t>开发体验</a:t>
+            </a:r>
+            <a:endParaRPr kumimoji="1" lang="zh-CN" altLang="en-US" dirty="0"/>
           </a:p>
         </p:txBody>
       </p:sp>
@@ -4500,7 +5106,52 @@
           <a:bodyPr/>
           <a:lstStyle/>
           <a:p>
-            <a:endParaRPr kumimoji="1" lang="zh-CN" altLang="en-US"/>
+            <a:r>
+              <a:rPr kumimoji="1" lang="en-US" altLang="zh-CN" dirty="0"/>
+              <a:t>Web</a:t>
+            </a:r>
+            <a:r>
+              <a:rPr kumimoji="1" lang="zh-CN" altLang="en-US" dirty="0"/>
+              <a:t>开发者可以使用自己熟悉的语言写</a:t>
+            </a:r>
+            <a:r>
+              <a:rPr kumimoji="1" lang="en-US" altLang="zh-CN" dirty="0" err="1"/>
+              <a:t>weex</a:t>
+            </a:r>
+            <a:endParaRPr kumimoji="1" lang="en-US" altLang="zh-CN" dirty="0"/>
+          </a:p>
+          <a:p>
+            <a:r>
+              <a:rPr lang="en-US" altLang="zh-CN" dirty="0"/>
+              <a:t> HTML </a:t>
+            </a:r>
+            <a:r>
+              <a:rPr lang="zh-CN" altLang="en-US" dirty="0"/>
+              <a:t>结构和内容</a:t>
+            </a:r>
+            <a:endParaRPr lang="en-US" altLang="zh-CN" dirty="0"/>
+          </a:p>
+          <a:p>
+            <a:r>
+              <a:rPr lang="en-US" altLang="zh-CN" dirty="0"/>
+              <a:t>CSS </a:t>
+            </a:r>
+            <a:r>
+              <a:rPr lang="zh-CN" altLang="en-US" dirty="0"/>
+              <a:t>界面展示</a:t>
+            </a:r>
+            <a:endParaRPr lang="en-US" altLang="zh-CN" dirty="0"/>
+          </a:p>
+          <a:p>
+            <a:r>
+              <a:rPr lang="en-US" altLang="zh-CN" dirty="0"/>
+              <a:t>JavaScript </a:t>
+            </a:r>
+            <a:r>
+              <a:rPr lang="zh-CN" altLang="en-US" dirty="0"/>
+              <a:t>行为和义务逻辑</a:t>
+            </a:r>
+            <a:endParaRPr kumimoji="1" lang="zh-CN" altLang="en-US" dirty="0"/>
           </a:p>
         </p:txBody>
       </p:sp>
@@ -4514,13 +5165,244 @@
   <p:clrMapOvr>
     <a:masterClrMapping/>
   </p:clrMapOvr>
-  <p:timing>
-    <p:tnLst>
-      <p:par>
-        <p:cTn id="1" dur="indefinite" restart="never" nodeType="tmRoot"/>
-      </p:par>
-    </p:tnLst>
-  </p:timing>
+</p:sld>
+</file>
+
+<file path=ppt/slides/slide9.xml><?xml version="1.0" encoding="utf-8"?>
+<p:sld xmlns:a="http://schemas.openxmlformats.org/drawingml/2006/main" xmlns:r="http://schemas.openxmlformats.org/officeDocument/2006/relationships" xmlns:p="http://schemas.openxmlformats.org/presentationml/2006/main">
+  <p:cSld>
+    <p:spTree>
+      <p:nvGrpSpPr>
+        <p:cNvPr id="1" name=""/>
+        <p:cNvGrpSpPr/>
+        <p:nvPr/>
+      </p:nvGrpSpPr>
+      <p:grpSpPr>
+        <a:xfrm>
+          <a:off x="0" y="0"/>
+          <a:ext cx="0" cy="0"/>
+          <a:chOff x="0" y="0"/>
+          <a:chExt cx="0" cy="0"/>
+        </a:xfrm>
+      </p:grpSpPr>
+      <p:sp>
+        <p:nvSpPr>
+          <p:cNvPr id="2" name="标题 1">
+            <a:extLst>
+              <a:ext uri="{FF2B5EF4-FFF2-40B4-BE49-F238E27FC236}">
+                <a16:creationId xmlns:a16="http://schemas.microsoft.com/office/drawing/2014/main" id="{203E010F-C628-4EF7-B624-7102C603A2D5}"/>
+              </a:ext>
+            </a:extLst>
+          </p:cNvPr>
+          <p:cNvSpPr>
+            <a:spLocks noGrp="1"/>
+          </p:cNvSpPr>
+          <p:nvPr>
+            <p:ph type="title"/>
+          </p:nvPr>
+        </p:nvSpPr>
+        <p:spPr/>
+        <p:txBody>
+          <a:bodyPr/>
+          <a:lstStyle/>
+          <a:p>
+            <a:r>
+              <a:rPr lang="en-US" altLang="zh-CN" b="1" dirty="0" err="1"/>
+              <a:t>Weex</a:t>
+            </a:r>
+            <a:r>
+              <a:rPr lang="en-US" altLang="zh-CN" b="1" dirty="0"/>
+              <a:t> </a:t>
+            </a:r>
+            <a:r>
+              <a:rPr lang="zh-CN" altLang="en-US" b="1" dirty="0"/>
+              <a:t>对 </a:t>
+            </a:r>
+            <a:r>
+              <a:rPr lang="en-US" altLang="zh-CN" b="1" dirty="0"/>
+              <a:t>Web </a:t>
+            </a:r>
+            <a:r>
+              <a:rPr lang="zh-CN" altLang="en-US" b="1" dirty="0"/>
+              <a:t>标准的支持情况</a:t>
+            </a:r>
+            <a:endParaRPr lang="zh-CN" altLang="en-US" dirty="0"/>
+          </a:p>
+        </p:txBody>
+      </p:sp>
+      <p:sp>
+        <p:nvSpPr>
+          <p:cNvPr id="3" name="内容占位符 2">
+            <a:extLst>
+              <a:ext uri="{FF2B5EF4-FFF2-40B4-BE49-F238E27FC236}">
+                <a16:creationId xmlns:a16="http://schemas.microsoft.com/office/drawing/2014/main" id="{A5C67812-E75C-4C54-9B02-562DAB47D231}"/>
+              </a:ext>
+            </a:extLst>
+          </p:cNvPr>
+          <p:cNvSpPr>
+            <a:spLocks noGrp="1"/>
+          </p:cNvSpPr>
+          <p:nvPr>
+            <p:ph idx="1"/>
+          </p:nvPr>
+        </p:nvSpPr>
+        <p:spPr/>
+        <p:txBody>
+          <a:bodyPr/>
+          <a:lstStyle/>
+          <a:p>
+            <a:r>
+              <a:rPr lang="en-US" altLang="zh-CN" dirty="0"/>
+              <a:t>HTML </a:t>
+            </a:r>
+            <a:r>
+              <a:rPr lang="zh-CN" altLang="en-US" dirty="0"/>
+              <a:t>标签：支持基本的容器 </a:t>
+            </a:r>
+            <a:r>
+              <a:rPr lang="en-US" altLang="zh-CN" dirty="0"/>
+              <a:t>(div)</a:t>
+            </a:r>
+            <a:r>
+              <a:rPr lang="zh-CN" altLang="en-US" dirty="0"/>
+              <a:t>、文本 </a:t>
+            </a:r>
+            <a:r>
+              <a:rPr lang="en-US" altLang="zh-CN" dirty="0"/>
+              <a:t>(text)</a:t>
+            </a:r>
+            <a:r>
+              <a:rPr lang="zh-CN" altLang="en-US" dirty="0"/>
+              <a:t>、图片 </a:t>
+            </a:r>
+            <a:r>
+              <a:rPr lang="en-US" altLang="zh-CN" dirty="0"/>
+              <a:t>(image)</a:t>
+            </a:r>
+            <a:r>
+              <a:rPr lang="zh-CN" altLang="en-US" dirty="0"/>
+              <a:t>、视频 </a:t>
+            </a:r>
+            <a:r>
+              <a:rPr lang="en-US" altLang="zh-CN" dirty="0"/>
+              <a:t>(video) </a:t>
+            </a:r>
+            <a:r>
+              <a:rPr lang="zh-CN" altLang="en-US" dirty="0"/>
+              <a:t>等组件，</a:t>
+            </a:r>
+            <a:r>
+              <a:rPr lang="en-US" altLang="zh-CN" dirty="0"/>
+              <a:t>HTML </a:t>
+            </a:r>
+            <a:r>
+              <a:rPr lang="zh-CN" altLang="en-US" dirty="0"/>
+              <a:t>中几乎所有的块级标签都可以通过容器组件进行自定义模拟。</a:t>
+            </a:r>
+            <a:endParaRPr lang="en-US" altLang="zh-CN" dirty="0"/>
+          </a:p>
+          <a:p>
+            <a:r>
+              <a:rPr lang="en-US" altLang="zh-CN" dirty="0"/>
+              <a:t>CSS</a:t>
+            </a:r>
+            <a:r>
+              <a:rPr lang="zh-CN" altLang="en-US" dirty="0"/>
+              <a:t>：</a:t>
+            </a:r>
+            <a:r>
+              <a:rPr lang="en-US" altLang="zh-CN" dirty="0"/>
+              <a:t> </a:t>
+            </a:r>
+            <a:r>
+              <a:rPr lang="zh-CN" altLang="en-US" dirty="0"/>
+              <a:t>支持部分常用的 </a:t>
+            </a:r>
+            <a:r>
+              <a:rPr lang="en-US" altLang="zh-CN" dirty="0"/>
+              <a:t>CSS </a:t>
+            </a:r>
+            <a:r>
+              <a:rPr lang="zh-CN" altLang="en-US" dirty="0"/>
+              <a:t>属性、值类型和单位，并且会根据用户反馈和在 </a:t>
+            </a:r>
+            <a:r>
+              <a:rPr lang="en-US" altLang="zh-CN" dirty="0"/>
+              <a:t>web </a:t>
+            </a:r>
+            <a:r>
+              <a:rPr lang="zh-CN" altLang="en-US" dirty="0"/>
+              <a:t>中的使用频度陆续支持更多。</a:t>
+            </a:r>
+          </a:p>
+          <a:p>
+            <a:r>
+              <a:rPr lang="en-US" altLang="zh-CN" dirty="0"/>
+              <a:t>JavaScript</a:t>
+            </a:r>
+            <a:r>
+              <a:rPr lang="zh-CN" altLang="en-US" dirty="0"/>
+              <a:t>：目前 </a:t>
+            </a:r>
+            <a:r>
+              <a:rPr lang="en-US" altLang="zh-CN" dirty="0" err="1"/>
+              <a:t>Weex</a:t>
+            </a:r>
+            <a:r>
+              <a:rPr lang="en-US" altLang="zh-CN" dirty="0"/>
+              <a:t> </a:t>
+            </a:r>
+            <a:r>
+              <a:rPr lang="zh-CN" altLang="en-US" dirty="0"/>
+              <a:t>提供了一套简化版的 </a:t>
+            </a:r>
+            <a:r>
+              <a:rPr lang="en-US" altLang="zh-CN" dirty="0"/>
+              <a:t>DOM APIs</a:t>
+            </a:r>
+            <a:r>
+              <a:rPr lang="zh-CN" altLang="en-US" dirty="0"/>
+              <a:t>，用来操作原生界面，同时 </a:t>
+            </a:r>
+            <a:r>
+              <a:rPr lang="en-US" altLang="zh-CN" dirty="0" err="1"/>
+              <a:t>Weex</a:t>
+            </a:r>
+            <a:r>
+              <a:rPr lang="en-US" altLang="zh-CN" dirty="0"/>
+              <a:t> </a:t>
+            </a:r>
+            <a:r>
+              <a:rPr lang="zh-CN" altLang="en-US" dirty="0"/>
+              <a:t>在陆续支持更多的 </a:t>
+            </a:r>
+            <a:r>
+              <a:rPr lang="en-US" altLang="zh-CN" dirty="0"/>
+              <a:t>W3C Device APIs</a:t>
+            </a:r>
+            <a:r>
+              <a:rPr lang="zh-CN" altLang="en-US" dirty="0"/>
+              <a:t>。</a:t>
+            </a:r>
+          </a:p>
+          <a:p>
+            <a:endParaRPr lang="zh-CN" altLang="en-US" dirty="0"/>
+          </a:p>
+          <a:p>
+            <a:endParaRPr lang="zh-CN" altLang="en-US" dirty="0"/>
+          </a:p>
+        </p:txBody>
+      </p:sp>
+    </p:spTree>
+    <p:extLst>
+      <p:ext uri="{BB962C8B-B14F-4D97-AF65-F5344CB8AC3E}">
+        <p14:creationId xmlns:p14="http://schemas.microsoft.com/office/powerpoint/2010/main" val="3820688785"/>
+      </p:ext>
+    </p:extLst>
+  </p:cSld>
+  <p:clrMapOvr>
+    <a:masterClrMapping/>
+  </p:clrMapOvr>
 </p:sld>
 </file>
 

--- a/ppt/演示文稿1.pptx
+++ b/ppt/演示文稿1.pptx
@@ -5,21 +5,23 @@
     <p:sldMasterId id="2147483660" r:id="rId1"/>
   </p:sldMasterIdLst>
   <p:notesMasterIdLst>
-    <p:notesMasterId r:id="rId14"/>
+    <p:notesMasterId r:id="rId16"/>
   </p:notesMasterIdLst>
   <p:sldIdLst>
     <p:sldId id="256" r:id="rId2"/>
-    <p:sldId id="258" r:id="rId3"/>
-    <p:sldId id="257" r:id="rId4"/>
-    <p:sldId id="259" r:id="rId5"/>
-    <p:sldId id="260" r:id="rId6"/>
-    <p:sldId id="261" r:id="rId7"/>
-    <p:sldId id="262" r:id="rId8"/>
-    <p:sldId id="263" r:id="rId9"/>
-    <p:sldId id="264" r:id="rId10"/>
-    <p:sldId id="265" r:id="rId11"/>
-    <p:sldId id="266" r:id="rId12"/>
-    <p:sldId id="267" r:id="rId13"/>
+    <p:sldId id="266" r:id="rId3"/>
+    <p:sldId id="265" r:id="rId4"/>
+    <p:sldId id="258" r:id="rId5"/>
+    <p:sldId id="259" r:id="rId6"/>
+    <p:sldId id="260" r:id="rId7"/>
+    <p:sldId id="257" r:id="rId8"/>
+    <p:sldId id="262" r:id="rId9"/>
+    <p:sldId id="261" r:id="rId10"/>
+    <p:sldId id="263" r:id="rId11"/>
+    <p:sldId id="264" r:id="rId12"/>
+    <p:sldId id="268" r:id="rId13"/>
+    <p:sldId id="269" r:id="rId14"/>
+    <p:sldId id="270" r:id="rId15"/>
   </p:sldIdLst>
   <p:sldSz cx="12192000" cy="6858000"/>
   <p:notesSz cx="6858000" cy="9144000"/>
@@ -119,6 +121,28 @@
     </a:lvl9pPr>
   </p:defaultTextStyle>
   <p:extLst>
+    <p:ext uri="{521415D9-36F7-43E2-AB2F-B90AF26B5E84}">
+      <p14:sectionLst xmlns:p14="http://schemas.microsoft.com/office/powerpoint/2010/main">
+        <p14:section name="默认节" id="{7C82CA50-02F0-D04A-A2BA-689E089B0440}">
+          <p14:sldIdLst>
+            <p14:sldId id="256"/>
+            <p14:sldId id="266"/>
+            <p14:sldId id="265"/>
+            <p14:sldId id="258"/>
+            <p14:sldId id="259"/>
+            <p14:sldId id="260"/>
+            <p14:sldId id="257"/>
+            <p14:sldId id="262"/>
+            <p14:sldId id="261"/>
+            <p14:sldId id="263"/>
+            <p14:sldId id="264"/>
+            <p14:sldId id="268"/>
+            <p14:sldId id="269"/>
+            <p14:sldId id="270"/>
+          </p14:sldIdLst>
+        </p14:section>
+      </p14:sectionLst>
+    </p:ext>
     <p:ext uri="{EFAFB233-063F-42B5-8137-9DF3F51BA10A}">
       <p15:sldGuideLst xmlns:p15="http://schemas.microsoft.com/office/powerpoint/2012/main"/>
     </p:ext>
@@ -212,7 +236,7 @@
           <a:p>
             <a:fld id="{F0651508-66C8-A04C-9B52-C8E4F8B2F69E}" type="datetimeFigureOut">
               <a:rPr kumimoji="1" lang="zh-CN" altLang="en-US" smtClean="0"/>
-              <a:t>2017/10/29</a:t>
+              <a:t>17/10/30</a:t>
             </a:fld>
             <a:endParaRPr kumimoji="1" lang="zh-CN" altLang="en-US"/>
           </a:p>
@@ -631,7 +655,7 @@
           <a:p>
             <a:fld id="{52C27BEF-11A0-F544-A726-D4EA06DCF696}" type="slidenum">
               <a:rPr kumimoji="1" lang="zh-CN" altLang="en-US" smtClean="0"/>
-              <a:t>2</a:t>
+              <a:t>4</a:t>
             </a:fld>
             <a:endParaRPr kumimoji="1" lang="zh-CN" altLang="en-US"/>
           </a:p>
@@ -694,81 +718,13 @@
           <a:bodyPr/>
           <a:lstStyle/>
           <a:p>
-            <a:r>
-              <a:rPr kumimoji="1" lang="en-US" altLang="zh-CN" dirty="0"/>
-              <a:t>Playground </a:t>
-            </a:r>
-            <a:r>
-              <a:rPr kumimoji="1" lang="zh-CN" altLang="en-US" dirty="0"/>
-              <a:t>是一个效果浏览工具</a:t>
-            </a:r>
-            <a:r>
-              <a:rPr kumimoji="1" lang="en-US" altLang="zh-CN" dirty="0"/>
-              <a:t>,</a:t>
-            </a:r>
-            <a:r>
-              <a:rPr kumimoji="1" lang="zh-CN" altLang="en-US" dirty="0"/>
-              <a:t>它内置了一些 </a:t>
-            </a:r>
-            <a:r>
-              <a:rPr kumimoji="1" lang="en-US" altLang="zh-CN" dirty="0"/>
-              <a:t>WEEX</a:t>
-            </a:r>
-            <a:r>
-              <a:rPr kumimoji="1" lang="zh-CN" altLang="en-US" dirty="0"/>
-              <a:t> 可以实现的效果</a:t>
-            </a:r>
-            <a:r>
-              <a:rPr kumimoji="1" lang="en-US" altLang="zh-CN" dirty="0"/>
-              <a:t>,</a:t>
-            </a:r>
-            <a:r>
-              <a:rPr kumimoji="1" lang="zh-CN" altLang="en-US" dirty="0"/>
-              <a:t>同时也可以用它实时浏览我们自己写的页面</a:t>
-            </a:r>
-            <a:r>
-              <a:rPr kumimoji="1" lang="en-US" altLang="zh-CN" dirty="0"/>
-              <a:t>,</a:t>
-            </a:r>
-            <a:r>
-              <a:rPr kumimoji="1" lang="zh-CN" altLang="en-US" dirty="0"/>
-              <a:t>并且这些内容不是 </a:t>
-            </a:r>
-            <a:r>
-              <a:rPr kumimoji="1" lang="en-US" altLang="zh-CN" dirty="0"/>
-              <a:t>H5,</a:t>
-            </a:r>
-            <a:r>
-              <a:rPr kumimoji="1" lang="zh-CN" altLang="en-US" dirty="0"/>
-              <a:t>而是</a:t>
-            </a:r>
-            <a:r>
-              <a:rPr lang="en-US" altLang="zh-CN" sz="1200" b="0" i="0" kern="1200" dirty="0">
-                <a:solidFill>
-                  <a:schemeClr val="tx1"/>
-                </a:solidFill>
-                <a:effectLst/>
-                <a:latin typeface="+mn-lt"/>
-                <a:ea typeface="+mn-ea"/>
-                <a:cs typeface="+mn-cs"/>
-              </a:rPr>
-              <a:t>native</a:t>
-            </a:r>
-            <a:r>
-              <a:rPr kumimoji="1" lang="zh-CN" altLang="en-US" dirty="0"/>
-              <a:t>的</a:t>
-            </a:r>
-            <a:r>
-              <a:rPr kumimoji="1" lang="en-US" altLang="zh-CN" dirty="0"/>
-              <a:t>.</a:t>
-            </a:r>
-            <a:endParaRPr kumimoji="1" lang="zh-CN" altLang="en-US" dirty="0"/>
-          </a:p>
-        </p:txBody>
-      </p:sp>
-      <p:sp>
-        <p:nvSpPr>
-          <p:cNvPr id="4" name="幻灯片编号占位符 3"/>
+            <a:endParaRPr lang="zh-CN" altLang="en-US" dirty="0"/>
+          </a:p>
+        </p:txBody>
+      </p:sp>
+      <p:sp>
+        <p:nvSpPr>
+          <p:cNvPr id="4" name="灯片编号占位符 3"/>
           <p:cNvSpPr>
             <a:spLocks noGrp="1"/>
           </p:cNvSpPr>
@@ -783,7 +739,7 @@
           <a:p>
             <a:fld id="{52C27BEF-11A0-F544-A726-D4EA06DCF696}" type="slidenum">
               <a:rPr kumimoji="1" lang="zh-CN" altLang="en-US" smtClean="0"/>
-              <a:t>3</a:t>
+              <a:t>5</a:t>
             </a:fld>
             <a:endParaRPr kumimoji="1" lang="zh-CN" altLang="en-US"/>
           </a:p>
@@ -792,7 +748,7 @@
     </p:spTree>
     <p:extLst>
       <p:ext uri="{BB962C8B-B14F-4D97-AF65-F5344CB8AC3E}">
-        <p14:creationId xmlns:p14="http://schemas.microsoft.com/office/powerpoint/2010/main" val="1409627140"/>
+        <p14:creationId xmlns:p14="http://schemas.microsoft.com/office/powerpoint/2010/main" val="1307641522"/>
       </p:ext>
     </p:extLst>
   </p:cSld>
@@ -846,13 +802,81 @@
           <a:bodyPr/>
           <a:lstStyle/>
           <a:p>
-            <a:endParaRPr lang="zh-CN" altLang="en-US" dirty="0"/>
-          </a:p>
-        </p:txBody>
-      </p:sp>
-      <p:sp>
-        <p:nvSpPr>
-          <p:cNvPr id="4" name="灯片编号占位符 3"/>
+            <a:r>
+              <a:rPr kumimoji="1" lang="en-US" altLang="zh-CN" dirty="0"/>
+              <a:t>Playground </a:t>
+            </a:r>
+            <a:r>
+              <a:rPr kumimoji="1" lang="zh-CN" altLang="en-US" dirty="0"/>
+              <a:t>是一个效果浏览工具</a:t>
+            </a:r>
+            <a:r>
+              <a:rPr kumimoji="1" lang="en-US" altLang="zh-CN" dirty="0"/>
+              <a:t>,</a:t>
+            </a:r>
+            <a:r>
+              <a:rPr kumimoji="1" lang="zh-CN" altLang="en-US" dirty="0"/>
+              <a:t>它内置了一些 </a:t>
+            </a:r>
+            <a:r>
+              <a:rPr kumimoji="1" lang="en-US" altLang="zh-CN" dirty="0"/>
+              <a:t>WEEX</a:t>
+            </a:r>
+            <a:r>
+              <a:rPr kumimoji="1" lang="zh-CN" altLang="en-US" dirty="0"/>
+              <a:t> 可以实现的效果</a:t>
+            </a:r>
+            <a:r>
+              <a:rPr kumimoji="1" lang="en-US" altLang="zh-CN" dirty="0"/>
+              <a:t>,</a:t>
+            </a:r>
+            <a:r>
+              <a:rPr kumimoji="1" lang="zh-CN" altLang="en-US" dirty="0"/>
+              <a:t>同时也可以用它实时浏览我们自己写的页面</a:t>
+            </a:r>
+            <a:r>
+              <a:rPr kumimoji="1" lang="en-US" altLang="zh-CN" dirty="0"/>
+              <a:t>,</a:t>
+            </a:r>
+            <a:r>
+              <a:rPr kumimoji="1" lang="zh-CN" altLang="en-US" dirty="0"/>
+              <a:t>并且这些内容不是 </a:t>
+            </a:r>
+            <a:r>
+              <a:rPr kumimoji="1" lang="en-US" altLang="zh-CN" dirty="0"/>
+              <a:t>H5,</a:t>
+            </a:r>
+            <a:r>
+              <a:rPr kumimoji="1" lang="zh-CN" altLang="en-US" dirty="0"/>
+              <a:t>而是</a:t>
+            </a:r>
+            <a:r>
+              <a:rPr lang="en-US" altLang="zh-CN" sz="1200" b="0" i="0" kern="1200" dirty="0">
+                <a:solidFill>
+                  <a:schemeClr val="tx1"/>
+                </a:solidFill>
+                <a:effectLst/>
+                <a:latin typeface="+mn-lt"/>
+                <a:ea typeface="+mn-ea"/>
+                <a:cs typeface="+mn-cs"/>
+              </a:rPr>
+              <a:t>native</a:t>
+            </a:r>
+            <a:r>
+              <a:rPr kumimoji="1" lang="zh-CN" altLang="en-US" dirty="0"/>
+              <a:t>的</a:t>
+            </a:r>
+            <a:r>
+              <a:rPr kumimoji="1" lang="en-US" altLang="zh-CN" dirty="0"/>
+              <a:t>.</a:t>
+            </a:r>
+            <a:endParaRPr kumimoji="1" lang="zh-CN" altLang="en-US" dirty="0"/>
+          </a:p>
+        </p:txBody>
+      </p:sp>
+      <p:sp>
+        <p:nvSpPr>
+          <p:cNvPr id="4" name="幻灯片编号占位符 3"/>
           <p:cNvSpPr>
             <a:spLocks noGrp="1"/>
           </p:cNvSpPr>
@@ -867,7 +891,7 @@
           <a:p>
             <a:fld id="{52C27BEF-11A0-F544-A726-D4EA06DCF696}" type="slidenum">
               <a:rPr kumimoji="1" lang="zh-CN" altLang="en-US" smtClean="0"/>
-              <a:t>4</a:t>
+              <a:t>7</a:t>
             </a:fld>
             <a:endParaRPr kumimoji="1" lang="zh-CN" altLang="en-US"/>
           </a:p>
@@ -876,7 +900,7 @@
     </p:spTree>
     <p:extLst>
       <p:ext uri="{BB962C8B-B14F-4D97-AF65-F5344CB8AC3E}">
-        <p14:creationId xmlns:p14="http://schemas.microsoft.com/office/powerpoint/2010/main" val="1307641522"/>
+        <p14:creationId xmlns:p14="http://schemas.microsoft.com/office/powerpoint/2010/main" val="1409627140"/>
       </p:ext>
     </p:extLst>
   </p:cSld>
@@ -986,7 +1010,7 @@
           <a:p>
             <a:fld id="{52C27BEF-11A0-F544-A726-D4EA06DCF696}" type="slidenum">
               <a:rPr kumimoji="1" lang="zh-CN" altLang="en-US" smtClean="0"/>
-              <a:t>8</a:t>
+              <a:t>10</a:t>
             </a:fld>
             <a:endParaRPr kumimoji="1" lang="zh-CN" altLang="en-US"/>
           </a:p>
@@ -996,6 +1020,1260 @@
     <p:extLst>
       <p:ext uri="{BB962C8B-B14F-4D97-AF65-F5344CB8AC3E}">
         <p14:creationId xmlns:p14="http://schemas.microsoft.com/office/powerpoint/2010/main" val="1056790888"/>
+      </p:ext>
+    </p:extLst>
+  </p:cSld>
+  <p:clrMapOvr>
+    <a:masterClrMapping/>
+  </p:clrMapOvr>
+</p:notes>
+</file>
+
+<file path=ppt/notesSlides/notesSlide6.xml><?xml version="1.0" encoding="utf-8"?>
+<p:notes xmlns:a="http://schemas.openxmlformats.org/drawingml/2006/main" xmlns:r="http://schemas.openxmlformats.org/officeDocument/2006/relationships" xmlns:p="http://schemas.openxmlformats.org/presentationml/2006/main">
+  <p:cSld>
+    <p:spTree>
+      <p:nvGrpSpPr>
+        <p:cNvPr id="1" name=""/>
+        <p:cNvGrpSpPr/>
+        <p:nvPr/>
+      </p:nvGrpSpPr>
+      <p:grpSpPr>
+        <a:xfrm>
+          <a:off x="0" y="0"/>
+          <a:ext cx="0" cy="0"/>
+          <a:chOff x="0" y="0"/>
+          <a:chExt cx="0" cy="0"/>
+        </a:xfrm>
+      </p:grpSpPr>
+      <p:sp>
+        <p:nvSpPr>
+          <p:cNvPr id="2" name="幻灯片图像占位符 1"/>
+          <p:cNvSpPr>
+            <a:spLocks noGrp="1" noRot="1" noChangeAspect="1"/>
+          </p:cNvSpPr>
+          <p:nvPr>
+            <p:ph type="sldImg"/>
+          </p:nvPr>
+        </p:nvSpPr>
+        <p:spPr/>
+      </p:sp>
+      <p:sp>
+        <p:nvSpPr>
+          <p:cNvPr id="3" name="备注占位符 2"/>
+          <p:cNvSpPr>
+            <a:spLocks noGrp="1"/>
+          </p:cNvSpPr>
+          <p:nvPr>
+            <p:ph type="body" idx="1"/>
+          </p:nvPr>
+        </p:nvSpPr>
+        <p:spPr/>
+        <p:txBody>
+          <a:bodyPr/>
+          <a:lstStyle/>
+          <a:p>
+            <a:r>
+              <a:rPr lang="en-US" altLang="zh-CN" sz="1200" b="0" i="0" kern="1200" dirty="0" err="1" smtClean="0">
+                <a:solidFill>
+                  <a:schemeClr val="tx1"/>
+                </a:solidFill>
+                <a:effectLst/>
+                <a:latin typeface="+mn-lt"/>
+                <a:ea typeface="+mn-ea"/>
+                <a:cs typeface="+mn-cs"/>
+              </a:rPr>
+              <a:t>WXEnvironment</a:t>
+            </a:r>
+            <a:r>
+              <a:rPr lang="zh-CN" altLang="en-US" sz="1200" b="0" i="0" kern="1200" dirty="0" smtClean="0">
+                <a:solidFill>
+                  <a:schemeClr val="tx1"/>
+                </a:solidFill>
+                <a:effectLst/>
+                <a:latin typeface="+mn-lt"/>
+                <a:ea typeface="+mn-ea"/>
+                <a:cs typeface="+mn-cs"/>
+              </a:rPr>
+              <a:t>可查看</a:t>
+            </a:r>
+            <a:r>
+              <a:rPr lang="en-US" altLang="zh-CN" sz="1200" b="0" i="0" kern="1200" dirty="0" err="1" smtClean="0">
+                <a:solidFill>
+                  <a:schemeClr val="tx1"/>
+                </a:solidFill>
+                <a:effectLst/>
+                <a:latin typeface="+mn-lt"/>
+                <a:ea typeface="+mn-ea"/>
+                <a:cs typeface="+mn-cs"/>
+              </a:rPr>
+              <a:t>WeexSDK</a:t>
+            </a:r>
+            <a:r>
+              <a:rPr lang="zh-CN" altLang="en-US" sz="1200" b="0" i="0" kern="1200" dirty="0" smtClean="0">
+                <a:solidFill>
+                  <a:schemeClr val="tx1"/>
+                </a:solidFill>
+                <a:effectLst/>
+                <a:latin typeface="+mn-lt"/>
+                <a:ea typeface="+mn-ea"/>
+                <a:cs typeface="+mn-cs"/>
+              </a:rPr>
+              <a:t>版本</a:t>
+            </a:r>
+            <a:r>
+              <a:rPr lang="en-US" altLang="zh-CN" sz="1200" b="0" i="0" kern="1200" dirty="0" err="1" smtClean="0">
+                <a:solidFill>
+                  <a:schemeClr val="tx1"/>
+                </a:solidFill>
+                <a:effectLst/>
+                <a:latin typeface="+mn-lt"/>
+                <a:ea typeface="+mn-ea"/>
+                <a:cs typeface="+mn-cs"/>
+              </a:rPr>
+              <a:t>weexVersion</a:t>
+            </a:r>
+            <a:r>
+              <a:rPr lang="en-US" altLang="zh-CN" sz="1200" b="0" i="0" kern="1200" dirty="0" smtClean="0">
+                <a:solidFill>
+                  <a:schemeClr val="tx1"/>
+                </a:solidFill>
+                <a:effectLst/>
+                <a:latin typeface="+mn-lt"/>
+                <a:ea typeface="+mn-ea"/>
+                <a:cs typeface="+mn-cs"/>
+              </a:rPr>
+              <a:t> </a:t>
+            </a:r>
+            <a:r>
+              <a:rPr lang="zh-CN" altLang="en-US" sz="1200" b="0" i="0" kern="1200" baseline="0" dirty="0" smtClean="0">
+                <a:solidFill>
+                  <a:schemeClr val="tx1"/>
+                </a:solidFill>
+                <a:effectLst/>
+                <a:latin typeface="+mn-lt"/>
+                <a:ea typeface="+mn-ea"/>
+                <a:cs typeface="+mn-cs"/>
+              </a:rPr>
+              <a:t> </a:t>
+            </a:r>
+            <a:r>
+              <a:rPr lang="zh-CN" altLang="en-US" sz="1200" b="0" i="0" kern="1200" dirty="0" smtClean="0">
+                <a:solidFill>
+                  <a:schemeClr val="tx1"/>
+                </a:solidFill>
+                <a:effectLst/>
+                <a:latin typeface="+mn-lt"/>
+                <a:ea typeface="+mn-ea"/>
+                <a:cs typeface="+mn-cs"/>
+              </a:rPr>
+              <a:t>应用的</a:t>
+            </a:r>
+            <a:r>
+              <a:rPr lang="zh-CN" altLang="en-US" sz="1200" b="0" i="0" kern="1200" dirty="0" smtClean="0">
+                <a:solidFill>
+                  <a:schemeClr val="tx1"/>
+                </a:solidFill>
+                <a:effectLst/>
+                <a:latin typeface="+mn-lt"/>
+                <a:ea typeface="+mn-ea"/>
+                <a:cs typeface="+mn-cs"/>
+              </a:rPr>
+              <a:t>名称</a:t>
+            </a:r>
+            <a:r>
+              <a:rPr lang="en-US" altLang="zh-CN" sz="1200" b="0" i="0" kern="1200" dirty="0" err="1" smtClean="0">
+                <a:solidFill>
+                  <a:schemeClr val="tx1"/>
+                </a:solidFill>
+                <a:effectLst/>
+                <a:latin typeface="+mn-lt"/>
+                <a:ea typeface="+mn-ea"/>
+                <a:cs typeface="+mn-cs"/>
+              </a:rPr>
+              <a:t>appName</a:t>
+            </a:r>
+            <a:r>
+              <a:rPr lang="zh-CN" altLang="en-US" sz="1200" b="0" i="0" kern="1200" baseline="0" dirty="0" smtClean="0">
+                <a:solidFill>
+                  <a:schemeClr val="tx1"/>
+                </a:solidFill>
+                <a:effectLst/>
+                <a:latin typeface="+mn-lt"/>
+                <a:ea typeface="+mn-ea"/>
+                <a:cs typeface="+mn-cs"/>
+              </a:rPr>
+              <a:t> </a:t>
+            </a:r>
+            <a:r>
+              <a:rPr lang="zh-CN" altLang="en-US" sz="1200" b="0" i="0" kern="1200" dirty="0" smtClean="0">
+                <a:solidFill>
+                  <a:schemeClr val="tx1"/>
+                </a:solidFill>
+                <a:effectLst/>
+                <a:latin typeface="+mn-lt"/>
+                <a:ea typeface="+mn-ea"/>
+                <a:cs typeface="+mn-cs"/>
+              </a:rPr>
+              <a:t>应用的</a:t>
+            </a:r>
+            <a:r>
+              <a:rPr lang="zh-CN" altLang="en-US" sz="1200" b="0" i="0" kern="1200" dirty="0" smtClean="0">
+                <a:solidFill>
+                  <a:schemeClr val="tx1"/>
+                </a:solidFill>
+                <a:effectLst/>
+                <a:latin typeface="+mn-lt"/>
+                <a:ea typeface="+mn-ea"/>
+                <a:cs typeface="+mn-cs"/>
+              </a:rPr>
+              <a:t>版本</a:t>
+            </a:r>
+            <a:r>
+              <a:rPr lang="en-US" altLang="zh-CN" sz="1200" b="0" i="0" kern="1200" dirty="0" err="1" smtClean="0">
+                <a:solidFill>
+                  <a:schemeClr val="tx1"/>
+                </a:solidFill>
+                <a:effectLst/>
+                <a:latin typeface="+mn-lt"/>
+                <a:ea typeface="+mn-ea"/>
+                <a:cs typeface="+mn-cs"/>
+              </a:rPr>
+              <a:t>appVersion</a:t>
+            </a:r>
+            <a:r>
+              <a:rPr lang="zh-CN" altLang="en-US" sz="1200" b="0" i="0" kern="1200" dirty="0" smtClean="0">
+                <a:solidFill>
+                  <a:schemeClr val="tx1"/>
+                </a:solidFill>
+                <a:effectLst/>
+                <a:latin typeface="+mn-lt"/>
+                <a:ea typeface="+mn-ea"/>
+                <a:cs typeface="+mn-cs"/>
+              </a:rPr>
+              <a:t> 平台</a:t>
+            </a:r>
+            <a:r>
+              <a:rPr lang="en-US" altLang="zh-CN" sz="1200" b="0" i="0" kern="1200" dirty="0" smtClean="0">
+                <a:solidFill>
+                  <a:schemeClr val="tx1"/>
+                </a:solidFill>
+                <a:effectLst/>
+                <a:latin typeface="+mn-lt"/>
+                <a:ea typeface="+mn-ea"/>
+                <a:cs typeface="+mn-cs"/>
+              </a:rPr>
+              <a:t>platform</a:t>
+            </a:r>
+            <a:r>
+              <a:rPr lang="zh-CN" altLang="en-US" sz="1200" b="0" i="0" kern="1200" dirty="0" smtClean="0">
+                <a:solidFill>
+                  <a:schemeClr val="tx1"/>
+                </a:solidFill>
+                <a:effectLst/>
+                <a:latin typeface="+mn-lt"/>
+                <a:ea typeface="+mn-ea"/>
+                <a:cs typeface="+mn-cs"/>
+              </a:rPr>
+              <a:t> </a:t>
+            </a:r>
+            <a:r>
+              <a:rPr lang="zh-CN" altLang="en-US" sz="1200" b="0" i="0" kern="1200" dirty="0" smtClean="0">
+                <a:solidFill>
+                  <a:schemeClr val="tx1"/>
+                </a:solidFill>
+                <a:effectLst/>
+                <a:latin typeface="+mn-lt"/>
+                <a:ea typeface="+mn-ea"/>
+                <a:cs typeface="+mn-cs"/>
+              </a:rPr>
+              <a:t>系统</a:t>
+            </a:r>
+            <a:r>
+              <a:rPr lang="zh-CN" altLang="en-US" sz="1200" b="0" i="0" kern="1200" dirty="0" smtClean="0">
+                <a:solidFill>
+                  <a:schemeClr val="tx1"/>
+                </a:solidFill>
+                <a:effectLst/>
+                <a:latin typeface="+mn-lt"/>
+                <a:ea typeface="+mn-ea"/>
+                <a:cs typeface="+mn-cs"/>
+              </a:rPr>
+              <a:t>名称</a:t>
+            </a:r>
+            <a:r>
+              <a:rPr lang="en-US" altLang="zh-CN" sz="1200" b="0" i="0" kern="1200" dirty="0" err="1" smtClean="0">
+                <a:solidFill>
+                  <a:schemeClr val="tx1"/>
+                </a:solidFill>
+                <a:effectLst/>
+                <a:latin typeface="+mn-lt"/>
+                <a:ea typeface="+mn-ea"/>
+                <a:cs typeface="+mn-cs"/>
+              </a:rPr>
+              <a:t>osName</a:t>
+            </a:r>
+            <a:r>
+              <a:rPr lang="zh-CN" altLang="en-US" sz="1200" b="0" i="0" kern="1200" dirty="0" smtClean="0">
+                <a:solidFill>
+                  <a:schemeClr val="tx1"/>
+                </a:solidFill>
+                <a:effectLst/>
+                <a:latin typeface="+mn-lt"/>
+                <a:ea typeface="+mn-ea"/>
+                <a:cs typeface="+mn-cs"/>
+              </a:rPr>
+              <a:t> </a:t>
+            </a:r>
+            <a:r>
+              <a:rPr lang="zh-CN" altLang="en-US" sz="1200" b="0" i="0" kern="1200" dirty="0" smtClean="0">
+                <a:solidFill>
+                  <a:schemeClr val="tx1"/>
+                </a:solidFill>
+                <a:effectLst/>
+                <a:latin typeface="+mn-lt"/>
+                <a:ea typeface="+mn-ea"/>
+                <a:cs typeface="+mn-cs"/>
+              </a:rPr>
+              <a:t>系统</a:t>
+            </a:r>
+            <a:r>
+              <a:rPr lang="zh-CN" altLang="en-US" sz="1200" b="0" i="0" kern="1200" dirty="0" smtClean="0">
+                <a:solidFill>
+                  <a:schemeClr val="tx1"/>
+                </a:solidFill>
+                <a:effectLst/>
+                <a:latin typeface="+mn-lt"/>
+                <a:ea typeface="+mn-ea"/>
+                <a:cs typeface="+mn-cs"/>
+              </a:rPr>
+              <a:t>版本</a:t>
+            </a:r>
+            <a:r>
+              <a:rPr lang="en-US" altLang="zh-CN" sz="1200" b="0" i="0" kern="1200" dirty="0" err="1" smtClean="0">
+                <a:solidFill>
+                  <a:schemeClr val="tx1"/>
+                </a:solidFill>
+                <a:effectLst/>
+                <a:latin typeface="+mn-lt"/>
+                <a:ea typeface="+mn-ea"/>
+                <a:cs typeface="+mn-cs"/>
+              </a:rPr>
+              <a:t>osVersion</a:t>
+            </a:r>
+            <a:r>
+              <a:rPr lang="zh-CN" altLang="en-US" sz="1200" b="0" i="0" kern="1200" dirty="0" smtClean="0">
+                <a:solidFill>
+                  <a:schemeClr val="tx1"/>
+                </a:solidFill>
+                <a:effectLst/>
+                <a:latin typeface="+mn-lt"/>
+                <a:ea typeface="+mn-ea"/>
+                <a:cs typeface="+mn-cs"/>
+              </a:rPr>
+              <a:t> </a:t>
+            </a:r>
+            <a:r>
+              <a:rPr lang="zh-CN" altLang="en-US" sz="1200" b="0" i="0" kern="1200" dirty="0" smtClean="0">
+                <a:solidFill>
+                  <a:schemeClr val="tx1"/>
+                </a:solidFill>
+                <a:effectLst/>
+                <a:latin typeface="+mn-lt"/>
+                <a:ea typeface="+mn-ea"/>
+                <a:cs typeface="+mn-cs"/>
+              </a:rPr>
+              <a:t>设备宽度</a:t>
+            </a:r>
+            <a:r>
+              <a:rPr lang="zh-CN" altLang="en-US" sz="1200" b="0" i="0" kern="1200" dirty="0" smtClean="0">
+                <a:solidFill>
+                  <a:schemeClr val="tx1"/>
+                </a:solidFill>
+                <a:effectLst/>
+                <a:latin typeface="+mn-lt"/>
+                <a:ea typeface="+mn-ea"/>
+                <a:cs typeface="+mn-cs"/>
+              </a:rPr>
+              <a:t>高度</a:t>
+            </a:r>
+            <a:r>
+              <a:rPr lang="en-US" altLang="zh-CN" sz="1200" b="0" i="0" kern="1200" dirty="0" err="1" smtClean="0">
+                <a:solidFill>
+                  <a:schemeClr val="tx1"/>
+                </a:solidFill>
+                <a:effectLst/>
+                <a:latin typeface="+mn-lt"/>
+                <a:ea typeface="+mn-ea"/>
+                <a:cs typeface="+mn-cs"/>
+              </a:rPr>
+              <a:t>deviceWidth</a:t>
+            </a:r>
+            <a:endParaRPr lang="en-US" altLang="zh-CN" sz="1200" b="0" i="0" kern="1200" dirty="0" smtClean="0">
+              <a:solidFill>
+                <a:schemeClr val="tx1"/>
+              </a:solidFill>
+              <a:effectLst/>
+              <a:latin typeface="+mn-lt"/>
+              <a:ea typeface="+mn-ea"/>
+              <a:cs typeface="+mn-cs"/>
+            </a:endParaRPr>
+          </a:p>
+          <a:p>
+            <a:pPr marL="0" marR="0" indent="0" algn="l" defTabSz="914400" rtl="0" eaLnBrk="1" fontAlgn="auto" latinLnBrk="0" hangingPunct="1">
+              <a:lnSpc>
+                <a:spcPct val="100000"/>
+              </a:lnSpc>
+              <a:spcBef>
+                <a:spcPts val="0"/>
+              </a:spcBef>
+              <a:spcAft>
+                <a:spcPts val="0"/>
+              </a:spcAft>
+              <a:buClrTx/>
+              <a:buSzTx/>
+              <a:buFontTx/>
+              <a:buNone/>
+              <a:tabLst/>
+              <a:defRPr/>
+            </a:pPr>
+            <a:r>
+              <a:rPr lang="zh-CN" altLang="en-US" sz="1200" b="0" i="0" kern="1200" dirty="0" smtClean="0">
+                <a:solidFill>
+                  <a:schemeClr val="tx1"/>
+                </a:solidFill>
+                <a:effectLst/>
+                <a:latin typeface="+mn-lt"/>
+                <a:ea typeface="+mn-ea"/>
+                <a:cs typeface="+mn-cs"/>
+              </a:rPr>
+              <a:t>因为浏览器和 </a:t>
+            </a:r>
+            <a:r>
+              <a:rPr lang="en-US" altLang="zh-CN" sz="1200" b="0" i="0" kern="1200" dirty="0" smtClean="0">
+                <a:solidFill>
+                  <a:schemeClr val="tx1"/>
+                </a:solidFill>
+                <a:effectLst/>
+                <a:latin typeface="+mn-lt"/>
+                <a:ea typeface="+mn-ea"/>
+                <a:cs typeface="+mn-cs"/>
+              </a:rPr>
+              <a:t>app</a:t>
+            </a:r>
+            <a:r>
+              <a:rPr lang="zh-CN" altLang="en-US" sz="1200" b="0" i="0" kern="1200" dirty="0" smtClean="0">
+                <a:solidFill>
+                  <a:schemeClr val="tx1"/>
+                </a:solidFill>
+                <a:effectLst/>
+                <a:latin typeface="+mn-lt"/>
+                <a:ea typeface="+mn-ea"/>
+                <a:cs typeface="+mn-cs"/>
+              </a:rPr>
+              <a:t> 行为上的差异 </a:t>
+            </a:r>
+            <a:r>
+              <a:rPr lang="en-US" altLang="zh-CN" sz="1200" b="0" i="0" kern="1200" dirty="0" err="1" smtClean="0">
+                <a:solidFill>
+                  <a:schemeClr val="tx1"/>
+                </a:solidFill>
+                <a:effectLst/>
+                <a:latin typeface="+mn-lt"/>
+                <a:ea typeface="+mn-ea"/>
+                <a:cs typeface="+mn-cs"/>
+              </a:rPr>
+              <a:t>Weex</a:t>
+            </a:r>
+            <a:r>
+              <a:rPr lang="zh-CN" altLang="en-US" sz="1200" b="0" i="0" kern="1200" dirty="0" smtClean="0">
+                <a:solidFill>
+                  <a:schemeClr val="tx1"/>
+                </a:solidFill>
+                <a:effectLst/>
+                <a:latin typeface="+mn-lt"/>
+                <a:ea typeface="+mn-ea"/>
+                <a:cs typeface="+mn-cs"/>
+              </a:rPr>
+              <a:t> 提供了</a:t>
+            </a:r>
+            <a:r>
+              <a:rPr lang="en-US" altLang="zh-CN" sz="1200" b="0" i="0" kern="1200" dirty="0" smtClean="0">
+                <a:solidFill>
+                  <a:schemeClr val="tx1"/>
+                </a:solidFill>
+                <a:effectLst/>
+                <a:latin typeface="+mn-lt"/>
+                <a:ea typeface="+mn-ea"/>
+                <a:cs typeface="+mn-cs"/>
+              </a:rPr>
+              <a:t>navigator</a:t>
+            </a:r>
+            <a:r>
+              <a:rPr lang="zh-CN" altLang="en-US" sz="1200" b="0" i="0" kern="1200" dirty="0" smtClean="0">
+                <a:solidFill>
+                  <a:schemeClr val="tx1"/>
+                </a:solidFill>
+                <a:effectLst/>
+                <a:latin typeface="+mn-lt"/>
+                <a:ea typeface="+mn-ea"/>
+                <a:cs typeface="+mn-cs"/>
+              </a:rPr>
+              <a:t>模块来操作页面跳转</a:t>
+            </a:r>
+            <a:r>
+              <a:rPr lang="en-US" altLang="zh-CN" sz="1200" b="0" i="0" kern="1200" dirty="0" smtClean="0">
+                <a:solidFill>
+                  <a:schemeClr val="tx1"/>
+                </a:solidFill>
+                <a:effectLst/>
+                <a:latin typeface="+mn-lt"/>
+                <a:ea typeface="+mn-ea"/>
+                <a:cs typeface="+mn-cs"/>
+              </a:rPr>
+              <a:t>,</a:t>
+            </a:r>
+            <a:r>
+              <a:rPr lang="zh-CN" altLang="en-US" sz="1200" b="0" i="0" kern="1200" dirty="0" smtClean="0">
+                <a:solidFill>
+                  <a:schemeClr val="tx1"/>
+                </a:solidFill>
+                <a:effectLst/>
+                <a:latin typeface="+mn-lt"/>
+                <a:ea typeface="+mn-ea"/>
+                <a:cs typeface="+mn-cs"/>
+              </a:rPr>
+              <a:t> 如前进后退在 </a:t>
+            </a:r>
+            <a:r>
+              <a:rPr lang="en-US" altLang="zh-CN" sz="1200" b="0" i="0" kern="1200" dirty="0" smtClean="0">
+                <a:solidFill>
+                  <a:schemeClr val="tx1"/>
+                </a:solidFill>
+                <a:effectLst/>
+                <a:latin typeface="+mn-lt"/>
+                <a:ea typeface="+mn-ea"/>
+                <a:cs typeface="+mn-cs"/>
+              </a:rPr>
+              <a:t>web</a:t>
+            </a:r>
+            <a:r>
+              <a:rPr lang="zh-CN" altLang="en-US" sz="1200" b="0" i="0" kern="1200" dirty="0" smtClean="0">
+                <a:solidFill>
+                  <a:schemeClr val="tx1"/>
+                </a:solidFill>
+                <a:effectLst/>
+                <a:latin typeface="+mn-lt"/>
+                <a:ea typeface="+mn-ea"/>
+                <a:cs typeface="+mn-cs"/>
+              </a:rPr>
+              <a:t> 一个标签中</a:t>
+            </a:r>
+            <a:r>
+              <a:rPr lang="en-US" altLang="zh-CN" sz="1200" b="0" i="0" kern="1200" dirty="0" smtClean="0">
+                <a:solidFill>
+                  <a:schemeClr val="tx1"/>
+                </a:solidFill>
+                <a:effectLst/>
+                <a:latin typeface="+mn-lt"/>
+                <a:ea typeface="+mn-ea"/>
+                <a:cs typeface="+mn-cs"/>
+              </a:rPr>
+              <a:t>,</a:t>
+            </a:r>
+            <a:r>
+              <a:rPr lang="zh-CN" altLang="en-US" sz="1200" b="0" i="0" kern="1200" dirty="0" smtClean="0">
+                <a:solidFill>
+                  <a:schemeClr val="tx1"/>
+                </a:solidFill>
+                <a:effectLst/>
+                <a:latin typeface="+mn-lt"/>
+                <a:ea typeface="+mn-ea"/>
+                <a:cs typeface="+mn-cs"/>
+              </a:rPr>
+              <a:t> 原生 </a:t>
+            </a:r>
+            <a:r>
+              <a:rPr lang="en-US" altLang="zh-CN" sz="1200" b="0" i="0" kern="1200" dirty="0" smtClean="0">
+                <a:solidFill>
+                  <a:schemeClr val="tx1"/>
+                </a:solidFill>
+                <a:effectLst/>
+                <a:latin typeface="+mn-lt"/>
+                <a:ea typeface="+mn-ea"/>
+                <a:cs typeface="+mn-cs"/>
+              </a:rPr>
+              <a:t>app</a:t>
+            </a:r>
+            <a:r>
+              <a:rPr lang="zh-CN" altLang="en-US" sz="1200" b="0" i="0" kern="1200" dirty="0" smtClean="0">
+                <a:solidFill>
+                  <a:schemeClr val="tx1"/>
+                </a:solidFill>
+                <a:effectLst/>
+                <a:latin typeface="+mn-lt"/>
+                <a:ea typeface="+mn-ea"/>
+                <a:cs typeface="+mn-cs"/>
+              </a:rPr>
+              <a:t> 中则是跳转至别的视图</a:t>
+            </a:r>
+            <a:endParaRPr lang="en-US" altLang="zh-CN" sz="1200" b="0" i="0" kern="1200" dirty="0" smtClean="0">
+              <a:solidFill>
+                <a:schemeClr val="tx1"/>
+              </a:solidFill>
+              <a:effectLst/>
+              <a:latin typeface="+mn-lt"/>
+              <a:ea typeface="+mn-ea"/>
+              <a:cs typeface="+mn-cs"/>
+            </a:endParaRPr>
+          </a:p>
+          <a:p>
+            <a:pPr marL="0" marR="0" indent="0" algn="l" defTabSz="914400" rtl="0" eaLnBrk="1" fontAlgn="auto" latinLnBrk="0" hangingPunct="1">
+              <a:lnSpc>
+                <a:spcPct val="100000"/>
+              </a:lnSpc>
+              <a:spcBef>
+                <a:spcPts val="0"/>
+              </a:spcBef>
+              <a:spcAft>
+                <a:spcPts val="0"/>
+              </a:spcAft>
+              <a:buClrTx/>
+              <a:buSzTx/>
+              <a:buFontTx/>
+              <a:buNone/>
+              <a:tabLst/>
+              <a:defRPr/>
+            </a:pPr>
+            <a:r>
+              <a:rPr lang="en-US" altLang="zh-CN" sz="1200" b="0" i="0" kern="1200" dirty="0" err="1" smtClean="0">
+                <a:solidFill>
+                  <a:schemeClr val="tx1"/>
+                </a:solidFill>
+                <a:effectLst/>
+                <a:latin typeface="+mn-lt"/>
+                <a:ea typeface="+mn-ea"/>
+                <a:cs typeface="+mn-cs"/>
+              </a:rPr>
+              <a:t>navigator.push</a:t>
+            </a:r>
+            <a:r>
+              <a:rPr lang="zh-CN" altLang="en-US" sz="1200" b="0" i="0" kern="1200" dirty="0" smtClean="0">
+                <a:solidFill>
+                  <a:schemeClr val="tx1"/>
+                </a:solidFill>
+                <a:effectLst/>
+                <a:latin typeface="+mn-lt"/>
+                <a:ea typeface="+mn-ea"/>
+                <a:cs typeface="+mn-cs"/>
+              </a:rPr>
+              <a:t> 方法</a:t>
+            </a:r>
+            <a:r>
+              <a:rPr lang="en-US" altLang="zh-CN" sz="1200" b="0" i="0" kern="1200" dirty="0" smtClean="0">
+                <a:solidFill>
+                  <a:schemeClr val="tx1"/>
+                </a:solidFill>
+                <a:effectLst/>
+                <a:latin typeface="+mn-lt"/>
+                <a:ea typeface="+mn-ea"/>
+                <a:cs typeface="+mn-cs"/>
+              </a:rPr>
+              <a:t>,</a:t>
+            </a:r>
+            <a:r>
+              <a:rPr lang="zh-CN" altLang="en-US" sz="1200" b="0" i="0" kern="1200" dirty="0" smtClean="0">
+                <a:solidFill>
+                  <a:schemeClr val="tx1"/>
+                </a:solidFill>
+                <a:effectLst/>
+                <a:latin typeface="+mn-lt"/>
+                <a:ea typeface="+mn-ea"/>
+                <a:cs typeface="+mn-cs"/>
+              </a:rPr>
+              <a:t>接受</a:t>
+            </a:r>
+            <a:r>
+              <a:rPr lang="en-US" altLang="zh-CN" sz="1200" b="0" i="0" kern="1200" dirty="0" err="1" smtClean="0">
+                <a:solidFill>
+                  <a:schemeClr val="tx1"/>
+                </a:solidFill>
+                <a:effectLst/>
+                <a:latin typeface="+mn-lt"/>
+                <a:ea typeface="+mn-ea"/>
+                <a:cs typeface="+mn-cs"/>
+              </a:rPr>
+              <a:t>url</a:t>
+            </a:r>
+            <a:r>
+              <a:rPr lang="en-US" altLang="zh-CN" sz="1200" b="0" i="0" kern="1200" dirty="0" smtClean="0">
+                <a:solidFill>
+                  <a:schemeClr val="tx1"/>
+                </a:solidFill>
+                <a:effectLst/>
+                <a:latin typeface="+mn-lt"/>
+                <a:ea typeface="+mn-ea"/>
+                <a:cs typeface="+mn-cs"/>
+              </a:rPr>
+              <a:t>, animated,</a:t>
+            </a:r>
+            <a:r>
+              <a:rPr lang="zh-CN" altLang="en-US" sz="1200" b="0" i="0" kern="1200" dirty="0" smtClean="0">
+                <a:solidFill>
+                  <a:schemeClr val="tx1"/>
+                </a:solidFill>
+                <a:effectLst/>
+                <a:latin typeface="+mn-lt"/>
+                <a:ea typeface="+mn-ea"/>
+                <a:cs typeface="+mn-cs"/>
+              </a:rPr>
+              <a:t> </a:t>
+            </a:r>
+            <a:r>
+              <a:rPr lang="en-US" altLang="zh-CN" sz="1200" b="0" i="0" kern="1200" dirty="0" err="1" smtClean="0">
+                <a:solidFill>
+                  <a:schemeClr val="tx1"/>
+                </a:solidFill>
+                <a:effectLst/>
+                <a:latin typeface="+mn-lt"/>
+                <a:ea typeface="+mn-ea"/>
+                <a:cs typeface="+mn-cs"/>
+              </a:rPr>
+              <a:t>callBack</a:t>
+            </a:r>
+            <a:r>
+              <a:rPr lang="zh-CN" altLang="en-US" sz="1200" b="0" i="0" kern="1200" dirty="0" smtClean="0">
+                <a:solidFill>
+                  <a:schemeClr val="tx1"/>
+                </a:solidFill>
+                <a:effectLst/>
+                <a:latin typeface="+mn-lt"/>
+                <a:ea typeface="+mn-ea"/>
+                <a:cs typeface="+mn-cs"/>
+              </a:rPr>
+              <a:t> </a:t>
+            </a:r>
+            <a:r>
+              <a:rPr lang="en-US" altLang="zh-CN" sz="1200" b="0" i="0" kern="1200" dirty="0" smtClean="0">
+                <a:solidFill>
+                  <a:schemeClr val="tx1"/>
+                </a:solidFill>
+                <a:effectLst/>
+                <a:latin typeface="+mn-lt"/>
+                <a:ea typeface="+mn-ea"/>
+                <a:cs typeface="+mn-cs"/>
+              </a:rPr>
+              <a:t>(animated</a:t>
+            </a:r>
+            <a:r>
+              <a:rPr lang="zh-CN" altLang="en-US" sz="1200" b="0" i="0" kern="1200" dirty="0" smtClean="0">
+                <a:solidFill>
+                  <a:schemeClr val="tx1"/>
+                </a:solidFill>
+                <a:effectLst/>
+                <a:latin typeface="+mn-lt"/>
+                <a:ea typeface="+mn-ea"/>
+                <a:cs typeface="+mn-cs"/>
+              </a:rPr>
+              <a:t>只支持字符串的 </a:t>
+            </a:r>
+            <a:r>
+              <a:rPr lang="en-US" altLang="zh-CN" sz="1200" b="0" i="0" kern="1200" dirty="0" smtClean="0">
+                <a:solidFill>
+                  <a:schemeClr val="tx1"/>
+                </a:solidFill>
+                <a:effectLst/>
+                <a:latin typeface="+mn-lt"/>
+                <a:ea typeface="+mn-ea"/>
+                <a:cs typeface="+mn-cs"/>
+              </a:rPr>
+              <a:t>true</a:t>
+            </a:r>
+            <a:r>
+              <a:rPr lang="zh-CN" altLang="en-US" sz="1200" b="0" i="0" kern="1200" dirty="0" smtClean="0">
+                <a:solidFill>
+                  <a:schemeClr val="tx1"/>
+                </a:solidFill>
+                <a:effectLst/>
+                <a:latin typeface="+mn-lt"/>
+                <a:ea typeface="+mn-ea"/>
+                <a:cs typeface="+mn-cs"/>
+              </a:rPr>
+              <a:t> 和 </a:t>
+            </a:r>
+            <a:r>
+              <a:rPr lang="en-US" altLang="zh-CN" sz="1200" b="0" i="0" kern="1200" dirty="0" smtClean="0">
+                <a:solidFill>
+                  <a:schemeClr val="tx1"/>
+                </a:solidFill>
+                <a:effectLst/>
+                <a:latin typeface="+mn-lt"/>
+                <a:ea typeface="+mn-ea"/>
+                <a:cs typeface="+mn-cs"/>
+              </a:rPr>
+              <a:t>false)</a:t>
+            </a:r>
+            <a:endParaRPr lang="en-US" altLang="zh-CN" sz="1200" b="0" i="0" kern="1200" dirty="0" smtClean="0">
+              <a:solidFill>
+                <a:schemeClr val="tx1"/>
+              </a:solidFill>
+              <a:effectLst/>
+              <a:latin typeface="+mn-lt"/>
+              <a:ea typeface="+mn-ea"/>
+              <a:cs typeface="+mn-cs"/>
+            </a:endParaRPr>
+          </a:p>
+        </p:txBody>
+      </p:sp>
+      <p:sp>
+        <p:nvSpPr>
+          <p:cNvPr id="4" name="幻灯片编号占位符 3"/>
+          <p:cNvSpPr>
+            <a:spLocks noGrp="1"/>
+          </p:cNvSpPr>
+          <p:nvPr>
+            <p:ph type="sldNum" sz="quarter" idx="10"/>
+          </p:nvPr>
+        </p:nvSpPr>
+        <p:spPr/>
+        <p:txBody>
+          <a:bodyPr/>
+          <a:lstStyle/>
+          <a:p>
+            <a:fld id="{52C27BEF-11A0-F544-A726-D4EA06DCF696}" type="slidenum">
+              <a:rPr kumimoji="1" lang="zh-CN" altLang="en-US" smtClean="0"/>
+              <a:t>12</a:t>
+            </a:fld>
+            <a:endParaRPr kumimoji="1" lang="zh-CN" altLang="en-US"/>
+          </a:p>
+        </p:txBody>
+      </p:sp>
+    </p:spTree>
+    <p:extLst>
+      <p:ext uri="{BB962C8B-B14F-4D97-AF65-F5344CB8AC3E}">
+        <p14:creationId xmlns:p14="http://schemas.microsoft.com/office/powerpoint/2010/main" val="1027147222"/>
+      </p:ext>
+    </p:extLst>
+  </p:cSld>
+  <p:clrMapOvr>
+    <a:masterClrMapping/>
+  </p:clrMapOvr>
+</p:notes>
+</file>
+
+<file path=ppt/notesSlides/notesSlide7.xml><?xml version="1.0" encoding="utf-8"?>
+<p:notes xmlns:a="http://schemas.openxmlformats.org/drawingml/2006/main" xmlns:r="http://schemas.openxmlformats.org/officeDocument/2006/relationships" xmlns:p="http://schemas.openxmlformats.org/presentationml/2006/main">
+  <p:cSld>
+    <p:spTree>
+      <p:nvGrpSpPr>
+        <p:cNvPr id="1" name=""/>
+        <p:cNvGrpSpPr/>
+        <p:nvPr/>
+      </p:nvGrpSpPr>
+      <p:grpSpPr>
+        <a:xfrm>
+          <a:off x="0" y="0"/>
+          <a:ext cx="0" cy="0"/>
+          <a:chOff x="0" y="0"/>
+          <a:chExt cx="0" cy="0"/>
+        </a:xfrm>
+      </p:grpSpPr>
+      <p:sp>
+        <p:nvSpPr>
+          <p:cNvPr id="2" name="幻灯片图像占位符 1"/>
+          <p:cNvSpPr>
+            <a:spLocks noGrp="1" noRot="1" noChangeAspect="1"/>
+          </p:cNvSpPr>
+          <p:nvPr>
+            <p:ph type="sldImg"/>
+          </p:nvPr>
+        </p:nvSpPr>
+        <p:spPr/>
+      </p:sp>
+      <p:sp>
+        <p:nvSpPr>
+          <p:cNvPr id="3" name="备注占位符 2"/>
+          <p:cNvSpPr>
+            <a:spLocks noGrp="1"/>
+          </p:cNvSpPr>
+          <p:nvPr>
+            <p:ph type="body" idx="1"/>
+          </p:nvPr>
+        </p:nvSpPr>
+        <p:spPr/>
+        <p:txBody>
+          <a:bodyPr/>
+          <a:lstStyle/>
+          <a:p>
+            <a:r>
+              <a:rPr kumimoji="1" lang="zh-CN" altLang="en-US" sz="1200" b="0" i="0" kern="1200" dirty="0" smtClean="0">
+                <a:solidFill>
+                  <a:schemeClr val="tx1"/>
+                </a:solidFill>
+                <a:effectLst/>
+                <a:latin typeface="+mn-lt"/>
+                <a:ea typeface="+mn-ea"/>
+                <a:cs typeface="+mn-cs"/>
+              </a:rPr>
+              <a:t>事件</a:t>
+            </a:r>
+            <a:r>
+              <a:rPr kumimoji="1" lang="zh-CN" altLang="en-US" sz="1200" b="0" i="0" kern="1200" dirty="0" smtClean="0">
+                <a:solidFill>
+                  <a:schemeClr val="tx1"/>
+                </a:solidFill>
+                <a:effectLst/>
+                <a:latin typeface="+mn-lt"/>
+                <a:ea typeface="+mn-ea"/>
+                <a:cs typeface="+mn-cs"/>
+              </a:rPr>
+              <a:t>类型需要注意</a:t>
+            </a:r>
+            <a:r>
+              <a:rPr kumimoji="1" lang="en-US" altLang="zh-CN" sz="1200" b="0" i="0" kern="1200" dirty="0" smtClean="0">
+                <a:solidFill>
+                  <a:schemeClr val="tx1"/>
+                </a:solidFill>
+                <a:effectLst/>
+                <a:latin typeface="+mn-lt"/>
+                <a:ea typeface="+mn-ea"/>
+                <a:cs typeface="+mn-cs"/>
+              </a:rPr>
+              <a:t>,</a:t>
+            </a:r>
+            <a:r>
+              <a:rPr kumimoji="1" lang="zh-CN" altLang="en-US" sz="1200" b="0" i="0" kern="1200" dirty="0" smtClean="0">
+                <a:solidFill>
+                  <a:schemeClr val="tx1"/>
+                </a:solidFill>
+                <a:effectLst/>
+                <a:latin typeface="+mn-lt"/>
+                <a:ea typeface="+mn-ea"/>
+                <a:cs typeface="+mn-cs"/>
+              </a:rPr>
+              <a:t>不区分事件捕捉和冒泡</a:t>
+            </a:r>
+            <a:r>
+              <a:rPr kumimoji="1" lang="zh-CN" altLang="en-US" sz="1200" b="0" i="0" kern="1200" dirty="0" smtClean="0">
+                <a:solidFill>
+                  <a:schemeClr val="tx1"/>
+                </a:solidFill>
+                <a:effectLst/>
+                <a:latin typeface="+mn-lt"/>
+                <a:ea typeface="+mn-ea"/>
+                <a:cs typeface="+mn-cs"/>
+              </a:rPr>
+              <a:t>阶段相当于 </a:t>
+            </a:r>
+            <a:r>
+              <a:rPr kumimoji="1" lang="en-US" altLang="zh-CN" sz="1200" b="0" i="0" kern="1200" dirty="0" smtClean="0">
+                <a:solidFill>
+                  <a:schemeClr val="tx1"/>
+                </a:solidFill>
+                <a:effectLst/>
+                <a:latin typeface="+mn-lt"/>
+                <a:ea typeface="+mn-ea"/>
+                <a:cs typeface="+mn-cs"/>
+              </a:rPr>
+              <a:t>DOM</a:t>
+            </a:r>
+            <a:r>
+              <a:rPr kumimoji="1" lang="zh-CN" altLang="en-US" sz="1200" b="0" i="0" kern="1200" baseline="0" dirty="0" smtClean="0">
+                <a:solidFill>
+                  <a:schemeClr val="tx1"/>
+                </a:solidFill>
+                <a:effectLst/>
+                <a:latin typeface="+mn-lt"/>
+                <a:ea typeface="+mn-ea"/>
+                <a:cs typeface="+mn-cs"/>
+              </a:rPr>
+              <a:t> </a:t>
+            </a:r>
+            <a:r>
+              <a:rPr kumimoji="1" lang="en-US" altLang="zh-CN" sz="1200" b="0" i="0" kern="1200" baseline="0" dirty="0" smtClean="0">
+                <a:solidFill>
+                  <a:schemeClr val="tx1"/>
+                </a:solidFill>
+                <a:effectLst/>
+                <a:latin typeface="+mn-lt"/>
+                <a:ea typeface="+mn-ea"/>
+                <a:cs typeface="+mn-cs"/>
+              </a:rPr>
+              <a:t>0</a:t>
+            </a:r>
+            <a:r>
+              <a:rPr kumimoji="1" lang="zh-CN" altLang="en-US" sz="1200" b="0" i="0" kern="1200" baseline="0" dirty="0" smtClean="0">
+                <a:solidFill>
+                  <a:schemeClr val="tx1"/>
+                </a:solidFill>
+                <a:effectLst/>
+                <a:latin typeface="+mn-lt"/>
+                <a:ea typeface="+mn-ea"/>
+                <a:cs typeface="+mn-cs"/>
+              </a:rPr>
+              <a:t>级事件</a:t>
+            </a:r>
+            <a:endParaRPr kumimoji="1" lang="en-US" altLang="zh-CN" sz="1200" b="0" i="0" kern="1200" baseline="0" dirty="0" smtClean="0">
+              <a:solidFill>
+                <a:schemeClr val="tx1"/>
+              </a:solidFill>
+              <a:effectLst/>
+              <a:latin typeface="+mn-lt"/>
+              <a:ea typeface="+mn-ea"/>
+              <a:cs typeface="+mn-cs"/>
+            </a:endParaRPr>
+          </a:p>
+          <a:p>
+            <a:pPr marL="0" marR="0" indent="0" algn="l" defTabSz="914400" rtl="0" eaLnBrk="1" fontAlgn="auto" latinLnBrk="0" hangingPunct="1">
+              <a:lnSpc>
+                <a:spcPct val="100000"/>
+              </a:lnSpc>
+              <a:spcBef>
+                <a:spcPts val="0"/>
+              </a:spcBef>
+              <a:spcAft>
+                <a:spcPts val="0"/>
+              </a:spcAft>
+              <a:buClrTx/>
+              <a:buSzTx/>
+              <a:buFontTx/>
+              <a:buNone/>
+              <a:tabLst/>
+              <a:defRPr/>
+            </a:pPr>
+            <a:r>
+              <a:rPr lang="en-US" altLang="zh-CN" b="1" dirty="0" smtClean="0"/>
+              <a:t>click</a:t>
+            </a:r>
+            <a:r>
+              <a:rPr lang="zh-CN" altLang="en-US" b="1" dirty="0" smtClean="0"/>
+              <a:t> 点击</a:t>
+            </a:r>
+            <a:r>
+              <a:rPr lang="en-US" altLang="zh-CN" b="1" dirty="0" smtClean="0"/>
+              <a:t>(input</a:t>
+            </a:r>
+            <a:r>
+              <a:rPr lang="zh-CN" altLang="en-US" b="1" dirty="0" smtClean="0"/>
+              <a:t> </a:t>
+            </a:r>
+            <a:r>
+              <a:rPr lang="en-US" altLang="zh-CN" b="1" dirty="0" smtClean="0"/>
+              <a:t>switch</a:t>
+            </a:r>
+            <a:r>
+              <a:rPr lang="zh-CN" altLang="en-US" b="1" dirty="0" smtClean="0"/>
+              <a:t>不支持可用</a:t>
+            </a:r>
+            <a:r>
+              <a:rPr lang="en-US" altLang="zh-CN" dirty="0" smtClean="0"/>
+              <a:t>change</a:t>
+            </a:r>
+            <a:r>
+              <a:rPr lang="zh-CN" altLang="en-US" dirty="0" smtClean="0"/>
+              <a:t> </a:t>
+            </a:r>
+            <a:r>
+              <a:rPr lang="en-US" altLang="zh-CN" dirty="0" smtClean="0"/>
+              <a:t>input</a:t>
+            </a:r>
+            <a:r>
+              <a:rPr lang="zh-CN" altLang="en-US" dirty="0" smtClean="0"/>
+              <a:t> 事件</a:t>
+            </a:r>
+            <a:r>
+              <a:rPr lang="en-US" altLang="zh-CN" b="1" dirty="0" smtClean="0"/>
+              <a:t>)</a:t>
+            </a:r>
+          </a:p>
+          <a:p>
+            <a:pPr marL="0" marR="0" indent="0" algn="l" defTabSz="914400" rtl="0" eaLnBrk="1" fontAlgn="auto" latinLnBrk="0" hangingPunct="1">
+              <a:lnSpc>
+                <a:spcPct val="100000"/>
+              </a:lnSpc>
+              <a:spcBef>
+                <a:spcPts val="0"/>
+              </a:spcBef>
+              <a:spcAft>
+                <a:spcPts val="0"/>
+              </a:spcAft>
+              <a:buClrTx/>
+              <a:buSzTx/>
+              <a:buFontTx/>
+              <a:buNone/>
+              <a:tabLst/>
+              <a:defRPr/>
+            </a:pPr>
+            <a:r>
+              <a:rPr lang="en-US" altLang="zh-CN" b="1" dirty="0" smtClean="0"/>
+              <a:t>page</a:t>
+            </a:r>
+            <a:r>
+              <a:rPr lang="zh-CN" altLang="en-US" b="1" dirty="0" smtClean="0"/>
+              <a:t>  </a:t>
+            </a:r>
+            <a:r>
+              <a:rPr lang="en-US" altLang="zh-CN" dirty="0" smtClean="0"/>
+              <a:t>navigator</a:t>
+            </a:r>
+            <a:r>
+              <a:rPr lang="zh-CN" altLang="en-US" dirty="0" smtClean="0"/>
+              <a:t>模块打开新页面触发</a:t>
+            </a:r>
+            <a:r>
+              <a:rPr lang="en-US" altLang="zh-CN" dirty="0" smtClean="0"/>
+              <a:t>(app</a:t>
+            </a:r>
+            <a:r>
+              <a:rPr lang="zh-CN" altLang="en-US" dirty="0" smtClean="0"/>
+              <a:t> 专有</a:t>
+            </a:r>
+            <a:r>
+              <a:rPr lang="en-US" altLang="zh-CN" dirty="0" smtClean="0"/>
+              <a:t>h5</a:t>
+            </a:r>
+            <a:r>
+              <a:rPr lang="zh-CN" altLang="en-US" dirty="0" smtClean="0"/>
+              <a:t>无效</a:t>
+            </a:r>
+            <a:r>
+              <a:rPr lang="en-US" altLang="zh-CN" dirty="0" smtClean="0"/>
+              <a:t>)</a:t>
+            </a:r>
+            <a:endParaRPr lang="en-US" altLang="zh-CN" b="1" dirty="0" smtClean="0"/>
+          </a:p>
+        </p:txBody>
+      </p:sp>
+      <p:sp>
+        <p:nvSpPr>
+          <p:cNvPr id="4" name="幻灯片编号占位符 3"/>
+          <p:cNvSpPr>
+            <a:spLocks noGrp="1"/>
+          </p:cNvSpPr>
+          <p:nvPr>
+            <p:ph type="sldNum" sz="quarter" idx="10"/>
+          </p:nvPr>
+        </p:nvSpPr>
+        <p:spPr/>
+        <p:txBody>
+          <a:bodyPr/>
+          <a:lstStyle/>
+          <a:p>
+            <a:fld id="{52C27BEF-11A0-F544-A726-D4EA06DCF696}" type="slidenum">
+              <a:rPr kumimoji="1" lang="zh-CN" altLang="en-US" smtClean="0"/>
+              <a:t>13</a:t>
+            </a:fld>
+            <a:endParaRPr kumimoji="1" lang="zh-CN" altLang="en-US"/>
+          </a:p>
+        </p:txBody>
+      </p:sp>
+    </p:spTree>
+    <p:extLst>
+      <p:ext uri="{BB962C8B-B14F-4D97-AF65-F5344CB8AC3E}">
+        <p14:creationId xmlns:p14="http://schemas.microsoft.com/office/powerpoint/2010/main" val="1142258571"/>
+      </p:ext>
+    </p:extLst>
+  </p:cSld>
+  <p:clrMapOvr>
+    <a:masterClrMapping/>
+  </p:clrMapOvr>
+</p:notes>
+</file>
+
+<file path=ppt/notesSlides/notesSlide8.xml><?xml version="1.0" encoding="utf-8"?>
+<p:notes xmlns:a="http://schemas.openxmlformats.org/drawingml/2006/main" xmlns:r="http://schemas.openxmlformats.org/officeDocument/2006/relationships" xmlns:p="http://schemas.openxmlformats.org/presentationml/2006/main">
+  <p:cSld>
+    <p:spTree>
+      <p:nvGrpSpPr>
+        <p:cNvPr id="1" name=""/>
+        <p:cNvGrpSpPr/>
+        <p:nvPr/>
+      </p:nvGrpSpPr>
+      <p:grpSpPr>
+        <a:xfrm>
+          <a:off x="0" y="0"/>
+          <a:ext cx="0" cy="0"/>
+          <a:chOff x="0" y="0"/>
+          <a:chExt cx="0" cy="0"/>
+        </a:xfrm>
+      </p:grpSpPr>
+      <p:sp>
+        <p:nvSpPr>
+          <p:cNvPr id="2" name="幻灯片图像占位符 1"/>
+          <p:cNvSpPr>
+            <a:spLocks noGrp="1" noRot="1" noChangeAspect="1"/>
+          </p:cNvSpPr>
+          <p:nvPr>
+            <p:ph type="sldImg"/>
+          </p:nvPr>
+        </p:nvSpPr>
+        <p:spPr/>
+      </p:sp>
+      <p:sp>
+        <p:nvSpPr>
+          <p:cNvPr id="3" name="备注占位符 2"/>
+          <p:cNvSpPr>
+            <a:spLocks noGrp="1"/>
+          </p:cNvSpPr>
+          <p:nvPr>
+            <p:ph type="body" idx="1"/>
+          </p:nvPr>
+        </p:nvSpPr>
+        <p:spPr/>
+        <p:txBody>
+          <a:bodyPr/>
+          <a:lstStyle/>
+          <a:p>
+            <a:r>
+              <a:rPr lang="zh-CN" altLang="en-US" b="0" dirty="0" smtClean="0"/>
+              <a:t>剪切板模块 导航模块 本地存储模块</a:t>
+            </a:r>
+            <a:endParaRPr lang="en-US" altLang="zh-CN" b="0" dirty="0" smtClean="0"/>
+          </a:p>
+          <a:p>
+            <a:r>
+              <a:rPr lang="zh-CN" altLang="en-US" sz="1200" b="0" i="0" kern="1200" dirty="0" smtClean="0">
+                <a:solidFill>
+                  <a:schemeClr val="tx1"/>
+                </a:solidFill>
+                <a:effectLst/>
+                <a:latin typeface="+mn-lt"/>
+                <a:ea typeface="+mn-ea"/>
+                <a:cs typeface="+mn-cs"/>
+              </a:rPr>
+              <a:t>有些接口在浏览器环境中也存在，不过在使用时应该注意浏览器的兼容性；如剪贴板功能，出于安全性考虑，绝大多数浏览器都限制其使用。</a:t>
+            </a:r>
+            <a:endParaRPr lang="en-US" altLang="zh-CN" b="1" dirty="0" smtClean="0"/>
+          </a:p>
+        </p:txBody>
+      </p:sp>
+      <p:sp>
+        <p:nvSpPr>
+          <p:cNvPr id="4" name="幻灯片编号占位符 3"/>
+          <p:cNvSpPr>
+            <a:spLocks noGrp="1"/>
+          </p:cNvSpPr>
+          <p:nvPr>
+            <p:ph type="sldNum" sz="quarter" idx="10"/>
+          </p:nvPr>
+        </p:nvSpPr>
+        <p:spPr/>
+        <p:txBody>
+          <a:bodyPr/>
+          <a:lstStyle/>
+          <a:p>
+            <a:fld id="{52C27BEF-11A0-F544-A726-D4EA06DCF696}" type="slidenum">
+              <a:rPr kumimoji="1" lang="zh-CN" altLang="en-US" smtClean="0"/>
+              <a:t>14</a:t>
+            </a:fld>
+            <a:endParaRPr kumimoji="1" lang="zh-CN" altLang="en-US"/>
+          </a:p>
+        </p:txBody>
+      </p:sp>
+    </p:spTree>
+    <p:extLst>
+      <p:ext uri="{BB962C8B-B14F-4D97-AF65-F5344CB8AC3E}">
+        <p14:creationId xmlns:p14="http://schemas.microsoft.com/office/powerpoint/2010/main" val="1085388374"/>
       </p:ext>
     </p:extLst>
   </p:cSld>
@@ -1136,7 +2414,7 @@
           <a:p>
             <a:fld id="{BC64B8EC-C3FF-4946-9F35-4C8DE8F76F34}" type="datetimeFigureOut">
               <a:rPr kumimoji="1" lang="zh-CN" altLang="en-US" smtClean="0"/>
-              <a:t>2017/10/29</a:t>
+              <a:t>17/10/30</a:t>
             </a:fld>
             <a:endParaRPr kumimoji="1" lang="zh-CN" altLang="en-US"/>
           </a:p>
@@ -1301,7 +2579,7 @@
           <a:p>
             <a:fld id="{BC64B8EC-C3FF-4946-9F35-4C8DE8F76F34}" type="datetimeFigureOut">
               <a:rPr kumimoji="1" lang="zh-CN" altLang="en-US" smtClean="0"/>
-              <a:t>2017/10/29</a:t>
+              <a:t>17/10/30</a:t>
             </a:fld>
             <a:endParaRPr kumimoji="1" lang="zh-CN" altLang="en-US"/>
           </a:p>
@@ -1476,7 +2754,7 @@
           <a:p>
             <a:fld id="{BC64B8EC-C3FF-4946-9F35-4C8DE8F76F34}" type="datetimeFigureOut">
               <a:rPr kumimoji="1" lang="zh-CN" altLang="en-US" smtClean="0"/>
-              <a:t>2017/10/29</a:t>
+              <a:t>17/10/30</a:t>
             </a:fld>
             <a:endParaRPr kumimoji="1" lang="zh-CN" altLang="en-US"/>
           </a:p>
@@ -1641,7 +2919,7 @@
           <a:p>
             <a:fld id="{BC64B8EC-C3FF-4946-9F35-4C8DE8F76F34}" type="datetimeFigureOut">
               <a:rPr kumimoji="1" lang="zh-CN" altLang="en-US" smtClean="0"/>
-              <a:t>2017/10/29</a:t>
+              <a:t>17/10/30</a:t>
             </a:fld>
             <a:endParaRPr kumimoji="1" lang="zh-CN" altLang="en-US"/>
           </a:p>
@@ -1882,7 +3160,7 @@
           <a:p>
             <a:fld id="{BC64B8EC-C3FF-4946-9F35-4C8DE8F76F34}" type="datetimeFigureOut">
               <a:rPr kumimoji="1" lang="zh-CN" altLang="en-US" smtClean="0"/>
-              <a:t>2017/10/29</a:t>
+              <a:t>17/10/30</a:t>
             </a:fld>
             <a:endParaRPr kumimoji="1" lang="zh-CN" altLang="en-US"/>
           </a:p>
@@ -2109,7 +3387,7 @@
           <a:p>
             <a:fld id="{BC64B8EC-C3FF-4946-9F35-4C8DE8F76F34}" type="datetimeFigureOut">
               <a:rPr kumimoji="1" lang="zh-CN" altLang="en-US" smtClean="0"/>
-              <a:t>2017/10/29</a:t>
+              <a:t>17/10/30</a:t>
             </a:fld>
             <a:endParaRPr kumimoji="1" lang="zh-CN" altLang="en-US"/>
           </a:p>
@@ -2471,7 +3749,7 @@
           <a:p>
             <a:fld id="{BC64B8EC-C3FF-4946-9F35-4C8DE8F76F34}" type="datetimeFigureOut">
               <a:rPr kumimoji="1" lang="zh-CN" altLang="en-US" smtClean="0"/>
-              <a:t>2017/10/29</a:t>
+              <a:t>17/10/30</a:t>
             </a:fld>
             <a:endParaRPr kumimoji="1" lang="zh-CN" altLang="en-US"/>
           </a:p>
@@ -2584,7 +3862,7 @@
           <a:p>
             <a:fld id="{BC64B8EC-C3FF-4946-9F35-4C8DE8F76F34}" type="datetimeFigureOut">
               <a:rPr kumimoji="1" lang="zh-CN" altLang="en-US" smtClean="0"/>
-              <a:t>2017/10/29</a:t>
+              <a:t>17/10/30</a:t>
             </a:fld>
             <a:endParaRPr kumimoji="1" lang="zh-CN" altLang="en-US"/>
           </a:p>
@@ -2674,7 +3952,7 @@
           <a:p>
             <a:fld id="{BC64B8EC-C3FF-4946-9F35-4C8DE8F76F34}" type="datetimeFigureOut">
               <a:rPr kumimoji="1" lang="zh-CN" altLang="en-US" smtClean="0"/>
-              <a:t>2017/10/29</a:t>
+              <a:t>17/10/30</a:t>
             </a:fld>
             <a:endParaRPr kumimoji="1" lang="zh-CN" altLang="en-US"/>
           </a:p>
@@ -2946,7 +4224,7 @@
           <a:p>
             <a:fld id="{BC64B8EC-C3FF-4946-9F35-4C8DE8F76F34}" type="datetimeFigureOut">
               <a:rPr kumimoji="1" lang="zh-CN" altLang="en-US" smtClean="0"/>
-              <a:t>2017/10/29</a:t>
+              <a:t>17/10/30</a:t>
             </a:fld>
             <a:endParaRPr kumimoji="1" lang="zh-CN" altLang="en-US"/>
           </a:p>
@@ -3198,7 +4476,7 @@
           <a:p>
             <a:fld id="{BC64B8EC-C3FF-4946-9F35-4C8DE8F76F34}" type="datetimeFigureOut">
               <a:rPr kumimoji="1" lang="zh-CN" altLang="en-US" smtClean="0"/>
-              <a:t>2017/10/29</a:t>
+              <a:t>17/10/30</a:t>
             </a:fld>
             <a:endParaRPr kumimoji="1" lang="zh-CN" altLang="en-US"/>
           </a:p>
@@ -3406,7 +4684,7 @@
           <a:p>
             <a:fld id="{BC64B8EC-C3FF-4946-9F35-4C8DE8F76F34}" type="datetimeFigureOut">
               <a:rPr kumimoji="1" lang="zh-CN" altLang="en-US" smtClean="0"/>
-              <a:t>2017/10/29</a:t>
+              <a:t>17/10/30</a:t>
             </a:fld>
             <a:endParaRPr kumimoji="1" lang="zh-CN" altLang="en-US"/>
           </a:p>
@@ -3852,7 +5130,7 @@
           <a:bodyPr/>
           <a:lstStyle/>
           <a:p>
-            <a:endParaRPr kumimoji="1" lang="zh-CN" altLang="en-US"/>
+            <a:endParaRPr kumimoji="1" lang="zh-CN" altLang="en-US" dirty="0"/>
           </a:p>
         </p:txBody>
       </p:sp>
@@ -3888,13 +5166,7 @@
       </p:grpSpPr>
       <p:sp>
         <p:nvSpPr>
-          <p:cNvPr id="2" name="标题 1">
-            <a:extLst>
-              <a:ext uri="{FF2B5EF4-FFF2-40B4-BE49-F238E27FC236}">
-                <a16:creationId xmlns:a16="http://schemas.microsoft.com/office/drawing/2014/main" id="{F9549C25-DA90-4541-83DA-5E67BF970F8F}"/>
-              </a:ext>
-            </a:extLst>
-          </p:cNvPr>
+          <p:cNvPr id="2" name="标题 1"/>
           <p:cNvSpPr>
             <a:spLocks noGrp="1"/>
           </p:cNvSpPr>
@@ -3909,21 +5181,15 @@
           <a:p>
             <a:r>
               <a:rPr lang="zh-CN" altLang="en-US" b="1" dirty="0"/>
-              <a:t>一次撰写，多端运行</a:t>
-            </a:r>
-            <a:endParaRPr lang="zh-CN" altLang="en-US" dirty="0"/>
-          </a:p>
-        </p:txBody>
-      </p:sp>
-      <p:sp>
-        <p:nvSpPr>
-          <p:cNvPr id="3" name="内容占位符 2">
-            <a:extLst>
-              <a:ext uri="{FF2B5EF4-FFF2-40B4-BE49-F238E27FC236}">
-                <a16:creationId xmlns:a16="http://schemas.microsoft.com/office/drawing/2014/main" id="{9D13C49D-066E-4527-94CB-98CBE95A2B9D}"/>
-              </a:ext>
-            </a:extLst>
-          </p:cNvPr>
+              <a:t>开发体验</a:t>
+            </a:r>
+            <a:endParaRPr kumimoji="1" lang="zh-CN" altLang="en-US" dirty="0"/>
+          </a:p>
+        </p:txBody>
+      </p:sp>
+      <p:sp>
+        <p:nvSpPr>
+          <p:cNvPr id="3" name="内容占位符 2"/>
           <p:cNvSpPr>
             <a:spLocks noGrp="1"/>
           </p:cNvSpPr>
@@ -3937,107 +5203,58 @@
           <a:lstStyle/>
           <a:p>
             <a:r>
+              <a:rPr kumimoji="1" lang="en-US" altLang="zh-CN" dirty="0"/>
+              <a:t>Web</a:t>
+            </a:r>
+            <a:r>
+              <a:rPr kumimoji="1" lang="zh-CN" altLang="en-US" dirty="0"/>
+              <a:t>开发者可以使用自己熟悉的语言写</a:t>
+            </a:r>
+            <a:r>
+              <a:rPr kumimoji="1" lang="en-US" altLang="zh-CN" dirty="0" err="1"/>
+              <a:t>weex</a:t>
+            </a:r>
+            <a:endParaRPr kumimoji="1" lang="en-US" altLang="zh-CN" dirty="0"/>
+          </a:p>
+          <a:p>
+            <a:r>
+              <a:rPr lang="en-US" altLang="zh-CN" dirty="0"/>
+              <a:t> HTML </a:t>
+            </a:r>
+            <a:r>
               <a:rPr lang="zh-CN" altLang="en-US" dirty="0"/>
-              <a:t> 首先 </a:t>
-            </a:r>
+              <a:t>结构和内容</a:t>
+            </a:r>
+            <a:endParaRPr lang="en-US" altLang="zh-CN" dirty="0"/>
+          </a:p>
+          <a:p>
             <a:r>
               <a:rPr lang="en-US" altLang="zh-CN" dirty="0"/>
-              <a:t>web </a:t>
+              <a:t>CSS </a:t>
             </a:r>
             <a:r>
               <a:rPr lang="zh-CN" altLang="en-US" dirty="0"/>
-              <a:t>开发体验在各端当中是相同的。包括语法设计和工程链路。</a:t>
-            </a:r>
-          </a:p>
-          <a:p>
+              <a:t>界面展示</a:t>
+            </a:r>
+            <a:endParaRPr lang="en-US" altLang="zh-CN" dirty="0"/>
+          </a:p>
+          <a:p>
+            <a:r>
+              <a:rPr lang="en-US" altLang="zh-CN" dirty="0"/>
+              <a:t>JavaScript </a:t>
+            </a:r>
             <a:r>
               <a:rPr lang="zh-CN" altLang="en-US" dirty="0"/>
-              <a:t>其次，</a:t>
-            </a:r>
-            <a:r>
-              <a:rPr lang="en-US" altLang="zh-CN" dirty="0" err="1"/>
-              <a:t>Weex</a:t>
-            </a:r>
-            <a:r>
-              <a:rPr lang="en-US" altLang="zh-CN" dirty="0"/>
-              <a:t> </a:t>
-            </a:r>
-            <a:r>
-              <a:rPr lang="zh-CN" altLang="en-US" dirty="0"/>
-              <a:t>的组件、模块设计都是 </a:t>
-            </a:r>
-            <a:r>
-              <a:rPr lang="en-US" altLang="zh-CN" dirty="0"/>
-              <a:t>iOS</a:t>
-            </a:r>
-            <a:r>
-              <a:rPr lang="zh-CN" altLang="en-US" dirty="0"/>
-              <a:t>、</a:t>
-            </a:r>
-            <a:r>
-              <a:rPr lang="en-US" altLang="zh-CN" dirty="0"/>
-              <a:t>Android</a:t>
-            </a:r>
-            <a:r>
-              <a:rPr lang="zh-CN" altLang="en-US" dirty="0"/>
-              <a:t>、</a:t>
-            </a:r>
-            <a:r>
-              <a:rPr lang="en-US" altLang="zh-CN" dirty="0"/>
-              <a:t>Web </a:t>
-            </a:r>
-            <a:r>
-              <a:rPr lang="zh-CN" altLang="en-US" dirty="0"/>
-              <a:t>的开发者共同讨论出来的，有一定的通用性和普遍性。</a:t>
-            </a:r>
-          </a:p>
-          <a:p>
-            <a:r>
-              <a:rPr lang="en-US" altLang="zh-CN" dirty="0" err="1"/>
-              <a:t>Weex</a:t>
-            </a:r>
-            <a:r>
-              <a:rPr lang="en-US" altLang="zh-CN" dirty="0"/>
-              <a:t> </a:t>
-            </a:r>
-            <a:r>
-              <a:rPr lang="zh-CN" altLang="en-US" dirty="0"/>
-              <a:t>开发同一份代码，可以在不同的端上分别执行，避免了多端的重复研发成本。</a:t>
-            </a:r>
-            <a:endParaRPr lang="en-US" altLang="zh-CN" dirty="0"/>
-          </a:p>
-          <a:p>
-            <a:r>
-              <a:rPr lang="en-US" altLang="zh-CN" dirty="0"/>
-              <a:t>Ps</a:t>
-            </a:r>
-            <a:r>
-              <a:rPr lang="zh-CN" altLang="en-US" dirty="0"/>
-              <a:t>：部分功能特性由于 </a:t>
-            </a:r>
-            <a:r>
-              <a:rPr lang="en-US" altLang="zh-CN" dirty="0"/>
-              <a:t>native </a:t>
-            </a:r>
-            <a:r>
-              <a:rPr lang="zh-CN" altLang="en-US" dirty="0"/>
-              <a:t>特性的关系，会略有不同，我们会在相应的组件、模块、</a:t>
-            </a:r>
-            <a:r>
-              <a:rPr lang="en-US" altLang="zh-CN" dirty="0"/>
-              <a:t>API </a:t>
-            </a:r>
-            <a:r>
-              <a:rPr lang="zh-CN" altLang="en-US" dirty="0"/>
-              <a:t>文档中做相应的描述和提示。</a:t>
-            </a:r>
+              <a:t>行为和义务逻辑</a:t>
+            </a:r>
+            <a:endParaRPr kumimoji="1" lang="zh-CN" altLang="en-US" dirty="0"/>
           </a:p>
         </p:txBody>
       </p:sp>
     </p:spTree>
     <p:extLst>
       <p:ext uri="{BB962C8B-B14F-4D97-AF65-F5344CB8AC3E}">
-        <p14:creationId xmlns:p14="http://schemas.microsoft.com/office/powerpoint/2010/main" val="4230438320"/>
+        <p14:creationId xmlns:p14="http://schemas.microsoft.com/office/powerpoint/2010/main" val="179402441"/>
       </p:ext>
     </p:extLst>
   </p:cSld>
@@ -4069,7 +5286,7 @@
           <p:cNvPr id="2" name="标题 1">
             <a:extLst>
               <a:ext uri="{FF2B5EF4-FFF2-40B4-BE49-F238E27FC236}">
-                <a16:creationId xmlns:a16="http://schemas.microsoft.com/office/drawing/2014/main" id="{E4698BC1-5AF6-4E8D-B3C1-4753308E1557}"/>
+                <a16:creationId xmlns="" xmlns:a16="http://schemas.microsoft.com/office/drawing/2014/main" id="{203E010F-C628-4EF7-B624-7102C603A2D5}"/>
               </a:ext>
             </a:extLst>
           </p:cNvPr>
@@ -4086,9 +5303,26 @@
           <a:lstStyle/>
           <a:p>
             <a:r>
-              <a:rPr lang="zh-CN" altLang="en-US" dirty="0"/>
-              <a:t>内建组件</a:t>
-            </a:r>
+              <a:rPr lang="en-US" altLang="zh-CN" b="1" dirty="0" err="1"/>
+              <a:t>Weex</a:t>
+            </a:r>
+            <a:r>
+              <a:rPr lang="en-US" altLang="zh-CN" b="1" dirty="0"/>
+              <a:t> </a:t>
+            </a:r>
+            <a:r>
+              <a:rPr lang="zh-CN" altLang="en-US" b="1" dirty="0"/>
+              <a:t>对 </a:t>
+            </a:r>
+            <a:r>
+              <a:rPr lang="en-US" altLang="zh-CN" b="1" dirty="0"/>
+              <a:t>Web </a:t>
+            </a:r>
+            <a:r>
+              <a:rPr lang="zh-CN" altLang="en-US" b="1" dirty="0"/>
+              <a:t>标准的支持情况</a:t>
+            </a:r>
+            <a:endParaRPr lang="zh-CN" altLang="en-US" dirty="0"/>
           </a:p>
         </p:txBody>
       </p:sp>
@@ -4097,7 +5331,7 @@
           <p:cNvPr id="3" name="内容占位符 2">
             <a:extLst>
               <a:ext uri="{FF2B5EF4-FFF2-40B4-BE49-F238E27FC236}">
-                <a16:creationId xmlns:a16="http://schemas.microsoft.com/office/drawing/2014/main" id="{4C68CC83-89FD-482D-BFCA-48E3E48DA984}"/>
+                <a16:creationId xmlns="" xmlns:a16="http://schemas.microsoft.com/office/drawing/2014/main" id="{A5C67812-E75C-4C54-9B02-562DAB47D231}"/>
               </a:ext>
             </a:extLst>
           </p:cNvPr>
@@ -4108,60 +5342,157 @@
             <p:ph idx="1"/>
           </p:nvPr>
         </p:nvSpPr>
-        <p:spPr>
-          <a:xfrm>
-            <a:off x="838200" y="3391378"/>
-            <a:ext cx="10515600" cy="1443669"/>
-          </a:xfrm>
-        </p:spPr>
-        <p:txBody>
-          <a:bodyPr/>
-          <a:lstStyle/>
-          <a:p>
-            <a:r>
-              <a:rPr lang="en-US" altLang="zh-CN" dirty="0">
-                <a:hlinkClick r:id="rId2"/>
-              </a:rPr>
-              <a:t>try it</a:t>
-            </a:r>
+        <p:spPr/>
+        <p:txBody>
+          <a:bodyPr/>
+          <a:lstStyle/>
+          <a:p>
+            <a:r>
+              <a:rPr lang="en-US" altLang="zh-CN" dirty="0"/>
+              <a:t>HTML </a:t>
+            </a:r>
+            <a:r>
+              <a:rPr lang="zh-CN" altLang="en-US" dirty="0"/>
+              <a:t>标签：支持基本的容器 </a:t>
+            </a:r>
+            <a:r>
+              <a:rPr lang="en-US" altLang="zh-CN" dirty="0"/>
+              <a:t>(div)</a:t>
+            </a:r>
+            <a:r>
+              <a:rPr lang="zh-CN" altLang="en-US" dirty="0"/>
+              <a:t>、文本 </a:t>
+            </a:r>
+            <a:r>
+              <a:rPr lang="en-US" altLang="zh-CN" dirty="0"/>
+              <a:t>(text)</a:t>
+            </a:r>
+            <a:r>
+              <a:rPr lang="zh-CN" altLang="en-US" dirty="0"/>
+              <a:t>、图片 </a:t>
+            </a:r>
+            <a:r>
+              <a:rPr lang="en-US" altLang="zh-CN" dirty="0"/>
+              <a:t>(image)</a:t>
+            </a:r>
+            <a:r>
+              <a:rPr lang="zh-CN" altLang="en-US" dirty="0"/>
+              <a:t>、视频 </a:t>
+            </a:r>
+            <a:r>
+              <a:rPr lang="en-US" altLang="zh-CN" dirty="0"/>
+              <a:t>(video) </a:t>
+            </a:r>
+            <a:r>
+              <a:rPr lang="zh-CN" altLang="en-US" dirty="0"/>
+              <a:t>等组件，</a:t>
+            </a:r>
+            <a:r>
+              <a:rPr lang="en-US" altLang="zh-CN" dirty="0"/>
+              <a:t>HTML </a:t>
+            </a:r>
+            <a:r>
+              <a:rPr lang="zh-CN" altLang="en-US" dirty="0"/>
+              <a:t>中几乎所有的块级标签都可以通过容器组件进行自定义模拟。</a:t>
+            </a:r>
+            <a:endParaRPr lang="en-US" altLang="zh-CN" dirty="0"/>
+          </a:p>
+          <a:p>
+            <a:r>
+              <a:rPr lang="en-US" altLang="zh-CN" dirty="0"/>
+              <a:t>CSS</a:t>
+            </a:r>
+            <a:r>
+              <a:rPr lang="zh-CN" altLang="en-US" dirty="0"/>
+              <a:t>：</a:t>
+            </a:r>
+            <a:r>
+              <a:rPr lang="en-US" altLang="zh-CN" dirty="0"/>
+              <a:t> </a:t>
+            </a:r>
+            <a:r>
+              <a:rPr lang="zh-CN" altLang="en-US" dirty="0"/>
+              <a:t>支持部分常用的 </a:t>
+            </a:r>
+            <a:r>
+              <a:rPr lang="en-US" altLang="zh-CN" dirty="0"/>
+              <a:t>CSS </a:t>
+            </a:r>
+            <a:r>
+              <a:rPr lang="zh-CN" altLang="en-US" dirty="0"/>
+              <a:t>属性、值类型和单位，并且会根据用户反馈和在 </a:t>
+            </a:r>
+            <a:r>
+              <a:rPr lang="en-US" altLang="zh-CN" dirty="0"/>
+              <a:t>web </a:t>
+            </a:r>
+            <a:r>
+              <a:rPr lang="zh-CN" altLang="en-US" dirty="0"/>
+              <a:t>中的使用频度陆续支持更多。</a:t>
+            </a:r>
+          </a:p>
+          <a:p>
+            <a:r>
+              <a:rPr lang="en-US" altLang="zh-CN" dirty="0"/>
+              <a:t>JavaScript</a:t>
+            </a:r>
+            <a:r>
+              <a:rPr lang="zh-CN" altLang="en-US" dirty="0"/>
+              <a:t>：目前 </a:t>
+            </a:r>
+            <a:r>
+              <a:rPr lang="en-US" altLang="zh-CN" dirty="0" err="1"/>
+              <a:t>Weex</a:t>
+            </a:r>
+            <a:r>
+              <a:rPr lang="en-US" altLang="zh-CN" dirty="0"/>
+              <a:t> </a:t>
+            </a:r>
+            <a:r>
+              <a:rPr lang="zh-CN" altLang="en-US" dirty="0"/>
+              <a:t>提供了一套简化版的 </a:t>
+            </a:r>
+            <a:r>
+              <a:rPr lang="en-US" altLang="zh-CN" dirty="0"/>
+              <a:t>DOM APIs</a:t>
+            </a:r>
+            <a:r>
+              <a:rPr lang="zh-CN" altLang="en-US" dirty="0"/>
+              <a:t>，用来操作原生界面，同时 </a:t>
+            </a:r>
+            <a:r>
+              <a:rPr lang="en-US" altLang="zh-CN" dirty="0" err="1"/>
+              <a:t>Weex</a:t>
+            </a:r>
+            <a:r>
+              <a:rPr lang="en-US" altLang="zh-CN" dirty="0"/>
+              <a:t> </a:t>
+            </a:r>
+            <a:r>
+              <a:rPr lang="zh-CN" altLang="en-US" dirty="0"/>
+              <a:t>在陆续支持更多的 </a:t>
+            </a:r>
+            <a:r>
+              <a:rPr lang="en-US" altLang="zh-CN" dirty="0"/>
+              <a:t>W3C Device APIs</a:t>
+            </a:r>
+            <a:r>
+              <a:rPr lang="zh-CN" altLang="en-US" dirty="0"/>
+              <a:t>。</a:t>
+            </a:r>
+          </a:p>
+          <a:p>
             <a:endParaRPr lang="zh-CN" altLang="en-US" dirty="0"/>
           </a:p>
-        </p:txBody>
-      </p:sp>
-      <p:pic>
-        <p:nvPicPr>
-          <p:cNvPr id="8" name="图片 7">
-            <a:extLst>
-              <a:ext uri="{FF2B5EF4-FFF2-40B4-BE49-F238E27FC236}">
-                <a16:creationId xmlns:a16="http://schemas.microsoft.com/office/drawing/2014/main" id="{9DBA31ED-94E8-4019-98ED-11734F3156D0}"/>
-              </a:ext>
-            </a:extLst>
-          </p:cNvPr>
-          <p:cNvPicPr>
-            <a:picLocks noChangeAspect="1"/>
-          </p:cNvPicPr>
-          <p:nvPr/>
-        </p:nvPicPr>
-        <p:blipFill>
-          <a:blip r:embed="rId3"/>
-          <a:stretch>
-            <a:fillRect/>
-          </a:stretch>
-        </p:blipFill>
-        <p:spPr>
-          <a:xfrm>
-            <a:off x="838200" y="1690688"/>
-            <a:ext cx="7400000" cy="1504762"/>
-          </a:xfrm>
-          <a:prstGeom prst="rect">
-            <a:avLst/>
-          </a:prstGeom>
-        </p:spPr>
-      </p:pic>
+          <a:p>
+            <a:endParaRPr lang="zh-CN" altLang="en-US" dirty="0"/>
+          </a:p>
+        </p:txBody>
+      </p:sp>
     </p:spTree>
     <p:extLst>
       <p:ext uri="{BB962C8B-B14F-4D97-AF65-F5344CB8AC3E}">
-        <p14:creationId xmlns:p14="http://schemas.microsoft.com/office/powerpoint/2010/main" val="420064333"/>
+        <p14:creationId xmlns:p14="http://schemas.microsoft.com/office/powerpoint/2010/main" val="3820688785"/>
       </p:ext>
     </p:extLst>
   </p:cSld>
@@ -4190,13 +5521,7 @@
       </p:grpSpPr>
       <p:sp>
         <p:nvSpPr>
-          <p:cNvPr id="2" name="标题 1">
-            <a:extLst>
-              <a:ext uri="{FF2B5EF4-FFF2-40B4-BE49-F238E27FC236}">
-                <a16:creationId xmlns:a16="http://schemas.microsoft.com/office/drawing/2014/main" id="{25F268D3-1AE9-4B55-96FC-DCC692EA9ACC}"/>
-              </a:ext>
-            </a:extLst>
-          </p:cNvPr>
+          <p:cNvPr id="2" name="标题 1"/>
           <p:cNvSpPr>
             <a:spLocks noGrp="1"/>
           </p:cNvSpPr>
@@ -4210,82 +5535,615 @@
           <a:lstStyle/>
           <a:p>
             <a:r>
+              <a:rPr lang="en-US" altLang="zh-CN" b="1" dirty="0" err="1"/>
+              <a:t>Weex</a:t>
+            </a:r>
+            <a:r>
+              <a:rPr lang="en-US" altLang="zh-CN" b="1" dirty="0"/>
+              <a:t> </a:t>
+            </a:r>
+            <a:r>
+              <a:rPr lang="zh-CN" altLang="en-US" b="1" dirty="0"/>
+              <a:t>和 </a:t>
+            </a:r>
+            <a:r>
+              <a:rPr lang="en-US" altLang="zh-CN" b="1" dirty="0"/>
+              <a:t>Web </a:t>
+            </a:r>
+            <a:r>
+              <a:rPr lang="zh-CN" altLang="en-US" b="1" dirty="0"/>
+              <a:t>平台的</a:t>
+            </a:r>
+            <a:r>
+              <a:rPr lang="zh-CN" altLang="en-US" b="1" dirty="0" smtClean="0"/>
+              <a:t>差异</a:t>
+            </a:r>
+            <a:endParaRPr kumimoji="1" lang="zh-CN" altLang="en-US" dirty="0"/>
+          </a:p>
+        </p:txBody>
+      </p:sp>
+      <p:sp>
+        <p:nvSpPr>
+          <p:cNvPr id="3" name="内容占位符 2"/>
+          <p:cNvSpPr>
+            <a:spLocks noGrp="1"/>
+          </p:cNvSpPr>
+          <p:nvPr>
+            <p:ph idx="1"/>
+          </p:nvPr>
+        </p:nvSpPr>
+        <p:spPr/>
+        <p:txBody>
+          <a:bodyPr>
+            <a:normAutofit/>
+          </a:bodyPr>
+          <a:lstStyle/>
+          <a:p>
+            <a:r>
+              <a:rPr kumimoji="1" lang="zh-CN" altLang="en-US" sz="3200" dirty="0" smtClean="0"/>
+              <a:t>没有 </a:t>
+            </a:r>
+            <a:r>
+              <a:rPr kumimoji="1" lang="en-US" altLang="zh-CN" sz="3200" dirty="0" smtClean="0"/>
+              <a:t>DOM</a:t>
+            </a:r>
+            <a:r>
+              <a:rPr lang="zh-CN" altLang="en-US" sz="3200" dirty="0"/>
+              <a:t>（</a:t>
+            </a:r>
+            <a:r>
+              <a:rPr lang="en-US" altLang="zh-CN" sz="3200" dirty="0"/>
+              <a:t>Document Object Model</a:t>
+            </a:r>
+            <a:r>
+              <a:rPr lang="zh-CN" altLang="en-US" sz="3200" dirty="0" smtClean="0"/>
+              <a:t>）</a:t>
+            </a:r>
+            <a:endParaRPr lang="en-US" altLang="zh-CN" sz="3200" dirty="0" smtClean="0"/>
+          </a:p>
+          <a:p>
+            <a:r>
+              <a:rPr lang="zh-CN" altLang="en-US" dirty="0" smtClean="0"/>
+              <a:t>不存在 </a:t>
+            </a:r>
+            <a:r>
+              <a:rPr lang="en-US" altLang="zh-CN" dirty="0" err="1" smtClean="0"/>
+              <a:t>document,window,screen</a:t>
+            </a:r>
+            <a:endParaRPr lang="en-US" altLang="zh-CN" dirty="0" smtClean="0"/>
+          </a:p>
+          <a:p>
+            <a:r>
               <a:rPr lang="zh-CN" altLang="en-US" dirty="0"/>
-              <a:t>内建组件</a:t>
-            </a:r>
-          </a:p>
-        </p:txBody>
-      </p:sp>
-      <p:sp>
-        <p:nvSpPr>
-          <p:cNvPr id="3" name="内容占位符 2">
-            <a:extLst>
-              <a:ext uri="{FF2B5EF4-FFF2-40B4-BE49-F238E27FC236}">
-                <a16:creationId xmlns:a16="http://schemas.microsoft.com/office/drawing/2014/main" id="{A5404252-0D9A-415E-A384-81E5BE60ADFB}"/>
-              </a:ext>
-            </a:extLst>
-          </p:cNvPr>
-          <p:cNvSpPr>
-            <a:spLocks noGrp="1"/>
-          </p:cNvSpPr>
-          <p:nvPr>
-            <p:ph idx="1"/>
-          </p:nvPr>
-        </p:nvSpPr>
-        <p:spPr>
-          <a:xfrm>
-            <a:off x="838199" y="4001294"/>
-            <a:ext cx="10515600" cy="4351338"/>
-          </a:xfrm>
-        </p:spPr>
-        <p:txBody>
-          <a:bodyPr/>
-          <a:lstStyle/>
-          <a:p>
-            <a:r>
-              <a:rPr lang="en-US" altLang="zh-CN" dirty="0">
-                <a:hlinkClick r:id="rId2"/>
-              </a:rPr>
-              <a:t>try it</a:t>
-            </a:r>
-            <a:endParaRPr lang="zh-CN" altLang="en-US" dirty="0"/>
-          </a:p>
-        </p:txBody>
-      </p:sp>
-      <p:pic>
-        <p:nvPicPr>
-          <p:cNvPr id="4" name="图片 3">
-            <a:extLst>
-              <a:ext uri="{FF2B5EF4-FFF2-40B4-BE49-F238E27FC236}">
-                <a16:creationId xmlns:a16="http://schemas.microsoft.com/office/drawing/2014/main" id="{21B1A078-E20B-48E0-9EFA-00F419F142FA}"/>
-              </a:ext>
-            </a:extLst>
-          </p:cNvPr>
-          <p:cNvPicPr>
-            <a:picLocks noChangeAspect="1"/>
-          </p:cNvPicPr>
-          <p:nvPr/>
-        </p:nvPicPr>
-        <p:blipFill>
-          <a:blip r:embed="rId3"/>
-          <a:stretch>
-            <a:fillRect/>
-          </a:stretch>
-        </p:blipFill>
-        <p:spPr>
-          <a:xfrm>
-            <a:off x="838200" y="1845991"/>
-            <a:ext cx="8028571" cy="2000000"/>
-          </a:xfrm>
-          <a:prstGeom prst="rect">
-            <a:avLst/>
-          </a:prstGeom>
-        </p:spPr>
-      </p:pic>
+              <a:t>提供了</a:t>
+            </a:r>
+            <a:r>
+              <a:rPr lang="en-US" altLang="zh-CN" dirty="0" err="1"/>
+              <a:t>WXEnvironment</a:t>
+            </a:r>
+            <a:r>
+              <a:rPr lang="zh-CN" altLang="en-US" dirty="0" smtClean="0"/>
+              <a:t>变量</a:t>
+            </a:r>
+            <a:endParaRPr lang="en-US" altLang="zh-CN" dirty="0" smtClean="0"/>
+          </a:p>
+          <a:p>
+            <a:r>
+              <a:rPr kumimoji="1" lang="zh-CN" altLang="en-US" sz="3200" dirty="0"/>
+              <a:t>没有 </a:t>
+            </a:r>
+            <a:r>
+              <a:rPr lang="en-US" altLang="zh-CN" sz="3200" dirty="0"/>
+              <a:t>BOM</a:t>
+            </a:r>
+            <a:r>
+              <a:rPr lang="zh-CN" altLang="en-US" sz="3200" dirty="0"/>
+              <a:t>（</a:t>
+            </a:r>
+            <a:r>
+              <a:rPr lang="en-US" altLang="zh-CN" sz="3200" dirty="0"/>
+              <a:t>Browser Object Model</a:t>
+            </a:r>
+            <a:r>
+              <a:rPr lang="zh-CN" altLang="en-US" sz="3200" dirty="0" smtClean="0"/>
+              <a:t>）</a:t>
+            </a:r>
+            <a:endParaRPr lang="en-US" altLang="zh-CN" sz="3200" dirty="0"/>
+          </a:p>
+          <a:p>
+            <a:r>
+              <a:rPr lang="zh-CN" altLang="en-US" dirty="0" smtClean="0"/>
+              <a:t>也</a:t>
+            </a:r>
+            <a:r>
+              <a:rPr lang="zh-CN" altLang="en-US" dirty="0" smtClean="0"/>
+              <a:t>没有</a:t>
+            </a:r>
+            <a:r>
+              <a:rPr lang="en-US" altLang="zh-CN" dirty="0"/>
+              <a:t>history </a:t>
+            </a:r>
+            <a:r>
+              <a:rPr lang="zh-CN" altLang="en-US" dirty="0"/>
+              <a:t>、</a:t>
+            </a:r>
+            <a:r>
+              <a:rPr lang="en-US" altLang="zh-CN" dirty="0"/>
+              <a:t>location </a:t>
+            </a:r>
+            <a:r>
+              <a:rPr lang="zh-CN" altLang="en-US" dirty="0"/>
+              <a:t>、</a:t>
+            </a:r>
+            <a:r>
+              <a:rPr lang="en-US" altLang="zh-CN" dirty="0" smtClean="0"/>
+              <a:t>navigator</a:t>
+            </a:r>
+          </a:p>
+          <a:p>
+            <a:r>
+              <a:rPr lang="zh-CN" altLang="en-US" dirty="0" smtClean="0"/>
+              <a:t>提供了</a:t>
+            </a:r>
+            <a:r>
+              <a:rPr lang="en-US" altLang="zh-CN" dirty="0" smtClean="0"/>
+              <a:t>navigator</a:t>
+            </a:r>
+            <a:r>
+              <a:rPr lang="zh-CN" altLang="en-US" dirty="0" smtClean="0"/>
+              <a:t>模块</a:t>
+            </a:r>
+            <a:endParaRPr lang="en-US" altLang="zh-CN" dirty="0" smtClean="0"/>
+          </a:p>
+        </p:txBody>
+      </p:sp>
     </p:spTree>
     <p:extLst>
       <p:ext uri="{BB962C8B-B14F-4D97-AF65-F5344CB8AC3E}">
-        <p14:creationId xmlns:p14="http://schemas.microsoft.com/office/powerpoint/2010/main" val="202395541"/>
+        <p14:creationId xmlns:p14="http://schemas.microsoft.com/office/powerpoint/2010/main" val="1792974218"/>
+      </p:ext>
+    </p:extLst>
+  </p:cSld>
+  <p:clrMapOvr>
+    <a:masterClrMapping/>
+  </p:clrMapOvr>
+</p:sld>
+</file>
+
+<file path=ppt/slides/slide13.xml><?xml version="1.0" encoding="utf-8"?>
+<p:sld xmlns:a="http://schemas.openxmlformats.org/drawingml/2006/main" xmlns:r="http://schemas.openxmlformats.org/officeDocument/2006/relationships" xmlns:p="http://schemas.openxmlformats.org/presentationml/2006/main">
+  <p:cSld>
+    <p:spTree>
+      <p:nvGrpSpPr>
+        <p:cNvPr id="1" name=""/>
+        <p:cNvGrpSpPr/>
+        <p:nvPr/>
+      </p:nvGrpSpPr>
+      <p:grpSpPr>
+        <a:xfrm>
+          <a:off x="0" y="0"/>
+          <a:ext cx="0" cy="0"/>
+          <a:chOff x="0" y="0"/>
+          <a:chExt cx="0" cy="0"/>
+        </a:xfrm>
+      </p:grpSpPr>
+      <p:sp>
+        <p:nvSpPr>
+          <p:cNvPr id="2" name="标题 1"/>
+          <p:cNvSpPr>
+            <a:spLocks noGrp="1"/>
+          </p:cNvSpPr>
+          <p:nvPr>
+            <p:ph type="title"/>
+          </p:nvPr>
+        </p:nvSpPr>
+        <p:spPr/>
+        <p:txBody>
+          <a:bodyPr/>
+          <a:lstStyle/>
+          <a:p>
+            <a:r>
+              <a:rPr lang="en-US" altLang="zh-CN" b="1" dirty="0" err="1"/>
+              <a:t>Weex</a:t>
+            </a:r>
+            <a:r>
+              <a:rPr lang="en-US" altLang="zh-CN" b="1" dirty="0"/>
+              <a:t> </a:t>
+            </a:r>
+            <a:r>
+              <a:rPr lang="zh-CN" altLang="en-US" b="1" dirty="0"/>
+              <a:t>和 </a:t>
+            </a:r>
+            <a:r>
+              <a:rPr lang="en-US" altLang="zh-CN" b="1" dirty="0"/>
+              <a:t>Web </a:t>
+            </a:r>
+            <a:r>
+              <a:rPr lang="zh-CN" altLang="en-US" b="1" dirty="0"/>
+              <a:t>平台的</a:t>
+            </a:r>
+            <a:r>
+              <a:rPr lang="zh-CN" altLang="en-US" b="1" dirty="0" smtClean="0"/>
+              <a:t>差异</a:t>
+            </a:r>
+            <a:endParaRPr kumimoji="1" lang="zh-CN" altLang="en-US" dirty="0"/>
+          </a:p>
+        </p:txBody>
+      </p:sp>
+      <p:sp>
+        <p:nvSpPr>
+          <p:cNvPr id="3" name="内容占位符 2"/>
+          <p:cNvSpPr>
+            <a:spLocks noGrp="1"/>
+          </p:cNvSpPr>
+          <p:nvPr>
+            <p:ph idx="1"/>
+          </p:nvPr>
+        </p:nvSpPr>
+        <p:spPr/>
+        <p:txBody>
+          <a:bodyPr>
+            <a:normAutofit lnSpcReduction="10000"/>
+          </a:bodyPr>
+          <a:lstStyle/>
+          <a:p>
+            <a:r>
+              <a:rPr kumimoji="1" lang="zh-CN" altLang="en-US" sz="3200" dirty="0" smtClean="0"/>
+              <a:t>支持的事件</a:t>
+            </a:r>
+            <a:r>
+              <a:rPr kumimoji="1" lang="zh-CN" altLang="en-US" sz="3200" dirty="0" smtClean="0"/>
+              <a:t>类型</a:t>
+            </a:r>
+            <a:endParaRPr kumimoji="1" lang="en-US" altLang="zh-CN" sz="3200" dirty="0" smtClean="0"/>
+          </a:p>
+          <a:p>
+            <a:r>
+              <a:rPr lang="zh-CN" altLang="en-US" dirty="0" smtClean="0"/>
+              <a:t>标签支持绑定</a:t>
+            </a:r>
+            <a:r>
+              <a:rPr lang="zh-CN" altLang="en-US" dirty="0"/>
+              <a:t>事件，</a:t>
+            </a:r>
+            <a:r>
+              <a:rPr lang="zh-CN" altLang="en-US" dirty="0" smtClean="0"/>
+              <a:t>和</a:t>
+            </a:r>
+            <a:r>
+              <a:rPr lang="en-US" altLang="zh-CN" dirty="0" smtClean="0"/>
+              <a:t>web</a:t>
+            </a:r>
+            <a:r>
+              <a:rPr lang="zh-CN" altLang="en-US" dirty="0" smtClean="0"/>
+              <a:t>页面写法</a:t>
+            </a:r>
+            <a:r>
+              <a:rPr lang="zh-CN" altLang="en-US" dirty="0"/>
+              <a:t>一样，</a:t>
+            </a:r>
+            <a:r>
+              <a:rPr lang="zh-CN" altLang="en-US" dirty="0" smtClean="0"/>
+              <a:t>但</a:t>
+            </a:r>
+            <a:r>
+              <a:rPr lang="en-US" altLang="zh-CN" dirty="0" smtClean="0"/>
+              <a:t>app</a:t>
+            </a:r>
+            <a:r>
+              <a:rPr lang="zh-CN" altLang="en-US" dirty="0" smtClean="0"/>
+              <a:t> 中的事件</a:t>
+            </a:r>
+            <a:r>
+              <a:rPr lang="zh-CN" altLang="en-US" dirty="0"/>
+              <a:t>是由原生组件捕获并触发的，行为和浏览器中有所不同，事件中的属性也和 </a:t>
+            </a:r>
+            <a:r>
+              <a:rPr lang="en-US" altLang="zh-CN" dirty="0"/>
+              <a:t>Web </a:t>
+            </a:r>
+            <a:r>
+              <a:rPr lang="zh-CN" altLang="en-US" dirty="0"/>
+              <a:t>中有差异</a:t>
+            </a:r>
+            <a:r>
+              <a:rPr lang="zh-CN" altLang="en-US" dirty="0" smtClean="0"/>
+              <a:t>。</a:t>
+            </a:r>
+            <a:endParaRPr lang="en-US" altLang="zh-CN" dirty="0" smtClean="0"/>
+          </a:p>
+          <a:p>
+            <a:r>
+              <a:rPr lang="en-US" altLang="zh-CN" dirty="0" smtClean="0"/>
+              <a:t>click</a:t>
+            </a:r>
+            <a:r>
+              <a:rPr lang="zh-CN" altLang="en-US" dirty="0" smtClean="0"/>
+              <a:t> 点击</a:t>
+            </a:r>
+            <a:r>
+              <a:rPr lang="en-US" altLang="zh-CN" dirty="0" smtClean="0"/>
+              <a:t>(input</a:t>
+            </a:r>
+            <a:r>
+              <a:rPr lang="zh-CN" altLang="en-US" dirty="0" smtClean="0"/>
+              <a:t> </a:t>
+            </a:r>
+            <a:r>
+              <a:rPr lang="en-US" altLang="zh-CN" dirty="0" smtClean="0"/>
+              <a:t>switch</a:t>
+            </a:r>
+            <a:r>
+              <a:rPr lang="zh-CN" altLang="en-US" dirty="0" smtClean="0"/>
+              <a:t>不支持可用</a:t>
+            </a:r>
+            <a:r>
+              <a:rPr lang="en-US" altLang="zh-CN" dirty="0" smtClean="0"/>
+              <a:t>change</a:t>
+            </a:r>
+            <a:r>
+              <a:rPr lang="zh-CN" altLang="en-US" dirty="0" smtClean="0"/>
+              <a:t> </a:t>
+            </a:r>
+            <a:r>
+              <a:rPr lang="en-US" altLang="zh-CN" dirty="0" smtClean="0"/>
+              <a:t>input</a:t>
+            </a:r>
+            <a:r>
+              <a:rPr lang="zh-CN" altLang="en-US" dirty="0" smtClean="0"/>
+              <a:t> 事件</a:t>
+            </a:r>
+            <a:r>
+              <a:rPr lang="en-US" altLang="zh-CN" dirty="0" smtClean="0"/>
+              <a:t>)</a:t>
+            </a:r>
+          </a:p>
+          <a:p>
+            <a:r>
+              <a:rPr lang="en-US" altLang="zh-CN" dirty="0" err="1" smtClean="0"/>
+              <a:t>longpress</a:t>
+            </a:r>
+            <a:r>
+              <a:rPr lang="zh-CN" altLang="en-US" dirty="0" smtClean="0"/>
+              <a:t> 长按</a:t>
+            </a:r>
+            <a:endParaRPr lang="en-US" altLang="zh-CN" dirty="0" smtClean="0"/>
+          </a:p>
+          <a:p>
+            <a:r>
+              <a:rPr lang="en-US" altLang="zh-CN" dirty="0" smtClean="0"/>
+              <a:t>appear</a:t>
+            </a:r>
+            <a:r>
+              <a:rPr lang="zh-CN" altLang="en-US" dirty="0" smtClean="0"/>
+              <a:t> 变为屏幕内可见</a:t>
+            </a:r>
+            <a:endParaRPr lang="en-US" altLang="zh-CN" dirty="0" smtClean="0"/>
+          </a:p>
+          <a:p>
+            <a:r>
+              <a:rPr lang="en-US" altLang="zh-CN" dirty="0" smtClean="0"/>
+              <a:t>disappear</a:t>
+            </a:r>
+            <a:r>
+              <a:rPr lang="zh-CN" altLang="en-US" dirty="0" smtClean="0"/>
+              <a:t> 变为屏幕内不可见</a:t>
+            </a:r>
+            <a:endParaRPr lang="en-US" altLang="zh-CN" dirty="0" smtClean="0"/>
+          </a:p>
+          <a:p>
+            <a:r>
+              <a:rPr lang="en-US" altLang="zh-CN" dirty="0" smtClean="0"/>
+              <a:t>page</a:t>
+            </a:r>
+            <a:r>
+              <a:rPr lang="zh-CN" altLang="en-US" dirty="0" smtClean="0"/>
+              <a:t>  打开新页面</a:t>
+            </a:r>
+            <a:endParaRPr lang="en-US" altLang="zh-CN" dirty="0"/>
+          </a:p>
+          <a:p>
+            <a:endParaRPr lang="en-US" altLang="zh-CN" b="1" dirty="0"/>
+          </a:p>
+          <a:p>
+            <a:endParaRPr lang="en-US" altLang="zh-CN" b="1" dirty="0"/>
+          </a:p>
+          <a:p>
+            <a:endParaRPr kumimoji="1" lang="zh-CN" altLang="en-US" dirty="0"/>
+          </a:p>
+        </p:txBody>
+      </p:sp>
+    </p:spTree>
+    <p:extLst>
+      <p:ext uri="{BB962C8B-B14F-4D97-AF65-F5344CB8AC3E}">
+        <p14:creationId xmlns:p14="http://schemas.microsoft.com/office/powerpoint/2010/main" val="1864150722"/>
+      </p:ext>
+    </p:extLst>
+  </p:cSld>
+  <p:clrMapOvr>
+    <a:masterClrMapping/>
+  </p:clrMapOvr>
+</p:sld>
+</file>
+
+<file path=ppt/slides/slide14.xml><?xml version="1.0" encoding="utf-8"?>
+<p:sld xmlns:a="http://schemas.openxmlformats.org/drawingml/2006/main" xmlns:r="http://schemas.openxmlformats.org/officeDocument/2006/relationships" xmlns:p="http://schemas.openxmlformats.org/presentationml/2006/main">
+  <p:cSld>
+    <p:spTree>
+      <p:nvGrpSpPr>
+        <p:cNvPr id="1" name=""/>
+        <p:cNvGrpSpPr/>
+        <p:nvPr/>
+      </p:nvGrpSpPr>
+      <p:grpSpPr>
+        <a:xfrm>
+          <a:off x="0" y="0"/>
+          <a:ext cx="0" cy="0"/>
+          <a:chOff x="0" y="0"/>
+          <a:chExt cx="0" cy="0"/>
+        </a:xfrm>
+      </p:grpSpPr>
+      <p:sp>
+        <p:nvSpPr>
+          <p:cNvPr id="2" name="标题 1"/>
+          <p:cNvSpPr>
+            <a:spLocks noGrp="1"/>
+          </p:cNvSpPr>
+          <p:nvPr>
+            <p:ph type="title"/>
+          </p:nvPr>
+        </p:nvSpPr>
+        <p:spPr/>
+        <p:txBody>
+          <a:bodyPr/>
+          <a:lstStyle/>
+          <a:p>
+            <a:r>
+              <a:rPr lang="en-US" altLang="zh-CN" b="1" dirty="0" err="1"/>
+              <a:t>Weex</a:t>
+            </a:r>
+            <a:r>
+              <a:rPr lang="en-US" altLang="zh-CN" b="1" dirty="0"/>
+              <a:t> </a:t>
+            </a:r>
+            <a:r>
+              <a:rPr lang="zh-CN" altLang="en-US" b="1" dirty="0"/>
+              <a:t>和 </a:t>
+            </a:r>
+            <a:r>
+              <a:rPr lang="en-US" altLang="zh-CN" b="1" dirty="0"/>
+              <a:t>Web </a:t>
+            </a:r>
+            <a:r>
+              <a:rPr lang="zh-CN" altLang="en-US" b="1" dirty="0"/>
+              <a:t>平台的</a:t>
+            </a:r>
+            <a:r>
+              <a:rPr lang="zh-CN" altLang="en-US" b="1" dirty="0" smtClean="0"/>
+              <a:t>差异</a:t>
+            </a:r>
+            <a:endParaRPr kumimoji="1" lang="zh-CN" altLang="en-US" dirty="0"/>
+          </a:p>
+        </p:txBody>
+      </p:sp>
+      <p:sp>
+        <p:nvSpPr>
+          <p:cNvPr id="3" name="内容占位符 2"/>
+          <p:cNvSpPr>
+            <a:spLocks noGrp="1"/>
+          </p:cNvSpPr>
+          <p:nvPr>
+            <p:ph idx="1"/>
+          </p:nvPr>
+        </p:nvSpPr>
+        <p:spPr/>
+        <p:txBody>
+          <a:bodyPr>
+            <a:normAutofit/>
+          </a:bodyPr>
+          <a:lstStyle/>
+          <a:p>
+            <a:r>
+              <a:rPr lang="zh-CN" altLang="en-US" sz="3200" b="1" dirty="0" smtClean="0"/>
+              <a:t>能够</a:t>
+            </a:r>
+            <a:r>
+              <a:rPr lang="zh-CN" altLang="en-US" sz="3200" b="1" dirty="0"/>
+              <a:t>调用移动设备原生 </a:t>
+            </a:r>
+            <a:r>
+              <a:rPr lang="en-US" altLang="zh-CN" sz="3200" b="1" dirty="0" smtClean="0"/>
+              <a:t>API</a:t>
+            </a:r>
+          </a:p>
+          <a:p>
+            <a:r>
+              <a:rPr lang="zh-CN" altLang="en-US" dirty="0"/>
+              <a:t>为了保持框架的通用性，</a:t>
+            </a:r>
+            <a:r>
+              <a:rPr lang="en-US" altLang="zh-CN" dirty="0" err="1"/>
+              <a:t>Weex</a:t>
+            </a:r>
+            <a:r>
+              <a:rPr lang="en-US" altLang="zh-CN" dirty="0"/>
+              <a:t> </a:t>
+            </a:r>
+            <a:r>
+              <a:rPr lang="zh-CN" altLang="en-US" dirty="0" smtClean="0"/>
+              <a:t>内置的原生</a:t>
+            </a:r>
+            <a:r>
+              <a:rPr lang="zh-CN" altLang="en-US" dirty="0"/>
+              <a:t>模块</a:t>
+            </a:r>
+            <a:r>
+              <a:rPr lang="zh-CN" altLang="en-US" dirty="0" smtClean="0"/>
+              <a:t>有限</a:t>
+            </a:r>
+            <a:r>
+              <a:rPr lang="en-US" altLang="zh-CN" dirty="0" smtClean="0"/>
+              <a:t>(</a:t>
+            </a:r>
+            <a:r>
+              <a:rPr lang="en-US" altLang="zh-CN" dirty="0"/>
+              <a:t>clipboard </a:t>
+            </a:r>
+            <a:r>
+              <a:rPr lang="zh-CN" altLang="en-US" dirty="0"/>
+              <a:t>、 </a:t>
+            </a:r>
+            <a:r>
+              <a:rPr lang="en-US" altLang="zh-CN" dirty="0"/>
+              <a:t>navigator </a:t>
+            </a:r>
+            <a:r>
+              <a:rPr lang="zh-CN" altLang="en-US" dirty="0"/>
+              <a:t>、</a:t>
+            </a:r>
+            <a:r>
+              <a:rPr lang="en-US" altLang="zh-CN" dirty="0"/>
+              <a:t>storage </a:t>
+            </a:r>
+            <a:r>
+              <a:rPr lang="zh-CN" altLang="en-US" dirty="0"/>
+              <a:t>等。</a:t>
+            </a:r>
+            <a:r>
+              <a:rPr lang="en-US" altLang="zh-CN" dirty="0" smtClean="0"/>
+              <a:t>)</a:t>
+            </a:r>
+            <a:r>
+              <a:rPr lang="zh-CN" altLang="en-US" dirty="0" smtClean="0"/>
+              <a:t>，</a:t>
+            </a:r>
+            <a:r>
+              <a:rPr lang="zh-CN" altLang="en-US" dirty="0"/>
+              <a:t>不过 </a:t>
+            </a:r>
+            <a:r>
+              <a:rPr lang="en-US" altLang="zh-CN" dirty="0" err="1"/>
+              <a:t>Weex</a:t>
+            </a:r>
+            <a:r>
+              <a:rPr lang="en-US" altLang="zh-CN" dirty="0"/>
+              <a:t> </a:t>
+            </a:r>
+            <a:r>
+              <a:rPr lang="zh-CN" altLang="en-US" dirty="0"/>
+              <a:t>提供了横向扩展的能力，可以扩展原生模块</a:t>
+            </a:r>
+            <a:endParaRPr lang="en-US" altLang="zh-CN" b="1" dirty="0"/>
+          </a:p>
+          <a:p>
+            <a:endParaRPr kumimoji="1" lang="zh-CN" altLang="en-US" dirty="0"/>
+          </a:p>
+        </p:txBody>
+      </p:sp>
+    </p:spTree>
+    <p:extLst>
+      <p:ext uri="{BB962C8B-B14F-4D97-AF65-F5344CB8AC3E}">
+        <p14:creationId xmlns:p14="http://schemas.microsoft.com/office/powerpoint/2010/main" val="1764739813"/>
       </p:ext>
     </p:extLst>
   </p:cSld>
@@ -4328,9 +6186,14 @@
           <a:lstStyle/>
           <a:p>
             <a:r>
-              <a:rPr kumimoji="1" lang="zh-CN" altLang="en-US" dirty="0"/>
-              <a:t>搭建开发环境</a:t>
-            </a:r>
+              <a:rPr kumimoji="1" lang="zh-CN" altLang="en-US" dirty="0" smtClean="0"/>
+              <a:t>什么是 </a:t>
+            </a:r>
+            <a:r>
+              <a:rPr kumimoji="1" lang="en-US" altLang="zh-CN" dirty="0" smtClean="0"/>
+              <a:t>WEEX</a:t>
+            </a:r>
+            <a:endParaRPr kumimoji="1" lang="zh-CN" altLang="en-US" dirty="0"/>
           </a:p>
         </p:txBody>
       </p:sp>
@@ -4359,75 +6222,103 @@
             </a:r>
             <a:r>
               <a:rPr lang="zh-CN" altLang="en-US" dirty="0"/>
-              <a:t>官方提供了 </a:t>
+              <a:t>是一套简单易用的跨平台开发方案，能以 </a:t>
+            </a:r>
+            <a:r>
+              <a:rPr lang="en-US" altLang="zh-CN" dirty="0"/>
+              <a:t>web </a:t>
+            </a:r>
+            <a:r>
+              <a:rPr lang="zh-CN" altLang="en-US" dirty="0"/>
+              <a:t>的开发体验构建高性能、可扩展的 </a:t>
+            </a:r>
+            <a:r>
+              <a:rPr lang="en-US" altLang="zh-CN" dirty="0"/>
+              <a:t>native </a:t>
+            </a:r>
+            <a:r>
+              <a:rPr lang="zh-CN" altLang="en-US" dirty="0"/>
+              <a:t>应用，为了做到这些，</a:t>
             </a:r>
             <a:r>
               <a:rPr lang="en-US" altLang="zh-CN" dirty="0" err="1"/>
-              <a:t>weex</a:t>
+              <a:t>Weex</a:t>
             </a:r>
             <a:r>
               <a:rPr lang="en-US" altLang="zh-CN" dirty="0"/>
-              <a:t>-toolkit </a:t>
+              <a:t> </a:t>
             </a:r>
             <a:r>
               <a:rPr lang="zh-CN" altLang="en-US" dirty="0"/>
-              <a:t>的脚手架工具来辅助开发和调试。</a:t>
-            </a:r>
-            <a:endParaRPr lang="en-US" altLang="zh-CN" dirty="0"/>
-          </a:p>
-          <a:p>
+              <a:t>与 </a:t>
+            </a:r>
+            <a:r>
+              <a:rPr lang="en-US" altLang="zh-CN" dirty="0" err="1"/>
+              <a:t>Vue</a:t>
+            </a:r>
             <a:r>
               <a:rPr lang="en-US" altLang="zh-CN" dirty="0"/>
-              <a:t>$ </a:t>
+              <a:t> </a:t>
+            </a:r>
+            <a:r>
+              <a:rPr lang="zh-CN" altLang="en-US" dirty="0"/>
+              <a:t>合作，使用 </a:t>
             </a:r>
             <a:r>
               <a:rPr lang="en-US" altLang="zh-CN" dirty="0" err="1"/>
-              <a:t>npm</a:t>
+              <a:t>Vue</a:t>
             </a:r>
             <a:r>
               <a:rPr lang="en-US" altLang="zh-CN" dirty="0"/>
-              <a:t> install -g </a:t>
+              <a:t> </a:t>
+            </a:r>
+            <a:r>
+              <a:rPr lang="zh-CN" altLang="en-US" dirty="0"/>
+              <a:t>作为上层框架，并遵循 </a:t>
+            </a:r>
+            <a:r>
+              <a:rPr lang="en-US" altLang="zh-CN" dirty="0"/>
+              <a:t>W3C </a:t>
+            </a:r>
+            <a:r>
+              <a:rPr lang="zh-CN" altLang="en-US" dirty="0"/>
+              <a:t>标准实现了统一的 </a:t>
             </a:r>
             <a:r>
               <a:rPr lang="en-US" altLang="zh-CN" dirty="0" err="1"/>
-              <a:t>weex</a:t>
+              <a:t>JSEngine</a:t>
             </a:r>
             <a:r>
               <a:rPr lang="en-US" altLang="zh-CN" dirty="0"/>
-              <a:t>-toolkit</a:t>
-            </a:r>
-          </a:p>
-          <a:p>
+              <a:t> </a:t>
+            </a:r>
+            <a:r>
+              <a:rPr lang="zh-CN" altLang="en-US" dirty="0"/>
+              <a:t>和 </a:t>
+            </a:r>
             <a:r>
               <a:rPr lang="en-US" altLang="zh-CN" dirty="0"/>
-              <a:t>$ </a:t>
+              <a:t>DOM API</a:t>
+            </a:r>
+            <a:r>
+              <a:rPr lang="zh-CN" altLang="en-US" dirty="0"/>
+              <a:t>，这样一来，你甚至可以使用其他框架驱动 </a:t>
             </a:r>
             <a:r>
               <a:rPr lang="en-US" altLang="zh-CN" dirty="0" err="1"/>
-              <a:t>weex</a:t>
+              <a:t>Weex</a:t>
+            </a:r>
+            <a:r>
+              <a:rPr lang="zh-CN" altLang="en-US" dirty="0"/>
+              <a:t>，打造三端一致的 </a:t>
             </a:r>
             <a:r>
               <a:rPr lang="en-US" altLang="zh-CN" dirty="0"/>
-              <a:t> create demo-</a:t>
-            </a:r>
-            <a:r>
-              <a:rPr lang="en-US" altLang="zh-CN" dirty="0" err="1"/>
-              <a:t>weex</a:t>
-            </a:r>
-            <a:endParaRPr lang="en-US" altLang="zh-CN" dirty="0"/>
-          </a:p>
-          <a:p>
-            <a:r>
-              <a:rPr lang="en-US" altLang="zh-CN" dirty="0"/>
-              <a:t>$ </a:t>
-            </a:r>
-            <a:r>
-              <a:rPr lang="en-US" altLang="zh-CN" dirty="0" err="1"/>
-              <a:t>npm</a:t>
-            </a:r>
-            <a:r>
-              <a:rPr lang="en-US" altLang="zh-CN" dirty="0"/>
-              <a:t> install</a:t>
+              <a:t>native </a:t>
+            </a:r>
+            <a:r>
+              <a:rPr lang="zh-CN" altLang="en-US" dirty="0"/>
+              <a:t>应用。</a:t>
             </a:r>
             <a:endParaRPr kumimoji="1" lang="zh-CN" altLang="en-US" dirty="0"/>
           </a:p>
@@ -4436,7 +6327,7 @@
     </p:spTree>
     <p:extLst>
       <p:ext uri="{BB962C8B-B14F-4D97-AF65-F5344CB8AC3E}">
-        <p14:creationId xmlns:p14="http://schemas.microsoft.com/office/powerpoint/2010/main" val="1851552877"/>
+        <p14:creationId xmlns:p14="http://schemas.microsoft.com/office/powerpoint/2010/main" val="456262269"/>
       </p:ext>
     </p:extLst>
   </p:cSld>
@@ -4465,7 +6356,13 @@
       </p:grpSpPr>
       <p:sp>
         <p:nvSpPr>
-          <p:cNvPr id="2" name="标题 1"/>
+          <p:cNvPr id="2" name="标题 1">
+            <a:extLst>
+              <a:ext uri="{FF2B5EF4-FFF2-40B4-BE49-F238E27FC236}">
+                <a16:creationId xmlns="" xmlns:a16="http://schemas.microsoft.com/office/drawing/2014/main" id="{F9549C25-DA90-4541-83DA-5E67BF970F8F}"/>
+              </a:ext>
+            </a:extLst>
+          </p:cNvPr>
           <p:cNvSpPr>
             <a:spLocks noGrp="1"/>
           </p:cNvSpPr>
@@ -4479,15 +6376,22 @@
           <a:lstStyle/>
           <a:p>
             <a:r>
-              <a:rPr kumimoji="1" lang="zh-CN" altLang="en-US" dirty="0"/>
-              <a:t>效果浏览工具</a:t>
-            </a:r>
-          </a:p>
-        </p:txBody>
-      </p:sp>
-      <p:sp>
-        <p:nvSpPr>
-          <p:cNvPr id="3" name="内容占位符 2"/>
+              <a:rPr lang="zh-CN" altLang="en-US" b="1" dirty="0"/>
+              <a:t>一次撰写，多端运行</a:t>
+            </a:r>
+            <a:endParaRPr lang="zh-CN" altLang="en-US" dirty="0"/>
+          </a:p>
+        </p:txBody>
+      </p:sp>
+      <p:sp>
+        <p:nvSpPr>
+          <p:cNvPr id="3" name="内容占位符 2">
+            <a:extLst>
+              <a:ext uri="{FF2B5EF4-FFF2-40B4-BE49-F238E27FC236}">
+                <a16:creationId xmlns="" xmlns:a16="http://schemas.microsoft.com/office/drawing/2014/main" id="{9D13C49D-066E-4527-94CB-98CBE95A2B9D}"/>
+              </a:ext>
+            </a:extLst>
+          </p:cNvPr>
           <p:cNvSpPr>
             <a:spLocks noGrp="1"/>
           </p:cNvSpPr>
@@ -4501,28 +6405,107 @@
           <a:lstStyle/>
           <a:p>
             <a:r>
-              <a:rPr kumimoji="1" lang="en-US" altLang="zh-CN" dirty="0">
-                <a:hlinkClick r:id="rId3"/>
-              </a:rPr>
-              <a:t>https://weex.apache.org/cn/playground.html</a:t>
-            </a:r>
-            <a:endParaRPr kumimoji="1" lang="en-US" altLang="zh-CN" dirty="0"/>
-          </a:p>
-          <a:p>
-            <a:r>
-              <a:rPr kumimoji="1" lang="en-US" altLang="zh-CN" dirty="0">
-                <a:hlinkClick r:id="rId4"/>
-              </a:rPr>
-              <a:t>http://dotwe.org/vue</a:t>
-            </a:r>
-            <a:endParaRPr kumimoji="1" lang="zh-CN" altLang="en-US" dirty="0"/>
+              <a:rPr lang="zh-CN" altLang="en-US" dirty="0"/>
+              <a:t> 首先 </a:t>
+            </a:r>
+            <a:r>
+              <a:rPr lang="en-US" altLang="zh-CN" dirty="0"/>
+              <a:t>web </a:t>
+            </a:r>
+            <a:r>
+              <a:rPr lang="zh-CN" altLang="en-US" dirty="0"/>
+              <a:t>开发体验在各端当中是相同的。包括语法设计和工程链路。</a:t>
+            </a:r>
+          </a:p>
+          <a:p>
+            <a:r>
+              <a:rPr lang="zh-CN" altLang="en-US" dirty="0"/>
+              <a:t>其次，</a:t>
+            </a:r>
+            <a:r>
+              <a:rPr lang="en-US" altLang="zh-CN" dirty="0" err="1"/>
+              <a:t>Weex</a:t>
+            </a:r>
+            <a:r>
+              <a:rPr lang="en-US" altLang="zh-CN" dirty="0"/>
+              <a:t> </a:t>
+            </a:r>
+            <a:r>
+              <a:rPr lang="zh-CN" altLang="en-US" dirty="0"/>
+              <a:t>的组件、模块设计都是 </a:t>
+            </a:r>
+            <a:r>
+              <a:rPr lang="en-US" altLang="zh-CN" dirty="0"/>
+              <a:t>iOS</a:t>
+            </a:r>
+            <a:r>
+              <a:rPr lang="zh-CN" altLang="en-US" dirty="0"/>
+              <a:t>、</a:t>
+            </a:r>
+            <a:r>
+              <a:rPr lang="en-US" altLang="zh-CN" dirty="0"/>
+              <a:t>Android</a:t>
+            </a:r>
+            <a:r>
+              <a:rPr lang="zh-CN" altLang="en-US" dirty="0"/>
+              <a:t>、</a:t>
+            </a:r>
+            <a:r>
+              <a:rPr lang="en-US" altLang="zh-CN" dirty="0"/>
+              <a:t>Web </a:t>
+            </a:r>
+            <a:r>
+              <a:rPr lang="zh-CN" altLang="en-US" dirty="0"/>
+              <a:t>的开发者共同讨论出来的，有一定的通用性和普遍性。</a:t>
+            </a:r>
+          </a:p>
+          <a:p>
+            <a:r>
+              <a:rPr lang="en-US" altLang="zh-CN" dirty="0" err="1"/>
+              <a:t>Weex</a:t>
+            </a:r>
+            <a:r>
+              <a:rPr lang="en-US" altLang="zh-CN" dirty="0"/>
+              <a:t> </a:t>
+            </a:r>
+            <a:r>
+              <a:rPr lang="zh-CN" altLang="en-US" dirty="0"/>
+              <a:t>开发同一份代码，可以在不同的端上分别执行，避免了多端的重复研发成本。</a:t>
+            </a:r>
+            <a:endParaRPr lang="en-US" altLang="zh-CN" dirty="0"/>
+          </a:p>
+          <a:p>
+            <a:r>
+              <a:rPr lang="en-US" altLang="zh-CN" dirty="0"/>
+              <a:t>Ps</a:t>
+            </a:r>
+            <a:r>
+              <a:rPr lang="zh-CN" altLang="en-US" dirty="0"/>
+              <a:t>：部分功能特性由于 </a:t>
+            </a:r>
+            <a:r>
+              <a:rPr lang="en-US" altLang="zh-CN" dirty="0"/>
+              <a:t>native </a:t>
+            </a:r>
+            <a:r>
+              <a:rPr lang="zh-CN" altLang="en-US" dirty="0"/>
+              <a:t>特性的关系，会略有不同，我们会在相应的组件、模块、</a:t>
+            </a:r>
+            <a:r>
+              <a:rPr lang="en-US" altLang="zh-CN" dirty="0"/>
+              <a:t>API </a:t>
+            </a:r>
+            <a:r>
+              <a:rPr lang="zh-CN" altLang="en-US" dirty="0"/>
+              <a:t>文档中做相应的描述和提示。</a:t>
+            </a:r>
           </a:p>
         </p:txBody>
       </p:sp>
     </p:spTree>
     <p:extLst>
       <p:ext uri="{BB962C8B-B14F-4D97-AF65-F5344CB8AC3E}">
-        <p14:creationId xmlns:p14="http://schemas.microsoft.com/office/powerpoint/2010/main" val="2125082897"/>
+        <p14:creationId xmlns:p14="http://schemas.microsoft.com/office/powerpoint/2010/main" val="4230438320"/>
       </p:ext>
     </p:extLst>
   </p:cSld>
@@ -4566,7 +6549,7 @@
           <a:p>
             <a:r>
               <a:rPr kumimoji="1" lang="zh-CN" altLang="en-US" dirty="0"/>
-              <a:t>工作原理</a:t>
+              <a:t>搭建开发环境</a:t>
             </a:r>
           </a:p>
         </p:txBody>
@@ -4587,146 +6570,93 @@
           <a:lstStyle/>
           <a:p>
             <a:r>
-              <a:rPr kumimoji="1" lang="en-US" altLang="zh-CN" dirty="0" err="1"/>
-              <a:t>Vue</a:t>
-            </a:r>
-            <a:r>
-              <a:rPr kumimoji="1" lang="en-US" altLang="zh-CN" dirty="0"/>
-              <a:t> File =&gt; JS Bundle</a:t>
-            </a:r>
-          </a:p>
-          <a:p>
-            <a:r>
-              <a:rPr kumimoji="1" lang="en-US" altLang="zh-CN" dirty="0"/>
-              <a:t>IOS &amp; </a:t>
-            </a:r>
-            <a:r>
-              <a:rPr kumimoji="1" lang="en-US" altLang="zh-CN" dirty="0" err="1"/>
-              <a:t>Andriod</a:t>
-            </a:r>
-            <a:r>
-              <a:rPr kumimoji="1" lang="en-US" altLang="zh-CN" dirty="0"/>
-              <a:t> app</a:t>
-            </a:r>
-            <a:r>
-              <a:rPr kumimoji="1" lang="zh-CN" altLang="en-US" dirty="0"/>
+              <a:rPr lang="en-US" altLang="zh-CN" dirty="0" err="1"/>
+              <a:t>Weex</a:t>
+            </a:r>
+            <a:r>
+              <a:rPr lang="en-US" altLang="zh-CN" dirty="0"/>
               <a:t> </a:t>
             </a:r>
             <a:r>
-              <a:rPr kumimoji="1" lang="en-US" altLang="zh-CN" dirty="0"/>
-              <a:t>=&gt;</a:t>
-            </a:r>
-            <a:r>
-              <a:rPr kumimoji="1" lang="zh-CN" altLang="en-US" dirty="0"/>
-              <a:t> </a:t>
+              <a:rPr lang="zh-CN" altLang="en-US" dirty="0"/>
+              <a:t>官方提供了 </a:t>
             </a:r>
             <a:r>
               <a:rPr lang="en-US" altLang="zh-CN" dirty="0" err="1"/>
-              <a:t>WeexSDK</a:t>
+              <a:t>weex</a:t>
+            </a:r>
+            <a:r>
+              <a:rPr lang="en-US" altLang="zh-CN" dirty="0"/>
+              <a:t>-toolkit </a:t>
             </a:r>
             <a:r>
               <a:rPr lang="zh-CN" altLang="en-US" dirty="0"/>
-              <a:t> </a:t>
-            </a:r>
+              <a:t>的脚手架工具来辅助开发和调试。</a:t>
+            </a:r>
+            <a:endParaRPr lang="en-US" altLang="zh-CN" dirty="0"/>
+          </a:p>
+          <a:p>
             <a:r>
               <a:rPr lang="en-US" altLang="zh-CN" dirty="0"/>
-              <a:t>=&gt;</a:t>
-            </a:r>
-            <a:r>
-              <a:rPr lang="zh-CN" altLang="en-US" dirty="0"/>
-              <a:t> </a:t>
+              <a:t>$ </a:t>
+            </a:r>
+            <a:r>
+              <a:rPr lang="en-US" altLang="zh-CN" dirty="0" err="1"/>
+              <a:t>npm</a:t>
             </a:r>
             <a:r>
               <a:rPr lang="en-US" altLang="zh-CN" dirty="0"/>
-              <a:t>JavaScript</a:t>
-            </a:r>
-            <a:r>
-              <a:rPr lang="zh-CN" altLang="en-US" dirty="0"/>
-              <a:t> </a:t>
+              <a:t> install -g </a:t>
+            </a:r>
+            <a:r>
+              <a:rPr lang="en-US" altLang="zh-CN" dirty="0" err="1"/>
+              <a:t>weex</a:t>
             </a:r>
             <a:r>
               <a:rPr lang="en-US" altLang="zh-CN" dirty="0"/>
-              <a:t>=&gt;</a:t>
-            </a:r>
-            <a:r>
-              <a:rPr lang="zh-CN" altLang="en-US" dirty="0"/>
-              <a:t> </a:t>
-            </a:r>
-            <a:r>
-              <a:rPr kumimoji="1" lang="en-US" altLang="zh-CN" dirty="0"/>
-              <a:t>JS Bundle</a:t>
-            </a:r>
-            <a:r>
-              <a:rPr kumimoji="1" lang="zh-CN" altLang="en-US" dirty="0"/>
-              <a:t> </a:t>
-            </a:r>
-            <a:r>
-              <a:rPr kumimoji="1" lang="en-US" altLang="zh-CN" dirty="0"/>
-              <a:t>=&gt;</a:t>
-            </a:r>
-            <a:r>
-              <a:rPr kumimoji="1" lang="zh-CN" altLang="en-US" dirty="0"/>
-              <a:t> </a:t>
-            </a:r>
+              <a:t>-toolkit</a:t>
+            </a:r>
+          </a:p>
+          <a:p>
             <a:r>
               <a:rPr lang="en-US" altLang="zh-CN" dirty="0"/>
-              <a:t>native</a:t>
-            </a:r>
-          </a:p>
-          <a:p>
-            <a:r>
-              <a:rPr kumimoji="1" lang="en-US" altLang="zh-CN" dirty="0"/>
-              <a:t>(</a:t>
-            </a:r>
-            <a:r>
-              <a:rPr kumimoji="1" lang="en-US" altLang="zh-CN" dirty="0" err="1"/>
-              <a:t>ios</a:t>
-            </a:r>
-            <a:r>
-              <a:rPr kumimoji="1" lang="en-US" altLang="zh-CN" dirty="0"/>
-              <a:t> </a:t>
+              <a:t>$ </a:t>
             </a:r>
             <a:r>
               <a:rPr lang="en-US" altLang="zh-CN" dirty="0" err="1"/>
-              <a:t>JavaScriptCore</a:t>
-            </a:r>
-            <a:r>
-              <a:rPr lang="zh-CN" altLang="en-US" dirty="0"/>
-              <a:t>内核 </a:t>
+              <a:t>weex</a:t>
             </a:r>
             <a:r>
               <a:rPr lang="en-US" altLang="zh-CN" dirty="0"/>
-              <a:t>Android UC v8</a:t>
-            </a:r>
-            <a:r>
-              <a:rPr lang="zh-CN" altLang="en-US" dirty="0"/>
-              <a:t>内核</a:t>
-            </a:r>
-            <a:r>
-              <a:rPr kumimoji="1" lang="en-US" altLang="zh-CN" dirty="0"/>
-              <a:t>)</a:t>
-            </a:r>
-          </a:p>
-          <a:p>
-            <a:r>
-              <a:rPr lang="zh-CN" altLang="en-US" dirty="0"/>
-              <a:t>预置了类似 </a:t>
-            </a:r>
+              <a:t> create demo-</a:t>
+            </a:r>
+            <a:r>
+              <a:rPr lang="en-US" altLang="zh-CN" dirty="0" err="1"/>
+              <a:t>weex</a:t>
+            </a:r>
+            <a:endParaRPr lang="en-US" altLang="zh-CN" dirty="0"/>
+          </a:p>
+          <a:p>
             <a:r>
               <a:rPr lang="en-US" altLang="zh-CN" dirty="0"/>
-              <a:t>vue2.0 </a:t>
-            </a:r>
-            <a:r>
-              <a:rPr lang="zh-CN" altLang="en-US" dirty="0"/>
-              <a:t>之类的框架</a:t>
-            </a:r>
+              <a:t>$ </a:t>
+            </a:r>
+            <a:r>
+              <a:rPr lang="en-US" altLang="zh-CN" dirty="0" err="1"/>
+              <a:t>npm</a:t>
+            </a:r>
+            <a:r>
+              <a:rPr lang="en-US" altLang="zh-CN" dirty="0"/>
+              <a:t> install</a:t>
+            </a:r>
+            <a:endParaRPr kumimoji="1" lang="zh-CN" altLang="en-US" dirty="0"/>
           </a:p>
         </p:txBody>
       </p:sp>
     </p:spTree>
     <p:extLst>
       <p:ext uri="{BB962C8B-B14F-4D97-AF65-F5344CB8AC3E}">
-        <p14:creationId xmlns:p14="http://schemas.microsoft.com/office/powerpoint/2010/main" val="487061728"/>
+        <p14:creationId xmlns:p14="http://schemas.microsoft.com/office/powerpoint/2010/main" val="1851552877"/>
       </p:ext>
     </p:extLst>
   </p:cSld>
@@ -4770,6 +6700,210 @@
           <a:p>
             <a:r>
               <a:rPr kumimoji="1" lang="zh-CN" altLang="en-US" dirty="0"/>
+              <a:t>工作原理</a:t>
+            </a:r>
+          </a:p>
+        </p:txBody>
+      </p:sp>
+      <p:sp>
+        <p:nvSpPr>
+          <p:cNvPr id="3" name="内容占位符 2"/>
+          <p:cNvSpPr>
+            <a:spLocks noGrp="1"/>
+          </p:cNvSpPr>
+          <p:nvPr>
+            <p:ph idx="1"/>
+          </p:nvPr>
+        </p:nvSpPr>
+        <p:spPr/>
+        <p:txBody>
+          <a:bodyPr/>
+          <a:lstStyle/>
+          <a:p>
+            <a:r>
+              <a:rPr kumimoji="1" lang="en-US" altLang="zh-CN" dirty="0" err="1"/>
+              <a:t>Vue</a:t>
+            </a:r>
+            <a:r>
+              <a:rPr kumimoji="1" lang="en-US" altLang="zh-CN" dirty="0"/>
+              <a:t> File =&gt; JS Bundle</a:t>
+            </a:r>
+          </a:p>
+          <a:p>
+            <a:r>
+              <a:rPr kumimoji="1" lang="en-US" altLang="zh-CN" dirty="0"/>
+              <a:t>IOS &amp; </a:t>
+            </a:r>
+            <a:r>
+              <a:rPr kumimoji="1" lang="en-US" altLang="zh-CN" dirty="0" err="1"/>
+              <a:t>Andriod</a:t>
+            </a:r>
+            <a:r>
+              <a:rPr kumimoji="1" lang="en-US" altLang="zh-CN" dirty="0"/>
+              <a:t> app</a:t>
+            </a:r>
+            <a:r>
+              <a:rPr kumimoji="1" lang="zh-CN" altLang="en-US" dirty="0"/>
+              <a:t> </a:t>
+            </a:r>
+            <a:r>
+              <a:rPr kumimoji="1" lang="en-US" altLang="zh-CN" dirty="0"/>
+              <a:t>=&gt;</a:t>
+            </a:r>
+            <a:r>
+              <a:rPr kumimoji="1" lang="zh-CN" altLang="en-US" dirty="0"/>
+              <a:t> </a:t>
+            </a:r>
+            <a:r>
+              <a:rPr lang="en-US" altLang="zh-CN" dirty="0" err="1"/>
+              <a:t>WeexSDK</a:t>
+            </a:r>
+            <a:r>
+              <a:rPr lang="zh-CN" altLang="en-US" dirty="0"/>
+              <a:t> </a:t>
+            </a:r>
+            <a:r>
+              <a:rPr lang="en-US" altLang="zh-CN" dirty="0"/>
+              <a:t>=&gt;</a:t>
+            </a:r>
+            <a:r>
+              <a:rPr lang="zh-CN" altLang="en-US" dirty="0"/>
+              <a:t> </a:t>
+            </a:r>
+            <a:r>
+              <a:rPr lang="en-US" altLang="zh-CN" dirty="0"/>
+              <a:t>JavaScript</a:t>
+            </a:r>
+            <a:r>
+              <a:rPr lang="zh-CN" altLang="en-US" dirty="0"/>
+              <a:t> </a:t>
+            </a:r>
+            <a:r>
+              <a:rPr lang="en-US" altLang="zh-CN" dirty="0"/>
+              <a:t>=&gt;</a:t>
+            </a:r>
+            <a:r>
+              <a:rPr lang="zh-CN" altLang="en-US" dirty="0"/>
+              <a:t> </a:t>
+            </a:r>
+            <a:r>
+              <a:rPr kumimoji="1" lang="en-US" altLang="zh-CN" dirty="0"/>
+              <a:t>JS Bundle</a:t>
+            </a:r>
+            <a:r>
+              <a:rPr kumimoji="1" lang="zh-CN" altLang="en-US" dirty="0"/>
+              <a:t> </a:t>
+            </a:r>
+            <a:r>
+              <a:rPr kumimoji="1" lang="en-US" altLang="zh-CN" dirty="0"/>
+              <a:t>=&gt;</a:t>
+            </a:r>
+            <a:r>
+              <a:rPr kumimoji="1" lang="zh-CN" altLang="en-US" dirty="0"/>
+              <a:t> </a:t>
+            </a:r>
+            <a:r>
+              <a:rPr lang="en-US" altLang="zh-CN" dirty="0"/>
+              <a:t>native</a:t>
+            </a:r>
+          </a:p>
+          <a:p>
+            <a:r>
+              <a:rPr kumimoji="1" lang="en-US" altLang="zh-CN" dirty="0"/>
+              <a:t>(</a:t>
+            </a:r>
+            <a:r>
+              <a:rPr kumimoji="1" lang="en-US" altLang="zh-CN" dirty="0" err="1"/>
+              <a:t>ios</a:t>
+            </a:r>
+            <a:r>
+              <a:rPr kumimoji="1" lang="en-US" altLang="zh-CN" dirty="0"/>
+              <a:t> </a:t>
+            </a:r>
+            <a:r>
+              <a:rPr lang="en-US" altLang="zh-CN" dirty="0" err="1"/>
+              <a:t>JavaScriptCore</a:t>
+            </a:r>
+            <a:r>
+              <a:rPr lang="zh-CN" altLang="en-US" dirty="0"/>
+              <a:t>内核 </a:t>
+            </a:r>
+            <a:r>
+              <a:rPr lang="en-US" altLang="zh-CN" dirty="0"/>
+              <a:t>Android UC v8</a:t>
+            </a:r>
+            <a:r>
+              <a:rPr lang="zh-CN" altLang="en-US" dirty="0"/>
+              <a:t>内核</a:t>
+            </a:r>
+            <a:r>
+              <a:rPr kumimoji="1" lang="en-US" altLang="zh-CN" dirty="0"/>
+              <a:t>)</a:t>
+            </a:r>
+          </a:p>
+          <a:p>
+            <a:r>
+              <a:rPr lang="zh-CN" altLang="en-US" dirty="0"/>
+              <a:t>预置了类似 </a:t>
+            </a:r>
+            <a:r>
+              <a:rPr lang="en-US" altLang="zh-CN" dirty="0"/>
+              <a:t>vue2.0 </a:t>
+            </a:r>
+            <a:r>
+              <a:rPr lang="zh-CN" altLang="en-US" dirty="0"/>
+              <a:t>之类的框架</a:t>
+            </a:r>
+          </a:p>
+        </p:txBody>
+      </p:sp>
+    </p:spTree>
+    <p:extLst>
+      <p:ext uri="{BB962C8B-B14F-4D97-AF65-F5344CB8AC3E}">
+        <p14:creationId xmlns:p14="http://schemas.microsoft.com/office/powerpoint/2010/main" val="487061728"/>
+      </p:ext>
+    </p:extLst>
+  </p:cSld>
+  <p:clrMapOvr>
+    <a:masterClrMapping/>
+  </p:clrMapOvr>
+</p:sld>
+</file>
+
+<file path=ppt/slides/slide6.xml><?xml version="1.0" encoding="utf-8"?>
+<p:sld xmlns:a="http://schemas.openxmlformats.org/drawingml/2006/main" xmlns:r="http://schemas.openxmlformats.org/officeDocument/2006/relationships" xmlns:p="http://schemas.openxmlformats.org/presentationml/2006/main">
+  <p:cSld>
+    <p:spTree>
+      <p:nvGrpSpPr>
+        <p:cNvPr id="1" name=""/>
+        <p:cNvGrpSpPr/>
+        <p:nvPr/>
+      </p:nvGrpSpPr>
+      <p:grpSpPr>
+        <a:xfrm>
+          <a:off x="0" y="0"/>
+          <a:ext cx="0" cy="0"/>
+          <a:chOff x="0" y="0"/>
+          <a:chExt cx="0" cy="0"/>
+        </a:xfrm>
+      </p:grpSpPr>
+      <p:sp>
+        <p:nvSpPr>
+          <p:cNvPr id="2" name="标题 1"/>
+          <p:cNvSpPr>
+            <a:spLocks noGrp="1"/>
+          </p:cNvSpPr>
+          <p:nvPr>
+            <p:ph type="title"/>
+          </p:nvPr>
+        </p:nvSpPr>
+        <p:spPr/>
+        <p:txBody>
+          <a:bodyPr/>
+          <a:lstStyle/>
+          <a:p>
+            <a:r>
+              <a:rPr kumimoji="1" lang="zh-CN" altLang="en-US" dirty="0"/>
               <a:t>开发环境</a:t>
             </a:r>
           </a:p>
@@ -4857,7 +6991,185 @@
 </p:sld>
 </file>
 
-<file path=ppt/slides/slide6.xml><?xml version="1.0" encoding="utf-8"?>
+<file path=ppt/slides/slide7.xml><?xml version="1.0" encoding="utf-8"?>
+<p:sld xmlns:a="http://schemas.openxmlformats.org/drawingml/2006/main" xmlns:r="http://schemas.openxmlformats.org/officeDocument/2006/relationships" xmlns:p="http://schemas.openxmlformats.org/presentationml/2006/main">
+  <p:cSld>
+    <p:spTree>
+      <p:nvGrpSpPr>
+        <p:cNvPr id="1" name=""/>
+        <p:cNvGrpSpPr/>
+        <p:nvPr/>
+      </p:nvGrpSpPr>
+      <p:grpSpPr>
+        <a:xfrm>
+          <a:off x="0" y="0"/>
+          <a:ext cx="0" cy="0"/>
+          <a:chOff x="0" y="0"/>
+          <a:chExt cx="0" cy="0"/>
+        </a:xfrm>
+      </p:grpSpPr>
+      <p:sp>
+        <p:nvSpPr>
+          <p:cNvPr id="2" name="标题 1"/>
+          <p:cNvSpPr>
+            <a:spLocks noGrp="1"/>
+          </p:cNvSpPr>
+          <p:nvPr>
+            <p:ph type="title"/>
+          </p:nvPr>
+        </p:nvSpPr>
+        <p:spPr/>
+        <p:txBody>
+          <a:bodyPr/>
+          <a:lstStyle/>
+          <a:p>
+            <a:r>
+              <a:rPr kumimoji="1" lang="zh-CN" altLang="en-US" dirty="0"/>
+              <a:t>效果浏览工具</a:t>
+            </a:r>
+          </a:p>
+        </p:txBody>
+      </p:sp>
+      <p:sp>
+        <p:nvSpPr>
+          <p:cNvPr id="3" name="内容占位符 2"/>
+          <p:cNvSpPr>
+            <a:spLocks noGrp="1"/>
+          </p:cNvSpPr>
+          <p:nvPr>
+            <p:ph idx="1"/>
+          </p:nvPr>
+        </p:nvSpPr>
+        <p:spPr/>
+        <p:txBody>
+          <a:bodyPr/>
+          <a:lstStyle/>
+          <a:p>
+            <a:r>
+              <a:rPr kumimoji="1" lang="en-US" altLang="zh-CN" dirty="0">
+                <a:hlinkClick r:id="rId3"/>
+              </a:rPr>
+              <a:t>https://weex.apache.org/cn/playground.html</a:t>
+            </a:r>
+            <a:endParaRPr kumimoji="1" lang="en-US" altLang="zh-CN" dirty="0"/>
+          </a:p>
+          <a:p>
+            <a:r>
+              <a:rPr kumimoji="1" lang="en-US" altLang="zh-CN" dirty="0">
+                <a:hlinkClick r:id="rId4"/>
+              </a:rPr>
+              <a:t>http://dotwe.org/vue</a:t>
+            </a:r>
+            <a:endParaRPr kumimoji="1" lang="zh-CN" altLang="en-US" dirty="0"/>
+          </a:p>
+        </p:txBody>
+      </p:sp>
+    </p:spTree>
+    <p:extLst>
+      <p:ext uri="{BB962C8B-B14F-4D97-AF65-F5344CB8AC3E}">
+        <p14:creationId xmlns:p14="http://schemas.microsoft.com/office/powerpoint/2010/main" val="2125082897"/>
+      </p:ext>
+    </p:extLst>
+  </p:cSld>
+  <p:clrMapOvr>
+    <a:masterClrMapping/>
+  </p:clrMapOvr>
+</p:sld>
+</file>
+
+<file path=ppt/slides/slide8.xml><?xml version="1.0" encoding="utf-8"?>
+<p:sld xmlns:a="http://schemas.openxmlformats.org/drawingml/2006/main" xmlns:r="http://schemas.openxmlformats.org/officeDocument/2006/relationships" xmlns:p="http://schemas.openxmlformats.org/presentationml/2006/main">
+  <p:cSld>
+    <p:spTree>
+      <p:nvGrpSpPr>
+        <p:cNvPr id="1" name=""/>
+        <p:cNvGrpSpPr/>
+        <p:nvPr/>
+      </p:nvGrpSpPr>
+      <p:grpSpPr>
+        <a:xfrm>
+          <a:off x="0" y="0"/>
+          <a:ext cx="0" cy="0"/>
+          <a:chOff x="0" y="0"/>
+          <a:chExt cx="0" cy="0"/>
+        </a:xfrm>
+      </p:grpSpPr>
+      <p:sp>
+        <p:nvSpPr>
+          <p:cNvPr id="2" name="标题 1"/>
+          <p:cNvSpPr>
+            <a:spLocks noGrp="1"/>
+          </p:cNvSpPr>
+          <p:nvPr>
+            <p:ph type="title"/>
+          </p:nvPr>
+        </p:nvSpPr>
+        <p:spPr/>
+        <p:txBody>
+          <a:bodyPr/>
+          <a:lstStyle/>
+          <a:p>
+            <a:endParaRPr kumimoji="1" lang="zh-CN" altLang="en-US"/>
+          </a:p>
+        </p:txBody>
+      </p:sp>
+      <p:sp>
+        <p:nvSpPr>
+          <p:cNvPr id="5" name="内容占位符 4"/>
+          <p:cNvSpPr>
+            <a:spLocks noGrp="1"/>
+          </p:cNvSpPr>
+          <p:nvPr>
+            <p:ph idx="1"/>
+          </p:nvPr>
+        </p:nvSpPr>
+        <p:spPr/>
+        <p:txBody>
+          <a:bodyPr/>
+          <a:lstStyle/>
+          <a:p>
+            <a:endParaRPr kumimoji="1" lang="zh-CN" altLang="en-US"/>
+          </a:p>
+        </p:txBody>
+      </p:sp>
+      <p:pic>
+        <p:nvPicPr>
+          <p:cNvPr id="7" name="图片 6"/>
+          <p:cNvPicPr>
+            <a:picLocks noChangeAspect="1"/>
+          </p:cNvPicPr>
+          <p:nvPr/>
+        </p:nvPicPr>
+        <p:blipFill>
+          <a:blip r:embed="rId2"/>
+          <a:stretch>
+            <a:fillRect/>
+          </a:stretch>
+        </p:blipFill>
+        <p:spPr>
+          <a:xfrm>
+            <a:off x="585626" y="159433"/>
+            <a:ext cx="10952253" cy="6498494"/>
+          </a:xfrm>
+          <a:prstGeom prst="rect">
+            <a:avLst/>
+          </a:prstGeom>
+        </p:spPr>
+      </p:pic>
+    </p:spTree>
+    <p:extLst>
+      <p:ext uri="{BB962C8B-B14F-4D97-AF65-F5344CB8AC3E}">
+        <p14:creationId xmlns:p14="http://schemas.microsoft.com/office/powerpoint/2010/main" val="1176935588"/>
+      </p:ext>
+    </p:extLst>
+  </p:cSld>
+  <p:clrMapOvr>
+    <a:masterClrMapping/>
+  </p:clrMapOvr>
+</p:sld>
+</file>
+
+<file path=ppt/slides/slide9.xml><?xml version="1.0" encoding="utf-8"?>
 <p:sld xmlns:a="http://schemas.openxmlformats.org/drawingml/2006/main" xmlns:r="http://schemas.openxmlformats.org/officeDocument/2006/relationships" xmlns:p="http://schemas.openxmlformats.org/presentationml/2006/main">
   <p:cSld>
     <p:spTree>
@@ -4950,453 +7262,6 @@
     <p:extLst>
       <p:ext uri="{BB962C8B-B14F-4D97-AF65-F5344CB8AC3E}">
         <p14:creationId xmlns:p14="http://schemas.microsoft.com/office/powerpoint/2010/main" val="314187156"/>
-      </p:ext>
-    </p:extLst>
-  </p:cSld>
-  <p:clrMapOvr>
-    <a:masterClrMapping/>
-  </p:clrMapOvr>
-</p:sld>
-</file>
-
-<file path=ppt/slides/slide7.xml><?xml version="1.0" encoding="utf-8"?>
-<p:sld xmlns:a="http://schemas.openxmlformats.org/drawingml/2006/main" xmlns:r="http://schemas.openxmlformats.org/officeDocument/2006/relationships" xmlns:p="http://schemas.openxmlformats.org/presentationml/2006/main">
-  <p:cSld>
-    <p:spTree>
-      <p:nvGrpSpPr>
-        <p:cNvPr id="1" name=""/>
-        <p:cNvGrpSpPr/>
-        <p:nvPr/>
-      </p:nvGrpSpPr>
-      <p:grpSpPr>
-        <a:xfrm>
-          <a:off x="0" y="0"/>
-          <a:ext cx="0" cy="0"/>
-          <a:chOff x="0" y="0"/>
-          <a:chExt cx="0" cy="0"/>
-        </a:xfrm>
-      </p:grpSpPr>
-      <p:sp>
-        <p:nvSpPr>
-          <p:cNvPr id="2" name="标题 1"/>
-          <p:cNvSpPr>
-            <a:spLocks noGrp="1"/>
-          </p:cNvSpPr>
-          <p:nvPr>
-            <p:ph type="title"/>
-          </p:nvPr>
-        </p:nvSpPr>
-        <p:spPr/>
-        <p:txBody>
-          <a:bodyPr/>
-          <a:lstStyle/>
-          <a:p>
-            <a:endParaRPr kumimoji="1" lang="zh-CN" altLang="en-US"/>
-          </a:p>
-        </p:txBody>
-      </p:sp>
-      <p:sp>
-        <p:nvSpPr>
-          <p:cNvPr id="5" name="内容占位符 4"/>
-          <p:cNvSpPr>
-            <a:spLocks noGrp="1"/>
-          </p:cNvSpPr>
-          <p:nvPr>
-            <p:ph idx="1"/>
-          </p:nvPr>
-        </p:nvSpPr>
-        <p:spPr/>
-        <p:txBody>
-          <a:bodyPr/>
-          <a:lstStyle/>
-          <a:p>
-            <a:endParaRPr kumimoji="1" lang="zh-CN" altLang="en-US"/>
-          </a:p>
-        </p:txBody>
-      </p:sp>
-      <p:pic>
-        <p:nvPicPr>
-          <p:cNvPr id="7" name="图片 6"/>
-          <p:cNvPicPr>
-            <a:picLocks noChangeAspect="1"/>
-          </p:cNvPicPr>
-          <p:nvPr/>
-        </p:nvPicPr>
-        <p:blipFill>
-          <a:blip r:embed="rId2"/>
-          <a:stretch>
-            <a:fillRect/>
-          </a:stretch>
-        </p:blipFill>
-        <p:spPr>
-          <a:xfrm>
-            <a:off x="585626" y="159433"/>
-            <a:ext cx="10952253" cy="6498494"/>
-          </a:xfrm>
-          <a:prstGeom prst="rect">
-            <a:avLst/>
-          </a:prstGeom>
-        </p:spPr>
-      </p:pic>
-    </p:spTree>
-    <p:extLst>
-      <p:ext uri="{BB962C8B-B14F-4D97-AF65-F5344CB8AC3E}">
-        <p14:creationId xmlns:p14="http://schemas.microsoft.com/office/powerpoint/2010/main" val="1176935588"/>
-      </p:ext>
-    </p:extLst>
-  </p:cSld>
-  <p:clrMapOvr>
-    <a:masterClrMapping/>
-  </p:clrMapOvr>
-</p:sld>
-</file>
-
-<file path=ppt/slides/slide8.xml><?xml version="1.0" encoding="utf-8"?>
-<p:sld xmlns:a="http://schemas.openxmlformats.org/drawingml/2006/main" xmlns:r="http://schemas.openxmlformats.org/officeDocument/2006/relationships" xmlns:p="http://schemas.openxmlformats.org/presentationml/2006/main">
-  <p:cSld>
-    <p:spTree>
-      <p:nvGrpSpPr>
-        <p:cNvPr id="1" name=""/>
-        <p:cNvGrpSpPr/>
-        <p:nvPr/>
-      </p:nvGrpSpPr>
-      <p:grpSpPr>
-        <a:xfrm>
-          <a:off x="0" y="0"/>
-          <a:ext cx="0" cy="0"/>
-          <a:chOff x="0" y="0"/>
-          <a:chExt cx="0" cy="0"/>
-        </a:xfrm>
-      </p:grpSpPr>
-      <p:sp>
-        <p:nvSpPr>
-          <p:cNvPr id="2" name="标题 1"/>
-          <p:cNvSpPr>
-            <a:spLocks noGrp="1"/>
-          </p:cNvSpPr>
-          <p:nvPr>
-            <p:ph type="title"/>
-          </p:nvPr>
-        </p:nvSpPr>
-        <p:spPr/>
-        <p:txBody>
-          <a:bodyPr/>
-          <a:lstStyle/>
-          <a:p>
-            <a:r>
-              <a:rPr lang="zh-CN" altLang="en-US" b="1" dirty="0"/>
-              <a:t>开发体验</a:t>
-            </a:r>
-            <a:endParaRPr kumimoji="1" lang="zh-CN" altLang="en-US" dirty="0"/>
-          </a:p>
-        </p:txBody>
-      </p:sp>
-      <p:sp>
-        <p:nvSpPr>
-          <p:cNvPr id="3" name="内容占位符 2"/>
-          <p:cNvSpPr>
-            <a:spLocks noGrp="1"/>
-          </p:cNvSpPr>
-          <p:nvPr>
-            <p:ph idx="1"/>
-          </p:nvPr>
-        </p:nvSpPr>
-        <p:spPr/>
-        <p:txBody>
-          <a:bodyPr/>
-          <a:lstStyle/>
-          <a:p>
-            <a:r>
-              <a:rPr kumimoji="1" lang="en-US" altLang="zh-CN" dirty="0"/>
-              <a:t>Web</a:t>
-            </a:r>
-            <a:r>
-              <a:rPr kumimoji="1" lang="zh-CN" altLang="en-US" dirty="0"/>
-              <a:t>开发者可以使用自己熟悉的语言写</a:t>
-            </a:r>
-            <a:r>
-              <a:rPr kumimoji="1" lang="en-US" altLang="zh-CN" dirty="0" err="1"/>
-              <a:t>weex</a:t>
-            </a:r>
-            <a:endParaRPr kumimoji="1" lang="en-US" altLang="zh-CN" dirty="0"/>
-          </a:p>
-          <a:p>
-            <a:r>
-              <a:rPr lang="en-US" altLang="zh-CN" dirty="0"/>
-              <a:t> HTML </a:t>
-            </a:r>
-            <a:r>
-              <a:rPr lang="zh-CN" altLang="en-US" dirty="0"/>
-              <a:t>结构和内容</a:t>
-            </a:r>
-            <a:endParaRPr lang="en-US" altLang="zh-CN" dirty="0"/>
-          </a:p>
-          <a:p>
-            <a:r>
-              <a:rPr lang="en-US" altLang="zh-CN" dirty="0"/>
-              <a:t>CSS </a:t>
-            </a:r>
-            <a:r>
-              <a:rPr lang="zh-CN" altLang="en-US" dirty="0"/>
-              <a:t>界面展示</a:t>
-            </a:r>
-            <a:endParaRPr lang="en-US" altLang="zh-CN" dirty="0"/>
-          </a:p>
-          <a:p>
-            <a:r>
-              <a:rPr lang="en-US" altLang="zh-CN" dirty="0"/>
-              <a:t>JavaScript </a:t>
-            </a:r>
-            <a:r>
-              <a:rPr lang="zh-CN" altLang="en-US" dirty="0"/>
-              <a:t>行为和义务逻辑</a:t>
-            </a:r>
-            <a:endParaRPr kumimoji="1" lang="zh-CN" altLang="en-US" dirty="0"/>
-          </a:p>
-        </p:txBody>
-      </p:sp>
-    </p:spTree>
-    <p:extLst>
-      <p:ext uri="{BB962C8B-B14F-4D97-AF65-F5344CB8AC3E}">
-        <p14:creationId xmlns:p14="http://schemas.microsoft.com/office/powerpoint/2010/main" val="179402441"/>
-      </p:ext>
-    </p:extLst>
-  </p:cSld>
-  <p:clrMapOvr>
-    <a:masterClrMapping/>
-  </p:clrMapOvr>
-</p:sld>
-</file>
-
-<file path=ppt/slides/slide9.xml><?xml version="1.0" encoding="utf-8"?>
-<p:sld xmlns:a="http://schemas.openxmlformats.org/drawingml/2006/main" xmlns:r="http://schemas.openxmlformats.org/officeDocument/2006/relationships" xmlns:p="http://schemas.openxmlformats.org/presentationml/2006/main">
-  <p:cSld>
-    <p:spTree>
-      <p:nvGrpSpPr>
-        <p:cNvPr id="1" name=""/>
-        <p:cNvGrpSpPr/>
-        <p:nvPr/>
-      </p:nvGrpSpPr>
-      <p:grpSpPr>
-        <a:xfrm>
-          <a:off x="0" y="0"/>
-          <a:ext cx="0" cy="0"/>
-          <a:chOff x="0" y="0"/>
-          <a:chExt cx="0" cy="0"/>
-        </a:xfrm>
-      </p:grpSpPr>
-      <p:sp>
-        <p:nvSpPr>
-          <p:cNvPr id="2" name="标题 1">
-            <a:extLst>
-              <a:ext uri="{FF2B5EF4-FFF2-40B4-BE49-F238E27FC236}">
-                <a16:creationId xmlns:a16="http://schemas.microsoft.com/office/drawing/2014/main" id="{203E010F-C628-4EF7-B624-7102C603A2D5}"/>
-              </a:ext>
-            </a:extLst>
-          </p:cNvPr>
-          <p:cNvSpPr>
-            <a:spLocks noGrp="1"/>
-          </p:cNvSpPr>
-          <p:nvPr>
-            <p:ph type="title"/>
-          </p:nvPr>
-        </p:nvSpPr>
-        <p:spPr/>
-        <p:txBody>
-          <a:bodyPr/>
-          <a:lstStyle/>
-          <a:p>
-            <a:r>
-              <a:rPr lang="en-US" altLang="zh-CN" b="1" dirty="0" err="1"/>
-              <a:t>Weex</a:t>
-            </a:r>
-            <a:r>
-              <a:rPr lang="en-US" altLang="zh-CN" b="1" dirty="0"/>
-              <a:t> </a:t>
-            </a:r>
-            <a:r>
-              <a:rPr lang="zh-CN" altLang="en-US" b="1" dirty="0"/>
-              <a:t>对 </a:t>
-            </a:r>
-            <a:r>
-              <a:rPr lang="en-US" altLang="zh-CN" b="1" dirty="0"/>
-              <a:t>Web </a:t>
-            </a:r>
-            <a:r>
-              <a:rPr lang="zh-CN" altLang="en-US" b="1" dirty="0"/>
-              <a:t>标准的支持情况</a:t>
-            </a:r>
-            <a:endParaRPr lang="zh-CN" altLang="en-US" dirty="0"/>
-          </a:p>
-        </p:txBody>
-      </p:sp>
-      <p:sp>
-        <p:nvSpPr>
-          <p:cNvPr id="3" name="内容占位符 2">
-            <a:extLst>
-              <a:ext uri="{FF2B5EF4-FFF2-40B4-BE49-F238E27FC236}">
-                <a16:creationId xmlns:a16="http://schemas.microsoft.com/office/drawing/2014/main" id="{A5C67812-E75C-4C54-9B02-562DAB47D231}"/>
-              </a:ext>
-            </a:extLst>
-          </p:cNvPr>
-          <p:cNvSpPr>
-            <a:spLocks noGrp="1"/>
-          </p:cNvSpPr>
-          <p:nvPr>
-            <p:ph idx="1"/>
-          </p:nvPr>
-        </p:nvSpPr>
-        <p:spPr/>
-        <p:txBody>
-          <a:bodyPr/>
-          <a:lstStyle/>
-          <a:p>
-            <a:r>
-              <a:rPr lang="en-US" altLang="zh-CN" dirty="0"/>
-              <a:t>HTML </a:t>
-            </a:r>
-            <a:r>
-              <a:rPr lang="zh-CN" altLang="en-US" dirty="0"/>
-              <a:t>标签：支持基本的容器 </a:t>
-            </a:r>
-            <a:r>
-              <a:rPr lang="en-US" altLang="zh-CN" dirty="0"/>
-              <a:t>(div)</a:t>
-            </a:r>
-            <a:r>
-              <a:rPr lang="zh-CN" altLang="en-US" dirty="0"/>
-              <a:t>、文本 </a:t>
-            </a:r>
-            <a:r>
-              <a:rPr lang="en-US" altLang="zh-CN" dirty="0"/>
-              <a:t>(text)</a:t>
-            </a:r>
-            <a:r>
-              <a:rPr lang="zh-CN" altLang="en-US" dirty="0"/>
-              <a:t>、图片 </a:t>
-            </a:r>
-            <a:r>
-              <a:rPr lang="en-US" altLang="zh-CN" dirty="0"/>
-              <a:t>(image)</a:t>
-            </a:r>
-            <a:r>
-              <a:rPr lang="zh-CN" altLang="en-US" dirty="0"/>
-              <a:t>、视频 </a:t>
-            </a:r>
-            <a:r>
-              <a:rPr lang="en-US" altLang="zh-CN" dirty="0"/>
-              <a:t>(video) </a:t>
-            </a:r>
-            <a:r>
-              <a:rPr lang="zh-CN" altLang="en-US" dirty="0"/>
-              <a:t>等组件，</a:t>
-            </a:r>
-            <a:r>
-              <a:rPr lang="en-US" altLang="zh-CN" dirty="0"/>
-              <a:t>HTML </a:t>
-            </a:r>
-            <a:r>
-              <a:rPr lang="zh-CN" altLang="en-US" dirty="0"/>
-              <a:t>中几乎所有的块级标签都可以通过容器组件进行自定义模拟。</a:t>
-            </a:r>
-            <a:endParaRPr lang="en-US" altLang="zh-CN" dirty="0"/>
-          </a:p>
-          <a:p>
-            <a:r>
-              <a:rPr lang="en-US" altLang="zh-CN" dirty="0"/>
-              <a:t>CSS</a:t>
-            </a:r>
-            <a:r>
-              <a:rPr lang="zh-CN" altLang="en-US" dirty="0"/>
-              <a:t>：</a:t>
-            </a:r>
-            <a:r>
-              <a:rPr lang="en-US" altLang="zh-CN" dirty="0"/>
-              <a:t> </a:t>
-            </a:r>
-            <a:r>
-              <a:rPr lang="zh-CN" altLang="en-US" dirty="0"/>
-              <a:t>支持部分常用的 </a:t>
-            </a:r>
-            <a:r>
-              <a:rPr lang="en-US" altLang="zh-CN" dirty="0"/>
-              <a:t>CSS </a:t>
-            </a:r>
-            <a:r>
-              <a:rPr lang="zh-CN" altLang="en-US" dirty="0"/>
-              <a:t>属性、值类型和单位，并且会根据用户反馈和在 </a:t>
-            </a:r>
-            <a:r>
-              <a:rPr lang="en-US" altLang="zh-CN" dirty="0"/>
-              <a:t>web </a:t>
-            </a:r>
-            <a:r>
-              <a:rPr lang="zh-CN" altLang="en-US" dirty="0"/>
-              <a:t>中的使用频度陆续支持更多。</a:t>
-            </a:r>
-          </a:p>
-          <a:p>
-            <a:r>
-              <a:rPr lang="en-US" altLang="zh-CN" dirty="0"/>
-              <a:t>JavaScript</a:t>
-            </a:r>
-            <a:r>
-              <a:rPr lang="zh-CN" altLang="en-US" dirty="0"/>
-              <a:t>：目前 </a:t>
-            </a:r>
-            <a:r>
-              <a:rPr lang="en-US" altLang="zh-CN" dirty="0" err="1"/>
-              <a:t>Weex</a:t>
-            </a:r>
-            <a:r>
-              <a:rPr lang="en-US" altLang="zh-CN" dirty="0"/>
-              <a:t> </a:t>
-            </a:r>
-            <a:r>
-              <a:rPr lang="zh-CN" altLang="en-US" dirty="0"/>
-              <a:t>提供了一套简化版的 </a:t>
-            </a:r>
-            <a:r>
-              <a:rPr lang="en-US" altLang="zh-CN" dirty="0"/>
-              <a:t>DOM APIs</a:t>
-            </a:r>
-            <a:r>
-              <a:rPr lang="zh-CN" altLang="en-US" dirty="0"/>
-              <a:t>，用来操作原生界面，同时 </a:t>
-            </a:r>
-            <a:r>
-              <a:rPr lang="en-US" altLang="zh-CN" dirty="0" err="1"/>
-              <a:t>Weex</a:t>
-            </a:r>
-            <a:r>
-              <a:rPr lang="en-US" altLang="zh-CN" dirty="0"/>
-              <a:t> </a:t>
-            </a:r>
-            <a:r>
-              <a:rPr lang="zh-CN" altLang="en-US" dirty="0"/>
-              <a:t>在陆续支持更多的 </a:t>
-            </a:r>
-            <a:r>
-              <a:rPr lang="en-US" altLang="zh-CN" dirty="0"/>
-              <a:t>W3C Device APIs</a:t>
-            </a:r>
-            <a:r>
-              <a:rPr lang="zh-CN" altLang="en-US" dirty="0"/>
-              <a:t>。</a:t>
-            </a:r>
-          </a:p>
-          <a:p>
-            <a:endParaRPr lang="zh-CN" altLang="en-US" dirty="0"/>
-          </a:p>
-          <a:p>
-            <a:endParaRPr lang="zh-CN" altLang="en-US" dirty="0"/>
-          </a:p>
-        </p:txBody>
-      </p:sp>
-    </p:spTree>
-    <p:extLst>
-      <p:ext uri="{BB962C8B-B14F-4D97-AF65-F5344CB8AC3E}">
-        <p14:creationId xmlns:p14="http://schemas.microsoft.com/office/powerpoint/2010/main" val="3820688785"/>
       </p:ext>
     </p:extLst>
   </p:cSld>

--- a/ppt/演示文稿1.pptx
+++ b/ppt/演示文稿1.pptx
@@ -5,7 +5,7 @@
     <p:sldMasterId id="2147483660" r:id="rId1"/>
   </p:sldMasterIdLst>
   <p:notesMasterIdLst>
-    <p:notesMasterId r:id="rId16"/>
+    <p:notesMasterId r:id="rId21"/>
   </p:notesMasterIdLst>
   <p:sldIdLst>
     <p:sldId id="256" r:id="rId2"/>
@@ -19,9 +19,14 @@
     <p:sldId id="261" r:id="rId10"/>
     <p:sldId id="263" r:id="rId11"/>
     <p:sldId id="264" r:id="rId12"/>
-    <p:sldId id="268" r:id="rId13"/>
-    <p:sldId id="269" r:id="rId14"/>
-    <p:sldId id="270" r:id="rId15"/>
+    <p:sldId id="272" r:id="rId13"/>
+    <p:sldId id="268" r:id="rId14"/>
+    <p:sldId id="269" r:id="rId15"/>
+    <p:sldId id="270" r:id="rId16"/>
+    <p:sldId id="271" r:id="rId17"/>
+    <p:sldId id="273" r:id="rId18"/>
+    <p:sldId id="274" r:id="rId19"/>
+    <p:sldId id="275" r:id="rId20"/>
   </p:sldIdLst>
   <p:sldSz cx="12192000" cy="6858000"/>
   <p:notesSz cx="6858000" cy="9144000"/>
@@ -136,9 +141,14 @@
             <p14:sldId id="261"/>
             <p14:sldId id="263"/>
             <p14:sldId id="264"/>
+            <p14:sldId id="272"/>
             <p14:sldId id="268"/>
             <p14:sldId id="269"/>
             <p14:sldId id="270"/>
+            <p14:sldId id="271"/>
+            <p14:sldId id="273"/>
+            <p14:sldId id="274"/>
+            <p14:sldId id="275"/>
           </p14:sldIdLst>
         </p14:section>
       </p14:sectionLst>
@@ -236,7 +246,7 @@
           <a:p>
             <a:fld id="{F0651508-66C8-A04C-9B52-C8E4F8B2F69E}" type="datetimeFigureOut">
               <a:rPr kumimoji="1" lang="zh-CN" altLang="en-US" smtClean="0"/>
-              <a:t>17/10/30</a:t>
+              <a:t>2017/10/31</a:t>
             </a:fld>
             <a:endParaRPr kumimoji="1" lang="zh-CN" altLang="en-US"/>
           </a:p>
@@ -587,6 +597,976 @@
 </p:notes>
 </file>
 
+<file path=ppt/notesSlides/notesSlide10.xml><?xml version="1.0" encoding="utf-8"?>
+<p:notes xmlns:a="http://schemas.openxmlformats.org/drawingml/2006/main" xmlns:r="http://schemas.openxmlformats.org/officeDocument/2006/relationships" xmlns:p="http://schemas.openxmlformats.org/presentationml/2006/main">
+  <p:cSld>
+    <p:spTree>
+      <p:nvGrpSpPr>
+        <p:cNvPr id="1" name=""/>
+        <p:cNvGrpSpPr/>
+        <p:nvPr/>
+      </p:nvGrpSpPr>
+      <p:grpSpPr>
+        <a:xfrm>
+          <a:off x="0" y="0"/>
+          <a:ext cx="0" cy="0"/>
+          <a:chOff x="0" y="0"/>
+          <a:chExt cx="0" cy="0"/>
+        </a:xfrm>
+      </p:grpSpPr>
+      <p:sp>
+        <p:nvSpPr>
+          <p:cNvPr id="2" name="幻灯片图像占位符 1"/>
+          <p:cNvSpPr>
+            <a:spLocks noGrp="1" noRot="1" noChangeAspect="1"/>
+          </p:cNvSpPr>
+          <p:nvPr>
+            <p:ph type="sldImg"/>
+          </p:nvPr>
+        </p:nvSpPr>
+        <p:spPr/>
+      </p:sp>
+      <p:sp>
+        <p:nvSpPr>
+          <p:cNvPr id="3" name="备注占位符 2"/>
+          <p:cNvSpPr>
+            <a:spLocks noGrp="1"/>
+          </p:cNvSpPr>
+          <p:nvPr>
+            <p:ph type="body" idx="1"/>
+          </p:nvPr>
+        </p:nvSpPr>
+        <p:spPr/>
+        <p:txBody>
+          <a:bodyPr/>
+          <a:lstStyle/>
+          <a:p>
+            <a:pPr marL="0" marR="0" lvl="0" indent="0" algn="l" defTabSz="914400" rtl="0" eaLnBrk="1" fontAlgn="auto" latinLnBrk="0" hangingPunct="1">
+              <a:lnSpc>
+                <a:spcPct val="100000"/>
+              </a:lnSpc>
+              <a:spcBef>
+                <a:spcPts val="0"/>
+              </a:spcBef>
+              <a:spcAft>
+                <a:spcPts val="0"/>
+              </a:spcAft>
+              <a:buClrTx/>
+              <a:buSzTx/>
+              <a:buFontTx/>
+              <a:buNone/>
+              <a:tabLst/>
+              <a:defRPr/>
+            </a:pPr>
+            <a:r>
+              <a:rPr lang="zh-CN" altLang="en-US" b="0" dirty="0"/>
+              <a:t>功能差异</a:t>
+            </a:r>
+            <a:r>
+              <a:rPr lang="en-US" altLang="zh-CN" b="0" dirty="0"/>
+              <a:t>-</a:t>
+            </a:r>
+            <a:r>
+              <a:rPr lang="zh-CN" altLang="en-US" b="0" dirty="0"/>
+              <a:t>使用了更小的</a:t>
+            </a:r>
+            <a:r>
+              <a:rPr lang="en-US" altLang="zh-CN" sz="1200" b="0" i="0" kern="1200" dirty="0" err="1">
+                <a:solidFill>
+                  <a:schemeClr val="tx1"/>
+                </a:solidFill>
+                <a:effectLst/>
+                <a:latin typeface="+mn-lt"/>
+                <a:ea typeface="+mn-ea"/>
+                <a:cs typeface="+mn-cs"/>
+              </a:rPr>
+              <a:t>Vue</a:t>
+            </a:r>
+            <a:r>
+              <a:rPr lang="en-US" altLang="zh-CN" sz="1200" b="0" i="0" kern="1200" dirty="0">
+                <a:solidFill>
+                  <a:schemeClr val="tx1"/>
+                </a:solidFill>
+                <a:effectLst/>
+                <a:latin typeface="+mn-lt"/>
+                <a:ea typeface="+mn-ea"/>
+                <a:cs typeface="+mn-cs"/>
+              </a:rPr>
+              <a:t> Runtime</a:t>
+            </a:r>
+            <a:r>
+              <a:rPr lang="zh-CN" altLang="en-US" sz="1200" b="0" i="0" kern="1200" dirty="0">
+                <a:solidFill>
+                  <a:schemeClr val="tx1"/>
+                </a:solidFill>
+                <a:effectLst/>
+                <a:latin typeface="+mn-lt"/>
+                <a:ea typeface="+mn-ea"/>
+                <a:cs typeface="+mn-cs"/>
+              </a:rPr>
+              <a:t>，不包含模板便宜功能，减少体积，提高效率</a:t>
+            </a:r>
+            <a:endParaRPr lang="en-US" altLang="zh-CN" sz="1200" b="0" i="0" kern="1200" dirty="0">
+              <a:solidFill>
+                <a:schemeClr val="tx1"/>
+              </a:solidFill>
+              <a:effectLst/>
+              <a:latin typeface="+mn-lt"/>
+              <a:ea typeface="+mn-ea"/>
+              <a:cs typeface="+mn-cs"/>
+            </a:endParaRPr>
+          </a:p>
+          <a:p>
+            <a:endParaRPr lang="zh-CN" altLang="en-US" dirty="0"/>
+          </a:p>
+        </p:txBody>
+      </p:sp>
+      <p:sp>
+        <p:nvSpPr>
+          <p:cNvPr id="4" name="灯片编号占位符 3"/>
+          <p:cNvSpPr>
+            <a:spLocks noGrp="1"/>
+          </p:cNvSpPr>
+          <p:nvPr>
+            <p:ph type="sldNum" sz="quarter" idx="10"/>
+          </p:nvPr>
+        </p:nvSpPr>
+        <p:spPr/>
+        <p:txBody>
+          <a:bodyPr/>
+          <a:lstStyle/>
+          <a:p>
+            <a:fld id="{52C27BEF-11A0-F544-A726-D4EA06DCF696}" type="slidenum">
+              <a:rPr kumimoji="1" lang="zh-CN" altLang="en-US" smtClean="0"/>
+              <a:t>17</a:t>
+            </a:fld>
+            <a:endParaRPr kumimoji="1" lang="zh-CN" altLang="en-US"/>
+          </a:p>
+        </p:txBody>
+      </p:sp>
+    </p:spTree>
+    <p:extLst>
+      <p:ext uri="{BB962C8B-B14F-4D97-AF65-F5344CB8AC3E}">
+        <p14:creationId xmlns:p14="http://schemas.microsoft.com/office/powerpoint/2010/main" val="2018811131"/>
+      </p:ext>
+    </p:extLst>
+  </p:cSld>
+  <p:clrMapOvr>
+    <a:masterClrMapping/>
+  </p:clrMapOvr>
+</p:notes>
+</file>
+
+<file path=ppt/notesSlides/notesSlide11.xml><?xml version="1.0" encoding="utf-8"?>
+<p:notes xmlns:a="http://schemas.openxmlformats.org/drawingml/2006/main" xmlns:r="http://schemas.openxmlformats.org/officeDocument/2006/relationships" xmlns:p="http://schemas.openxmlformats.org/presentationml/2006/main">
+  <p:cSld>
+    <p:spTree>
+      <p:nvGrpSpPr>
+        <p:cNvPr id="1" name=""/>
+        <p:cNvGrpSpPr/>
+        <p:nvPr/>
+      </p:nvGrpSpPr>
+      <p:grpSpPr>
+        <a:xfrm>
+          <a:off x="0" y="0"/>
+          <a:ext cx="0" cy="0"/>
+          <a:chOff x="0" y="0"/>
+          <a:chExt cx="0" cy="0"/>
+        </a:xfrm>
+      </p:grpSpPr>
+      <p:sp>
+        <p:nvSpPr>
+          <p:cNvPr id="2" name="幻灯片图像占位符 1"/>
+          <p:cNvSpPr>
+            <a:spLocks noGrp="1" noRot="1" noChangeAspect="1"/>
+          </p:cNvSpPr>
+          <p:nvPr>
+            <p:ph type="sldImg"/>
+          </p:nvPr>
+        </p:nvSpPr>
+        <p:spPr/>
+      </p:sp>
+      <p:sp>
+        <p:nvSpPr>
+          <p:cNvPr id="3" name="备注占位符 2"/>
+          <p:cNvSpPr>
+            <a:spLocks noGrp="1"/>
+          </p:cNvSpPr>
+          <p:nvPr>
+            <p:ph type="body" idx="1"/>
+          </p:nvPr>
+        </p:nvSpPr>
+        <p:spPr/>
+        <p:txBody>
+          <a:bodyPr/>
+          <a:lstStyle/>
+          <a:p>
+            <a:r>
+              <a:rPr lang="en-US" altLang="zh-CN" sz="1200" b="0" i="0" kern="1200" dirty="0" err="1">
+                <a:solidFill>
+                  <a:schemeClr val="tx1"/>
+                </a:solidFill>
+                <a:effectLst/>
+                <a:latin typeface="+mn-lt"/>
+                <a:ea typeface="+mn-ea"/>
+                <a:cs typeface="+mn-cs"/>
+              </a:rPr>
+              <a:t>Weex</a:t>
+            </a:r>
+            <a:r>
+              <a:rPr lang="en-US" altLang="zh-CN" sz="1200" b="0" i="0" kern="1200" dirty="0">
+                <a:solidFill>
+                  <a:schemeClr val="tx1"/>
+                </a:solidFill>
+                <a:effectLst/>
+                <a:latin typeface="+mn-lt"/>
+                <a:ea typeface="+mn-ea"/>
+                <a:cs typeface="+mn-cs"/>
+              </a:rPr>
+              <a:t> </a:t>
+            </a:r>
+            <a:r>
+              <a:rPr lang="zh-CN" altLang="en-US" sz="1200" b="0" i="0" kern="1200" dirty="0">
+                <a:solidFill>
+                  <a:schemeClr val="tx1"/>
+                </a:solidFill>
+                <a:effectLst/>
+                <a:latin typeface="+mn-lt"/>
+                <a:ea typeface="+mn-ea"/>
+                <a:cs typeface="+mn-cs"/>
+              </a:rPr>
+              <a:t>中的样式是由原生渲染器解析的，出于性能和功能复杂度的考虑，</a:t>
+            </a:r>
+            <a:r>
+              <a:rPr lang="en-US" altLang="zh-CN" sz="1200" b="0" i="0" kern="1200" dirty="0" err="1">
+                <a:solidFill>
+                  <a:schemeClr val="tx1"/>
+                </a:solidFill>
+                <a:effectLst/>
+                <a:latin typeface="+mn-lt"/>
+                <a:ea typeface="+mn-ea"/>
+                <a:cs typeface="+mn-cs"/>
+              </a:rPr>
+              <a:t>Weex</a:t>
+            </a:r>
+            <a:r>
+              <a:rPr lang="en-US" altLang="zh-CN" sz="1200" b="0" i="0" kern="1200" dirty="0">
+                <a:solidFill>
+                  <a:schemeClr val="tx1"/>
+                </a:solidFill>
+                <a:effectLst/>
+                <a:latin typeface="+mn-lt"/>
+                <a:ea typeface="+mn-ea"/>
+                <a:cs typeface="+mn-cs"/>
+              </a:rPr>
+              <a:t> </a:t>
+            </a:r>
+            <a:r>
+              <a:rPr lang="zh-CN" altLang="en-US" sz="1200" b="0" i="0" kern="1200" dirty="0">
+                <a:solidFill>
+                  <a:schemeClr val="tx1"/>
+                </a:solidFill>
+                <a:effectLst/>
+                <a:latin typeface="+mn-lt"/>
+                <a:ea typeface="+mn-ea"/>
+                <a:cs typeface="+mn-cs"/>
+              </a:rPr>
+              <a:t>对 </a:t>
+            </a:r>
+            <a:r>
+              <a:rPr lang="en-US" altLang="zh-CN" sz="1200" b="0" i="0" kern="1200" dirty="0">
+                <a:solidFill>
+                  <a:schemeClr val="tx1"/>
+                </a:solidFill>
+                <a:effectLst/>
+                <a:latin typeface="+mn-lt"/>
+                <a:ea typeface="+mn-ea"/>
+                <a:cs typeface="+mn-cs"/>
+              </a:rPr>
+              <a:t>CSS </a:t>
+            </a:r>
+            <a:r>
+              <a:rPr lang="zh-CN" altLang="en-US" sz="1200" b="0" i="0" kern="1200" dirty="0">
+                <a:solidFill>
+                  <a:schemeClr val="tx1"/>
+                </a:solidFill>
+                <a:effectLst/>
+                <a:latin typeface="+mn-lt"/>
+                <a:ea typeface="+mn-ea"/>
+                <a:cs typeface="+mn-cs"/>
+              </a:rPr>
+              <a:t>的特性做了一些取舍，使其更符合最佳实践。</a:t>
+            </a:r>
+            <a:endParaRPr lang="en-US" altLang="zh-CN" sz="1200" b="0" i="0" kern="1200" dirty="0">
+              <a:solidFill>
+                <a:schemeClr val="tx1"/>
+              </a:solidFill>
+              <a:effectLst/>
+              <a:latin typeface="+mn-lt"/>
+              <a:ea typeface="+mn-ea"/>
+              <a:cs typeface="+mn-cs"/>
+            </a:endParaRPr>
+          </a:p>
+          <a:p>
+            <a:r>
+              <a:rPr lang="zh-CN" altLang="en-US" sz="1200" b="0" i="0" kern="1200" dirty="0">
+                <a:solidFill>
+                  <a:schemeClr val="tx1"/>
+                </a:solidFill>
+                <a:effectLst/>
+                <a:latin typeface="+mn-lt"/>
+                <a:ea typeface="+mn-ea"/>
+                <a:cs typeface="+mn-cs"/>
+              </a:rPr>
+              <a:t>默认是 </a:t>
+            </a:r>
+            <a:r>
+              <a:rPr lang="en-US" altLang="zh-CN" dirty="0"/>
+              <a:t>scoped</a:t>
+            </a:r>
+            <a:r>
+              <a:rPr lang="en-US" altLang="zh-CN" sz="1200" b="0" i="0" kern="1200" dirty="0">
+                <a:solidFill>
+                  <a:schemeClr val="tx1"/>
+                </a:solidFill>
+                <a:effectLst/>
+                <a:latin typeface="+mn-lt"/>
+                <a:ea typeface="+mn-ea"/>
+                <a:cs typeface="+mn-cs"/>
+              </a:rPr>
+              <a:t> </a:t>
+            </a:r>
+            <a:r>
+              <a:rPr lang="zh-CN" altLang="en-US" sz="1200" b="0" i="0" kern="1200" dirty="0">
+                <a:solidFill>
+                  <a:schemeClr val="tx1"/>
+                </a:solidFill>
+                <a:effectLst/>
+                <a:latin typeface="+mn-lt"/>
+                <a:ea typeface="+mn-ea"/>
+                <a:cs typeface="+mn-cs"/>
+              </a:rPr>
+              <a:t>作用域。为了保持和 </a:t>
+            </a:r>
+            <a:r>
+              <a:rPr lang="en-US" altLang="zh-CN" sz="1200" b="0" i="0" kern="1200" dirty="0">
+                <a:solidFill>
+                  <a:schemeClr val="tx1"/>
+                </a:solidFill>
+                <a:effectLst/>
+                <a:latin typeface="+mn-lt"/>
+                <a:ea typeface="+mn-ea"/>
+                <a:cs typeface="+mn-cs"/>
+              </a:rPr>
+              <a:t>Native </a:t>
+            </a:r>
+            <a:r>
+              <a:rPr lang="zh-CN" altLang="en-US" sz="1200" b="0" i="0" kern="1200" dirty="0">
+                <a:solidFill>
+                  <a:schemeClr val="tx1"/>
+                </a:solidFill>
+                <a:effectLst/>
+                <a:latin typeface="+mn-lt"/>
+                <a:ea typeface="+mn-ea"/>
+                <a:cs typeface="+mn-cs"/>
+              </a:rPr>
+              <a:t>的一致性。</a:t>
+            </a:r>
+            <a:endParaRPr lang="en-US" altLang="zh-CN" sz="1200" b="0" i="0" kern="1200" dirty="0">
+              <a:solidFill>
+                <a:schemeClr val="tx1"/>
+              </a:solidFill>
+              <a:effectLst/>
+              <a:latin typeface="+mn-lt"/>
+              <a:ea typeface="+mn-ea"/>
+              <a:cs typeface="+mn-cs"/>
+            </a:endParaRPr>
+          </a:p>
+          <a:p>
+            <a:r>
+              <a:rPr lang="en-US" altLang="zh-CN" sz="1200" b="0" i="0" kern="1200" dirty="0" err="1">
+                <a:solidFill>
+                  <a:schemeClr val="tx1"/>
+                </a:solidFill>
+                <a:effectLst/>
+                <a:latin typeface="+mn-lt"/>
+                <a:ea typeface="+mn-ea"/>
+                <a:cs typeface="+mn-cs"/>
+              </a:rPr>
+              <a:t>Weex</a:t>
+            </a:r>
+            <a:r>
+              <a:rPr lang="en-US" altLang="zh-CN" sz="1200" b="0" i="0" kern="1200" dirty="0">
+                <a:solidFill>
+                  <a:schemeClr val="tx1"/>
+                </a:solidFill>
+                <a:effectLst/>
+                <a:latin typeface="+mn-lt"/>
+                <a:ea typeface="+mn-ea"/>
+                <a:cs typeface="+mn-cs"/>
+              </a:rPr>
+              <a:t> </a:t>
+            </a:r>
+            <a:r>
+              <a:rPr lang="zh-CN" altLang="en-US" sz="1200" b="0" i="0" kern="1200" dirty="0">
+                <a:solidFill>
+                  <a:schemeClr val="tx1"/>
+                </a:solidFill>
+                <a:effectLst/>
+                <a:latin typeface="+mn-lt"/>
+                <a:ea typeface="+mn-ea"/>
+                <a:cs typeface="+mn-cs"/>
+              </a:rPr>
+              <a:t>盒模型的 </a:t>
+            </a:r>
+            <a:r>
+              <a:rPr lang="en-US" altLang="zh-CN" dirty="0"/>
+              <a:t>box-sizing</a:t>
+            </a:r>
+            <a:r>
+              <a:rPr lang="en-US" altLang="zh-CN" sz="1200" b="0" i="0" kern="1200" dirty="0">
+                <a:solidFill>
+                  <a:schemeClr val="tx1"/>
+                </a:solidFill>
+                <a:effectLst/>
+                <a:latin typeface="+mn-lt"/>
+                <a:ea typeface="+mn-ea"/>
+                <a:cs typeface="+mn-cs"/>
+              </a:rPr>
+              <a:t> </a:t>
+            </a:r>
+            <a:r>
+              <a:rPr lang="zh-CN" altLang="en-US" sz="1200" b="0" i="0" kern="1200" dirty="0">
+                <a:solidFill>
+                  <a:schemeClr val="tx1"/>
+                </a:solidFill>
+                <a:effectLst/>
+                <a:latin typeface="+mn-lt"/>
+                <a:ea typeface="+mn-ea"/>
+                <a:cs typeface="+mn-cs"/>
+              </a:rPr>
+              <a:t>默认为 </a:t>
+            </a:r>
+            <a:r>
+              <a:rPr lang="en-US" altLang="zh-CN" dirty="0"/>
+              <a:t>border-box</a:t>
+            </a:r>
+            <a:r>
+              <a:rPr lang="zh-CN" altLang="en-US" dirty="0"/>
+              <a:t>，不支持简写，不支持</a:t>
+            </a:r>
+            <a:r>
+              <a:rPr lang="en-US" altLang="zh-CN" dirty="0"/>
+              <a:t>display</a:t>
+            </a:r>
+            <a:r>
+              <a:rPr lang="zh-CN" altLang="en-US" dirty="0"/>
+              <a:t>：</a:t>
+            </a:r>
+            <a:r>
+              <a:rPr lang="en-US" altLang="zh-CN" dirty="0"/>
+              <a:t>none   </a:t>
+            </a:r>
+            <a:r>
+              <a:rPr lang="zh-CN" altLang="en-US" dirty="0"/>
+              <a:t>所以</a:t>
+            </a:r>
+            <a:r>
+              <a:rPr lang="en-US" altLang="zh-CN" dirty="0"/>
+              <a:t>v-show</a:t>
+            </a:r>
+            <a:r>
+              <a:rPr lang="zh-CN" altLang="en-US" dirty="0"/>
+              <a:t>也不支持</a:t>
+            </a:r>
+            <a:endParaRPr lang="en-US" altLang="zh-CN" dirty="0"/>
+          </a:p>
+          <a:p>
+            <a:r>
+              <a:rPr lang="zh-CN" altLang="en-US" sz="1200" b="0" i="0" kern="1200" dirty="0">
+                <a:solidFill>
+                  <a:schemeClr val="tx1"/>
+                </a:solidFill>
+                <a:effectLst/>
+                <a:latin typeface="+mn-lt"/>
+                <a:ea typeface="+mn-ea"/>
+                <a:cs typeface="+mn-cs"/>
+              </a:rPr>
+              <a:t>默认 </a:t>
+            </a:r>
+            <a:r>
+              <a:rPr lang="en-US" altLang="zh-CN" sz="1200" b="0" i="0" kern="1200" dirty="0">
+                <a:solidFill>
+                  <a:schemeClr val="tx1"/>
+                </a:solidFill>
+                <a:effectLst/>
+                <a:latin typeface="+mn-lt"/>
+                <a:ea typeface="+mn-ea"/>
+                <a:cs typeface="+mn-cs"/>
+              </a:rPr>
+              <a:t>display: flex   </a:t>
+            </a:r>
+            <a:r>
+              <a:rPr lang="zh-CN" altLang="en-US" sz="1200" b="0" i="0" kern="1200" dirty="0">
+                <a:solidFill>
+                  <a:schemeClr val="tx1"/>
+                </a:solidFill>
+                <a:effectLst/>
+                <a:latin typeface="+mn-lt"/>
+                <a:ea typeface="+mn-ea"/>
+                <a:cs typeface="+mn-cs"/>
+              </a:rPr>
+              <a:t>需注意</a:t>
+            </a:r>
+            <a:r>
+              <a:rPr lang="en-US" altLang="zh-CN" sz="1200" b="0" i="0" kern="1200" dirty="0">
+                <a:solidFill>
+                  <a:schemeClr val="tx1"/>
+                </a:solidFill>
+                <a:effectLst/>
+                <a:latin typeface="+mn-lt"/>
+                <a:ea typeface="+mn-ea"/>
+                <a:cs typeface="+mn-cs"/>
+              </a:rPr>
+              <a:t>flex-direction</a:t>
+            </a:r>
+            <a:r>
+              <a:rPr lang="zh-CN" altLang="en-US" sz="1200" b="0" i="0" kern="1200" dirty="0">
+                <a:solidFill>
+                  <a:schemeClr val="tx1"/>
+                </a:solidFill>
+                <a:effectLst/>
+                <a:latin typeface="+mn-lt"/>
+                <a:ea typeface="+mn-ea"/>
+                <a:cs typeface="+mn-cs"/>
+              </a:rPr>
+              <a:t>：</a:t>
+            </a:r>
+            <a:r>
+              <a:rPr lang="en-US" altLang="zh-CN" sz="1200" b="0" i="0" kern="1200" dirty="0">
+                <a:solidFill>
+                  <a:schemeClr val="tx1"/>
+                </a:solidFill>
+                <a:effectLst/>
+                <a:latin typeface="+mn-lt"/>
+                <a:ea typeface="+mn-ea"/>
+                <a:cs typeface="+mn-cs"/>
+              </a:rPr>
+              <a:t>column </a:t>
+            </a:r>
+            <a:r>
+              <a:rPr lang="zh-CN" altLang="en-US" sz="1200" b="0" i="0" kern="1200" dirty="0">
+                <a:solidFill>
+                  <a:schemeClr val="tx1"/>
+                </a:solidFill>
+                <a:effectLst/>
+                <a:latin typeface="+mn-lt"/>
+                <a:ea typeface="+mn-ea"/>
+                <a:cs typeface="+mn-cs"/>
+              </a:rPr>
+              <a:t>为默认值</a:t>
+            </a:r>
+            <a:endParaRPr lang="en-US" altLang="zh-CN" sz="1200" b="0" i="0" kern="1200" dirty="0">
+              <a:solidFill>
+                <a:schemeClr val="tx1"/>
+              </a:solidFill>
+              <a:effectLst/>
+              <a:latin typeface="+mn-lt"/>
+              <a:ea typeface="+mn-ea"/>
+              <a:cs typeface="+mn-cs"/>
+            </a:endParaRPr>
+          </a:p>
+          <a:p>
+            <a:r>
+              <a:rPr lang="en-US" altLang="zh-CN" dirty="0"/>
+              <a:t>Position</a:t>
+            </a:r>
+            <a:r>
+              <a:rPr lang="zh-CN" altLang="en-US" sz="1200" b="0" i="0" kern="1200" dirty="0">
+                <a:solidFill>
+                  <a:schemeClr val="tx1"/>
+                </a:solidFill>
+                <a:effectLst/>
+                <a:latin typeface="+mn-lt"/>
+                <a:ea typeface="+mn-ea"/>
+                <a:cs typeface="+mn-cs"/>
+              </a:rPr>
+              <a:t>定位在 </a:t>
+            </a:r>
+            <a:r>
+              <a:rPr lang="en-US" altLang="zh-CN" sz="1200" b="0" i="0" kern="1200" dirty="0">
+                <a:solidFill>
+                  <a:schemeClr val="tx1"/>
+                </a:solidFill>
+                <a:effectLst/>
+                <a:latin typeface="+mn-lt"/>
+                <a:ea typeface="+mn-ea"/>
+                <a:cs typeface="+mn-cs"/>
+              </a:rPr>
+              <a:t>Android </a:t>
+            </a:r>
+            <a:r>
+              <a:rPr lang="zh-CN" altLang="en-US" sz="1200" b="0" i="0" kern="1200" dirty="0">
+                <a:solidFill>
+                  <a:schemeClr val="tx1"/>
+                </a:solidFill>
+                <a:effectLst/>
+                <a:latin typeface="+mn-lt"/>
+                <a:ea typeface="+mn-ea"/>
+                <a:cs typeface="+mn-cs"/>
+              </a:rPr>
+              <a:t>下，超出部分将不可见，因为 </a:t>
+            </a:r>
+            <a:r>
+              <a:rPr lang="en-US" altLang="zh-CN" sz="1200" b="0" i="0" kern="1200" dirty="0">
+                <a:solidFill>
+                  <a:schemeClr val="tx1"/>
+                </a:solidFill>
+                <a:effectLst/>
+                <a:latin typeface="+mn-lt"/>
+                <a:ea typeface="+mn-ea"/>
+                <a:cs typeface="+mn-cs"/>
+              </a:rPr>
+              <a:t>Android </a:t>
+            </a:r>
+            <a:r>
+              <a:rPr lang="zh-CN" altLang="en-US" sz="1200" b="0" i="0" kern="1200" dirty="0">
+                <a:solidFill>
+                  <a:schemeClr val="tx1"/>
+                </a:solidFill>
+                <a:effectLst/>
+                <a:latin typeface="+mn-lt"/>
+                <a:ea typeface="+mn-ea"/>
+                <a:cs typeface="+mn-cs"/>
+              </a:rPr>
+              <a:t>端元素 </a:t>
+            </a:r>
+            <a:r>
+              <a:rPr lang="en-US" altLang="zh-CN" dirty="0"/>
+              <a:t>overflow</a:t>
+            </a:r>
+            <a:r>
+              <a:rPr lang="en-US" altLang="zh-CN" sz="1200" b="0" i="0" kern="1200" dirty="0">
+                <a:solidFill>
+                  <a:schemeClr val="tx1"/>
+                </a:solidFill>
+                <a:effectLst/>
+                <a:latin typeface="+mn-lt"/>
+                <a:ea typeface="+mn-ea"/>
+                <a:cs typeface="+mn-cs"/>
+              </a:rPr>
+              <a:t> </a:t>
+            </a:r>
+            <a:r>
+              <a:rPr lang="zh-CN" altLang="en-US" sz="1200" b="0" i="0" kern="1200" dirty="0">
+                <a:solidFill>
+                  <a:schemeClr val="tx1"/>
+                </a:solidFill>
+                <a:effectLst/>
+                <a:latin typeface="+mn-lt"/>
+                <a:ea typeface="+mn-ea"/>
+                <a:cs typeface="+mn-cs"/>
+              </a:rPr>
+              <a:t>默认值为 </a:t>
+            </a:r>
+            <a:r>
+              <a:rPr lang="en-US" altLang="zh-CN" dirty="0"/>
+              <a:t>hidden</a:t>
+            </a:r>
+            <a:r>
+              <a:rPr lang="zh-CN" altLang="en-US" dirty="0"/>
+              <a:t>。不支持</a:t>
+            </a:r>
+            <a:r>
+              <a:rPr lang="en-US" altLang="zh-CN" dirty="0"/>
+              <a:t>z-index</a:t>
+            </a:r>
+          </a:p>
+          <a:p>
+            <a:r>
+              <a:rPr lang="zh-CN" altLang="en-US" dirty="0"/>
+              <a:t>所有组件都支持伪类</a:t>
+            </a:r>
+            <a:r>
+              <a:rPr lang="en-US" altLang="zh-CN" dirty="0"/>
+              <a:t>active</a:t>
+            </a:r>
+            <a:r>
+              <a:rPr lang="zh-CN" altLang="en-US" dirty="0"/>
+              <a:t>，</a:t>
+            </a:r>
+            <a:r>
+              <a:rPr lang="zh-CN" altLang="en-US" sz="1200" b="0" i="0" kern="1200" dirty="0">
+                <a:solidFill>
+                  <a:schemeClr val="tx1"/>
+                </a:solidFill>
+                <a:effectLst/>
+                <a:latin typeface="+mn-lt"/>
+                <a:ea typeface="+mn-ea"/>
+                <a:cs typeface="+mn-cs"/>
+              </a:rPr>
+              <a:t>只有 </a:t>
+            </a:r>
+            <a:r>
+              <a:rPr lang="en-US" altLang="zh-CN" dirty="0"/>
+              <a:t>input</a:t>
+            </a:r>
+            <a:r>
+              <a:rPr lang="en-US" altLang="zh-CN" sz="1200" b="0" i="0" kern="1200" dirty="0">
+                <a:solidFill>
+                  <a:schemeClr val="tx1"/>
+                </a:solidFill>
+                <a:effectLst/>
+                <a:latin typeface="+mn-lt"/>
+                <a:ea typeface="+mn-ea"/>
+                <a:cs typeface="+mn-cs"/>
+              </a:rPr>
+              <a:t> </a:t>
+            </a:r>
+            <a:r>
+              <a:rPr lang="zh-CN" altLang="en-US" sz="1200" b="0" i="0" kern="1200" dirty="0">
+                <a:solidFill>
+                  <a:schemeClr val="tx1"/>
+                </a:solidFill>
+                <a:effectLst/>
+                <a:latin typeface="+mn-lt"/>
+                <a:ea typeface="+mn-ea"/>
+                <a:cs typeface="+mn-cs"/>
+              </a:rPr>
+              <a:t>组件和 </a:t>
+            </a:r>
+            <a:r>
+              <a:rPr lang="en-US" altLang="zh-CN" dirty="0" err="1"/>
+              <a:t>textarea</a:t>
+            </a:r>
+            <a:r>
+              <a:rPr lang="en-US" altLang="zh-CN" sz="1200" b="0" i="0" kern="1200" dirty="0">
+                <a:solidFill>
+                  <a:schemeClr val="tx1"/>
+                </a:solidFill>
+                <a:effectLst/>
+                <a:latin typeface="+mn-lt"/>
+                <a:ea typeface="+mn-ea"/>
+                <a:cs typeface="+mn-cs"/>
+              </a:rPr>
+              <a:t> </a:t>
+            </a:r>
+            <a:r>
+              <a:rPr lang="zh-CN" altLang="en-US" sz="1200" b="0" i="0" kern="1200" dirty="0">
+                <a:solidFill>
+                  <a:schemeClr val="tx1"/>
+                </a:solidFill>
+                <a:effectLst/>
+                <a:latin typeface="+mn-lt"/>
+                <a:ea typeface="+mn-ea"/>
+                <a:cs typeface="+mn-cs"/>
+              </a:rPr>
+              <a:t>组件支持 </a:t>
+            </a:r>
+            <a:r>
+              <a:rPr lang="en-US" altLang="zh-CN" dirty="0"/>
+              <a:t>focus</a:t>
+            </a:r>
+            <a:r>
+              <a:rPr lang="en-US" altLang="zh-CN" sz="1200" b="0" i="0" kern="1200" dirty="0">
+                <a:solidFill>
+                  <a:schemeClr val="tx1"/>
+                </a:solidFill>
+                <a:effectLst/>
+                <a:latin typeface="+mn-lt"/>
+                <a:ea typeface="+mn-ea"/>
+                <a:cs typeface="+mn-cs"/>
+              </a:rPr>
+              <a:t>, </a:t>
+            </a:r>
+            <a:r>
+              <a:rPr lang="en-US" altLang="zh-CN" dirty="0"/>
+              <a:t>enabled</a:t>
+            </a:r>
+            <a:r>
+              <a:rPr lang="en-US" altLang="zh-CN" sz="1200" b="0" i="0" kern="1200" dirty="0">
+                <a:solidFill>
+                  <a:schemeClr val="tx1"/>
+                </a:solidFill>
+                <a:effectLst/>
+                <a:latin typeface="+mn-lt"/>
+                <a:ea typeface="+mn-ea"/>
+                <a:cs typeface="+mn-cs"/>
+              </a:rPr>
+              <a:t>, </a:t>
+            </a:r>
+            <a:r>
+              <a:rPr lang="en-US" altLang="zh-CN" dirty="0"/>
+              <a:t>disabled</a:t>
+            </a:r>
+          </a:p>
+          <a:p>
+            <a:pPr marL="0" marR="0" lvl="0" indent="0" algn="l" defTabSz="914400" rtl="0" eaLnBrk="1" fontAlgn="auto" latinLnBrk="0" hangingPunct="1">
+              <a:lnSpc>
+                <a:spcPct val="100000"/>
+              </a:lnSpc>
+              <a:spcBef>
+                <a:spcPts val="0"/>
+              </a:spcBef>
+              <a:spcAft>
+                <a:spcPts val="0"/>
+              </a:spcAft>
+              <a:buClrTx/>
+              <a:buSzTx/>
+              <a:buFontTx/>
+              <a:buNone/>
+              <a:tabLst/>
+              <a:defRPr/>
+            </a:pPr>
+            <a:r>
+              <a:rPr lang="zh-CN" altLang="en-US" sz="1200" b="0" i="0" kern="1200" dirty="0">
+                <a:solidFill>
+                  <a:schemeClr val="tx1"/>
+                </a:solidFill>
+                <a:effectLst/>
+                <a:latin typeface="+mn-lt"/>
+                <a:ea typeface="+mn-ea"/>
+                <a:cs typeface="+mn-cs"/>
+              </a:rPr>
+              <a:t>都支持线性渐变，双色六方向 </a:t>
+            </a:r>
+            <a:r>
+              <a:rPr lang="en-US" altLang="zh-CN" sz="1200" b="0" i="0" kern="1200" dirty="0">
+                <a:solidFill>
+                  <a:schemeClr val="tx1"/>
+                </a:solidFill>
+                <a:effectLst/>
+                <a:latin typeface="+mn-lt"/>
+                <a:ea typeface="+mn-ea"/>
+                <a:cs typeface="+mn-cs"/>
+              </a:rPr>
+              <a:t>background-image: linear-gradient</a:t>
+            </a:r>
+          </a:p>
+          <a:p>
+            <a:pPr marL="0" marR="0" lvl="0" indent="0" algn="l" defTabSz="914400" rtl="0" eaLnBrk="1" fontAlgn="auto" latinLnBrk="0" hangingPunct="1">
+              <a:lnSpc>
+                <a:spcPct val="100000"/>
+              </a:lnSpc>
+              <a:spcBef>
+                <a:spcPts val="0"/>
+              </a:spcBef>
+              <a:spcAft>
+                <a:spcPts val="0"/>
+              </a:spcAft>
+              <a:buClrTx/>
+              <a:buSzTx/>
+              <a:buFontTx/>
+              <a:buNone/>
+              <a:tabLst/>
+              <a:defRPr/>
+            </a:pPr>
+            <a:r>
+              <a:rPr lang="en-US" altLang="zh-CN" sz="1200" b="0" i="0" kern="1200" dirty="0">
+                <a:solidFill>
+                  <a:schemeClr val="tx1"/>
+                </a:solidFill>
+                <a:effectLst/>
+                <a:latin typeface="+mn-lt"/>
+                <a:ea typeface="+mn-ea"/>
+                <a:cs typeface="+mn-cs"/>
+              </a:rPr>
+              <a:t>box-shadow</a:t>
+            </a:r>
+            <a:r>
+              <a:rPr lang="zh-CN" altLang="en-US" sz="1200" b="0" i="0" kern="1200" dirty="0">
+                <a:solidFill>
+                  <a:schemeClr val="tx1"/>
+                </a:solidFill>
+                <a:effectLst/>
+                <a:latin typeface="+mn-lt"/>
+                <a:ea typeface="+mn-ea"/>
+                <a:cs typeface="+mn-cs"/>
+              </a:rPr>
+              <a:t>仅仅支持</a:t>
+            </a:r>
+            <a:r>
+              <a:rPr lang="en-US" altLang="zh-CN" sz="1200" b="0" i="0" kern="1200" dirty="0">
+                <a:solidFill>
+                  <a:schemeClr val="tx1"/>
+                </a:solidFill>
+                <a:effectLst/>
+                <a:latin typeface="+mn-lt"/>
+                <a:ea typeface="+mn-ea"/>
+                <a:cs typeface="+mn-cs"/>
+              </a:rPr>
+              <a:t>iOS</a:t>
+            </a:r>
+          </a:p>
+          <a:p>
+            <a:pPr marL="0" marR="0" lvl="0" indent="0" algn="l" defTabSz="914400" rtl="0" eaLnBrk="1" fontAlgn="auto" latinLnBrk="0" hangingPunct="1">
+              <a:lnSpc>
+                <a:spcPct val="100000"/>
+              </a:lnSpc>
+              <a:spcBef>
+                <a:spcPts val="0"/>
+              </a:spcBef>
+              <a:spcAft>
+                <a:spcPts val="0"/>
+              </a:spcAft>
+              <a:buClrTx/>
+              <a:buSzTx/>
+              <a:buFontTx/>
+              <a:buNone/>
+              <a:tabLst/>
+              <a:defRPr/>
+            </a:pPr>
+            <a:endParaRPr lang="zh-CN" altLang="en-US" sz="1200" b="0" i="0" kern="1200" dirty="0">
+              <a:solidFill>
+                <a:schemeClr val="tx1"/>
+              </a:solidFill>
+              <a:effectLst/>
+              <a:latin typeface="+mn-lt"/>
+              <a:ea typeface="+mn-ea"/>
+              <a:cs typeface="+mn-cs"/>
+            </a:endParaRPr>
+          </a:p>
+          <a:p>
+            <a:endParaRPr lang="zh-CN" altLang="en-US" dirty="0"/>
+          </a:p>
+        </p:txBody>
+      </p:sp>
+      <p:sp>
+        <p:nvSpPr>
+          <p:cNvPr id="4" name="灯片编号占位符 3"/>
+          <p:cNvSpPr>
+            <a:spLocks noGrp="1"/>
+          </p:cNvSpPr>
+          <p:nvPr>
+            <p:ph type="sldNum" sz="quarter" idx="10"/>
+          </p:nvPr>
+        </p:nvSpPr>
+        <p:spPr/>
+        <p:txBody>
+          <a:bodyPr/>
+          <a:lstStyle/>
+          <a:p>
+            <a:fld id="{52C27BEF-11A0-F544-A726-D4EA06DCF696}" type="slidenum">
+              <a:rPr kumimoji="1" lang="zh-CN" altLang="en-US" smtClean="0"/>
+              <a:t>18</a:t>
+            </a:fld>
+            <a:endParaRPr kumimoji="1" lang="zh-CN" altLang="en-US"/>
+          </a:p>
+        </p:txBody>
+      </p:sp>
+    </p:spTree>
+    <p:extLst>
+      <p:ext uri="{BB962C8B-B14F-4D97-AF65-F5344CB8AC3E}">
+        <p14:creationId xmlns:p14="http://schemas.microsoft.com/office/powerpoint/2010/main" val="2583424662"/>
+      </p:ext>
+    </p:extLst>
+  </p:cSld>
+  <p:clrMapOvr>
+    <a:masterClrMapping/>
+  </p:clrMapOvr>
+</p:notes>
+</file>
+
 <file path=ppt/notesSlides/notesSlide2.xml><?xml version="1.0" encoding="utf-8"?>
 <p:notes xmlns:a="http://schemas.openxmlformats.org/drawingml/2006/main" xmlns:r="http://schemas.openxmlformats.org/officeDocument/2006/relationships" xmlns:p="http://schemas.openxmlformats.org/presentationml/2006/main">
   <p:cSld>
@@ -1074,7 +2054,7 @@
           <a:lstStyle/>
           <a:p>
             <a:r>
-              <a:rPr lang="en-US" altLang="zh-CN" sz="1200" b="0" i="0" kern="1200" dirty="0" err="1" smtClean="0">
+              <a:rPr lang="en-US" altLang="zh-CN" sz="1200" b="0" i="0" kern="1200" dirty="0" err="1">
                 <a:solidFill>
                   <a:schemeClr val="tx1"/>
                 </a:solidFill>
@@ -1086,7 +2066,7 @@
               <a:t>WXEnvironment</a:t>
             </a:r>
             <a:r>
-              <a:rPr lang="zh-CN" altLang="en-US" sz="1200" b="0" i="0" kern="1200" dirty="0" smtClean="0">
+              <a:rPr lang="zh-CN" altLang="en-US" sz="1200" b="0" i="0" kern="1200" dirty="0">
                 <a:solidFill>
                   <a:schemeClr val="tx1"/>
                 </a:solidFill>
@@ -1098,7 +2078,7 @@
               <a:t>可查看</a:t>
             </a:r>
             <a:r>
-              <a:rPr lang="en-US" altLang="zh-CN" sz="1200" b="0" i="0" kern="1200" dirty="0" err="1" smtClean="0">
+              <a:rPr lang="en-US" altLang="zh-CN" sz="1200" b="0" i="0" kern="1200" dirty="0" err="1">
                 <a:solidFill>
                   <a:schemeClr val="tx1"/>
                 </a:solidFill>
@@ -1110,7 +2090,7 @@
               <a:t>WeexSDK</a:t>
             </a:r>
             <a:r>
-              <a:rPr lang="zh-CN" altLang="en-US" sz="1200" b="0" i="0" kern="1200" dirty="0" smtClean="0">
+              <a:rPr lang="zh-CN" altLang="en-US" sz="1200" b="0" i="0" kern="1200" dirty="0">
                 <a:solidFill>
                   <a:schemeClr val="tx1"/>
                 </a:solidFill>
@@ -1122,7 +2102,7 @@
               <a:t>版本</a:t>
             </a:r>
             <a:r>
-              <a:rPr lang="en-US" altLang="zh-CN" sz="1200" b="0" i="0" kern="1200" dirty="0" err="1" smtClean="0">
+              <a:rPr lang="en-US" altLang="zh-CN" sz="1200" b="0" i="0" kern="1200" dirty="0" err="1">
                 <a:solidFill>
                   <a:schemeClr val="tx1"/>
                 </a:solidFill>
@@ -1134,7 +2114,7 @@
               <a:t>weexVersion</a:t>
             </a:r>
             <a:r>
-              <a:rPr lang="en-US" altLang="zh-CN" sz="1200" b="0" i="0" kern="1200" dirty="0" smtClean="0">
+              <a:rPr lang="en-US" altLang="zh-CN" sz="1200" b="0" i="0" kern="1200" dirty="0">
                 <a:solidFill>
                   <a:schemeClr val="tx1"/>
                 </a:solidFill>
@@ -1146,7 +2126,7 @@
               <a:t> </a:t>
             </a:r>
             <a:r>
-              <a:rPr lang="zh-CN" altLang="en-US" sz="1200" b="0" i="0" kern="1200" baseline="0" dirty="0" smtClean="0">
+              <a:rPr lang="zh-CN" altLang="en-US" sz="1200" b="0" i="0" kern="1200" baseline="0" dirty="0">
                 <a:solidFill>
                   <a:schemeClr val="tx1"/>
                 </a:solidFill>
@@ -1158,31 +2138,19 @@
               <a:t> </a:t>
             </a:r>
             <a:r>
-              <a:rPr lang="zh-CN" altLang="en-US" sz="1200" b="0" i="0" kern="1200" dirty="0" smtClean="0">
-                <a:solidFill>
-                  <a:schemeClr val="tx1"/>
-                </a:solidFill>
-                <a:effectLst/>
-                <a:latin typeface="+mn-lt"/>
-                <a:ea typeface="+mn-ea"/>
-                <a:cs typeface="+mn-cs"/>
-              </a:rPr>
-              <a:t>应用的</a:t>
-            </a:r>
-            <a:r>
-              <a:rPr lang="zh-CN" altLang="en-US" sz="1200" b="0" i="0" kern="1200" dirty="0" smtClean="0">
-                <a:solidFill>
-                  <a:schemeClr val="tx1"/>
-                </a:solidFill>
-                <a:effectLst/>
-                <a:latin typeface="+mn-lt"/>
-                <a:ea typeface="+mn-ea"/>
-                <a:cs typeface="+mn-cs"/>
-              </a:rPr>
-              <a:t>名称</a:t>
-            </a:r>
-            <a:r>
-              <a:rPr lang="en-US" altLang="zh-CN" sz="1200" b="0" i="0" kern="1200" dirty="0" err="1" smtClean="0">
+              <a:rPr lang="zh-CN" altLang="en-US" sz="1200" b="0" i="0" kern="1200" dirty="0">
+                <a:solidFill>
+                  <a:schemeClr val="tx1"/>
+                </a:solidFill>
+                <a:effectLst/>
+                <a:latin typeface="+mn-lt"/>
+                <a:ea typeface="+mn-ea"/>
+                <a:cs typeface="+mn-cs"/>
+              </a:rPr>
+              <a:t>应用的名称</a:t>
+            </a:r>
+            <a:r>
+              <a:rPr lang="en-US" altLang="zh-CN" sz="1200" b="0" i="0" kern="1200" dirty="0" err="1">
                 <a:solidFill>
                   <a:schemeClr val="tx1"/>
                 </a:solidFill>
@@ -1194,7 +2162,7 @@
               <a:t>appName</a:t>
             </a:r>
             <a:r>
-              <a:rPr lang="zh-CN" altLang="en-US" sz="1200" b="0" i="0" kern="1200" baseline="0" dirty="0" smtClean="0">
+              <a:rPr lang="zh-CN" altLang="en-US" sz="1200" b="0" i="0" kern="1200" baseline="0" dirty="0">
                 <a:solidFill>
                   <a:schemeClr val="tx1"/>
                 </a:solidFill>
@@ -1206,31 +2174,19 @@
               <a:t> </a:t>
             </a:r>
             <a:r>
-              <a:rPr lang="zh-CN" altLang="en-US" sz="1200" b="0" i="0" kern="1200" dirty="0" smtClean="0">
-                <a:solidFill>
-                  <a:schemeClr val="tx1"/>
-                </a:solidFill>
-                <a:effectLst/>
-                <a:latin typeface="+mn-lt"/>
-                <a:ea typeface="+mn-ea"/>
-                <a:cs typeface="+mn-cs"/>
-              </a:rPr>
-              <a:t>应用的</a:t>
-            </a:r>
-            <a:r>
-              <a:rPr lang="zh-CN" altLang="en-US" sz="1200" b="0" i="0" kern="1200" dirty="0" smtClean="0">
-                <a:solidFill>
-                  <a:schemeClr val="tx1"/>
-                </a:solidFill>
-                <a:effectLst/>
-                <a:latin typeface="+mn-lt"/>
-                <a:ea typeface="+mn-ea"/>
-                <a:cs typeface="+mn-cs"/>
-              </a:rPr>
-              <a:t>版本</a:t>
-            </a:r>
-            <a:r>
-              <a:rPr lang="en-US" altLang="zh-CN" sz="1200" b="0" i="0" kern="1200" dirty="0" err="1" smtClean="0">
+              <a:rPr lang="zh-CN" altLang="en-US" sz="1200" b="0" i="0" kern="1200" dirty="0">
+                <a:solidFill>
+                  <a:schemeClr val="tx1"/>
+                </a:solidFill>
+                <a:effectLst/>
+                <a:latin typeface="+mn-lt"/>
+                <a:ea typeface="+mn-ea"/>
+                <a:cs typeface="+mn-cs"/>
+              </a:rPr>
+              <a:t>应用的版本</a:t>
+            </a:r>
+            <a:r>
+              <a:rPr lang="en-US" altLang="zh-CN" sz="1200" b="0" i="0" kern="1200" dirty="0" err="1">
                 <a:solidFill>
                   <a:schemeClr val="tx1"/>
                 </a:solidFill>
@@ -1242,7 +2198,7 @@
               <a:t>appVersion</a:t>
             </a:r>
             <a:r>
-              <a:rPr lang="zh-CN" altLang="en-US" sz="1200" b="0" i="0" kern="1200" dirty="0" smtClean="0">
+              <a:rPr lang="zh-CN" altLang="en-US" sz="1200" b="0" i="0" kern="1200" dirty="0">
                 <a:solidFill>
                   <a:schemeClr val="tx1"/>
                 </a:solidFill>
@@ -1254,7 +2210,7 @@
               <a:t> 平台</a:t>
             </a:r>
             <a:r>
-              <a:rPr lang="en-US" altLang="zh-CN" sz="1200" b="0" i="0" kern="1200" dirty="0" smtClean="0">
+              <a:rPr lang="en-US" altLang="zh-CN" sz="1200" b="0" i="0" kern="1200" dirty="0">
                 <a:solidFill>
                   <a:schemeClr val="tx1"/>
                 </a:solidFill>
@@ -1266,43 +2222,19 @@
               <a:t>platform</a:t>
             </a:r>
             <a:r>
-              <a:rPr lang="zh-CN" altLang="en-US" sz="1200" b="0" i="0" kern="1200" dirty="0" smtClean="0">
-                <a:solidFill>
-                  <a:schemeClr val="tx1"/>
-                </a:solidFill>
-                <a:effectLst/>
-                <a:latin typeface="+mn-lt"/>
-                <a:ea typeface="+mn-ea"/>
-                <a:cs typeface="+mn-cs"/>
-              </a:rPr>
-              <a:t> </a:t>
-            </a:r>
-            <a:r>
-              <a:rPr lang="zh-CN" altLang="en-US" sz="1200" b="0" i="0" kern="1200" dirty="0" smtClean="0">
-                <a:solidFill>
-                  <a:schemeClr val="tx1"/>
-                </a:solidFill>
-                <a:effectLst/>
-                <a:latin typeface="+mn-lt"/>
-                <a:ea typeface="+mn-ea"/>
-                <a:cs typeface="+mn-cs"/>
-              </a:rPr>
-              <a:t>系统</a:t>
-            </a:r>
-            <a:r>
-              <a:rPr lang="zh-CN" altLang="en-US" sz="1200" b="0" i="0" kern="1200" dirty="0" smtClean="0">
-                <a:solidFill>
-                  <a:schemeClr val="tx1"/>
-                </a:solidFill>
-                <a:effectLst/>
-                <a:latin typeface="+mn-lt"/>
-                <a:ea typeface="+mn-ea"/>
-                <a:cs typeface="+mn-cs"/>
-              </a:rPr>
-              <a:t>名称</a:t>
-            </a:r>
-            <a:r>
-              <a:rPr lang="en-US" altLang="zh-CN" sz="1200" b="0" i="0" kern="1200" dirty="0" err="1" smtClean="0">
+              <a:rPr lang="zh-CN" altLang="en-US" sz="1200" b="0" i="0" kern="1200" dirty="0">
+                <a:solidFill>
+                  <a:schemeClr val="tx1"/>
+                </a:solidFill>
+                <a:effectLst/>
+                <a:latin typeface="+mn-lt"/>
+                <a:ea typeface="+mn-ea"/>
+                <a:cs typeface="+mn-cs"/>
+              </a:rPr>
+              <a:t> 系统名称</a:t>
+            </a:r>
+            <a:r>
+              <a:rPr lang="en-US" altLang="zh-CN" sz="1200" b="0" i="0" kern="1200" dirty="0" err="1">
                 <a:solidFill>
                   <a:schemeClr val="tx1"/>
                 </a:solidFill>
@@ -1314,43 +2246,19 @@
               <a:t>osName</a:t>
             </a:r>
             <a:r>
-              <a:rPr lang="zh-CN" altLang="en-US" sz="1200" b="0" i="0" kern="1200" dirty="0" smtClean="0">
-                <a:solidFill>
-                  <a:schemeClr val="tx1"/>
-                </a:solidFill>
-                <a:effectLst/>
-                <a:latin typeface="+mn-lt"/>
-                <a:ea typeface="+mn-ea"/>
-                <a:cs typeface="+mn-cs"/>
-              </a:rPr>
-              <a:t> </a:t>
-            </a:r>
-            <a:r>
-              <a:rPr lang="zh-CN" altLang="en-US" sz="1200" b="0" i="0" kern="1200" dirty="0" smtClean="0">
-                <a:solidFill>
-                  <a:schemeClr val="tx1"/>
-                </a:solidFill>
-                <a:effectLst/>
-                <a:latin typeface="+mn-lt"/>
-                <a:ea typeface="+mn-ea"/>
-                <a:cs typeface="+mn-cs"/>
-              </a:rPr>
-              <a:t>系统</a:t>
-            </a:r>
-            <a:r>
-              <a:rPr lang="zh-CN" altLang="en-US" sz="1200" b="0" i="0" kern="1200" dirty="0" smtClean="0">
-                <a:solidFill>
-                  <a:schemeClr val="tx1"/>
-                </a:solidFill>
-                <a:effectLst/>
-                <a:latin typeface="+mn-lt"/>
-                <a:ea typeface="+mn-ea"/>
-                <a:cs typeface="+mn-cs"/>
-              </a:rPr>
-              <a:t>版本</a:t>
-            </a:r>
-            <a:r>
-              <a:rPr lang="en-US" altLang="zh-CN" sz="1200" b="0" i="0" kern="1200" dirty="0" err="1" smtClean="0">
+              <a:rPr lang="zh-CN" altLang="en-US" sz="1200" b="0" i="0" kern="1200" dirty="0">
+                <a:solidFill>
+                  <a:schemeClr val="tx1"/>
+                </a:solidFill>
+                <a:effectLst/>
+                <a:latin typeface="+mn-lt"/>
+                <a:ea typeface="+mn-ea"/>
+                <a:cs typeface="+mn-cs"/>
+              </a:rPr>
+              <a:t> 系统版本</a:t>
+            </a:r>
+            <a:r>
+              <a:rPr lang="en-US" altLang="zh-CN" sz="1200" b="0" i="0" kern="1200" dirty="0" err="1">
                 <a:solidFill>
                   <a:schemeClr val="tx1"/>
                 </a:solidFill>
@@ -1362,43 +2270,19 @@
               <a:t>osVersion</a:t>
             </a:r>
             <a:r>
-              <a:rPr lang="zh-CN" altLang="en-US" sz="1200" b="0" i="0" kern="1200" dirty="0" smtClean="0">
-                <a:solidFill>
-                  <a:schemeClr val="tx1"/>
-                </a:solidFill>
-                <a:effectLst/>
-                <a:latin typeface="+mn-lt"/>
-                <a:ea typeface="+mn-ea"/>
-                <a:cs typeface="+mn-cs"/>
-              </a:rPr>
-              <a:t> </a:t>
-            </a:r>
-            <a:r>
-              <a:rPr lang="zh-CN" altLang="en-US" sz="1200" b="0" i="0" kern="1200" dirty="0" smtClean="0">
-                <a:solidFill>
-                  <a:schemeClr val="tx1"/>
-                </a:solidFill>
-                <a:effectLst/>
-                <a:latin typeface="+mn-lt"/>
-                <a:ea typeface="+mn-ea"/>
-                <a:cs typeface="+mn-cs"/>
-              </a:rPr>
-              <a:t>设备宽度</a:t>
-            </a:r>
-            <a:r>
-              <a:rPr lang="zh-CN" altLang="en-US" sz="1200" b="0" i="0" kern="1200" dirty="0" smtClean="0">
-                <a:solidFill>
-                  <a:schemeClr val="tx1"/>
-                </a:solidFill>
-                <a:effectLst/>
-                <a:latin typeface="+mn-lt"/>
-                <a:ea typeface="+mn-ea"/>
-                <a:cs typeface="+mn-cs"/>
-              </a:rPr>
-              <a:t>高度</a:t>
-            </a:r>
-            <a:r>
-              <a:rPr lang="en-US" altLang="zh-CN" sz="1200" b="0" i="0" kern="1200" dirty="0" err="1" smtClean="0">
+              <a:rPr lang="zh-CN" altLang="en-US" sz="1200" b="0" i="0" kern="1200" dirty="0">
+                <a:solidFill>
+                  <a:schemeClr val="tx1"/>
+                </a:solidFill>
+                <a:effectLst/>
+                <a:latin typeface="+mn-lt"/>
+                <a:ea typeface="+mn-ea"/>
+                <a:cs typeface="+mn-cs"/>
+              </a:rPr>
+              <a:t> 设备宽度高度</a:t>
+            </a:r>
+            <a:r>
+              <a:rPr lang="en-US" altLang="zh-CN" sz="1200" b="0" i="0" kern="1200" dirty="0" err="1">
                 <a:solidFill>
                   <a:schemeClr val="tx1"/>
                 </a:solidFill>
@@ -1409,7 +2293,7 @@
               </a:rPr>
               <a:t>deviceWidth</a:t>
             </a:r>
-            <a:endParaRPr lang="en-US" altLang="zh-CN" sz="1200" b="0" i="0" kern="1200" dirty="0" smtClean="0">
+            <a:endParaRPr lang="en-US" altLang="zh-CN" sz="1200" b="0" i="0" kern="1200" dirty="0">
               <a:solidFill>
                 <a:schemeClr val="tx1"/>
               </a:solidFill>
@@ -1438,7 +2322,7 @@
               <a:defRPr/>
             </a:pPr>
             <a:r>
-              <a:rPr lang="zh-CN" altLang="en-US" sz="1200" b="0" i="0" kern="1200" dirty="0" smtClean="0">
+              <a:rPr lang="zh-CN" altLang="en-US" sz="1200" b="0" i="0" kern="1200" dirty="0">
                 <a:solidFill>
                   <a:schemeClr val="tx1"/>
                 </a:solidFill>
@@ -1450,7 +2334,7 @@
               <a:t>因为浏览器和 </a:t>
             </a:r>
             <a:r>
-              <a:rPr lang="en-US" altLang="zh-CN" sz="1200" b="0" i="0" kern="1200" dirty="0" smtClean="0">
+              <a:rPr lang="en-US" altLang="zh-CN" sz="1200" b="0" i="0" kern="1200" dirty="0">
                 <a:solidFill>
                   <a:schemeClr val="tx1"/>
                 </a:solidFill>
@@ -1462,7 +2346,7 @@
               <a:t>app</a:t>
             </a:r>
             <a:r>
-              <a:rPr lang="zh-CN" altLang="en-US" sz="1200" b="0" i="0" kern="1200" dirty="0" smtClean="0">
+              <a:rPr lang="zh-CN" altLang="en-US" sz="1200" b="0" i="0" kern="1200" dirty="0">
                 <a:solidFill>
                   <a:schemeClr val="tx1"/>
                 </a:solidFill>
@@ -1474,7 +2358,7 @@
               <a:t> 行为上的差异 </a:t>
             </a:r>
             <a:r>
-              <a:rPr lang="en-US" altLang="zh-CN" sz="1200" b="0" i="0" kern="1200" dirty="0" err="1" smtClean="0">
+              <a:rPr lang="en-US" altLang="zh-CN" sz="1200" b="0" i="0" kern="1200" dirty="0" err="1">
                 <a:solidFill>
                   <a:schemeClr val="tx1"/>
                 </a:solidFill>
@@ -1486,7 +2370,7 @@
               <a:t>Weex</a:t>
             </a:r>
             <a:r>
-              <a:rPr lang="zh-CN" altLang="en-US" sz="1200" b="0" i="0" kern="1200" dirty="0" smtClean="0">
+              <a:rPr lang="zh-CN" altLang="en-US" sz="1200" b="0" i="0" kern="1200" dirty="0">
                 <a:solidFill>
                   <a:schemeClr val="tx1"/>
                 </a:solidFill>
@@ -1498,7 +2382,7 @@
               <a:t> 提供了</a:t>
             </a:r>
             <a:r>
-              <a:rPr lang="en-US" altLang="zh-CN" sz="1200" b="0" i="0" kern="1200" dirty="0" smtClean="0">
+              <a:rPr lang="en-US" altLang="zh-CN" sz="1200" b="0" i="0" kern="1200" dirty="0">
                 <a:solidFill>
                   <a:schemeClr val="tx1"/>
                 </a:solidFill>
@@ -1510,7 +2394,7 @@
               <a:t>navigator</a:t>
             </a:r>
             <a:r>
-              <a:rPr lang="zh-CN" altLang="en-US" sz="1200" b="0" i="0" kern="1200" dirty="0" smtClean="0">
+              <a:rPr lang="zh-CN" altLang="en-US" sz="1200" b="0" i="0" kern="1200" dirty="0">
                 <a:solidFill>
                   <a:schemeClr val="tx1"/>
                 </a:solidFill>
@@ -1522,7 +2406,7 @@
               <a:t>模块来操作页面跳转</a:t>
             </a:r>
             <a:r>
-              <a:rPr lang="en-US" altLang="zh-CN" sz="1200" b="0" i="0" kern="1200" dirty="0" smtClean="0">
+              <a:rPr lang="en-US" altLang="zh-CN" sz="1200" b="0" i="0" kern="1200" dirty="0">
                 <a:solidFill>
                   <a:schemeClr val="tx1"/>
                 </a:solidFill>
@@ -1534,7 +2418,7 @@
               <a:t>,</a:t>
             </a:r>
             <a:r>
-              <a:rPr lang="zh-CN" altLang="en-US" sz="1200" b="0" i="0" kern="1200" dirty="0" smtClean="0">
+              <a:rPr lang="zh-CN" altLang="en-US" sz="1200" b="0" i="0" kern="1200" dirty="0">
                 <a:solidFill>
                   <a:schemeClr val="tx1"/>
                 </a:solidFill>
@@ -1546,7 +2430,7 @@
               <a:t> 如前进后退在 </a:t>
             </a:r>
             <a:r>
-              <a:rPr lang="en-US" altLang="zh-CN" sz="1200" b="0" i="0" kern="1200" dirty="0" smtClean="0">
+              <a:rPr lang="en-US" altLang="zh-CN" sz="1200" b="0" i="0" kern="1200" dirty="0">
                 <a:solidFill>
                   <a:schemeClr val="tx1"/>
                 </a:solidFill>
@@ -1558,7 +2442,7 @@
               <a:t>web</a:t>
             </a:r>
             <a:r>
-              <a:rPr lang="zh-CN" altLang="en-US" sz="1200" b="0" i="0" kern="1200" dirty="0" smtClean="0">
+              <a:rPr lang="zh-CN" altLang="en-US" sz="1200" b="0" i="0" kern="1200" dirty="0">
                 <a:solidFill>
                   <a:schemeClr val="tx1"/>
                 </a:solidFill>
@@ -1570,7 +2454,7 @@
               <a:t> 一个标签中</a:t>
             </a:r>
             <a:r>
-              <a:rPr lang="en-US" altLang="zh-CN" sz="1200" b="0" i="0" kern="1200" dirty="0" smtClean="0">
+              <a:rPr lang="en-US" altLang="zh-CN" sz="1200" b="0" i="0" kern="1200" dirty="0">
                 <a:solidFill>
                   <a:schemeClr val="tx1"/>
                 </a:solidFill>
@@ -1582,7 +2466,7 @@
               <a:t>,</a:t>
             </a:r>
             <a:r>
-              <a:rPr lang="zh-CN" altLang="en-US" sz="1200" b="0" i="0" kern="1200" dirty="0" smtClean="0">
+              <a:rPr lang="zh-CN" altLang="en-US" sz="1200" b="0" i="0" kern="1200" dirty="0">
                 <a:solidFill>
                   <a:schemeClr val="tx1"/>
                 </a:solidFill>
@@ -1594,7 +2478,7 @@
               <a:t> 原生 </a:t>
             </a:r>
             <a:r>
-              <a:rPr lang="en-US" altLang="zh-CN" sz="1200" b="0" i="0" kern="1200" dirty="0" smtClean="0">
+              <a:rPr lang="en-US" altLang="zh-CN" sz="1200" b="0" i="0" kern="1200" dirty="0">
                 <a:solidFill>
                   <a:schemeClr val="tx1"/>
                 </a:solidFill>
@@ -1606,7 +2490,7 @@
               <a:t>app</a:t>
             </a:r>
             <a:r>
-              <a:rPr lang="zh-CN" altLang="en-US" sz="1200" b="0" i="0" kern="1200" dirty="0" smtClean="0">
+              <a:rPr lang="zh-CN" altLang="en-US" sz="1200" b="0" i="0" kern="1200" dirty="0">
                 <a:solidFill>
                   <a:schemeClr val="tx1"/>
                 </a:solidFill>
@@ -1617,7 +2501,7 @@
               </a:rPr>
               <a:t> 中则是跳转至别的视图</a:t>
             </a:r>
-            <a:endParaRPr lang="en-US" altLang="zh-CN" sz="1200" b="0" i="0" kern="1200" dirty="0" smtClean="0">
+            <a:endParaRPr lang="en-US" altLang="zh-CN" sz="1200" b="0" i="0" kern="1200" dirty="0">
               <a:solidFill>
                 <a:schemeClr val="tx1"/>
               </a:solidFill>
@@ -1646,7 +2530,7 @@
               <a:defRPr/>
             </a:pPr>
             <a:r>
-              <a:rPr lang="en-US" altLang="zh-CN" sz="1200" b="0" i="0" kern="1200" dirty="0" err="1" smtClean="0">
+              <a:rPr lang="en-US" altLang="zh-CN" sz="1200" b="0" i="0" kern="1200" dirty="0" err="1">
                 <a:solidFill>
                   <a:schemeClr val="tx1"/>
                 </a:solidFill>
@@ -1658,7 +2542,7 @@
               <a:t>navigator.push</a:t>
             </a:r>
             <a:r>
-              <a:rPr lang="zh-CN" altLang="en-US" sz="1200" b="0" i="0" kern="1200" dirty="0" smtClean="0">
+              <a:rPr lang="zh-CN" altLang="en-US" sz="1200" b="0" i="0" kern="1200" dirty="0">
                 <a:solidFill>
                   <a:schemeClr val="tx1"/>
                 </a:solidFill>
@@ -1670,7 +2554,7 @@
               <a:t> 方法</a:t>
             </a:r>
             <a:r>
-              <a:rPr lang="en-US" altLang="zh-CN" sz="1200" b="0" i="0" kern="1200" dirty="0" smtClean="0">
+              <a:rPr lang="en-US" altLang="zh-CN" sz="1200" b="0" i="0" kern="1200" dirty="0">
                 <a:solidFill>
                   <a:schemeClr val="tx1"/>
                 </a:solidFill>
@@ -1682,7 +2566,7 @@
               <a:t>,</a:t>
             </a:r>
             <a:r>
-              <a:rPr lang="zh-CN" altLang="en-US" sz="1200" b="0" i="0" kern="1200" dirty="0" smtClean="0">
+              <a:rPr lang="zh-CN" altLang="en-US" sz="1200" b="0" i="0" kern="1200" dirty="0">
                 <a:solidFill>
                   <a:schemeClr val="tx1"/>
                 </a:solidFill>
@@ -1694,7 +2578,7 @@
               <a:t>接受</a:t>
             </a:r>
             <a:r>
-              <a:rPr lang="en-US" altLang="zh-CN" sz="1200" b="0" i="0" kern="1200" dirty="0" err="1" smtClean="0">
+              <a:rPr lang="en-US" altLang="zh-CN" sz="1200" b="0" i="0" kern="1200" dirty="0" err="1">
                 <a:solidFill>
                   <a:schemeClr val="tx1"/>
                 </a:solidFill>
@@ -1706,7 +2590,7 @@
               <a:t>url</a:t>
             </a:r>
             <a:r>
-              <a:rPr lang="en-US" altLang="zh-CN" sz="1200" b="0" i="0" kern="1200" dirty="0" smtClean="0">
+              <a:rPr lang="en-US" altLang="zh-CN" sz="1200" b="0" i="0" kern="1200" dirty="0">
                 <a:solidFill>
                   <a:schemeClr val="tx1"/>
                 </a:solidFill>
@@ -1718,7 +2602,7 @@
               <a:t>, animated,</a:t>
             </a:r>
             <a:r>
-              <a:rPr lang="zh-CN" altLang="en-US" sz="1200" b="0" i="0" kern="1200" dirty="0" smtClean="0">
+              <a:rPr lang="zh-CN" altLang="en-US" sz="1200" b="0" i="0" kern="1200" dirty="0">
                 <a:solidFill>
                   <a:schemeClr val="tx1"/>
                 </a:solidFill>
@@ -1730,7 +2614,7 @@
               <a:t> </a:t>
             </a:r>
             <a:r>
-              <a:rPr lang="en-US" altLang="zh-CN" sz="1200" b="0" i="0" kern="1200" dirty="0" err="1" smtClean="0">
+              <a:rPr lang="en-US" altLang="zh-CN" sz="1200" b="0" i="0" kern="1200" dirty="0" err="1">
                 <a:solidFill>
                   <a:schemeClr val="tx1"/>
                 </a:solidFill>
@@ -1742,7 +2626,7 @@
               <a:t>callBack</a:t>
             </a:r>
             <a:r>
-              <a:rPr lang="zh-CN" altLang="en-US" sz="1200" b="0" i="0" kern="1200" dirty="0" smtClean="0">
+              <a:rPr lang="zh-CN" altLang="en-US" sz="1200" b="0" i="0" kern="1200" dirty="0">
                 <a:solidFill>
                   <a:schemeClr val="tx1"/>
                 </a:solidFill>
@@ -1754,7 +2638,7 @@
               <a:t> </a:t>
             </a:r>
             <a:r>
-              <a:rPr lang="en-US" altLang="zh-CN" sz="1200" b="0" i="0" kern="1200" dirty="0" smtClean="0">
+              <a:rPr lang="en-US" altLang="zh-CN" sz="1200" b="0" i="0" kern="1200" dirty="0">
                 <a:solidFill>
                   <a:schemeClr val="tx1"/>
                 </a:solidFill>
@@ -1766,7 +2650,7 @@
               <a:t>(animated</a:t>
             </a:r>
             <a:r>
-              <a:rPr lang="zh-CN" altLang="en-US" sz="1200" b="0" i="0" kern="1200" dirty="0" smtClean="0">
+              <a:rPr lang="zh-CN" altLang="en-US" sz="1200" b="0" i="0" kern="1200" dirty="0">
                 <a:solidFill>
                   <a:schemeClr val="tx1"/>
                 </a:solidFill>
@@ -1778,7 +2662,7 @@
               <a:t>只支持字符串的 </a:t>
             </a:r>
             <a:r>
-              <a:rPr lang="en-US" altLang="zh-CN" sz="1200" b="0" i="0" kern="1200" dirty="0" smtClean="0">
+              <a:rPr lang="en-US" altLang="zh-CN" sz="1200" b="0" i="0" kern="1200" dirty="0">
                 <a:solidFill>
                   <a:schemeClr val="tx1"/>
                 </a:solidFill>
@@ -1790,7 +2674,7 @@
               <a:t>true</a:t>
             </a:r>
             <a:r>
-              <a:rPr lang="zh-CN" altLang="en-US" sz="1200" b="0" i="0" kern="1200" dirty="0" smtClean="0">
+              <a:rPr lang="zh-CN" altLang="en-US" sz="1200" b="0" i="0" kern="1200" dirty="0">
                 <a:solidFill>
                   <a:schemeClr val="tx1"/>
                 </a:solidFill>
@@ -1802,7 +2686,7 @@
               <a:t> 和 </a:t>
             </a:r>
             <a:r>
-              <a:rPr lang="en-US" altLang="zh-CN" sz="1200" b="0" i="0" kern="1200" dirty="0" smtClean="0">
+              <a:rPr lang="en-US" altLang="zh-CN" sz="1200" b="0" i="0" kern="1200" dirty="0">
                 <a:solidFill>
                   <a:schemeClr val="tx1"/>
                 </a:solidFill>
@@ -1813,15 +2697,6 @@
               </a:rPr>
               <a:t>false)</a:t>
             </a:r>
-            <a:endParaRPr lang="en-US" altLang="zh-CN" sz="1200" b="0" i="0" kern="1200" dirty="0" smtClean="0">
-              <a:solidFill>
-                <a:schemeClr val="tx1"/>
-              </a:solidFill>
-              <a:effectLst/>
-              <a:latin typeface="+mn-lt"/>
-              <a:ea typeface="+mn-ea"/>
-              <a:cs typeface="+mn-cs"/>
-            </a:endParaRPr>
           </a:p>
         </p:txBody>
       </p:sp>
@@ -1842,7 +2717,7 @@
           <a:p>
             <a:fld id="{52C27BEF-11A0-F544-A726-D4EA06DCF696}" type="slidenum">
               <a:rPr kumimoji="1" lang="zh-CN" altLang="en-US" smtClean="0"/>
-              <a:t>12</a:t>
+              <a:t>13</a:t>
             </a:fld>
             <a:endParaRPr kumimoji="1" lang="zh-CN" altLang="en-US"/>
           </a:p>
@@ -1906,31 +2781,19 @@
           <a:lstStyle/>
           <a:p>
             <a:r>
-              <a:rPr kumimoji="1" lang="zh-CN" altLang="en-US" sz="1200" b="0" i="0" kern="1200" dirty="0" smtClean="0">
-                <a:solidFill>
-                  <a:schemeClr val="tx1"/>
-                </a:solidFill>
-                <a:effectLst/>
-                <a:latin typeface="+mn-lt"/>
-                <a:ea typeface="+mn-ea"/>
-                <a:cs typeface="+mn-cs"/>
-              </a:rPr>
-              <a:t>事件</a:t>
-            </a:r>
-            <a:r>
-              <a:rPr kumimoji="1" lang="zh-CN" altLang="en-US" sz="1200" b="0" i="0" kern="1200" dirty="0" smtClean="0">
-                <a:solidFill>
-                  <a:schemeClr val="tx1"/>
-                </a:solidFill>
-                <a:effectLst/>
-                <a:latin typeface="+mn-lt"/>
-                <a:ea typeface="+mn-ea"/>
-                <a:cs typeface="+mn-cs"/>
-              </a:rPr>
-              <a:t>类型需要注意</a:t>
-            </a:r>
-            <a:r>
-              <a:rPr kumimoji="1" lang="en-US" altLang="zh-CN" sz="1200" b="0" i="0" kern="1200" dirty="0" smtClean="0">
+              <a:rPr kumimoji="1" lang="zh-CN" altLang="en-US" sz="1200" b="0" i="0" kern="1200" dirty="0">
+                <a:solidFill>
+                  <a:schemeClr val="tx1"/>
+                </a:solidFill>
+                <a:effectLst/>
+                <a:latin typeface="+mn-lt"/>
+                <a:ea typeface="+mn-ea"/>
+                <a:cs typeface="+mn-cs"/>
+              </a:rPr>
+              <a:t>事件类型需要注意</a:t>
+            </a:r>
+            <a:r>
+              <a:rPr kumimoji="1" lang="en-US" altLang="zh-CN" sz="1200" b="0" i="0" kern="1200" dirty="0">
                 <a:solidFill>
                   <a:schemeClr val="tx1"/>
                 </a:solidFill>
@@ -1942,31 +2805,19 @@
               <a:t>,</a:t>
             </a:r>
             <a:r>
-              <a:rPr kumimoji="1" lang="zh-CN" altLang="en-US" sz="1200" b="0" i="0" kern="1200" dirty="0" smtClean="0">
-                <a:solidFill>
-                  <a:schemeClr val="tx1"/>
-                </a:solidFill>
-                <a:effectLst/>
-                <a:latin typeface="+mn-lt"/>
-                <a:ea typeface="+mn-ea"/>
-                <a:cs typeface="+mn-cs"/>
-              </a:rPr>
-              <a:t>不区分事件捕捉和冒泡</a:t>
-            </a:r>
-            <a:r>
-              <a:rPr kumimoji="1" lang="zh-CN" altLang="en-US" sz="1200" b="0" i="0" kern="1200" dirty="0" smtClean="0">
-                <a:solidFill>
-                  <a:schemeClr val="tx1"/>
-                </a:solidFill>
-                <a:effectLst/>
-                <a:latin typeface="+mn-lt"/>
-                <a:ea typeface="+mn-ea"/>
-                <a:cs typeface="+mn-cs"/>
-              </a:rPr>
-              <a:t>阶段相当于 </a:t>
-            </a:r>
-            <a:r>
-              <a:rPr kumimoji="1" lang="en-US" altLang="zh-CN" sz="1200" b="0" i="0" kern="1200" dirty="0" smtClean="0">
+              <a:rPr kumimoji="1" lang="zh-CN" altLang="en-US" sz="1200" b="0" i="0" kern="1200" dirty="0">
+                <a:solidFill>
+                  <a:schemeClr val="tx1"/>
+                </a:solidFill>
+                <a:effectLst/>
+                <a:latin typeface="+mn-lt"/>
+                <a:ea typeface="+mn-ea"/>
+                <a:cs typeface="+mn-cs"/>
+              </a:rPr>
+              <a:t>不区分事件捕捉和冒泡阶段相当于 </a:t>
+            </a:r>
+            <a:r>
+              <a:rPr kumimoji="1" lang="en-US" altLang="zh-CN" sz="1200" b="0" i="0" kern="1200" dirty="0">
                 <a:solidFill>
                   <a:schemeClr val="tx1"/>
                 </a:solidFill>
@@ -1978,7 +2829,7 @@
               <a:t>DOM</a:t>
             </a:r>
             <a:r>
-              <a:rPr kumimoji="1" lang="zh-CN" altLang="en-US" sz="1200" b="0" i="0" kern="1200" baseline="0" dirty="0" smtClean="0">
+              <a:rPr kumimoji="1" lang="zh-CN" altLang="en-US" sz="1200" b="0" i="0" kern="1200" baseline="0" dirty="0">
                 <a:solidFill>
                   <a:schemeClr val="tx1"/>
                 </a:solidFill>
@@ -1990,7 +2841,7 @@
               <a:t> </a:t>
             </a:r>
             <a:r>
-              <a:rPr kumimoji="1" lang="en-US" altLang="zh-CN" sz="1200" b="0" i="0" kern="1200" baseline="0" dirty="0" smtClean="0">
+              <a:rPr kumimoji="1" lang="en-US" altLang="zh-CN" sz="1200" b="0" i="0" kern="1200" baseline="0" dirty="0">
                 <a:solidFill>
                   <a:schemeClr val="tx1"/>
                 </a:solidFill>
@@ -2002,7 +2853,7 @@
               <a:t>0</a:t>
             </a:r>
             <a:r>
-              <a:rPr kumimoji="1" lang="zh-CN" altLang="en-US" sz="1200" b="0" i="0" kern="1200" baseline="0" dirty="0" smtClean="0">
+              <a:rPr kumimoji="1" lang="zh-CN" altLang="en-US" sz="1200" b="0" i="0" kern="1200" baseline="0" dirty="0">
                 <a:solidFill>
                   <a:schemeClr val="tx1"/>
                 </a:solidFill>
@@ -2013,7 +2864,7 @@
               </a:rPr>
               <a:t>级事件</a:t>
             </a:r>
-            <a:endParaRPr kumimoji="1" lang="en-US" altLang="zh-CN" sz="1200" b="0" i="0" kern="1200" baseline="0" dirty="0" smtClean="0">
+            <a:endParaRPr kumimoji="1" lang="en-US" altLang="zh-CN" sz="1200" b="0" i="0" kern="1200" baseline="0" dirty="0">
               <a:solidFill>
                 <a:schemeClr val="tx1"/>
               </a:solidFill>
@@ -2042,47 +2893,47 @@
               <a:defRPr/>
             </a:pPr>
             <a:r>
-              <a:rPr lang="en-US" altLang="zh-CN" b="1" dirty="0" smtClean="0"/>
+              <a:rPr lang="en-US" altLang="zh-CN" b="1" dirty="0"/>
               <a:t>click</a:t>
             </a:r>
             <a:r>
-              <a:rPr lang="zh-CN" altLang="en-US" b="1" dirty="0" smtClean="0"/>
+              <a:rPr lang="zh-CN" altLang="en-US" b="1" dirty="0"/>
               <a:t> 点击</a:t>
             </a:r>
             <a:r>
-              <a:rPr lang="en-US" altLang="zh-CN" b="1" dirty="0" smtClean="0"/>
+              <a:rPr lang="en-US" altLang="zh-CN" b="1" dirty="0"/>
               <a:t>(input</a:t>
             </a:r>
             <a:r>
-              <a:rPr lang="zh-CN" altLang="en-US" b="1" dirty="0" smtClean="0"/>
+              <a:rPr lang="zh-CN" altLang="en-US" b="1" dirty="0"/>
               <a:t> </a:t>
             </a:r>
             <a:r>
-              <a:rPr lang="en-US" altLang="zh-CN" b="1" dirty="0" smtClean="0"/>
+              <a:rPr lang="en-US" altLang="zh-CN" b="1" dirty="0"/>
               <a:t>switch</a:t>
             </a:r>
             <a:r>
-              <a:rPr lang="zh-CN" altLang="en-US" b="1" dirty="0" smtClean="0"/>
+              <a:rPr lang="zh-CN" altLang="en-US" b="1" dirty="0"/>
               <a:t>不支持可用</a:t>
             </a:r>
             <a:r>
-              <a:rPr lang="en-US" altLang="zh-CN" dirty="0" smtClean="0"/>
+              <a:rPr lang="en-US" altLang="zh-CN" dirty="0"/>
               <a:t>change</a:t>
             </a:r>
             <a:r>
-              <a:rPr lang="zh-CN" altLang="en-US" dirty="0" smtClean="0"/>
+              <a:rPr lang="zh-CN" altLang="en-US" dirty="0"/>
               <a:t> </a:t>
             </a:r>
             <a:r>
-              <a:rPr lang="en-US" altLang="zh-CN" dirty="0" smtClean="0"/>
+              <a:rPr lang="en-US" altLang="zh-CN" dirty="0"/>
               <a:t>input</a:t>
             </a:r>
             <a:r>
-              <a:rPr lang="zh-CN" altLang="en-US" dirty="0" smtClean="0"/>
+              <a:rPr lang="zh-CN" altLang="en-US" dirty="0"/>
               <a:t> 事件</a:t>
             </a:r>
             <a:r>
-              <a:rPr lang="en-US" altLang="zh-CN" b="1" dirty="0" smtClean="0"/>
+              <a:rPr lang="en-US" altLang="zh-CN" b="1" dirty="0"/>
               <a:t>)</a:t>
             </a:r>
           </a:p>
@@ -2105,42 +2956,42 @@
               <a:defRPr/>
             </a:pPr>
             <a:r>
-              <a:rPr lang="en-US" altLang="zh-CN" b="1" dirty="0" smtClean="0"/>
+              <a:rPr lang="en-US" altLang="zh-CN" b="1" dirty="0"/>
               <a:t>page</a:t>
             </a:r>
             <a:r>
-              <a:rPr lang="zh-CN" altLang="en-US" b="1" dirty="0" smtClean="0"/>
+              <a:rPr lang="zh-CN" altLang="en-US" b="1" dirty="0"/>
               <a:t>  </a:t>
             </a:r>
             <a:r>
-              <a:rPr lang="en-US" altLang="zh-CN" dirty="0" smtClean="0"/>
+              <a:rPr lang="en-US" altLang="zh-CN" dirty="0"/>
               <a:t>navigator</a:t>
             </a:r>
             <a:r>
-              <a:rPr lang="zh-CN" altLang="en-US" dirty="0" smtClean="0"/>
+              <a:rPr lang="zh-CN" altLang="en-US" dirty="0"/>
               <a:t>模块打开新页面触发</a:t>
             </a:r>
             <a:r>
-              <a:rPr lang="en-US" altLang="zh-CN" dirty="0" smtClean="0"/>
+              <a:rPr lang="en-US" altLang="zh-CN" dirty="0"/>
               <a:t>(app</a:t>
             </a:r>
             <a:r>
-              <a:rPr lang="zh-CN" altLang="en-US" dirty="0" smtClean="0"/>
+              <a:rPr lang="zh-CN" altLang="en-US" dirty="0"/>
               <a:t> 专有</a:t>
             </a:r>
             <a:r>
-              <a:rPr lang="en-US" altLang="zh-CN" dirty="0" smtClean="0"/>
+              <a:rPr lang="en-US" altLang="zh-CN" dirty="0"/>
               <a:t>h5</a:t>
             </a:r>
             <a:r>
-              <a:rPr lang="zh-CN" altLang="en-US" dirty="0" smtClean="0"/>
+              <a:rPr lang="zh-CN" altLang="en-US" dirty="0"/>
               <a:t>无效</a:t>
             </a:r>
             <a:r>
-              <a:rPr lang="en-US" altLang="zh-CN" dirty="0" smtClean="0"/>
+              <a:rPr lang="en-US" altLang="zh-CN" dirty="0"/>
               <a:t>)</a:t>
             </a:r>
-            <a:endParaRPr lang="en-US" altLang="zh-CN" b="1" dirty="0" smtClean="0"/>
+            <a:endParaRPr lang="en-US" altLang="zh-CN" b="1" dirty="0"/>
           </a:p>
         </p:txBody>
       </p:sp>
@@ -2161,7 +3012,7 @@
           <a:p>
             <a:fld id="{52C27BEF-11A0-F544-A726-D4EA06DCF696}" type="slidenum">
               <a:rPr kumimoji="1" lang="zh-CN" altLang="en-US" smtClean="0"/>
-              <a:t>13</a:t>
+              <a:t>14</a:t>
             </a:fld>
             <a:endParaRPr kumimoji="1" lang="zh-CN" altLang="en-US"/>
           </a:p>
@@ -2225,14 +3076,14 @@
           <a:lstStyle/>
           <a:p>
             <a:r>
-              <a:rPr lang="zh-CN" altLang="en-US" b="0" dirty="0" smtClean="0"/>
+              <a:rPr lang="zh-CN" altLang="en-US" b="0" dirty="0"/>
               <a:t>剪切板模块 导航模块 本地存储模块</a:t>
             </a:r>
-            <a:endParaRPr lang="en-US" altLang="zh-CN" b="0" dirty="0" smtClean="0"/>
-          </a:p>
-          <a:p>
-            <a:r>
-              <a:rPr lang="zh-CN" altLang="en-US" sz="1200" b="0" i="0" kern="1200" dirty="0" smtClean="0">
+            <a:endParaRPr lang="en-US" altLang="zh-CN" b="0" dirty="0"/>
+          </a:p>
+          <a:p>
+            <a:r>
+              <a:rPr lang="zh-CN" altLang="en-US" sz="1200" b="0" i="0" kern="1200" dirty="0">
                 <a:solidFill>
                   <a:schemeClr val="tx1"/>
                 </a:solidFill>
@@ -2243,7 +3094,7 @@
               </a:rPr>
               <a:t>有些接口在浏览器环境中也存在，不过在使用时应该注意浏览器的兼容性；如剪贴板功能，出于安全性考虑，绝大多数浏览器都限制其使用。</a:t>
             </a:r>
-            <a:endParaRPr lang="en-US" altLang="zh-CN" b="1" dirty="0" smtClean="0"/>
+            <a:endParaRPr lang="en-US" altLang="zh-CN" b="1" dirty="0"/>
           </a:p>
         </p:txBody>
       </p:sp>
@@ -2264,7 +3115,7 @@
           <a:p>
             <a:fld id="{52C27BEF-11A0-F544-A726-D4EA06DCF696}" type="slidenum">
               <a:rPr kumimoji="1" lang="zh-CN" altLang="en-US" smtClean="0"/>
-              <a:t>14</a:t>
+              <a:t>15</a:t>
             </a:fld>
             <a:endParaRPr kumimoji="1" lang="zh-CN" altLang="en-US"/>
           </a:p>
@@ -2274,6 +3125,115 @@
     <p:extLst>
       <p:ext uri="{BB962C8B-B14F-4D97-AF65-F5344CB8AC3E}">
         <p14:creationId xmlns:p14="http://schemas.microsoft.com/office/powerpoint/2010/main" val="1085388374"/>
+      </p:ext>
+    </p:extLst>
+  </p:cSld>
+  <p:clrMapOvr>
+    <a:masterClrMapping/>
+  </p:clrMapOvr>
+</p:notes>
+</file>
+
+<file path=ppt/notesSlides/notesSlide9.xml><?xml version="1.0" encoding="utf-8"?>
+<p:notes xmlns:a="http://schemas.openxmlformats.org/drawingml/2006/main" xmlns:r="http://schemas.openxmlformats.org/officeDocument/2006/relationships" xmlns:p="http://schemas.openxmlformats.org/presentationml/2006/main">
+  <p:cSld>
+    <p:spTree>
+      <p:nvGrpSpPr>
+        <p:cNvPr id="1" name=""/>
+        <p:cNvGrpSpPr/>
+        <p:nvPr/>
+      </p:nvGrpSpPr>
+      <p:grpSpPr>
+        <a:xfrm>
+          <a:off x="0" y="0"/>
+          <a:ext cx="0" cy="0"/>
+          <a:chOff x="0" y="0"/>
+          <a:chExt cx="0" cy="0"/>
+        </a:xfrm>
+      </p:grpSpPr>
+      <p:sp>
+        <p:nvSpPr>
+          <p:cNvPr id="2" name="幻灯片图像占位符 1"/>
+          <p:cNvSpPr>
+            <a:spLocks noGrp="1" noRot="1" noChangeAspect="1"/>
+          </p:cNvSpPr>
+          <p:nvPr>
+            <p:ph type="sldImg"/>
+          </p:nvPr>
+        </p:nvSpPr>
+        <p:spPr/>
+      </p:sp>
+      <p:sp>
+        <p:nvSpPr>
+          <p:cNvPr id="3" name="备注占位符 2"/>
+          <p:cNvSpPr>
+            <a:spLocks noGrp="1"/>
+          </p:cNvSpPr>
+          <p:nvPr>
+            <p:ph type="body" idx="1"/>
+          </p:nvPr>
+        </p:nvSpPr>
+        <p:spPr/>
+        <p:txBody>
+          <a:bodyPr/>
+          <a:lstStyle/>
+          <a:p>
+            <a:pPr marL="0" marR="0" lvl="0" indent="0" algn="l" defTabSz="914400" rtl="0" eaLnBrk="1" fontAlgn="auto" latinLnBrk="0" hangingPunct="1">
+              <a:lnSpc>
+                <a:spcPct val="100000"/>
+              </a:lnSpc>
+              <a:spcBef>
+                <a:spcPts val="0"/>
+              </a:spcBef>
+              <a:spcAft>
+                <a:spcPts val="0"/>
+              </a:spcAft>
+              <a:buClrTx/>
+              <a:buSzTx/>
+              <a:buFontTx/>
+              <a:buNone/>
+              <a:tabLst/>
+              <a:defRPr/>
+            </a:pPr>
+            <a:endParaRPr lang="en-US" altLang="zh-CN" sz="1200" b="0" i="0" kern="1200" dirty="0">
+              <a:solidFill>
+                <a:schemeClr val="tx1"/>
+              </a:solidFill>
+              <a:effectLst/>
+              <a:latin typeface="+mn-lt"/>
+              <a:ea typeface="+mn-ea"/>
+              <a:cs typeface="+mn-cs"/>
+            </a:endParaRPr>
+          </a:p>
+        </p:txBody>
+      </p:sp>
+      <p:sp>
+        <p:nvSpPr>
+          <p:cNvPr id="4" name="灯片编号占位符 3"/>
+          <p:cNvSpPr>
+            <a:spLocks noGrp="1"/>
+          </p:cNvSpPr>
+          <p:nvPr>
+            <p:ph type="sldNum" sz="quarter" idx="10"/>
+          </p:nvPr>
+        </p:nvSpPr>
+        <p:spPr/>
+        <p:txBody>
+          <a:bodyPr/>
+          <a:lstStyle/>
+          <a:p>
+            <a:fld id="{52C27BEF-11A0-F544-A726-D4EA06DCF696}" type="slidenum">
+              <a:rPr kumimoji="1" lang="zh-CN" altLang="en-US" smtClean="0"/>
+              <a:t>16</a:t>
+            </a:fld>
+            <a:endParaRPr kumimoji="1" lang="zh-CN" altLang="en-US"/>
+          </a:p>
+        </p:txBody>
+      </p:sp>
+    </p:spTree>
+    <p:extLst>
+      <p:ext uri="{BB962C8B-B14F-4D97-AF65-F5344CB8AC3E}">
+        <p14:creationId xmlns:p14="http://schemas.microsoft.com/office/powerpoint/2010/main" val="2653763878"/>
       </p:ext>
     </p:extLst>
   </p:cSld>
@@ -2414,7 +3374,7 @@
           <a:p>
             <a:fld id="{BC64B8EC-C3FF-4946-9F35-4C8DE8F76F34}" type="datetimeFigureOut">
               <a:rPr kumimoji="1" lang="zh-CN" altLang="en-US" smtClean="0"/>
-              <a:t>17/10/30</a:t>
+              <a:t>2017/10/31</a:t>
             </a:fld>
             <a:endParaRPr kumimoji="1" lang="zh-CN" altLang="en-US"/>
           </a:p>
@@ -2579,7 +3539,7 @@
           <a:p>
             <a:fld id="{BC64B8EC-C3FF-4946-9F35-4C8DE8F76F34}" type="datetimeFigureOut">
               <a:rPr kumimoji="1" lang="zh-CN" altLang="en-US" smtClean="0"/>
-              <a:t>17/10/30</a:t>
+              <a:t>2017/10/31</a:t>
             </a:fld>
             <a:endParaRPr kumimoji="1" lang="zh-CN" altLang="en-US"/>
           </a:p>
@@ -2754,7 +3714,7 @@
           <a:p>
             <a:fld id="{BC64B8EC-C3FF-4946-9F35-4C8DE8F76F34}" type="datetimeFigureOut">
               <a:rPr kumimoji="1" lang="zh-CN" altLang="en-US" smtClean="0"/>
-              <a:t>17/10/30</a:t>
+              <a:t>2017/10/31</a:t>
             </a:fld>
             <a:endParaRPr kumimoji="1" lang="zh-CN" altLang="en-US"/>
           </a:p>
@@ -2919,7 +3879,7 @@
           <a:p>
             <a:fld id="{BC64B8EC-C3FF-4946-9F35-4C8DE8F76F34}" type="datetimeFigureOut">
               <a:rPr kumimoji="1" lang="zh-CN" altLang="en-US" smtClean="0"/>
-              <a:t>17/10/30</a:t>
+              <a:t>2017/10/31</a:t>
             </a:fld>
             <a:endParaRPr kumimoji="1" lang="zh-CN" altLang="en-US"/>
           </a:p>
@@ -3160,7 +4120,7 @@
           <a:p>
             <a:fld id="{BC64B8EC-C3FF-4946-9F35-4C8DE8F76F34}" type="datetimeFigureOut">
               <a:rPr kumimoji="1" lang="zh-CN" altLang="en-US" smtClean="0"/>
-              <a:t>17/10/30</a:t>
+              <a:t>2017/10/31</a:t>
             </a:fld>
             <a:endParaRPr kumimoji="1" lang="zh-CN" altLang="en-US"/>
           </a:p>
@@ -3387,7 +4347,7 @@
           <a:p>
             <a:fld id="{BC64B8EC-C3FF-4946-9F35-4C8DE8F76F34}" type="datetimeFigureOut">
               <a:rPr kumimoji="1" lang="zh-CN" altLang="en-US" smtClean="0"/>
-              <a:t>17/10/30</a:t>
+              <a:t>2017/10/31</a:t>
             </a:fld>
             <a:endParaRPr kumimoji="1" lang="zh-CN" altLang="en-US"/>
           </a:p>
@@ -3749,7 +4709,7 @@
           <a:p>
             <a:fld id="{BC64B8EC-C3FF-4946-9F35-4C8DE8F76F34}" type="datetimeFigureOut">
               <a:rPr kumimoji="1" lang="zh-CN" altLang="en-US" smtClean="0"/>
-              <a:t>17/10/30</a:t>
+              <a:t>2017/10/31</a:t>
             </a:fld>
             <a:endParaRPr kumimoji="1" lang="zh-CN" altLang="en-US"/>
           </a:p>
@@ -3862,7 +4822,7 @@
           <a:p>
             <a:fld id="{BC64B8EC-C3FF-4946-9F35-4C8DE8F76F34}" type="datetimeFigureOut">
               <a:rPr kumimoji="1" lang="zh-CN" altLang="en-US" smtClean="0"/>
-              <a:t>17/10/30</a:t>
+              <a:t>2017/10/31</a:t>
             </a:fld>
             <a:endParaRPr kumimoji="1" lang="zh-CN" altLang="en-US"/>
           </a:p>
@@ -3952,7 +4912,7 @@
           <a:p>
             <a:fld id="{BC64B8EC-C3FF-4946-9F35-4C8DE8F76F34}" type="datetimeFigureOut">
               <a:rPr kumimoji="1" lang="zh-CN" altLang="en-US" smtClean="0"/>
-              <a:t>17/10/30</a:t>
+              <a:t>2017/10/31</a:t>
             </a:fld>
             <a:endParaRPr kumimoji="1" lang="zh-CN" altLang="en-US"/>
           </a:p>
@@ -4224,7 +5184,7 @@
           <a:p>
             <a:fld id="{BC64B8EC-C3FF-4946-9F35-4C8DE8F76F34}" type="datetimeFigureOut">
               <a:rPr kumimoji="1" lang="zh-CN" altLang="en-US" smtClean="0"/>
-              <a:t>17/10/30</a:t>
+              <a:t>2017/10/31</a:t>
             </a:fld>
             <a:endParaRPr kumimoji="1" lang="zh-CN" altLang="en-US"/>
           </a:p>
@@ -4476,7 +5436,7 @@
           <a:p>
             <a:fld id="{BC64B8EC-C3FF-4946-9F35-4C8DE8F76F34}" type="datetimeFigureOut">
               <a:rPr kumimoji="1" lang="zh-CN" altLang="en-US" smtClean="0"/>
-              <a:t>17/10/30</a:t>
+              <a:t>2017/10/31</a:t>
             </a:fld>
             <a:endParaRPr kumimoji="1" lang="zh-CN" altLang="en-US"/>
           </a:p>
@@ -4684,7 +5644,7 @@
           <a:p>
             <a:fld id="{BC64B8EC-C3FF-4946-9F35-4C8DE8F76F34}" type="datetimeFigureOut">
               <a:rPr kumimoji="1" lang="zh-CN" altLang="en-US" smtClean="0"/>
-              <a:t>17/10/30</a:t>
+              <a:t>2017/10/31</a:t>
             </a:fld>
             <a:endParaRPr kumimoji="1" lang="zh-CN" altLang="en-US"/>
           </a:p>
@@ -5286,7 +6246,7 @@
           <p:cNvPr id="2" name="标题 1">
             <a:extLst>
               <a:ext uri="{FF2B5EF4-FFF2-40B4-BE49-F238E27FC236}">
-                <a16:creationId xmlns="" xmlns:a16="http://schemas.microsoft.com/office/drawing/2014/main" id="{203E010F-C628-4EF7-B624-7102C603A2D5}"/>
+                <a16:creationId xmlns:a16="http://schemas.microsoft.com/office/drawing/2014/main" id="{203E010F-C628-4EF7-B624-7102C603A2D5}"/>
               </a:ext>
             </a:extLst>
           </p:cNvPr>
@@ -5331,7 +6291,7 @@
           <p:cNvPr id="3" name="内容占位符 2">
             <a:extLst>
               <a:ext uri="{FF2B5EF4-FFF2-40B4-BE49-F238E27FC236}">
-                <a16:creationId xmlns="" xmlns:a16="http://schemas.microsoft.com/office/drawing/2014/main" id="{A5C67812-E75C-4C54-9B02-562DAB47D231}"/>
+                <a16:creationId xmlns:a16="http://schemas.microsoft.com/office/drawing/2014/main" id="{A5C67812-E75C-4C54-9B02-562DAB47D231}"/>
               </a:ext>
             </a:extLst>
           </p:cNvPr>
@@ -5521,7 +6481,13 @@
       </p:grpSpPr>
       <p:sp>
         <p:nvSpPr>
-          <p:cNvPr id="2" name="标题 1"/>
+          <p:cNvPr id="2" name="标题 1">
+            <a:extLst>
+              <a:ext uri="{FF2B5EF4-FFF2-40B4-BE49-F238E27FC236}">
+                <a16:creationId xmlns:a16="http://schemas.microsoft.com/office/drawing/2014/main" id="{02050B37-32EB-4B4E-87B5-1E8FAC273DE8}"/>
+              </a:ext>
+            </a:extLst>
+          </p:cNvPr>
           <p:cNvSpPr>
             <a:spLocks noGrp="1"/>
           </p:cNvSpPr>
@@ -5529,7 +6495,12 @@
             <p:ph type="title"/>
           </p:nvPr>
         </p:nvSpPr>
-        <p:spPr/>
+        <p:spPr>
+          <a:xfrm>
+            <a:off x="838200" y="2708100"/>
+            <a:ext cx="10515600" cy="1325563"/>
+          </a:xfrm>
+        </p:spPr>
         <p:txBody>
           <a:bodyPr/>
           <a:lstStyle/>
@@ -5540,7 +6511,7 @@
             </a:r>
             <a:r>
               <a:rPr lang="en-US" altLang="zh-CN" b="1" dirty="0"/>
-              <a:t> </a:t>
+              <a:t>  </a:t>
             </a:r>
             <a:r>
               <a:rPr lang="zh-CN" altLang="en-US" b="1" dirty="0"/>
@@ -5552,19 +6523,21 @@
             </a:r>
             <a:r>
               <a:rPr lang="zh-CN" altLang="en-US" b="1" dirty="0"/>
-              <a:t>平台的</a:t>
-            </a:r>
-            <a:r>
-              <a:rPr lang="zh-CN" altLang="en-US" b="1" dirty="0" smtClean="0"/>
-              <a:t>差异</a:t>
-            </a:r>
-            <a:endParaRPr kumimoji="1" lang="zh-CN" altLang="en-US" dirty="0"/>
-          </a:p>
-        </p:txBody>
-      </p:sp>
-      <p:sp>
-        <p:nvSpPr>
-          <p:cNvPr id="3" name="内容占位符 2"/>
+              <a:t>平台的差异</a:t>
+            </a:r>
+            <a:endParaRPr lang="zh-CN" altLang="en-US" dirty="0"/>
+          </a:p>
+        </p:txBody>
+      </p:sp>
+      <p:sp>
+        <p:nvSpPr>
+          <p:cNvPr id="3" name="内容占位符 2">
+            <a:extLst>
+              <a:ext uri="{FF2B5EF4-FFF2-40B4-BE49-F238E27FC236}">
+                <a16:creationId xmlns:a16="http://schemas.microsoft.com/office/drawing/2014/main" id="{46F3FDBD-9C79-4CDC-864C-66F00B0D505F}"/>
+              </a:ext>
+            </a:extLst>
+          </p:cNvPr>
           <p:cNvSpPr>
             <a:spLocks noGrp="1"/>
           </p:cNvSpPr>
@@ -5574,133 +6547,17 @@
         </p:nvSpPr>
         <p:spPr/>
         <p:txBody>
-          <a:bodyPr>
-            <a:normAutofit/>
-          </a:bodyPr>
-          <a:lstStyle/>
-          <a:p>
-            <a:r>
-              <a:rPr kumimoji="1" lang="zh-CN" altLang="en-US" sz="3200" dirty="0" smtClean="0"/>
-              <a:t>没有 </a:t>
-            </a:r>
-            <a:r>
-              <a:rPr kumimoji="1" lang="en-US" altLang="zh-CN" sz="3200" dirty="0" smtClean="0"/>
-              <a:t>DOM</a:t>
-            </a:r>
-            <a:r>
-              <a:rPr lang="zh-CN" altLang="en-US" sz="3200" dirty="0"/>
-              <a:t>（</a:t>
-            </a:r>
-            <a:r>
-              <a:rPr lang="en-US" altLang="zh-CN" sz="3200" dirty="0"/>
-              <a:t>Document Object Model</a:t>
-            </a:r>
-            <a:r>
-              <a:rPr lang="zh-CN" altLang="en-US" sz="3200" dirty="0" smtClean="0"/>
-              <a:t>）</a:t>
-            </a:r>
-            <a:endParaRPr lang="en-US" altLang="zh-CN" sz="3200" dirty="0" smtClean="0"/>
-          </a:p>
-          <a:p>
-            <a:r>
-              <a:rPr lang="zh-CN" altLang="en-US" dirty="0" smtClean="0"/>
-              <a:t>不存在 </a:t>
-            </a:r>
-            <a:r>
-              <a:rPr lang="en-US" altLang="zh-CN" dirty="0" err="1" smtClean="0"/>
-              <a:t>document,window,screen</a:t>
-            </a:r>
-            <a:endParaRPr lang="en-US" altLang="zh-CN" dirty="0" smtClean="0"/>
-          </a:p>
-          <a:p>
-            <a:r>
-              <a:rPr lang="zh-CN" altLang="en-US" dirty="0"/>
-              <a:t>提供了</a:t>
-            </a:r>
-            <a:r>
-              <a:rPr lang="en-US" altLang="zh-CN" dirty="0" err="1"/>
-              <a:t>WXEnvironment</a:t>
-            </a:r>
-            <a:r>
-              <a:rPr lang="zh-CN" altLang="en-US" dirty="0" smtClean="0"/>
-              <a:t>变量</a:t>
-            </a:r>
-            <a:endParaRPr lang="en-US" altLang="zh-CN" dirty="0" smtClean="0"/>
-          </a:p>
-          <a:p>
-            <a:r>
-              <a:rPr kumimoji="1" lang="zh-CN" altLang="en-US" sz="3200" dirty="0"/>
-              <a:t>没有 </a:t>
-            </a:r>
-            <a:r>
-              <a:rPr lang="en-US" altLang="zh-CN" sz="3200" dirty="0"/>
-              <a:t>BOM</a:t>
-            </a:r>
-            <a:r>
-              <a:rPr lang="zh-CN" altLang="en-US" sz="3200" dirty="0"/>
-              <a:t>（</a:t>
-            </a:r>
-            <a:r>
-              <a:rPr lang="en-US" altLang="zh-CN" sz="3200" dirty="0"/>
-              <a:t>Browser Object Model</a:t>
-            </a:r>
-            <a:r>
-              <a:rPr lang="zh-CN" altLang="en-US" sz="3200" dirty="0" smtClean="0"/>
-              <a:t>）</a:t>
-            </a:r>
-            <a:endParaRPr lang="en-US" altLang="zh-CN" sz="3200" dirty="0"/>
-          </a:p>
-          <a:p>
-            <a:r>
-              <a:rPr lang="zh-CN" altLang="en-US" dirty="0" smtClean="0"/>
-              <a:t>也</a:t>
-            </a:r>
-            <a:r>
-              <a:rPr lang="zh-CN" altLang="en-US" dirty="0" smtClean="0"/>
-              <a:t>没有</a:t>
-            </a:r>
-            <a:r>
-              <a:rPr lang="en-US" altLang="zh-CN" dirty="0"/>
-              <a:t>history </a:t>
-            </a:r>
-            <a:r>
-              <a:rPr lang="zh-CN" altLang="en-US" dirty="0"/>
-              <a:t>、</a:t>
-            </a:r>
-            <a:r>
-              <a:rPr lang="en-US" altLang="zh-CN" dirty="0"/>
-              <a:t>location </a:t>
-            </a:r>
-            <a:r>
-              <a:rPr lang="zh-CN" altLang="en-US" dirty="0"/>
-              <a:t>、</a:t>
-            </a:r>
-            <a:r>
-              <a:rPr lang="en-US" altLang="zh-CN" dirty="0" smtClean="0"/>
-              <a:t>navigator</a:t>
-            </a:r>
-          </a:p>
-          <a:p>
-            <a:r>
-              <a:rPr lang="zh-CN" altLang="en-US" dirty="0" smtClean="0"/>
-              <a:t>提供了</a:t>
-            </a:r>
-            <a:r>
-              <a:rPr lang="en-US" altLang="zh-CN" dirty="0" smtClean="0"/>
-              <a:t>navigator</a:t>
-            </a:r>
-            <a:r>
-              <a:rPr lang="zh-CN" altLang="en-US" dirty="0" smtClean="0"/>
-              <a:t>模块</a:t>
-            </a:r>
-            <a:endParaRPr lang="en-US" altLang="zh-CN" dirty="0" smtClean="0"/>
+          <a:bodyPr/>
+          <a:lstStyle/>
+          <a:p>
+            <a:endParaRPr lang="zh-CN" altLang="en-US"/>
           </a:p>
         </p:txBody>
       </p:sp>
     </p:spTree>
     <p:extLst>
       <p:ext uri="{BB962C8B-B14F-4D97-AF65-F5344CB8AC3E}">
-        <p14:creationId xmlns:p14="http://schemas.microsoft.com/office/powerpoint/2010/main" val="1792974218"/>
+        <p14:creationId xmlns:p14="http://schemas.microsoft.com/office/powerpoint/2010/main" val="3471048061"/>
       </p:ext>
     </p:extLst>
   </p:cSld>
@@ -5742,31 +6599,7 @@
           <a:bodyPr/>
           <a:lstStyle/>
           <a:p>
-            <a:r>
-              <a:rPr lang="en-US" altLang="zh-CN" b="1" dirty="0" err="1"/>
-              <a:t>Weex</a:t>
-            </a:r>
-            <a:r>
-              <a:rPr lang="en-US" altLang="zh-CN" b="1" dirty="0"/>
-              <a:t> </a:t>
-            </a:r>
-            <a:r>
-              <a:rPr lang="zh-CN" altLang="en-US" b="1" dirty="0"/>
-              <a:t>和 </a:t>
-            </a:r>
-            <a:r>
-              <a:rPr lang="en-US" altLang="zh-CN" b="1" dirty="0"/>
-              <a:t>Web </a:t>
-            </a:r>
-            <a:r>
-              <a:rPr lang="zh-CN" altLang="en-US" b="1" dirty="0"/>
-              <a:t>平台的</a:t>
-            </a:r>
-            <a:r>
-              <a:rPr lang="zh-CN" altLang="en-US" b="1" dirty="0" smtClean="0"/>
-              <a:t>差异</a:t>
-            </a:r>
-            <a:endParaRPr kumimoji="1" lang="zh-CN" altLang="en-US" dirty="0"/>
+            <a:endParaRPr lang="zh-CN" altLang="en-US" dirty="0"/>
           </a:p>
         </p:txBody>
       </p:sp>
@@ -5783,180 +6616,128 @@
         <p:spPr/>
         <p:txBody>
           <a:bodyPr>
-            <a:normAutofit lnSpcReduction="10000"/>
+            <a:normAutofit/>
           </a:bodyPr>
           <a:lstStyle/>
           <a:p>
             <a:r>
-              <a:rPr kumimoji="1" lang="zh-CN" altLang="en-US" sz="3200" dirty="0" smtClean="0"/>
-              <a:t>支持的事件</a:t>
-            </a:r>
-            <a:r>
-              <a:rPr kumimoji="1" lang="zh-CN" altLang="en-US" sz="3200" dirty="0" smtClean="0"/>
-              <a:t>类型</a:t>
-            </a:r>
-            <a:endParaRPr kumimoji="1" lang="en-US" altLang="zh-CN" sz="3200" dirty="0" smtClean="0"/>
-          </a:p>
-          <a:p>
-            <a:r>
-              <a:rPr lang="zh-CN" altLang="en-US" dirty="0" smtClean="0"/>
-              <a:t>标签支持绑定</a:t>
-            </a:r>
-            <a:r>
-              <a:rPr lang="zh-CN" altLang="en-US" dirty="0"/>
-              <a:t>事件，</a:t>
-            </a:r>
-            <a:r>
-              <a:rPr lang="zh-CN" altLang="en-US" dirty="0" smtClean="0"/>
-              <a:t>和</a:t>
-            </a:r>
-            <a:r>
-              <a:rPr lang="en-US" altLang="zh-CN" dirty="0" smtClean="0"/>
-              <a:t>web</a:t>
-            </a:r>
-            <a:r>
-              <a:rPr lang="zh-CN" altLang="en-US" dirty="0" smtClean="0"/>
-              <a:t>页面写法</a:t>
-            </a:r>
-            <a:r>
-              <a:rPr lang="zh-CN" altLang="en-US" dirty="0"/>
-              <a:t>一样，</a:t>
-            </a:r>
-            <a:r>
-              <a:rPr lang="zh-CN" altLang="en-US" dirty="0" smtClean="0"/>
-              <a:t>但</a:t>
-            </a:r>
-            <a:r>
-              <a:rPr lang="en-US" altLang="zh-CN" dirty="0" smtClean="0"/>
-              <a:t>app</a:t>
-            </a:r>
-            <a:r>
-              <a:rPr lang="zh-CN" altLang="en-US" dirty="0" smtClean="0"/>
-              <a:t> 中的事件</a:t>
-            </a:r>
-            <a:r>
-              <a:rPr lang="zh-CN" altLang="en-US" dirty="0"/>
-              <a:t>是由原生组件捕获并触发的，行为和浏览器中有所不同，事件中的属性也和 </a:t>
-            </a:r>
-            <a:r>
-              <a:rPr lang="en-US" altLang="zh-CN" dirty="0"/>
-              <a:t>Web </a:t>
-            </a:r>
-            <a:r>
-              <a:rPr lang="zh-CN" altLang="en-US" dirty="0"/>
-              <a:t>中有差异</a:t>
-            </a:r>
-            <a:r>
-              <a:rPr lang="zh-CN" altLang="en-US" dirty="0" smtClean="0"/>
-              <a:t>。</a:t>
-            </a:r>
-            <a:endParaRPr lang="en-US" altLang="zh-CN" dirty="0" smtClean="0"/>
-          </a:p>
-          <a:p>
-            <a:r>
-              <a:rPr lang="en-US" altLang="zh-CN" dirty="0" smtClean="0"/>
-              <a:t>click</a:t>
-            </a:r>
-            <a:r>
-              <a:rPr lang="zh-CN" altLang="en-US" dirty="0" smtClean="0"/>
-              <a:t> 点击</a:t>
-            </a:r>
-            <a:r>
-              <a:rPr lang="en-US" altLang="zh-CN" dirty="0" smtClean="0"/>
-              <a:t>(input</a:t>
-            </a:r>
-            <a:r>
-              <a:rPr lang="zh-CN" altLang="en-US" dirty="0" smtClean="0"/>
-              <a:t> </a:t>
-            </a:r>
-            <a:r>
-              <a:rPr lang="en-US" altLang="zh-CN" dirty="0" smtClean="0"/>
-              <a:t>switch</a:t>
-            </a:r>
-            <a:r>
-              <a:rPr lang="zh-CN" altLang="en-US" dirty="0" smtClean="0"/>
-              <a:t>不支持可用</a:t>
-            </a:r>
-            <a:r>
-              <a:rPr lang="en-US" altLang="zh-CN" dirty="0" smtClean="0"/>
-              <a:t>change</a:t>
-            </a:r>
-            <a:r>
-              <a:rPr lang="zh-CN" altLang="en-US" dirty="0" smtClean="0"/>
-              <a:t> </a:t>
-            </a:r>
-            <a:r>
-              <a:rPr lang="en-US" altLang="zh-CN" dirty="0" smtClean="0"/>
-              <a:t>input</a:t>
-            </a:r>
-            <a:r>
-              <a:rPr lang="zh-CN" altLang="en-US" dirty="0" smtClean="0"/>
-              <a:t> 事件</a:t>
-            </a:r>
-            <a:r>
-              <a:rPr lang="en-US" altLang="zh-CN" dirty="0" smtClean="0"/>
-              <a:t>)</a:t>
-            </a:r>
-          </a:p>
-          <a:p>
-            <a:r>
-              <a:rPr lang="en-US" altLang="zh-CN" dirty="0" err="1" smtClean="0"/>
-              <a:t>longpress</a:t>
-            </a:r>
-            <a:r>
-              <a:rPr lang="zh-CN" altLang="en-US" dirty="0" smtClean="0"/>
-              <a:t> 长按</a:t>
-            </a:r>
-            <a:endParaRPr lang="en-US" altLang="zh-CN" dirty="0" smtClean="0"/>
-          </a:p>
-          <a:p>
-            <a:r>
-              <a:rPr lang="en-US" altLang="zh-CN" dirty="0" smtClean="0"/>
-              <a:t>appear</a:t>
-            </a:r>
-            <a:r>
-              <a:rPr lang="zh-CN" altLang="en-US" dirty="0" smtClean="0"/>
-              <a:t> 变为屏幕内可见</a:t>
-            </a:r>
-            <a:endParaRPr lang="en-US" altLang="zh-CN" dirty="0" smtClean="0"/>
-          </a:p>
-          <a:p>
-            <a:r>
-              <a:rPr lang="en-US" altLang="zh-CN" dirty="0" smtClean="0"/>
-              <a:t>disappear</a:t>
-            </a:r>
-            <a:r>
-              <a:rPr lang="zh-CN" altLang="en-US" dirty="0" smtClean="0"/>
-              <a:t> 变为屏幕内不可见</a:t>
-            </a:r>
-            <a:endParaRPr lang="en-US" altLang="zh-CN" dirty="0" smtClean="0"/>
-          </a:p>
-          <a:p>
-            <a:r>
-              <a:rPr lang="en-US" altLang="zh-CN" dirty="0" smtClean="0"/>
-              <a:t>page</a:t>
-            </a:r>
-            <a:r>
-              <a:rPr lang="zh-CN" altLang="en-US" dirty="0" smtClean="0"/>
-              <a:t>  打开新页面</a:t>
+              <a:rPr kumimoji="1" lang="zh-CN" altLang="en-US" sz="3200" dirty="0"/>
+              <a:t>没有 </a:t>
+            </a:r>
+            <a:r>
+              <a:rPr kumimoji="1" lang="en-US" altLang="zh-CN" sz="3200" dirty="0"/>
+              <a:t>DOM</a:t>
+            </a:r>
+            <a:r>
+              <a:rPr lang="zh-CN" altLang="en-US" sz="3200" dirty="0"/>
+              <a:t>（</a:t>
+            </a:r>
+            <a:r>
+              <a:rPr lang="en-US" altLang="zh-CN" sz="3200" dirty="0"/>
+              <a:t>Document Object Model</a:t>
+            </a:r>
+            <a:r>
+              <a:rPr lang="zh-CN" altLang="en-US" sz="3200" dirty="0"/>
+              <a:t>）</a:t>
+            </a:r>
+            <a:endParaRPr lang="en-US" altLang="zh-CN" sz="3200" dirty="0"/>
+          </a:p>
+          <a:p>
+            <a:r>
+              <a:rPr lang="zh-CN" altLang="en-US" dirty="0"/>
+              <a:t>不存在 </a:t>
+            </a:r>
+            <a:r>
+              <a:rPr lang="en-US" altLang="zh-CN" dirty="0" err="1"/>
+              <a:t>document,window,screen</a:t>
             </a:r>
             <a:endParaRPr lang="en-US" altLang="zh-CN" dirty="0"/>
           </a:p>
           <a:p>
-            <a:endParaRPr lang="en-US" altLang="zh-CN" b="1" dirty="0"/>
-          </a:p>
-          <a:p>
-            <a:endParaRPr lang="en-US" altLang="zh-CN" b="1" dirty="0"/>
-          </a:p>
-          <a:p>
-            <a:endParaRPr kumimoji="1" lang="zh-CN" altLang="en-US" dirty="0"/>
+            <a:r>
+              <a:rPr lang="zh-CN" altLang="en-US" dirty="0"/>
+              <a:t>提供了</a:t>
+            </a:r>
+            <a:r>
+              <a:rPr lang="en-US" altLang="zh-CN" dirty="0" err="1"/>
+              <a:t>WXEnvironment</a:t>
+            </a:r>
+            <a:r>
+              <a:rPr lang="zh-CN" altLang="en-US" dirty="0"/>
+              <a:t>变量</a:t>
+            </a:r>
+            <a:endParaRPr lang="en-US" altLang="zh-CN" dirty="0"/>
+          </a:p>
+          <a:p>
+            <a:r>
+              <a:rPr kumimoji="1" lang="zh-CN" altLang="en-US" sz="3200" dirty="0"/>
+              <a:t>没有 </a:t>
+            </a:r>
+            <a:r>
+              <a:rPr lang="en-US" altLang="zh-CN" sz="3200" dirty="0"/>
+              <a:t>BOM</a:t>
+            </a:r>
+            <a:r>
+              <a:rPr lang="zh-CN" altLang="en-US" sz="3200" dirty="0"/>
+              <a:t>（</a:t>
+            </a:r>
+            <a:r>
+              <a:rPr lang="en-US" altLang="zh-CN" sz="3200" dirty="0"/>
+              <a:t>Browser Object Model</a:t>
+            </a:r>
+            <a:r>
+              <a:rPr lang="zh-CN" altLang="en-US" sz="3200" dirty="0"/>
+              <a:t>）</a:t>
+            </a:r>
+            <a:endParaRPr lang="en-US" altLang="zh-CN" sz="3200" dirty="0"/>
+          </a:p>
+          <a:p>
+            <a:r>
+              <a:rPr lang="zh-CN" altLang="en-US" dirty="0"/>
+              <a:t>也没有</a:t>
+            </a:r>
+            <a:r>
+              <a:rPr lang="en-US" altLang="zh-CN" dirty="0"/>
+              <a:t>history </a:t>
+            </a:r>
+            <a:r>
+              <a:rPr lang="zh-CN" altLang="en-US" dirty="0"/>
+              <a:t>、</a:t>
+            </a:r>
+            <a:r>
+              <a:rPr lang="en-US" altLang="zh-CN" dirty="0"/>
+              <a:t>location </a:t>
+            </a:r>
+            <a:r>
+              <a:rPr lang="zh-CN" altLang="en-US" dirty="0"/>
+              <a:t>、</a:t>
+            </a:r>
+            <a:r>
+              <a:rPr lang="en-US" altLang="zh-CN" dirty="0"/>
+              <a:t>navigator</a:t>
+            </a:r>
+          </a:p>
+          <a:p>
+            <a:r>
+              <a:rPr lang="zh-CN" altLang="en-US" dirty="0"/>
+              <a:t>提供了</a:t>
+            </a:r>
+            <a:r>
+              <a:rPr lang="en-US" altLang="zh-CN" dirty="0"/>
+              <a:t>navigator</a:t>
+            </a:r>
+            <a:r>
+              <a:rPr lang="zh-CN" altLang="en-US" dirty="0"/>
+              <a:t>模块</a:t>
+            </a:r>
+            <a:endParaRPr lang="en-US" altLang="zh-CN" dirty="0"/>
           </a:p>
         </p:txBody>
       </p:sp>
     </p:spTree>
     <p:extLst>
       <p:ext uri="{BB962C8B-B14F-4D97-AF65-F5344CB8AC3E}">
-        <p14:creationId xmlns:p14="http://schemas.microsoft.com/office/powerpoint/2010/main" val="1864150722"/>
+        <p14:creationId xmlns:p14="http://schemas.microsoft.com/office/powerpoint/2010/main" val="1792974218"/>
       </p:ext>
     </p:extLst>
   </p:cSld>
@@ -5998,30 +6779,210 @@
           <a:bodyPr/>
           <a:lstStyle/>
           <a:p>
-            <a:r>
-              <a:rPr lang="en-US" altLang="zh-CN" b="1" dirty="0" err="1"/>
-              <a:t>Weex</a:t>
-            </a:r>
-            <a:r>
-              <a:rPr lang="en-US" altLang="zh-CN" b="1" dirty="0"/>
+            <a:endParaRPr kumimoji="1" lang="zh-CN" altLang="en-US" dirty="0"/>
+          </a:p>
+        </p:txBody>
+      </p:sp>
+      <p:sp>
+        <p:nvSpPr>
+          <p:cNvPr id="3" name="内容占位符 2"/>
+          <p:cNvSpPr>
+            <a:spLocks noGrp="1"/>
+          </p:cNvSpPr>
+          <p:nvPr>
+            <p:ph idx="1"/>
+          </p:nvPr>
+        </p:nvSpPr>
+        <p:spPr/>
+        <p:txBody>
+          <a:bodyPr>
+            <a:normAutofit lnSpcReduction="10000"/>
+          </a:bodyPr>
+          <a:lstStyle/>
+          <a:p>
+            <a:r>
+              <a:rPr kumimoji="1" lang="zh-CN" altLang="en-US" sz="3200" dirty="0"/>
+              <a:t>支持的事件类型</a:t>
+            </a:r>
+            <a:endParaRPr kumimoji="1" lang="en-US" altLang="zh-CN" sz="3200" dirty="0"/>
+          </a:p>
+          <a:p>
+            <a:r>
+              <a:rPr lang="zh-CN" altLang="en-US" dirty="0"/>
+              <a:t>标签支持绑定事件，和</a:t>
+            </a:r>
+            <a:r>
+              <a:rPr lang="en-US" altLang="zh-CN" dirty="0"/>
+              <a:t>web</a:t>
+            </a:r>
+            <a:r>
+              <a:rPr lang="zh-CN" altLang="en-US" dirty="0"/>
+              <a:t>页面写法一样，但</a:t>
+            </a:r>
+            <a:r>
+              <a:rPr lang="en-US" altLang="zh-CN" dirty="0"/>
+              <a:t>app</a:t>
+            </a:r>
+            <a:r>
+              <a:rPr lang="zh-CN" altLang="en-US" dirty="0"/>
+              <a:t> 中的事件是由原生组件捕获并触发的，行为和浏览器中有所不同，事件中的属性也和 </a:t>
+            </a:r>
+            <a:r>
+              <a:rPr lang="en-US" altLang="zh-CN" dirty="0"/>
+              <a:t>Web </a:t>
+            </a:r>
+            <a:r>
+              <a:rPr lang="zh-CN" altLang="en-US" dirty="0"/>
+              <a:t>中有差异。</a:t>
+            </a:r>
+            <a:endParaRPr lang="en-US" altLang="zh-CN" dirty="0"/>
+          </a:p>
+          <a:p>
+            <a:r>
+              <a:rPr lang="en-US" altLang="zh-CN" dirty="0"/>
+              <a:t>click</a:t>
+            </a:r>
+            <a:r>
+              <a:rPr lang="zh-CN" altLang="en-US" dirty="0"/>
+              <a:t> 点击</a:t>
+            </a:r>
+            <a:r>
+              <a:rPr lang="en-US" altLang="zh-CN" dirty="0"/>
+              <a:t>(input</a:t>
+            </a:r>
+            <a:r>
+              <a:rPr lang="zh-CN" altLang="en-US" dirty="0"/>
               <a:t> </a:t>
             </a:r>
             <a:r>
-              <a:rPr lang="zh-CN" altLang="en-US" b="1" dirty="0"/>
-              <a:t>和 </a:t>
-            </a:r>
-            <a:r>
-              <a:rPr lang="en-US" altLang="zh-CN" b="1" dirty="0"/>
-              <a:t>Web </a:t>
-            </a:r>
-            <a:r>
-              <a:rPr lang="zh-CN" altLang="en-US" b="1" dirty="0"/>
-              <a:t>平台的</a:t>
-            </a:r>
-            <a:r>
-              <a:rPr lang="zh-CN" altLang="en-US" b="1" dirty="0" smtClean="0"/>
-              <a:t>差异</a:t>
-            </a:r>
+              <a:rPr lang="en-US" altLang="zh-CN" dirty="0"/>
+              <a:t>switch</a:t>
+            </a:r>
+            <a:r>
+              <a:rPr lang="zh-CN" altLang="en-US" dirty="0"/>
+              <a:t>不支持可用</a:t>
+            </a:r>
+            <a:r>
+              <a:rPr lang="en-US" altLang="zh-CN" dirty="0"/>
+              <a:t>change</a:t>
+            </a:r>
+            <a:r>
+              <a:rPr lang="zh-CN" altLang="en-US" dirty="0"/>
+              <a:t> </a:t>
+            </a:r>
+            <a:r>
+              <a:rPr lang="en-US" altLang="zh-CN" dirty="0"/>
+              <a:t>input</a:t>
+            </a:r>
+            <a:r>
+              <a:rPr lang="zh-CN" altLang="en-US" dirty="0"/>
+              <a:t> 事件</a:t>
+            </a:r>
+            <a:r>
+              <a:rPr lang="en-US" altLang="zh-CN" dirty="0"/>
+              <a:t>)</a:t>
+            </a:r>
+          </a:p>
+          <a:p>
+            <a:r>
+              <a:rPr lang="en-US" altLang="zh-CN" dirty="0" err="1"/>
+              <a:t>longpress</a:t>
+            </a:r>
+            <a:r>
+              <a:rPr lang="zh-CN" altLang="en-US" dirty="0"/>
+              <a:t> 长按</a:t>
+            </a:r>
+            <a:endParaRPr lang="en-US" altLang="zh-CN" dirty="0"/>
+          </a:p>
+          <a:p>
+            <a:r>
+              <a:rPr lang="en-US" altLang="zh-CN" dirty="0"/>
+              <a:t>appear</a:t>
+            </a:r>
+            <a:r>
+              <a:rPr lang="zh-CN" altLang="en-US" dirty="0"/>
+              <a:t> 变为屏幕内可见</a:t>
+            </a:r>
+            <a:endParaRPr lang="en-US" altLang="zh-CN" dirty="0"/>
+          </a:p>
+          <a:p>
+            <a:r>
+              <a:rPr lang="en-US" altLang="zh-CN" dirty="0"/>
+              <a:t>disappear</a:t>
+            </a:r>
+            <a:r>
+              <a:rPr lang="zh-CN" altLang="en-US" dirty="0"/>
+              <a:t> 变为屏幕内不可见</a:t>
+            </a:r>
+            <a:endParaRPr lang="en-US" altLang="zh-CN" dirty="0"/>
+          </a:p>
+          <a:p>
+            <a:r>
+              <a:rPr lang="en-US" altLang="zh-CN" dirty="0"/>
+              <a:t>page</a:t>
+            </a:r>
+            <a:r>
+              <a:rPr lang="zh-CN" altLang="en-US" dirty="0"/>
+              <a:t>  打开新页面</a:t>
+            </a:r>
+            <a:endParaRPr lang="en-US" altLang="zh-CN" dirty="0"/>
+          </a:p>
+          <a:p>
+            <a:endParaRPr lang="en-US" altLang="zh-CN" b="1" dirty="0"/>
+          </a:p>
+          <a:p>
+            <a:endParaRPr lang="en-US" altLang="zh-CN" b="1" dirty="0"/>
+          </a:p>
+          <a:p>
+            <a:endParaRPr kumimoji="1" lang="zh-CN" altLang="en-US" dirty="0"/>
+          </a:p>
+        </p:txBody>
+      </p:sp>
+    </p:spTree>
+    <p:extLst>
+      <p:ext uri="{BB962C8B-B14F-4D97-AF65-F5344CB8AC3E}">
+        <p14:creationId xmlns:p14="http://schemas.microsoft.com/office/powerpoint/2010/main" val="1864150722"/>
+      </p:ext>
+    </p:extLst>
+  </p:cSld>
+  <p:clrMapOvr>
+    <a:masterClrMapping/>
+  </p:clrMapOvr>
+</p:sld>
+</file>
+
+<file path=ppt/slides/slide15.xml><?xml version="1.0" encoding="utf-8"?>
+<p:sld xmlns:a="http://schemas.openxmlformats.org/drawingml/2006/main" xmlns:r="http://schemas.openxmlformats.org/officeDocument/2006/relationships" xmlns:p="http://schemas.openxmlformats.org/presentationml/2006/main">
+  <p:cSld>
+    <p:spTree>
+      <p:nvGrpSpPr>
+        <p:cNvPr id="1" name=""/>
+        <p:cNvGrpSpPr/>
+        <p:nvPr/>
+      </p:nvGrpSpPr>
+      <p:grpSpPr>
+        <a:xfrm>
+          <a:off x="0" y="0"/>
+          <a:ext cx="0" cy="0"/>
+          <a:chOff x="0" y="0"/>
+          <a:chExt cx="0" cy="0"/>
+        </a:xfrm>
+      </p:grpSpPr>
+      <p:sp>
+        <p:nvSpPr>
+          <p:cNvPr id="2" name="标题 1"/>
+          <p:cNvSpPr>
+            <a:spLocks noGrp="1"/>
+          </p:cNvSpPr>
+          <p:nvPr>
+            <p:ph type="title"/>
+          </p:nvPr>
+        </p:nvSpPr>
+        <p:spPr/>
+        <p:txBody>
+          <a:bodyPr/>
+          <a:lstStyle/>
+          <a:p>
             <a:endParaRPr kumimoji="1" lang="zh-CN" altLang="en-US" dirty="0"/>
           </a:p>
         </p:txBody>
@@ -6044,15 +7005,11 @@
           <a:lstStyle/>
           <a:p>
             <a:r>
-              <a:rPr lang="zh-CN" altLang="en-US" sz="3200" b="1" dirty="0" smtClean="0"/>
-              <a:t>能够</a:t>
-            </a:r>
-            <a:r>
               <a:rPr lang="zh-CN" altLang="en-US" sz="3200" b="1" dirty="0"/>
-              <a:t>调用移动设备原生 </a:t>
-            </a:r>
-            <a:r>
-              <a:rPr lang="en-US" altLang="zh-CN" sz="3200" b="1" dirty="0" smtClean="0"/>
+              <a:t>能够调用移动设备原生 </a:t>
+            </a:r>
+            <a:r>
+              <a:rPr lang="en-US" altLang="zh-CN" sz="3200" b="1" dirty="0"/>
               <a:t>API</a:t>
             </a:r>
           </a:p>
@@ -6070,24 +7027,12 @@
               <a:t> </a:t>
             </a:r>
             <a:r>
-              <a:rPr lang="zh-CN" altLang="en-US" dirty="0" smtClean="0"/>
-              <a:t>内置的原生</a:t>
-            </a:r>
-            <a:r>
-              <a:rPr lang="zh-CN" altLang="en-US" dirty="0"/>
-              <a:t>模块</a:t>
-            </a:r>
-            <a:r>
-              <a:rPr lang="zh-CN" altLang="en-US" dirty="0" smtClean="0"/>
-              <a:t>有限</a:t>
-            </a:r>
-            <a:r>
-              <a:rPr lang="en-US" altLang="zh-CN" dirty="0" smtClean="0"/>
-              <a:t>(</a:t>
-            </a:r>
-            <a:r>
-              <a:rPr lang="en-US" altLang="zh-CN" dirty="0"/>
-              <a:t>clipboard </a:t>
+              <a:rPr lang="zh-CN" altLang="en-US" dirty="0"/>
+              <a:t>内置的原生模块有限</a:t>
+            </a:r>
+            <a:r>
+              <a:rPr lang="en-US" altLang="zh-CN" dirty="0"/>
+              <a:t>(clipboard </a:t>
             </a:r>
             <a:r>
               <a:rPr lang="zh-CN" altLang="en-US" dirty="0"/>
@@ -6110,16 +7055,12 @@
               <a:t>等。</a:t>
             </a:r>
             <a:r>
-              <a:rPr lang="en-US" altLang="zh-CN" dirty="0" smtClean="0"/>
+              <a:rPr lang="en-US" altLang="zh-CN" dirty="0"/>
               <a:t>)</a:t>
             </a:r>
             <a:r>
-              <a:rPr lang="zh-CN" altLang="en-US" dirty="0" smtClean="0"/>
-              <a:t>，</a:t>
-            </a:r>
-            <a:r>
-              <a:rPr lang="zh-CN" altLang="en-US" dirty="0"/>
-              <a:t>不过 </a:t>
+              <a:rPr lang="zh-CN" altLang="en-US" dirty="0"/>
+              <a:t>，不过 </a:t>
             </a:r>
             <a:r>
               <a:rPr lang="en-US" altLang="zh-CN" dirty="0" err="1"/>
@@ -6144,6 +7085,656 @@
     <p:extLst>
       <p:ext uri="{BB962C8B-B14F-4D97-AF65-F5344CB8AC3E}">
         <p14:creationId xmlns:p14="http://schemas.microsoft.com/office/powerpoint/2010/main" val="1764739813"/>
+      </p:ext>
+    </p:extLst>
+  </p:cSld>
+  <p:clrMapOvr>
+    <a:masterClrMapping/>
+  </p:clrMapOvr>
+</p:sld>
+</file>
+
+<file path=ppt/slides/slide16.xml><?xml version="1.0" encoding="utf-8"?>
+<p:sld xmlns:a="http://schemas.openxmlformats.org/drawingml/2006/main" xmlns:r="http://schemas.openxmlformats.org/officeDocument/2006/relationships" xmlns:p="http://schemas.openxmlformats.org/presentationml/2006/main">
+  <p:cSld>
+    <p:spTree>
+      <p:nvGrpSpPr>
+        <p:cNvPr id="1" name=""/>
+        <p:cNvGrpSpPr/>
+        <p:nvPr/>
+      </p:nvGrpSpPr>
+      <p:grpSpPr>
+        <a:xfrm>
+          <a:off x="0" y="0"/>
+          <a:ext cx="0" cy="0"/>
+          <a:chOff x="0" y="0"/>
+          <a:chExt cx="0" cy="0"/>
+        </a:xfrm>
+      </p:grpSpPr>
+      <p:sp>
+        <p:nvSpPr>
+          <p:cNvPr id="2" name="标题 1">
+            <a:extLst>
+              <a:ext uri="{FF2B5EF4-FFF2-40B4-BE49-F238E27FC236}">
+                <a16:creationId xmlns:a16="http://schemas.microsoft.com/office/drawing/2014/main" id="{BFF5DB12-6E26-4ACB-B974-67D0F704539E}"/>
+              </a:ext>
+            </a:extLst>
+          </p:cNvPr>
+          <p:cNvSpPr>
+            <a:spLocks noGrp="1"/>
+          </p:cNvSpPr>
+          <p:nvPr>
+            <p:ph type="title"/>
+          </p:nvPr>
+        </p:nvSpPr>
+        <p:spPr>
+          <a:xfrm>
+            <a:off x="838200" y="2692602"/>
+            <a:ext cx="10515600" cy="1325563"/>
+          </a:xfrm>
+        </p:spPr>
+        <p:txBody>
+          <a:bodyPr/>
+          <a:lstStyle/>
+          <a:p>
+            <a:r>
+              <a:rPr lang="en-US" altLang="zh-CN" b="1" dirty="0" err="1"/>
+              <a:t>Vue</a:t>
+            </a:r>
+            <a:r>
+              <a:rPr lang="en-US" altLang="zh-CN" b="1" dirty="0"/>
+              <a:t> 2.x </a:t>
+            </a:r>
+            <a:r>
+              <a:rPr lang="zh-CN" altLang="en-US" b="1" dirty="0"/>
+              <a:t>在 </a:t>
+            </a:r>
+            <a:r>
+              <a:rPr lang="en-US" altLang="zh-CN" b="1" dirty="0" err="1"/>
+              <a:t>Weex</a:t>
+            </a:r>
+            <a:r>
+              <a:rPr lang="en-US" altLang="zh-CN" b="1" dirty="0"/>
+              <a:t> </a:t>
+            </a:r>
+            <a:r>
+              <a:rPr lang="zh-CN" altLang="en-US" b="1" dirty="0"/>
+              <a:t>和 </a:t>
+            </a:r>
+            <a:r>
+              <a:rPr lang="en-US" altLang="zh-CN" b="1" dirty="0"/>
+              <a:t>Web </a:t>
+            </a:r>
+            <a:r>
+              <a:rPr lang="zh-CN" altLang="en-US" b="1" dirty="0"/>
+              <a:t>中的差异</a:t>
+            </a:r>
+            <a:endParaRPr lang="zh-CN" altLang="en-US" dirty="0"/>
+          </a:p>
+        </p:txBody>
+      </p:sp>
+      <p:sp>
+        <p:nvSpPr>
+          <p:cNvPr id="3" name="内容占位符 2">
+            <a:extLst>
+              <a:ext uri="{FF2B5EF4-FFF2-40B4-BE49-F238E27FC236}">
+                <a16:creationId xmlns:a16="http://schemas.microsoft.com/office/drawing/2014/main" id="{F8417500-6BCE-4776-BAD6-F58122775801}"/>
+              </a:ext>
+            </a:extLst>
+          </p:cNvPr>
+          <p:cNvSpPr>
+            <a:spLocks noGrp="1"/>
+          </p:cNvSpPr>
+          <p:nvPr>
+            <p:ph idx="1"/>
+          </p:nvPr>
+        </p:nvSpPr>
+        <p:spPr/>
+        <p:txBody>
+          <a:bodyPr/>
+          <a:lstStyle/>
+          <a:p>
+            <a:endParaRPr lang="zh-CN" altLang="en-US" dirty="0"/>
+          </a:p>
+        </p:txBody>
+      </p:sp>
+    </p:spTree>
+    <p:extLst>
+      <p:ext uri="{BB962C8B-B14F-4D97-AF65-F5344CB8AC3E}">
+        <p14:creationId xmlns:p14="http://schemas.microsoft.com/office/powerpoint/2010/main" val="3710591349"/>
+      </p:ext>
+    </p:extLst>
+  </p:cSld>
+  <p:clrMapOvr>
+    <a:masterClrMapping/>
+  </p:clrMapOvr>
+</p:sld>
+</file>
+
+<file path=ppt/slides/slide17.xml><?xml version="1.0" encoding="utf-8"?>
+<p:sld xmlns:a="http://schemas.openxmlformats.org/drawingml/2006/main" xmlns:r="http://schemas.openxmlformats.org/officeDocument/2006/relationships" xmlns:p="http://schemas.openxmlformats.org/presentationml/2006/main">
+  <p:cSld>
+    <p:spTree>
+      <p:nvGrpSpPr>
+        <p:cNvPr id="1" name=""/>
+        <p:cNvGrpSpPr/>
+        <p:nvPr/>
+      </p:nvGrpSpPr>
+      <p:grpSpPr>
+        <a:xfrm>
+          <a:off x="0" y="0"/>
+          <a:ext cx="0" cy="0"/>
+          <a:chOff x="0" y="0"/>
+          <a:chExt cx="0" cy="0"/>
+        </a:xfrm>
+      </p:grpSpPr>
+      <p:sp>
+        <p:nvSpPr>
+          <p:cNvPr id="2" name="标题 1">
+            <a:extLst>
+              <a:ext uri="{FF2B5EF4-FFF2-40B4-BE49-F238E27FC236}">
+                <a16:creationId xmlns:a16="http://schemas.microsoft.com/office/drawing/2014/main" id="{8DFAB3AD-47EC-4839-8DD6-1B98406D44D2}"/>
+              </a:ext>
+            </a:extLst>
+          </p:cNvPr>
+          <p:cNvSpPr>
+            <a:spLocks noGrp="1"/>
+          </p:cNvSpPr>
+          <p:nvPr>
+            <p:ph type="title"/>
+          </p:nvPr>
+        </p:nvSpPr>
+        <p:spPr/>
+        <p:txBody>
+          <a:bodyPr/>
+          <a:lstStyle/>
+          <a:p>
+            <a:r>
+              <a:rPr lang="zh-CN" altLang="en-US" b="1" dirty="0"/>
+              <a:t>功能差异</a:t>
+            </a:r>
+            <a:endParaRPr lang="zh-CN" altLang="en-US" dirty="0"/>
+          </a:p>
+        </p:txBody>
+      </p:sp>
+      <p:sp>
+        <p:nvSpPr>
+          <p:cNvPr id="3" name="内容占位符 2">
+            <a:extLst>
+              <a:ext uri="{FF2B5EF4-FFF2-40B4-BE49-F238E27FC236}">
+                <a16:creationId xmlns:a16="http://schemas.microsoft.com/office/drawing/2014/main" id="{5BF0348F-E484-48F4-BE02-B73D5D49D099}"/>
+              </a:ext>
+            </a:extLst>
+          </p:cNvPr>
+          <p:cNvSpPr>
+            <a:spLocks noGrp="1"/>
+          </p:cNvSpPr>
+          <p:nvPr>
+            <p:ph idx="1"/>
+          </p:nvPr>
+        </p:nvSpPr>
+        <p:spPr/>
+        <p:txBody>
+          <a:bodyPr/>
+          <a:lstStyle/>
+          <a:p>
+            <a:r>
+              <a:rPr lang="zh-CN" altLang="en-US" sz="3200" b="1" dirty="0"/>
+              <a:t>仅引入了 </a:t>
+            </a:r>
+            <a:r>
+              <a:rPr lang="en-US" altLang="zh-CN" sz="3200" b="1" dirty="0" err="1"/>
+              <a:t>Vue</a:t>
+            </a:r>
+            <a:r>
+              <a:rPr lang="en-US" altLang="zh-CN" sz="3200" b="1" dirty="0"/>
+              <a:t> Runtime</a:t>
+            </a:r>
+          </a:p>
+          <a:p>
+            <a:r>
+              <a:rPr lang="zh-CN" altLang="en-US" dirty="0"/>
+              <a:t>定义组件时不支持使用</a:t>
+            </a:r>
+            <a:r>
+              <a:rPr lang="en-US" altLang="zh-CN" dirty="0"/>
+              <a:t>template</a:t>
+            </a:r>
+          </a:p>
+          <a:p>
+            <a:r>
+              <a:rPr lang="zh-CN" altLang="en-US" dirty="0"/>
+              <a:t>不支持使用 </a:t>
+            </a:r>
+            <a:r>
+              <a:rPr lang="en-US" altLang="zh-CN" dirty="0"/>
+              <a:t>x-templates</a:t>
+            </a:r>
+          </a:p>
+          <a:p>
+            <a:r>
+              <a:rPr lang="zh-CN" altLang="en-US" dirty="0"/>
+              <a:t>不支持使用 </a:t>
+            </a:r>
+            <a:r>
+              <a:rPr lang="en-US" altLang="zh-CN" dirty="0" err="1"/>
+              <a:t>Vue.compile</a:t>
+            </a:r>
+            <a:endParaRPr lang="en-US" altLang="zh-CN" b="1" dirty="0"/>
+          </a:p>
+          <a:p>
+            <a:r>
+              <a:rPr lang="zh-CN" altLang="en-US" sz="3200" b="1" dirty="0"/>
+              <a:t>隔离多页面的作用域</a:t>
+            </a:r>
+            <a:endParaRPr lang="en-US" altLang="zh-CN" sz="3200" b="1" dirty="0"/>
+          </a:p>
+          <a:p>
+            <a:r>
+              <a:rPr lang="en-US" altLang="zh-CN" sz="3200" b="1" dirty="0" err="1"/>
+              <a:t>Vue.config</a:t>
+            </a:r>
+            <a:r>
+              <a:rPr lang="en-US" altLang="zh-CN" sz="3200" b="1" dirty="0"/>
+              <a:t>  </a:t>
+            </a:r>
+            <a:r>
+              <a:rPr lang="en-US" altLang="zh-CN" sz="3200" b="1" dirty="0" err="1"/>
+              <a:t>Vue.component</a:t>
+            </a:r>
+            <a:r>
+              <a:rPr lang="en-US" altLang="zh-CN" sz="3200" b="1" dirty="0"/>
+              <a:t>  </a:t>
+            </a:r>
+            <a:r>
+              <a:rPr lang="en-US" altLang="zh-CN" sz="3200" b="1" dirty="0" err="1"/>
+              <a:t>Vue.filter</a:t>
+            </a:r>
+            <a:r>
+              <a:rPr lang="en-US" altLang="zh-CN" sz="3200" b="1" dirty="0"/>
+              <a:t>  </a:t>
+            </a:r>
+            <a:r>
+              <a:rPr lang="en-US" altLang="zh-CN" sz="3200" b="1" dirty="0" err="1"/>
+              <a:t>Vue.mixin</a:t>
+            </a:r>
+            <a:r>
+              <a:rPr lang="en-US" altLang="zh-CN" sz="3200" b="1" dirty="0"/>
+              <a:t>  </a:t>
+            </a:r>
+            <a:r>
+              <a:rPr lang="en-US" altLang="zh-CN" sz="3200" b="1" dirty="0" err="1"/>
+              <a:t>Vue.use</a:t>
+            </a:r>
+            <a:endParaRPr lang="en-US" altLang="zh-CN" sz="3200" b="1" dirty="0"/>
+          </a:p>
+          <a:p>
+            <a:r>
+              <a:rPr lang="zh-CN" altLang="en-US" sz="3200" b="1" dirty="0"/>
+              <a:t>功能不受影响，但是只在一页内生效</a:t>
+            </a:r>
+            <a:endParaRPr lang="en-US" altLang="zh-CN" sz="3200" b="1" dirty="0"/>
+          </a:p>
+          <a:p>
+            <a:endParaRPr lang="zh-CN" altLang="en-US" b="1" dirty="0"/>
+          </a:p>
+          <a:p>
+            <a:endParaRPr lang="zh-CN" altLang="en-US" dirty="0"/>
+          </a:p>
+        </p:txBody>
+      </p:sp>
+    </p:spTree>
+    <p:extLst>
+      <p:ext uri="{BB962C8B-B14F-4D97-AF65-F5344CB8AC3E}">
+        <p14:creationId xmlns:p14="http://schemas.microsoft.com/office/powerpoint/2010/main" val="3551511843"/>
+      </p:ext>
+    </p:extLst>
+  </p:cSld>
+  <p:clrMapOvr>
+    <a:masterClrMapping/>
+  </p:clrMapOvr>
+</p:sld>
+</file>
+
+<file path=ppt/slides/slide18.xml><?xml version="1.0" encoding="utf-8"?>
+<p:sld xmlns:a="http://schemas.openxmlformats.org/drawingml/2006/main" xmlns:r="http://schemas.openxmlformats.org/officeDocument/2006/relationships" xmlns:p="http://schemas.openxmlformats.org/presentationml/2006/main">
+  <p:cSld>
+    <p:spTree>
+      <p:nvGrpSpPr>
+        <p:cNvPr id="1" name=""/>
+        <p:cNvGrpSpPr/>
+        <p:nvPr/>
+      </p:nvGrpSpPr>
+      <p:grpSpPr>
+        <a:xfrm>
+          <a:off x="0" y="0"/>
+          <a:ext cx="0" cy="0"/>
+          <a:chOff x="0" y="0"/>
+          <a:chExt cx="0" cy="0"/>
+        </a:xfrm>
+      </p:grpSpPr>
+      <p:sp>
+        <p:nvSpPr>
+          <p:cNvPr id="2" name="标题 1">
+            <a:extLst>
+              <a:ext uri="{FF2B5EF4-FFF2-40B4-BE49-F238E27FC236}">
+                <a16:creationId xmlns:a16="http://schemas.microsoft.com/office/drawing/2014/main" id="{6F7256C2-53F3-49EA-9110-CC9660A3DF68}"/>
+              </a:ext>
+            </a:extLst>
+          </p:cNvPr>
+          <p:cNvSpPr>
+            <a:spLocks noGrp="1"/>
+          </p:cNvSpPr>
+          <p:nvPr>
+            <p:ph type="title"/>
+          </p:nvPr>
+        </p:nvSpPr>
+        <p:spPr/>
+        <p:txBody>
+          <a:bodyPr/>
+          <a:lstStyle/>
+          <a:p>
+            <a:r>
+              <a:rPr lang="zh-CN" altLang="en-US" b="1" dirty="0"/>
+              <a:t>样式差异</a:t>
+            </a:r>
+            <a:endParaRPr lang="zh-CN" altLang="en-US" dirty="0"/>
+          </a:p>
+        </p:txBody>
+      </p:sp>
+      <p:sp>
+        <p:nvSpPr>
+          <p:cNvPr id="3" name="内容占位符 2">
+            <a:extLst>
+              <a:ext uri="{FF2B5EF4-FFF2-40B4-BE49-F238E27FC236}">
+                <a16:creationId xmlns:a16="http://schemas.microsoft.com/office/drawing/2014/main" id="{D9E46BD7-E95E-4FA2-8AB0-B0A55746A7FA}"/>
+              </a:ext>
+            </a:extLst>
+          </p:cNvPr>
+          <p:cNvSpPr>
+            <a:spLocks noGrp="1"/>
+          </p:cNvSpPr>
+          <p:nvPr>
+            <p:ph idx="1"/>
+          </p:nvPr>
+        </p:nvSpPr>
+        <p:spPr/>
+        <p:txBody>
+          <a:bodyPr/>
+          <a:lstStyle/>
+          <a:p>
+            <a:r>
+              <a:rPr lang="zh-CN" altLang="en-US" sz="3200" b="1" dirty="0"/>
+              <a:t>单类名选择器和作用域</a:t>
+            </a:r>
+          </a:p>
+          <a:p>
+            <a:r>
+              <a:rPr lang="en-US" altLang="zh-CN" dirty="0" err="1"/>
+              <a:t>Weex</a:t>
+            </a:r>
+            <a:r>
+              <a:rPr lang="en-US" altLang="zh-CN" dirty="0"/>
+              <a:t> </a:t>
+            </a:r>
+            <a:r>
+              <a:rPr lang="zh-CN" altLang="en-US" dirty="0"/>
+              <a:t>中只支持单个类名选择器，不支持关系选择器，也不支持属性选择器。</a:t>
+            </a:r>
+            <a:endParaRPr lang="en-US" altLang="zh-CN" dirty="0"/>
+          </a:p>
+          <a:p>
+            <a:endParaRPr lang="en-US" altLang="zh-CN" dirty="0"/>
+          </a:p>
+          <a:p>
+            <a:r>
+              <a:rPr lang="zh-CN" altLang="en-US" sz="3200" b="1" dirty="0"/>
+              <a:t>组件级别的作用域</a:t>
+            </a:r>
+            <a:endParaRPr lang="en-US" altLang="zh-CN" sz="3200" b="1" dirty="0"/>
+          </a:p>
+          <a:p>
+            <a:endParaRPr lang="zh-CN" altLang="en-US" sz="3200" b="1" dirty="0"/>
+          </a:p>
+          <a:p>
+            <a:r>
+              <a:rPr lang="zh-CN" altLang="en-US" sz="3200" b="1" dirty="0"/>
+              <a:t>支持的样式属性</a:t>
+            </a:r>
+            <a:endParaRPr lang="en-US" altLang="zh-CN" sz="3200" b="1" dirty="0"/>
+          </a:p>
+          <a:p>
+            <a:r>
+              <a:rPr lang="en-US" altLang="zh-CN" dirty="0" err="1"/>
+              <a:t>Weex</a:t>
+            </a:r>
+            <a:r>
+              <a:rPr lang="en-US" altLang="zh-CN" dirty="0"/>
+              <a:t> </a:t>
+            </a:r>
+            <a:r>
+              <a:rPr lang="zh-CN" altLang="en-US" dirty="0"/>
+              <a:t>支持了基本的盒模型和 </a:t>
+            </a:r>
+            <a:r>
+              <a:rPr lang="en-US" altLang="zh-CN" dirty="0"/>
+              <a:t>flexbox </a:t>
+            </a:r>
+            <a:r>
+              <a:rPr lang="zh-CN" altLang="en-US" dirty="0"/>
+              <a:t>布局，以及其他常用样式</a:t>
+            </a:r>
+            <a:endParaRPr lang="zh-CN" altLang="en-US" sz="3200" b="1" dirty="0"/>
+          </a:p>
+          <a:p>
+            <a:endParaRPr lang="zh-CN" altLang="en-US" dirty="0"/>
+          </a:p>
+        </p:txBody>
+      </p:sp>
+    </p:spTree>
+    <p:extLst>
+      <p:ext uri="{BB962C8B-B14F-4D97-AF65-F5344CB8AC3E}">
+        <p14:creationId xmlns:p14="http://schemas.microsoft.com/office/powerpoint/2010/main" val="2717049133"/>
+      </p:ext>
+    </p:extLst>
+  </p:cSld>
+  <p:clrMapOvr>
+    <a:masterClrMapping/>
+  </p:clrMapOvr>
+</p:sld>
+</file>
+
+<file path=ppt/slides/slide19.xml><?xml version="1.0" encoding="utf-8"?>
+<p:sld xmlns:a="http://schemas.openxmlformats.org/drawingml/2006/main" xmlns:r="http://schemas.openxmlformats.org/officeDocument/2006/relationships" xmlns:p="http://schemas.openxmlformats.org/presentationml/2006/main">
+  <p:cSld>
+    <p:spTree>
+      <p:nvGrpSpPr>
+        <p:cNvPr id="1" name=""/>
+        <p:cNvGrpSpPr/>
+        <p:nvPr/>
+      </p:nvGrpSpPr>
+      <p:grpSpPr>
+        <a:xfrm>
+          <a:off x="0" y="0"/>
+          <a:ext cx="0" cy="0"/>
+          <a:chOff x="0" y="0"/>
+          <a:chExt cx="0" cy="0"/>
+        </a:xfrm>
+      </p:grpSpPr>
+      <p:sp>
+        <p:nvSpPr>
+          <p:cNvPr id="2" name="标题 1">
+            <a:extLst>
+              <a:ext uri="{FF2B5EF4-FFF2-40B4-BE49-F238E27FC236}">
+                <a16:creationId xmlns:a16="http://schemas.microsoft.com/office/drawing/2014/main" id="{FFEEDCE9-FCCC-4369-89C1-304007B5E5FB}"/>
+              </a:ext>
+            </a:extLst>
+          </p:cNvPr>
+          <p:cNvSpPr>
+            <a:spLocks noGrp="1"/>
+          </p:cNvSpPr>
+          <p:nvPr>
+            <p:ph type="title"/>
+          </p:nvPr>
+        </p:nvSpPr>
+        <p:spPr/>
+        <p:txBody>
+          <a:bodyPr/>
+          <a:lstStyle/>
+          <a:p>
+            <a:r>
+              <a:rPr lang="zh-CN" altLang="en-US" b="1" dirty="0"/>
+              <a:t>编译环境的差异</a:t>
+            </a:r>
+            <a:endParaRPr lang="zh-CN" altLang="en-US" dirty="0"/>
+          </a:p>
+        </p:txBody>
+      </p:sp>
+      <p:sp>
+        <p:nvSpPr>
+          <p:cNvPr id="3" name="内容占位符 2">
+            <a:extLst>
+              <a:ext uri="{FF2B5EF4-FFF2-40B4-BE49-F238E27FC236}">
+                <a16:creationId xmlns:a16="http://schemas.microsoft.com/office/drawing/2014/main" id="{D58F4A1E-D0E9-42D5-8AA5-048C668862A8}"/>
+              </a:ext>
+            </a:extLst>
+          </p:cNvPr>
+          <p:cNvSpPr>
+            <a:spLocks noGrp="1"/>
+          </p:cNvSpPr>
+          <p:nvPr>
+            <p:ph idx="1"/>
+          </p:nvPr>
+        </p:nvSpPr>
+        <p:spPr/>
+        <p:txBody>
+          <a:bodyPr/>
+          <a:lstStyle/>
+          <a:p>
+            <a:r>
+              <a:rPr lang="en-US" altLang="zh-CN" dirty="0"/>
+              <a:t>Web </a:t>
+            </a:r>
+            <a:r>
+              <a:rPr lang="zh-CN" altLang="en-US" dirty="0"/>
+              <a:t>平台，和普通 </a:t>
+            </a:r>
+            <a:r>
+              <a:rPr lang="en-US" altLang="zh-CN" dirty="0" err="1"/>
+              <a:t>Vue</a:t>
+            </a:r>
+            <a:r>
+              <a:rPr lang="en-US" altLang="zh-CN" dirty="0"/>
+              <a:t> 2.X </a:t>
+            </a:r>
+            <a:r>
+              <a:rPr lang="zh-CN" altLang="en-US" dirty="0"/>
+              <a:t>项目一样，可以使用任意官方推荐的方式编译源文件。</a:t>
+            </a:r>
+            <a:endParaRPr lang="en-US" altLang="zh-CN" dirty="0"/>
+          </a:p>
+          <a:p>
+            <a:endParaRPr lang="en-US" altLang="zh-CN" dirty="0"/>
+          </a:p>
+          <a:p>
+            <a:r>
+              <a:rPr lang="en-US" altLang="zh-CN" dirty="0"/>
+              <a:t> Android </a:t>
+            </a:r>
+            <a:r>
+              <a:rPr lang="zh-CN" altLang="en-US" dirty="0"/>
+              <a:t>和 </a:t>
+            </a:r>
+            <a:r>
+              <a:rPr lang="en-US" altLang="zh-CN" dirty="0"/>
+              <a:t>iOS </a:t>
+            </a:r>
+            <a:r>
+              <a:rPr lang="zh-CN" altLang="en-US" dirty="0"/>
+              <a:t>平台，目前只能使用 </a:t>
+            </a:r>
+            <a:r>
+              <a:rPr lang="en-US" altLang="zh-CN" dirty="0" err="1"/>
+              <a:t>Webpack</a:t>
+            </a:r>
+            <a:r>
+              <a:rPr lang="en-US" altLang="zh-CN" dirty="0"/>
+              <a:t> + </a:t>
+            </a:r>
+            <a:r>
+              <a:rPr lang="en-US" altLang="zh-CN" dirty="0" err="1"/>
+              <a:t>weex</a:t>
+            </a:r>
+            <a:r>
+              <a:rPr lang="en-US" altLang="zh-CN" dirty="0"/>
+              <a:t>-loader </a:t>
+            </a:r>
+            <a:r>
+              <a:rPr lang="zh-CN" altLang="en-US" dirty="0"/>
+              <a:t>来生成原生端可用的 </a:t>
+            </a:r>
+            <a:r>
+              <a:rPr lang="en-US" altLang="zh-CN" dirty="0" err="1"/>
+              <a:t>js</a:t>
+            </a:r>
+            <a:r>
+              <a:rPr lang="en-US" altLang="zh-CN" dirty="0"/>
+              <a:t> bundle</a:t>
+            </a:r>
+            <a:r>
+              <a:rPr lang="zh-CN" altLang="en-US" dirty="0"/>
+              <a:t>。</a:t>
+            </a:r>
+            <a:endParaRPr lang="en-US" altLang="zh-CN" dirty="0"/>
+          </a:p>
+          <a:p>
+            <a:endParaRPr lang="en-US" altLang="zh-CN" dirty="0"/>
+          </a:p>
+          <a:p>
+            <a:r>
+              <a:rPr lang="zh-CN" altLang="en-US" dirty="0"/>
+              <a:t>使用 </a:t>
+            </a:r>
+            <a:r>
+              <a:rPr lang="en-US" altLang="zh-CN" dirty="0" err="1"/>
+              <a:t>weex</a:t>
+            </a:r>
+            <a:r>
+              <a:rPr lang="en-US" altLang="zh-CN" dirty="0"/>
+              <a:t>-loader </a:t>
+            </a:r>
+            <a:r>
+              <a:rPr lang="zh-CN" altLang="en-US" dirty="0"/>
+              <a:t>时推荐使用</a:t>
+            </a:r>
+            <a:r>
+              <a:rPr lang="en-US" altLang="zh-CN" dirty="0"/>
+              <a:t>.</a:t>
+            </a:r>
+            <a:r>
+              <a:rPr lang="en-US" altLang="zh-CN" dirty="0" err="1"/>
+              <a:t>js</a:t>
+            </a:r>
+            <a:r>
+              <a:rPr lang="zh-CN" altLang="en-US" dirty="0"/>
+              <a:t>文件作为</a:t>
+            </a:r>
+            <a:r>
+              <a:rPr lang="en-US" altLang="zh-CN" dirty="0" err="1"/>
+              <a:t>webpack</a:t>
+            </a:r>
+            <a:r>
+              <a:rPr lang="zh-CN" altLang="en-US" dirty="0"/>
+              <a:t>的入口文件</a:t>
+            </a:r>
+            <a:endParaRPr lang="en-US" altLang="zh-CN" dirty="0"/>
+          </a:p>
+        </p:txBody>
+      </p:sp>
+    </p:spTree>
+    <p:extLst>
+      <p:ext uri="{BB962C8B-B14F-4D97-AF65-F5344CB8AC3E}">
+        <p14:creationId xmlns:p14="http://schemas.microsoft.com/office/powerpoint/2010/main" val="3181905476"/>
       </p:ext>
     </p:extLst>
   </p:cSld>
@@ -6186,11 +7777,11 @@
           <a:lstStyle/>
           <a:p>
             <a:r>
-              <a:rPr kumimoji="1" lang="zh-CN" altLang="en-US" dirty="0" smtClean="0"/>
+              <a:rPr kumimoji="1" lang="zh-CN" altLang="en-US" dirty="0"/>
               <a:t>什么是 </a:t>
             </a:r>
             <a:r>
-              <a:rPr kumimoji="1" lang="en-US" altLang="zh-CN" dirty="0" smtClean="0"/>
+              <a:rPr kumimoji="1" lang="en-US" altLang="zh-CN" dirty="0"/>
               <a:t>WEEX</a:t>
             </a:r>
             <a:endParaRPr kumimoji="1" lang="zh-CN" altLang="en-US" dirty="0"/>
@@ -6359,7 +7950,7 @@
           <p:cNvPr id="2" name="标题 1">
             <a:extLst>
               <a:ext uri="{FF2B5EF4-FFF2-40B4-BE49-F238E27FC236}">
-                <a16:creationId xmlns="" xmlns:a16="http://schemas.microsoft.com/office/drawing/2014/main" id="{F9549C25-DA90-4541-83DA-5E67BF970F8F}"/>
+                <a16:creationId xmlns:a16="http://schemas.microsoft.com/office/drawing/2014/main" id="{F9549C25-DA90-4541-83DA-5E67BF970F8F}"/>
               </a:ext>
             </a:extLst>
           </p:cNvPr>
@@ -6388,7 +7979,7 @@
           <p:cNvPr id="3" name="内容占位符 2">
             <a:extLst>
               <a:ext uri="{FF2B5EF4-FFF2-40B4-BE49-F238E27FC236}">
-                <a16:creationId xmlns="" xmlns:a16="http://schemas.microsoft.com/office/drawing/2014/main" id="{9D13C49D-066E-4527-94CB-98CBE95A2B9D}"/>
+                <a16:creationId xmlns:a16="http://schemas.microsoft.com/office/drawing/2014/main" id="{9D13C49D-066E-4527-94CB-98CBE95A2B9D}"/>
               </a:ext>
             </a:extLst>
           </p:cNvPr>
